--- a/ResourceFiles/Mystic Spice Premium Chai Market Analysis Presentation.pptx
+++ b/ResourceFiles/Mystic Spice Premium Chai Market Analysis Presentation.pptx
@@ -524,7 +524,7 @@
                 <a:ea typeface="Aptos"/>
                 <a:cs typeface="Aptos"/>
               </a:rPr>
-              <a:t>Diese Präsentation wurde automatisch von PowerPoint Copilot basierend auf inhalten generiert, die in diesem Dokument gefunden wurden:</a:t>
+              <a:t>Diese Präsentation wurde automatisch von PowerPoint Copilot generiert und basiert auf Inhalten, die in diesem Dokument gefunden wurden:</a:t>
             </a:r>
             <a:r>
               <a:rPr sz="1200"/>
@@ -568,7 +568,7 @@
                 <a:ea typeface="Aptos"/>
                 <a:cs typeface="Aptos"/>
               </a:rPr>
-              <a:t>VON KI generierten Inhalten sind möglicherweise falsch.</a:t>
+              <a:t>VON KI generierte Inhalte sind möglicherweise nicht korrekt.</a:t>
             </a:r>
           </a:p>
         </p:txBody>
@@ -736,7 +736,7 @@
                 <a:ea typeface="Aptos"/>
                 <a:cs typeface="Aptos"/>
               </a:rPr>
-              <a:t>Original Content:</a:t>
+              <a:t>Originalinhalt:</a:t>
             </a:r>
             <a:r>
               <a:rPr sz="1200"/>
@@ -753,7 +753,7 @@
                 <a:ea typeface="Aptos"/>
                 <a:cs typeface="Aptos"/>
               </a:rPr>
-              <a:t>Distributoren sind die Unternehmen, die Chai-Teeprodukte im Namen der Hersteller oder Großhändler vertreten und vertreiben.</a:t>
+              <a:t>Vertriebspartner sind die Unternehmen, die Chai-Tee-Produkte im Namen der Hersteller oder Großhändler vertreten und vertreiben.</a:t>
             </a:r>
             <a:r>
               <a:rPr lang="de-DE" sz="1200" b="0" i="0" strike="noStrike" cap="none" baseline="0">
@@ -825,7 +825,12 @@
                 <a:ea typeface="Aptos"/>
                 <a:cs typeface="Aptos"/>
               </a:rPr>
-              <a:t>Zu den wichtigsten Vertriebspartnern für Chai-Tee-Produkte in Lateinamerika gehören Unilever, Nestle, Coca-Cola und PepsiCo.</a:t>
+              <a:t>Zu den wichtigsten Vertriebspartnern von Chai-Tee-Produkten in Lateinamerika gehören Unilever, Nestle, Coca-Cola und PepsiCo.</a:t>
+            </a:r>
+            <a:r>
+              <a:rPr sz="1200"/>
+              <a:t>
+</a:t>
             </a:r>
           </a:p>
         </p:txBody>
@@ -966,7 +971,7 @@
                 <a:ea typeface="Aptos"/>
                 <a:cs typeface="Aptos"/>
               </a:rPr>
-              <a:t>Der Plan wird über 12 Monate mit einem Budget von 100.000 US-Dollar implementiert und mithilfe von Schlüsselleistungsindikatoren ausgewertet.</a:t>
+              <a:t>Der Plan wird über 12 Monate mit einem Budget von 100.000 US-Dollar implementiert und mithilfe von wichtigen Leistungsindikatoren ausgewertet.</a:t>
             </a:r>
             <a:r>
               <a:rPr sz="1200"/>
@@ -993,7 +998,7 @@
                 <a:ea typeface="Aptos"/>
                 <a:cs typeface="Aptos"/>
               </a:rPr>
-              <a:t>Ursprünglicher Inhalt:</a:t>
+              <a:t>Originalinhalt:</a:t>
             </a:r>
             <a:r>
               <a:rPr sz="1200"/>
@@ -1010,7 +1015,7 @@
                 <a:ea typeface="Aptos"/>
                 <a:cs typeface="Aptos"/>
               </a:rPr>
-              <a:t>Promotionsplan und Strategie</a:t>
+              <a:t>Werbeplan und -strategie</a:t>
             </a:r>
             <a:r>
               <a:rPr sz="1200"/>
@@ -1027,7 +1032,7 @@
                 <a:ea typeface="Aptos"/>
                 <a:cs typeface="Aptos"/>
               </a:rPr>
-              <a:t>Der Promotionsplan und die Strategie für Chai-Tee in Lateinamerika zielt darauf ab, die folgenden Ziele zu erreichen:</a:t>
+              <a:t>Der Werbeplan und die Werbestrategie für Chai-Tee in Lateinamerika zielen darauf ab, die folgenden Ziele zu erreichen:</a:t>
             </a:r>
             <a:r>
               <a:rPr sz="1200"/>
@@ -1044,7 +1049,7 @@
                 <a:ea typeface="Aptos"/>
                 <a:cs typeface="Aptos"/>
               </a:rPr>
-              <a:t>·         Bewusstsein und Interesse an Chai-Tee unter der Zielgruppe</a:t>
+              <a:t>· Steigerung des Bewusstseins für und des Interesses an Chai-Tee in der Zielgruppe</a:t>
             </a:r>
             <a:r>
               <a:rPr sz="1200"/>
@@ -1061,7 +1066,7 @@
                 <a:ea typeface="Aptos"/>
                 <a:cs typeface="Aptos"/>
               </a:rPr>
-              <a:t> erhöhen·         Position Chai Tee als Premium-, Natürliches und gesundes Produkt, das ein einzigartiges und befriedigendes Erlebnis</a:t>
+              <a:t>· Positionierung von Chai-Tee als natürliches und gesundes Premium-Produkt, das einen einzigartigen Genuss bietet</a:t>
             </a:r>
             <a:r>
               <a:rPr sz="1200"/>
@@ -1078,7 +1083,7 @@
                 <a:ea typeface="Aptos"/>
                 <a:cs typeface="Aptos"/>
               </a:rPr>
-              <a:t> bietet·         Ermutigen Sie die Testversion und den Kauf von Chai-Tee über verschiedene Kanäle und Anreize</a:t>
+              <a:t>· Ermutigung zum Ausprobieren und Kaufen von Chai-Tee über verschiedene Vertriebskanäle</a:t>
             </a:r>
             <a:r>
               <a:rPr sz="1200"/>
@@ -1095,7 +1100,7 @@
                 <a:ea typeface="Aptos"/>
                 <a:cs typeface="Aptos"/>
               </a:rPr>
-              <a:t>·         Bauen Sie Loyalität und Aufbewahrung zwischen Chai-Tee-Verbrauchern durch Engagement und Feedback</a:t>
+              <a:t>· Aufbau von Treue und Bindung der Chai-Tee-Verbrauchenden durch Engagement und Feedback</a:t>
             </a:r>
             <a:r>
               <a:rPr sz="1200"/>
@@ -1112,7 +1117,7 @@
                 <a:ea typeface="Aptos"/>
                 <a:cs typeface="Aptos"/>
               </a:rPr>
-              <a:t>. Der Promotionsplan und die Strategie für Chai-Tee in Lateinamerika werden eine Kombination aus Taktiken wie:</a:t>
+              <a:t>Werbeplan und  und -strategie für Chai-Tee in Lateinamerika werden sich einer Kombination von Taktiken bedienen, wie etwa:</a:t>
             </a:r>
             <a:r>
               <a:rPr sz="1200"/>
@@ -1129,7 +1134,7 @@
                 <a:ea typeface="Aptos"/>
                 <a:cs typeface="Aptos"/>
               </a:rPr>
-              <a:t>·         Erstellen eines catchy und unvergesslichen Markennamens und Logos für Chai-Tee</a:t>
+              <a:t>· Erstellung eines attraktiven und unvergesslichen Markennamens und Logos für Chai-Tee</a:t>
             </a:r>
             <a:r>
               <a:rPr sz="1200"/>
@@ -1146,7 +1151,7 @@
                 <a:ea typeface="Aptos"/>
                 <a:cs typeface="Aptos"/>
               </a:rPr>
-              <a:t>·         Entwicklung einer Website und Social Media Präsenz für Chai-Tee, die seine Vorteile, Features und Geschichten</a:t>
+              <a:t>· Entwicklung einer Website und Präsenz in den sozialen Medien für Chai-Tee, um seine Vorteile, Eigenschaften und Geschichten zu präsentieren</a:t>
             </a:r>
             <a:r>
               <a:rPr sz="1200"/>
@@ -1163,7 +1168,7 @@
                 <a:ea typeface="Aptos"/>
                 <a:cs typeface="Aptos"/>
               </a:rPr>
-              <a:t> zeigt·         Einführung einer digitalen Marketingkampagne, die SEO, SEM, E-Mail-Marketing und Influencer-Marketing verwendet, um potenzielle Kunden</a:t>
+              <a:t>· Einführung einer digitalen Marketingkampagne, die SEO, SEM, E-Mail-Marketing und Influencer-Marketing verwendet, um potenzielle Kundinnen und Kunden zu erreichen und zu gewinnen</a:t>
             </a:r>
             <a:r>
               <a:rPr sz="1200"/>
@@ -1180,7 +1185,7 @@
                 <a:ea typeface="Aptos"/>
                 <a:cs typeface="Aptos"/>
               </a:rPr>
-              <a:t> zu erreichen und zu gewinnen·         Verteilen kostenloser Proben und Coupons von Chai-Tee an strategischen Standorten, wie Supermärkten, Cafés und Gesundheitsgeschäften</a:t>
+              <a:t>· Verteilung kostenloser Proben und Coupons für Chai-Tee an strategischen Standorten wie Supermärkten, Cafés und Gesundheitsgeschäften</a:t>
             </a:r>
             <a:r>
               <a:rPr sz="1200"/>
@@ -1197,7 +1202,7 @@
                 <a:ea typeface="Aptos"/>
                 <a:cs typeface="Aptos"/>
               </a:rPr>
-              <a:t>·         Organisieren von Veranstaltungen und Wettbewerben, die Personen einladen, Chai-Tee mit ihren Freunden und der Familie</a:t>
+              <a:t>· Organisation von Veranstaltungen und Wettbewerben, bei denen Personen eingeladen werden, Chai-Tee mit ihren Freunden und der Familie zu probieren</a:t>
             </a:r>
             <a:r>
               <a:rPr sz="1200"/>
@@ -1214,7 +1219,7 @@
                 <a:ea typeface="Aptos"/>
                 <a:cs typeface="Aptos"/>
               </a:rPr>
-              <a:t> zu teilen·         Die Zusammenarbeit mit lokalen Unternehmen und Organisationen, die die gleichen Werte und Visionen wie Chai Tea</a:t>
+              <a:t>· Zusammenarbeit mit lokalen Unternehmen und Organisationen, deren Werte und Visionen mit Chai-Tee im Einklang stehen</a:t>
             </a:r>
             <a:r>
               <a:rPr sz="1200"/>
@@ -1231,7 +1236,7 @@
                 <a:ea typeface="Aptos"/>
                 <a:cs typeface="Aptos"/>
               </a:rPr>
-              <a:t>teilen, der Promotionsplan und die Strategie für Chai-Tee in Lateinamerika werden über einen Zeitraum von 12 Monaten mit einem Budget von 100.000 US-Dollar implementiert.</a:t>
+              <a:t>Werbeplan und -strategie für Chai-Tee in Lateinamerika werden über einen Zeitraum von 12 Monaten mit einem Budget von 100.000 US-Dollar umgesetzt.</a:t>
             </a:r>
             <a:r>
               <a:rPr lang="de-DE" sz="1200" b="0" i="0" strike="noStrike" cap="none" baseline="0">
@@ -1255,7 +1260,12 @@
                 <a:ea typeface="Aptos"/>
                 <a:cs typeface="Aptos"/>
               </a:rPr>
-              <a:t>Der Plan wird anhand von Leistungsindikatoren wie Website-Datenverkehr, Social-Media-Engagement, E-Mail-Öffnungsraten, Konversionsraten, Umsatzvolumen, Kundenzufriedenheit und Kundenbindungsraten überwacht und bewertet.</a:t>
+              <a:t>Der Plan wird anhand von Leistungsindikatoren wie Website-Datenverkehr, Engagement in sozialen Medien, E-Mail-Öffnungsraten, Konversionsraten, Umsatzvolumen, Kundenzufriedenheit und Kundenbindungsraten überwacht und bewertet.</a:t>
+            </a:r>
+            <a:r>
+              <a:rPr sz="1200"/>
+              <a:t>
+</a:t>
             </a:r>
           </a:p>
         </p:txBody>
@@ -1348,7 +1358,7 @@
                 <a:ea typeface="Aptos"/>
                 <a:cs typeface="Aptos"/>
               </a:rPr>
-              <a:t>Der Promotionsplan und die Strategie für Chai-Tee in Lateinamerika werden voraussichtlich zu einem 20%igen Anstieg des Bewusstseins und des Interesses, einer Steigerung des Marktanteils von 10 %, einer Steigerung des Umsatzes und des Umsatzes von 15 % und einer Steigerung der Kundenzufriedenheit und -aufbewahrungsraten führen.</a:t>
+              <a:t>Der Absatzförderungsplan und die Strategie für Chai-Tee in Lateinamerika werden voraussichtlich zu einem 20%igen Anstieg des Bewusstseins und des Interesses um 20 %, zum Wachstum des Marktanteils um 10 %, zur Erhöhung des Volumens und einer Umsatzsteigerung um 15 % und einer höheren Kundenzufriedenheit und Bindungsrate führen.</a:t>
             </a:r>
             <a:r>
               <a:rPr sz="1200"/>
@@ -1409,7 +1419,7 @@
                 <a:ea typeface="Aptos"/>
                 <a:cs typeface="Aptos"/>
               </a:rPr>
-              <a:t>Die erwarteten Ergebnisse des Promotionsplans und der Strategie für Chai-Tee in Lateinamerika sind:</a:t>
+              <a:t>Die erwarteten Ergebnisse des Werbeplans und der Werbestrategie für Chai-Tee in Lateinamerika:</a:t>
             </a:r>
             <a:r>
               <a:rPr sz="1200"/>
@@ -1426,7 +1436,7 @@
                 <a:ea typeface="Aptos"/>
                 <a:cs typeface="Aptos"/>
               </a:rPr>
-              <a:t>·         Ein Anstieg des Bewusstseins und des Interesses an Chai-Tee unter der Zielgruppe</a:t>
+              <a:t>· Ein Anstieg des Bewusstseins für und des Interesses an Chai-Tee in der Zielgruppe um 20 %</a:t>
             </a:r>
             <a:r>
               <a:rPr sz="1200"/>
@@ -1443,7 +1453,7 @@
                 <a:ea typeface="Aptos"/>
                 <a:cs typeface="Aptos"/>
               </a:rPr>
-              <a:t> um 20 %         Ein Anstieg des Marktanteils von Chai-Tee in der Region</a:t>
+              <a:t>· Ein Anstieg des Marktanteils von Chai-Tee in der Region um 10 %</a:t>
             </a:r>
             <a:r>
               <a:rPr sz="1200"/>
@@ -1460,7 +1470,7 @@
                 <a:ea typeface="Aptos"/>
                 <a:cs typeface="Aptos"/>
               </a:rPr>
-              <a:t> um 10 % ·         Eine Steigerung des Umsatzes und des Umsatzes von Chai-Tee in der Region</a:t>
+              <a:t>· Eine Steigerung des Umsatzvolumens und des Umsatzerlöses von Chai-Tee in der Region um 15 %</a:t>
             </a:r>
             <a:r>
               <a:rPr sz="1200"/>
@@ -1477,7 +1487,7 @@
                 <a:ea typeface="Aptos"/>
                 <a:cs typeface="Aptos"/>
               </a:rPr>
-              <a:t> um 15 % ·         25% Steigerung der Kundenzufriedenheit und Aufbewahrungsraten von Chai-Tee in der Region</a:t>
+              <a:t>· Höhere Kundenzufriedenheits- und Kundenbindungsraten für Chai-Tee in der Region</a:t>
             </a:r>
             <a:r>
               <a:rPr sz="1200"/>
@@ -1575,7 +1585,7 @@
                 <a:ea typeface="Aptos"/>
                 <a:cs typeface="Aptos"/>
               </a:rPr>
-              <a:t>Der Promotionsplan und die Strategie für Chai-Tee in Lateinamerika stehen vor mehreren Herausforderungen, darunter hoher Preis, Mangelndes Bewusstsein, Wettbewerb von anderen Teeprodukten, regulatorischen und kulturellen Hindernissen sowie umweltpolitische und soziale Fragen, die sich auf die Versorgung und Qualität von Chai-Teezutaten auswirken können.</a:t>
+              <a:t>Der Absatzförderungsplan und die Strategie für Chai-Tee in Lateinamerika stehen vor mehreren Herausforderungen, darunter hoher Preis, mangelndes Bewusstsein, Wettbewerb anderer Teeprodukte, regulatorische und kulturelle Hindernissen sowie umweltpolitische und soziale Fragen, die sich auf die Versorgung und Qualität von Chai-Teezutaten auswirken.</a:t>
             </a:r>
             <a:r>
               <a:rPr sz="1200"/>
@@ -1619,7 +1629,7 @@
                 <a:ea typeface="Aptos"/>
                 <a:cs typeface="Aptos"/>
               </a:rPr>
-              <a:t>Die potenziellen Herausforderungen des Promotionsplans und der Strategie für Chai-Tee in Lateinamerika sind:</a:t>
+              <a:t>Die potenziellen Herausforderungen des Promotionsplans und der Strategie für Chai-Tee in Lateinamerika:</a:t>
             </a:r>
             <a:r>
               <a:rPr sz="1200"/>
@@ -1636,7 +1646,7 @@
                 <a:ea typeface="Aptos"/>
                 <a:cs typeface="Aptos"/>
               </a:rPr>
-              <a:t>·         Der hohe Preis und niedrige Erschwinglichkeit von Chai-Teeprodukten im Vergleich zu anderen Getränken</a:t>
+              <a:t> Der hohe und kaum erschwingliche Preis von Chai-Tee-Produkten im Vergleich zu anderen Getränken</a:t>
             </a:r>
             <a:r>
               <a:rPr sz="1200"/>
@@ -1653,7 +1663,7 @@
                 <a:ea typeface="Aptos"/>
                 <a:cs typeface="Aptos"/>
               </a:rPr>
-              <a:t>·         Der Mangel an Bewusstsein und Vertrautheit mit Chai-Tee unter einigen Segmenten der Bevölkerung</a:t>
+              <a:t>·Ein Mangel an Bewusstsein und Vertrautheit mit Chai-Tee in einigen Zielgruppen der Bevölkerung</a:t>
             </a:r>
             <a:r>
               <a:rPr sz="1200"/>
@@ -1670,7 +1680,7 @@
                 <a:ea typeface="Aptos"/>
                 <a:cs typeface="Aptos"/>
               </a:rPr>
-              <a:t>·         Der Wettbewerb gegen andere Teeprodukte wie Kräuter-, Grün- und Schwarztees</a:t>
+              <a:t>·Der Wettbewerb durch andere Teeprodukte wie Kräuter-, Grün- und Schwarztees</a:t>
             </a:r>
             <a:r>
               <a:rPr sz="1200"/>
@@ -1687,7 +1697,7 @@
                 <a:ea typeface="Aptos"/>
                 <a:cs typeface="Aptos"/>
               </a:rPr>
-              <a:t>·         Die regulatorischen und kulturellen Hindernisse, die den Eintritt und die Expansion von Chai-Teeprodukten in einigen Ländern</a:t>
+              <a:t> Regulatorische und kulturelle Hindernisse, die den Eintritt und die Expansion von Chai-Tee-Produkten in einigen Ländern einschränken</a:t>
             </a:r>
             <a:r>
               <a:rPr sz="1200"/>
@@ -1704,7 +1714,7 @@
                 <a:ea typeface="Aptos"/>
                 <a:cs typeface="Aptos"/>
               </a:rPr>
-              <a:t> einschränken können·         Die Umwelt- und Sozialfragen, die sich auf die Versorgung und Qualität von Chai-Teezutaten auswirken können</a:t>
+              <a:t>Umweltbelange und soziale Fragen, die sich auf die Versorgung und Qualität von Chai-Teezutaten auswirken</a:t>
             </a:r>
             <a:r>
               <a:rPr sz="1200"/>
@@ -1850,7 +1860,7 @@
                 <a:ea typeface="Aptos"/>
                 <a:cs typeface="Aptos"/>
               </a:rPr>
-              <a:t>Eine Mischung aus Online- und Offline-Taktiken sollte verwendet werden, um die Zielgruppe zu erreichen und Herausforderungen zu überwinden.</a:t>
+              <a:t>Es sollte eine Mischung aus Online- und Offline-Taktiken verwendet werden, um die Zielgruppe zu erreichen und die Herausforderungen zu meistern.</a:t>
             </a:r>
             <a:r>
               <a:rPr sz="1200"/>
@@ -1894,7 +1904,7 @@
                 <a:ea typeface="Aptos"/>
                 <a:cs typeface="Aptos"/>
               </a:rPr>
-              <a:t>Empfehlungen und Schlussfolgerungen basierend auf der Marktanalyse, der Wettbewerbsanalyse, den Vertriebskanälen und dem Promotionsplan und der Strategie können die folgenden Empfehlungen und Schlussfolgerungen</a:t>
+              <a:t>Empfehlungen und Schlussfolgerungen</a:t>
             </a:r>
             <a:r>
               <a:rPr sz="1200"/>
@@ -1911,7 +1921,7 @@
                 <a:ea typeface="Aptos"/>
                 <a:cs typeface="Aptos"/>
               </a:rPr>
-              <a:t>für die Zukunft von Chai-Tee in Lateinamerika gezogen werden:</a:t>
+              <a:t>Basierend auf der Marktanalyse, der Wettbewerbsanalyse, den Vertriebskanälen sowie dem Werbeplan und der Werbestrategie können die folgenden Empfehlungen gegeben und Schlussfolgerungen in Bezug auf die Zukunft von Chai-Tee in Lateinamerika gezogen werden:</a:t>
             </a:r>
             <a:r>
               <a:rPr sz="1200"/>
@@ -1928,7 +1938,7 @@
                 <a:ea typeface="Aptos"/>
                 <a:cs typeface="Aptos"/>
               </a:rPr>
-              <a:t>·         Chai-Tee ist ein vielversprechendes Produkt, das im lateinamerikanischen Markt wachsen und erfolgreich sein kann, da es eine gesunde, natürliche und exotische Alternative zu anderen Getränken</a:t>
+              <a:t>· Chai-Tee ist ein vielversprechendes Produkt, das im lateinamerikanischen Markt wachsen und erfolgreich sein kann, weil er eine gesunde, natürliche und exotische Alternative zu anderen Getränken darstellt</a:t>
             </a:r>
             <a:r>
               <a:rPr sz="1200"/>
@@ -1945,7 +1955,7 @@
                 <a:ea typeface="Aptos"/>
                 <a:cs typeface="Aptos"/>
               </a:rPr>
-              <a:t> bietet·         Chai-Tee muss als Premium-, authentisches und vielseitiges Produkt positioniert und vermarktet werden, das verschiedene Segmente und Anlässe</a:t>
+              <a:t>· Chai-Tee muss als authentisches und vielseitiges Premiumprodukt positioniert und vermarktet werden, das für  verschiedene Zielgruppen und Anlässe attraktiv sein kann</a:t>
             </a:r>
             <a:r>
               <a:rPr sz="1200"/>
@@ -1962,7 +1972,7 @@
                 <a:ea typeface="Aptos"/>
                 <a:cs typeface="Aptos"/>
               </a:rPr>
-              <a:t> ansprechen kann·         Chai-Tee muss seine einzigartigen Merkmale und Vorteile nutzen, wie z. B. sein reichhaltiges Aroma, seinen Geschmack und seine gesundheitlichen Vorteile, um sich von anderen Teeprodukten</a:t>
+              <a:t>· Chai-Tee muss seine einzigartigen Merkmale und Vorteile nutzen, wie etwa sein reichhaltiges Aroma, seinen Geschmack und seine gesundheitlichen Vorteile, um sich von anderen Teeprodukten abzuheben</a:t>
             </a:r>
             <a:r>
               <a:rPr sz="1200"/>
@@ -1979,7 +1989,7 @@
                 <a:ea typeface="Aptos"/>
                 <a:cs typeface="Aptos"/>
               </a:rPr>
-              <a:t> zu unterscheiden·         Chai-Tee muss eine Mischung aus Online- und Offline-Taktiken verwenden, um die Zielgruppe zu erreichen und zu interagieren und eine loyale und zufriedene Kundenbasis</a:t>
+              <a:t>· Chai-Tee muss eine Kombination aus Online- und Offline-Taktiken verwenden, um die Zielgruppe zu erreichen, mit ihr zu interagieren und eine treue und zufriedene Kundenbasis zu schaffen</a:t>
             </a:r>
             <a:r>
               <a:rPr sz="1200"/>
@@ -1996,7 +2006,7 @@
                 <a:ea typeface="Aptos"/>
                 <a:cs typeface="Aptos"/>
               </a:rPr>
-              <a:t> zu schaffen·         Chai-Tee muss die Herausforderungen und Bedrohungen überwinden, die sein Wachstum und seine Expansion in der Region behindern können, wie z. B. Preis, Bewusstsein, Wettbewerb, Regulierung und Nachhaltigkeit</a:t>
+              <a:t>· Chai-Tee muss die Herausforderungen und Bedrohungen meistern, die sein Wachstum und seine Expansion in der Region behindern könnten, wie etwa Preis, Bewusstsein, Wettbewerb, Regulierung und Nachhaltigkeit</a:t>
             </a:r>
             <a:r>
               <a:rPr sz="1200"/>
@@ -2013,7 +2023,7 @@
                 <a:ea typeface="Aptos"/>
                 <a:cs typeface="Aptos"/>
               </a:rPr>
-              <a:t>Abschließend ist Chai Tee ein Produkt, das viel Potenzial und Chancen auf dem lateinamerikanischen Markt hat, aber auch einige Herausforderungen und Risiken konfrontiert.</a:t>
+              <a:t>Abschließend ist festzustellen, dass Chai-Tee ein Produkt ist, das hohes Potenzial und große Chancen auf dem lateinamerikanischen Markt hat, aber auch mit bestimmten Herausforderungen und Risiken konfrontiert ist.</a:t>
             </a:r>
             <a:r>
               <a:rPr lang="de-DE" sz="1200" b="0" i="0" strike="noStrike" cap="none" baseline="0">
@@ -2062,6 +2072,11 @@
                 <a:cs typeface="Aptos"/>
               </a:rPr>
               <a:t>Der Absatzförderungsplan und die Strategie müssen jedoch ständig überwacht, bewertet und entsprechend den sich ändernden Marktbedingungen und dem Kundenfeedback angepasst werden.</a:t>
+            </a:r>
+            <a:r>
+              <a:rPr sz="1200"/>
+              <a:t>
+</a:t>
             </a:r>
           </a:p>
         </p:txBody>
@@ -2312,7 +2327,7 @@
                 <a:ea typeface="Aptos"/>
                 <a:cs typeface="Aptos"/>
               </a:rPr>
-              <a:t> * David es Tea</a:t>
+              <a:t> * David's Tea</a:t>
             </a:r>
             <a:r>
               <a:rPr sz="1200"/>
@@ -2380,7 +2395,7 @@
                 <a:ea typeface="Aptos"/>
                 <a:cs typeface="Aptos"/>
               </a:rPr>
-              <a:t> * Händler</a:t>
+              <a:t> * Einzelhändler</a:t>
             </a:r>
             <a:r>
               <a:rPr sz="1200"/>
@@ -2397,7 +2412,7 @@
                 <a:ea typeface="Aptos"/>
                 <a:cs typeface="Aptos"/>
               </a:rPr>
-              <a:t> * Händler * Händler * Vertriebskanäle * Distributoren</a:t>
+              <a:t> * Großhändler</a:t>
             </a:r>
             <a:r>
               <a:rPr sz="1200"/>
@@ -2414,7 +2429,7 @@
                 <a:ea typeface="Aptos"/>
                 <a:cs typeface="Aptos"/>
               </a:rPr>
-              <a:t> * Vertriebspläne</a:t>
+              <a:t> * Vertriebskanäle </a:t>
             </a:r>
             <a:r>
               <a:rPr sz="1200"/>
@@ -2431,7 +2446,7 @@
                 <a:ea typeface="Aptos"/>
                 <a:cs typeface="Aptos"/>
               </a:rPr>
-              <a:t> und -strategie</a:t>
+              <a:t> * Absatzförderungsplan und Strategie</a:t>
             </a:r>
             <a:r>
               <a:rPr sz="1200"/>
@@ -2465,7 +2480,7 @@
                 <a:ea typeface="Aptos"/>
                 <a:cs typeface="Aptos"/>
               </a:rPr>
-              <a:t> * Erwartete Ergebnisse * Erwartete Ergebnisse</a:t>
+              <a:t> * Erwartete Ergebnisse</a:t>
             </a:r>
             <a:r>
               <a:rPr sz="1200"/>
@@ -2648,7 +2663,7 @@
                 <a:ea typeface="Aptos"/>
                 <a:cs typeface="Aptos"/>
               </a:rPr>
-              <a:t>Original Content:</a:t>
+              <a:t>Originalinhalt:</a:t>
             </a:r>
             <a:r>
               <a:rPr sz="1200"/>
@@ -2665,7 +2680,7 @@
                 <a:ea typeface="Aptos"/>
                 <a:cs typeface="Aptos"/>
               </a:rPr>
-              <a:t>Introductions</a:t>
+              <a:t>Einführung</a:t>
             </a:r>
             <a:r>
               <a:rPr sz="1200"/>
@@ -2682,7 +2697,7 @@
                 <a:ea typeface="Aptos"/>
                 <a:cs typeface="Aptos"/>
               </a:rPr>
-              <a:t>Mystic Spice Premium Chai Tea ist ein neues Produkt von Contoso Beverage, einem Unternehmen, das sich auf die Herstellung und Verteilung hochwertiger Getränke auf der ganzen Welt spezialisiert hat.</a:t>
+              <a:t>Mystic Spice Premium Chai Tea ist ein neues Produkt, das von Contoso Beverage auf den Markt gebracht wurde, einem Unternehmen, das sich auf die Herstellung und den Vertrieb von hochwertigen Getränken weltweit spezialisiert hat.</a:t>
             </a:r>
             <a:r>
               <a:rPr lang="de-DE" sz="1200" b="0" i="0" strike="noStrike" cap="none" baseline="0">
@@ -2779,42 +2794,6 @@
                 <a:cs typeface="Aptos"/>
               </a:rPr>
               <a:t>Er hat auch eine reiche kulturelle und historische Bedeutung, da er oft mit Gastfreundschaft, Freundschaft und Entspannung assoziiert wird.</a:t>
-            </a:r>
-            <a:r>
-              <a:rPr lang="de-DE" sz="1200" b="0" i="0" strike="noStrike" cap="none" baseline="0">
-                <a:solidFill>
-                  <a:srgbClr val="000000"/>
-                </a:solidFill>
-                <a:effectLst/>
-                <a:latin typeface="Aptos"/>
-                <a:ea typeface="Aptos"/>
-                <a:cs typeface="Aptos"/>
-              </a:rPr>
-              <a:t>Ziel dieses Berichts ist es, eine Marktanalyse für Mystic Spice Premium Chai Tea mit Fokus auf die Region Lateinamerika zu erstellen.</a:t>
-            </a:r>
-            <a:r>
-              <a:rPr lang="de-DE" sz="1200" b="0" i="0" strike="noStrike" cap="none" baseline="0">
-                <a:solidFill>
-                  <a:srgbClr val="000000"/>
-                </a:solidFill>
-                <a:effectLst/>
-                <a:latin typeface="Aptos"/>
-                <a:ea typeface="Aptos"/>
-                <a:cs typeface="Aptos"/>
-              </a:rPr>
-              <a:t> </a:t>
-            </a:r>
-            <a:r>
-              <a:rPr lang="de-DE" sz="1200" b="0" i="0" strike="noStrike" cap="none" baseline="0">
-                <a:solidFill>
-                  <a:srgbClr val="000000"/>
-                </a:solidFill>
-                <a:effectLst/>
-                <a:latin typeface="Aptos"/>
-                <a:ea typeface="Aptos"/>
-                <a:cs typeface="Aptos"/>
-              </a:rPr>
-              <a:t>Der Bericht wird die folgenden Aspekte abdecken:</a:t>
             </a:r>
             <a:r>
               <a:rPr sz="1200"/>
@@ -2831,7 +2810,31 @@
                 <a:ea typeface="Aptos"/>
                 <a:cs typeface="Aptos"/>
               </a:rPr>
-              <a:t>·         Die Produktbeschreibung, Features und Vorteile von Mystic Spice Premium Chai Tea</a:t>
+              <a:t>Ziel dieses Berichts ist es, eine Marktanalyse für Mystic Spice Premium Chai Tea mit Fokus auf die Region Lateinamerika zu erstellen.</a:t>
+            </a:r>
+            <a:r>
+              <a:rPr lang="de-DE" sz="1200" b="0" i="0" strike="noStrike" cap="none" baseline="0">
+                <a:solidFill>
+                  <a:srgbClr val="000000"/>
+                </a:solidFill>
+                <a:effectLst/>
+                <a:latin typeface="Aptos"/>
+                <a:ea typeface="Aptos"/>
+                <a:cs typeface="Aptos"/>
+              </a:rPr>
+              <a:t> </a:t>
+            </a:r>
+            <a:r>
+              <a:rPr lang="de-DE" sz="1200" b="0" i="0" strike="noStrike" cap="none" baseline="0">
+                <a:solidFill>
+                  <a:srgbClr val="000000"/>
+                </a:solidFill>
+                <a:effectLst/>
+                <a:latin typeface="Aptos"/>
+                <a:ea typeface="Aptos"/>
+                <a:cs typeface="Aptos"/>
+              </a:rPr>
+              <a:t>Der Bericht wird die folgenden Aspekte abdecken:</a:t>
             </a:r>
             <a:r>
               <a:rPr sz="1200"/>
@@ -2848,7 +2851,7 @@
                 <a:ea typeface="Aptos"/>
                 <a:cs typeface="Aptos"/>
               </a:rPr>
-              <a:t>·         Markttrend und Nachfrage nach Chai-Tee in Lateinamerika</a:t>
+              <a:t>·         Produktbeschreibung, Merkmale und Vorteile von Mystic Spice Premium Chai Tea</a:t>
             </a:r>
             <a:r>
               <a:rPr sz="1200"/>
@@ -2865,7 +2868,7 @@
                 <a:ea typeface="Aptos"/>
                 <a:cs typeface="Aptos"/>
               </a:rPr>
-              <a:t>·         Die Wettbewerbsanalyse von Chai-Tee in Lateinamerika</a:t>
+              <a:t>·          Markttrend und Nachfrage nach Chai-Tee in Lateinamerika</a:t>
             </a:r>
             <a:r>
               <a:rPr sz="1200"/>
@@ -2882,7 +2885,7 @@
                 <a:ea typeface="Aptos"/>
                 <a:cs typeface="Aptos"/>
               </a:rPr>
-              <a:t>·         Die Vertriebskanäle für Chai-Tee in Lateinamerika</a:t>
+              <a:t>··        Wettbewerbsanalyse von Chai-Tee in Lateinamerika</a:t>
             </a:r>
             <a:r>
               <a:rPr sz="1200"/>
@@ -2899,7 +2902,7 @@
                 <a:ea typeface="Aptos"/>
                 <a:cs typeface="Aptos"/>
               </a:rPr>
-              <a:t>·         Der Promotionsplan und die Strategie für Chai-Tee in Lateinamerika</a:t>
+              <a:t>·          Vertriebskanäle von Chai-Tee in Lateinamerika</a:t>
             </a:r>
             <a:r>
               <a:rPr sz="1200"/>
@@ -2916,7 +2919,7 @@
                 <a:ea typeface="Aptos"/>
                 <a:cs typeface="Aptos"/>
               </a:rPr>
-              <a:t>·         Die erwarteten Ergebnisse und Herausforderungen des Förderplans</a:t>
+              <a:t>·         Absatzförderungsplan und die Strategie für Chai-Tee in Lateinamerika</a:t>
             </a:r>
             <a:r>
               <a:rPr sz="1200"/>
@@ -2933,7 +2936,24 @@
                 <a:ea typeface="Aptos"/>
                 <a:cs typeface="Aptos"/>
               </a:rPr>
-              <a:t>·         Die Empfehlungen und Schlussfolgerungen für die Zukunft von Chai-Tee in Lateinamerika</a:t>
+              <a:t>··        Erwartete Ergebnisse und Herausforderungen des Absatzförderungsplans</a:t>
+            </a:r>
+            <a:r>
+              <a:rPr sz="1200"/>
+              <a:t>
+</a:t>
+            </a:r>
+            <a:r>
+              <a:rPr lang="de-DE" sz="1200" b="0" i="0" strike="noStrike" cap="none" baseline="0">
+                <a:solidFill>
+                  <a:srgbClr val="000000"/>
+                </a:solidFill>
+                <a:effectLst/>
+                <a:latin typeface="Aptos"/>
+                <a:ea typeface="Aptos"/>
+                <a:cs typeface="Aptos"/>
+              </a:rPr>
+              <a:t>·         Empfehlungen und Schlussfolgerungen für die Zukunft von Chai-Tee in Lateinamerika</a:t>
             </a:r>
             <a:r>
               <a:rPr sz="1200"/>
@@ -3055,7 +3075,7 @@
                 <a:ea typeface="Aptos"/>
                 <a:cs typeface="Aptos"/>
               </a:rPr>
-              <a:t>Jede Tasse bringt Sie auf eine Reise durch die lebhaften Landschaften Indiens und bringt Ihnen ein authentisches Chai-Erlebnis zu Ihrem Zuhause.</a:t>
+              <a:t>Jede Tasse Chai-Tee ist wie eine bezaubernde Reise durch die pulsierenden Landschaften Indiens und  authentischer Chai-Genuss bei Ihnen zu Hause..</a:t>
             </a:r>
             <a:r>
               <a:rPr sz="1200"/>
@@ -3082,7 +3102,7 @@
                 <a:ea typeface="Aptos"/>
                 <a:cs typeface="Aptos"/>
               </a:rPr>
-              <a:t>Original Content:</a:t>
+              <a:t>Originalinhalt::</a:t>
             </a:r>
             <a:r>
               <a:rPr sz="1200"/>
@@ -3116,7 +3136,7 @@
                 <a:ea typeface="Aptos"/>
                 <a:cs typeface="Aptos"/>
               </a:rPr>
-              <a:t>Mystic Spice Premium Chai Tea ist eine sorgfältig gestaltete Mischung, die den zeitlosen Traditionen der indischen Chai huldigt.</a:t>
+              <a:t>Mystic Spice Premium Chai Tea ist eine sorgfältig hergestellte Mischung und eine Hommage an die zeitlosen Traditionen des indischen Chai.</a:t>
             </a:r>
             <a:r>
               <a:rPr lang="de-DE" sz="1200" b="0" i="0" strike="noStrike" cap="none" baseline="0">
@@ -3164,7 +3184,12 @@
                 <a:ea typeface="Aptos"/>
                 <a:cs typeface="Aptos"/>
               </a:rPr>
-              <a:t>Die Produktbeschreibung, die Merkmale und der Nutzen von Mystic Spice Premium Chai Tea sind in der folgenden Tabelle zusammengefasst:</a:t>
+              <a:t>Die Produktbeschreibung, die Merkmale und die Vorteile von Mystic Spice Premium Chai Tea sind in der folgenden Tabelle zusammengefasst:</a:t>
+            </a:r>
+            <a:r>
+              <a:rPr sz="1200"/>
+              <a:t>
+</a:t>
             </a:r>
           </a:p>
         </p:txBody>
@@ -3491,7 +3516,7 @@
                 <a:ea typeface="Aptos"/>
                 <a:cs typeface="Aptos"/>
               </a:rPr>
-              <a:t>Zu den Haupttreibern des Wachstums gehören die Erhöhung des Bewusstseins, das steigende verfügbare Einkommen und die wachsende Verteilung.</a:t>
+              <a:t>Zu den wichtigsten Wachstumstreibern gehören das zunehmende Bewusstsein, steigendes Einkommen und die Ausweitung des Vertriebs.</a:t>
             </a:r>
             <a:r>
               <a:rPr sz="1200"/>
@@ -3518,7 +3543,7 @@
                 <a:ea typeface="Aptos"/>
                 <a:cs typeface="Aptos"/>
               </a:rPr>
-              <a:t>Original Content:</a:t>
+              <a:t>Originalinhalt:</a:t>
             </a:r>
             <a:r>
               <a:rPr sz="1200"/>
@@ -3535,7 +3560,7 @@
                 <a:ea typeface="Aptos"/>
                 <a:cs typeface="Aptos"/>
               </a:rPr>
-              <a:t>Market Trend and Demand</a:t>
+              <a:t>Markttrend und Nachfrage</a:t>
             </a:r>
             <a:r>
               <a:rPr sz="1200"/>
@@ -3552,7 +3577,7 @@
                 <a:ea typeface="Aptos"/>
                 <a:cs typeface="Aptos"/>
               </a:rPr>
-              <a:t>Der lateinamerikanische Markt bietet eine großartige Gelegenheit für Chai-Tee, da die Region eine wachsende Nachfrage nach gesunden, natürlichen und exotischen Produkten hat.</a:t>
+              <a:t>Der lateinamerikanische Markt bietet eine große Chance für Chai-Tee, denn die Region verzeichnet eine wachsende Nachfrage nach gesunden, natürlichen und exotischen Produkten.</a:t>
             </a:r>
             <a:r>
               <a:rPr lang="de-DE" sz="1200" b="0" i="0" strike="noStrike" cap="none" baseline="0">
@@ -3625,66 +3650,6 @@
                 <a:cs typeface="Aptos"/>
               </a:rPr>
               <a:t>Chai-Tee passt auch zum Lebensstil und zu den Vorlieben der Bevölkerung in Lateinamerika, in der geselliges Beisammensein und der Konsum süßer Leckereien nichts Ungewöhnliches sind.</a:t>
-            </a:r>
-            <a:r>
-              <a:rPr lang="de-DE" sz="1200" b="0" i="0" strike="noStrike" cap="none" baseline="0">
-                <a:solidFill>
-                  <a:srgbClr val="000000"/>
-                </a:solidFill>
-                <a:effectLst/>
-                <a:latin typeface="Aptos"/>
-                <a:ea typeface="Aptos"/>
-                <a:cs typeface="Aptos"/>
-              </a:rPr>
-              <a:t>Laut einem Bericht von Grand View Research wurde der globale Chai-Tee-Markt im Jahr 2019 auf 1,9 Mrd. USD geschätzt und wird voraussichtlich von 2020 bis 2027 mit einer durchschnittlichen jährlichen Wachstumsrate (CAGR) von 5,5 % wachsen.</a:t>
-            </a:r>
-            <a:r>
-              <a:rPr lang="de-DE" sz="1200" b="0" i="0" strike="noStrike" cap="none" baseline="0">
-                <a:solidFill>
-                  <a:srgbClr val="000000"/>
-                </a:solidFill>
-                <a:effectLst/>
-                <a:latin typeface="Aptos"/>
-                <a:ea typeface="Aptos"/>
-                <a:cs typeface="Aptos"/>
-              </a:rPr>
-              <a:t> </a:t>
-            </a:r>
-            <a:r>
-              <a:rPr lang="de-DE" sz="1200" b="0" i="0" strike="noStrike" cap="none" baseline="0">
-                <a:solidFill>
-                  <a:srgbClr val="000000"/>
-                </a:solidFill>
-                <a:effectLst/>
-                <a:latin typeface="Aptos"/>
-                <a:ea typeface="Aptos"/>
-                <a:cs typeface="Aptos"/>
-              </a:rPr>
-              <a:t>Der Bericht besagt auch, dass Lateinamerika eine der am schnellsten wachsenden Regionen für Chai-Tee ist, mit einer CAGR von 6,2 % von 2020 bis 2027.</a:t>
-            </a:r>
-            <a:r>
-              <a:rPr lang="de-DE" sz="1200" b="0" i="0" strike="noStrike" cap="none" baseline="0">
-                <a:solidFill>
-                  <a:srgbClr val="000000"/>
-                </a:solidFill>
-                <a:effectLst/>
-                <a:latin typeface="Aptos"/>
-                <a:ea typeface="Aptos"/>
-                <a:cs typeface="Aptos"/>
-              </a:rPr>
-              <a:t> </a:t>
-            </a:r>
-            <a:r>
-              <a:rPr lang="de-DE" sz="1200" b="0" i="0" strike="noStrike" cap="none" baseline="0">
-                <a:solidFill>
-                  <a:srgbClr val="000000"/>
-                </a:solidFill>
-                <a:effectLst/>
-                <a:latin typeface="Aptos"/>
-                <a:ea typeface="Aptos"/>
-                <a:cs typeface="Aptos"/>
-              </a:rPr>
-              <a:t>Die wichtigsten Faktoren für das Wachstum von Chai-Tee in Lateinamerika sind:</a:t>
             </a:r>
             <a:r>
               <a:rPr sz="1200"/>
@@ -3701,7 +3666,55 @@
                 <a:ea typeface="Aptos"/>
                 <a:cs typeface="Aptos"/>
               </a:rPr>
-              <a:t>·         Das zunehmende Bewusstsein und Interesse an den Gesundheitlichen Vorteilen und kulturellen Aspekten von Chai Tea</a:t>
+              <a:t>Laut einem Bericht von Grand View Research wurde der globale Chai-Tee-Markt im Jahr 2019 auf 1,9 Mrd. USD geschätzt und wird voraussichtlich von 2020 bis 2027 mit einer durchschnittlichen jährlichen Wachstumsrate (CAGR) von 5,5 % wachsen.</a:t>
+            </a:r>
+            <a:r>
+              <a:rPr lang="de-DE" sz="1200" b="0" i="0" strike="noStrike" cap="none" baseline="0">
+                <a:solidFill>
+                  <a:srgbClr val="000000"/>
+                </a:solidFill>
+                <a:effectLst/>
+                <a:latin typeface="Aptos"/>
+                <a:ea typeface="Aptos"/>
+                <a:cs typeface="Aptos"/>
+              </a:rPr>
+              <a:t> </a:t>
+            </a:r>
+            <a:r>
+              <a:rPr lang="de-DE" sz="1200" b="0" i="0" strike="noStrike" cap="none" baseline="0">
+                <a:solidFill>
+                  <a:srgbClr val="000000"/>
+                </a:solidFill>
+                <a:effectLst/>
+                <a:latin typeface="Aptos"/>
+                <a:ea typeface="Aptos"/>
+                <a:cs typeface="Aptos"/>
+              </a:rPr>
+              <a:t>Der Bericht besagt auch, dass Lateinamerika eine der am schnellsten wachsenden Regionen für Chai-Tee ist, mit einer CAGR von 6,2 % von 2020 bis 2027.</a:t>
+            </a:r>
+            <a:r>
+              <a:rPr lang="de-DE" sz="1200" b="0" i="0" strike="noStrike" cap="none" baseline="0">
+                <a:solidFill>
+                  <a:srgbClr val="000000"/>
+                </a:solidFill>
+                <a:effectLst/>
+                <a:latin typeface="Aptos"/>
+                <a:ea typeface="Aptos"/>
+                <a:cs typeface="Aptos"/>
+              </a:rPr>
+              <a:t> </a:t>
+            </a:r>
+            <a:r>
+              <a:rPr lang="de-DE" sz="1200" b="0" i="0" strike="noStrike" cap="none" baseline="0">
+                <a:solidFill>
+                  <a:srgbClr val="000000"/>
+                </a:solidFill>
+                <a:effectLst/>
+                <a:latin typeface="Aptos"/>
+                <a:ea typeface="Aptos"/>
+                <a:cs typeface="Aptos"/>
+              </a:rPr>
+              <a:t>Die wichtigsten Faktoren für das Wachstum von Chai-Tee in Lateinamerika:</a:t>
             </a:r>
             <a:r>
               <a:rPr sz="1200"/>
@@ -3718,7 +3731,7 @@
                 <a:ea typeface="Aptos"/>
                 <a:cs typeface="Aptos"/>
               </a:rPr>
-              <a:t>·         Das steigende verfügbare Einkommen und die Ausgabenleistung der Verbraucher</a:t>
+              <a:t>·Das zunehmende Bewusstsein und Interesse an den gesundheitlichen Vorteilen und kulturellen Aspekten von Chai Tea</a:t>
             </a:r>
             <a:r>
               <a:rPr sz="1200"/>
@@ -3735,7 +3748,7 @@
                 <a:ea typeface="Aptos"/>
                 <a:cs typeface="Aptos"/>
               </a:rPr>
-              <a:t> der Mittelschicht·         Die wachsende Beliebtheit von Spezial- und Premium-Tees unter den jüngeren und städtischen Segmenten</a:t>
+              <a:t>·   Wachsende Einkommen und die steigende Kaufkraft der Verbraucher und der Mittelschicht</a:t>
             </a:r>
             <a:r>
               <a:rPr sz="1200"/>
@@ -3752,7 +3765,7 @@
                 <a:ea typeface="Aptos"/>
                 <a:cs typeface="Aptos"/>
               </a:rPr>
-              <a:t>·         Die expandierende Verteilung und Verfügbarkeit von Chai-Teeprodukten in verschiedenen Kanälen, wie Supermärkten, Cafés und Online-Plattformen</a:t>
+              <a:t>      Die zunehmende Beliebtheit von Spezial- und Premium-Tees unter den jüngeren und städtischen Zielgruppen</a:t>
             </a:r>
             <a:r>
               <a:rPr sz="1200"/>
@@ -3769,7 +3782,24 @@
                 <a:ea typeface="Aptos"/>
                 <a:cs typeface="Aptos"/>
               </a:rPr>
-              <a:t>·         Die Entstehung neuer und innovativer Aromen und Formate von Chai-Tee, wie Ready-to-Drink, Instant und Bio-Sorten</a:t>
+              <a:t>·     Der expandierende Vertrieb und das Angebot von Chai-Tee-Produkten über die Vertriebskanäle, wie etwa Supermärkte, Cafés und Online-Plattformen</a:t>
+            </a:r>
+            <a:r>
+              <a:rPr sz="1200"/>
+              <a:t>
+</a:t>
+            </a:r>
+            <a:r>
+              <a:rPr lang="de-DE" sz="1200" b="0" i="0" strike="noStrike" cap="none" baseline="0">
+                <a:solidFill>
+                  <a:srgbClr val="000000"/>
+                </a:solidFill>
+                <a:effectLst/>
+                <a:latin typeface="Aptos"/>
+                <a:ea typeface="Aptos"/>
+                <a:cs typeface="Aptos"/>
+              </a:rPr>
+              <a:t>·     Die Entwicklung neuer und innovativer Aromen und Formate von Chai-Tee, wie etwa Ready-to-Drink, Instant und Bio-Sorten</a:t>
             </a:r>
             <a:r>
               <a:rPr sz="1200"/>
@@ -3939,7 +3969,7 @@
                 <a:ea typeface="Aptos"/>
                 <a:cs typeface="Aptos"/>
               </a:rPr>
-              <a:t>Großhändler verkaufen massenweise an Einzelhändler, während Händler Produkte von Herstellern zu Einzelhändlern transportieren.</a:t>
+              <a:t>Großhändler verkaufen Massengüter an Einzelhändler und die Vertriebshändler liefern und befördern die Produkte von den Herstellern zu den Einzelhändlern.</a:t>
             </a:r>
             <a:r>
               <a:rPr sz="1200"/>
@@ -3966,7 +3996,7 @@
                 <a:ea typeface="Aptos"/>
                 <a:cs typeface="Aptos"/>
               </a:rPr>
-              <a:t>Original Content:</a:t>
+              <a:t>Originalinhalt:</a:t>
             </a:r>
             <a:r>
               <a:rPr sz="1200"/>
@@ -3983,7 +4013,7 @@
                 <a:ea typeface="Aptos"/>
                 <a:cs typeface="Aptos"/>
               </a:rPr>
-              <a:t>Die Vertriebskanäle für Chai-Tee in Lateinamerika sind die Möglichkeiten und Mittel, mit denen Chai-Teeprodukte an die Endverbraucher geliefert und verkauft werden.</a:t>
+              <a:t>Die Vertriebskanäle von Chai-Tee in Lateinamerika sind die Mittel und Wege, über die Chai-Tee-Produkte an die Endverbraucher*innen geliefert und verkauft werden.</a:t>
             </a:r>
             <a:r>
               <a:rPr lang="de-DE" sz="1200" b="0" i="0" strike="noStrike" cap="none" baseline="0">
@@ -4007,7 +4037,12 @@
                 <a:ea typeface="Aptos"/>
                 <a:cs typeface="Aptos"/>
               </a:rPr>
-              <a:t>Die Vertriebskanäle für Chai-Tee in Lateinamerika lassen sich in drei Typen einteilen: Einzelhandel, Großhandel und Vertriebspartner.</a:t>
+              <a:t>Die Vertriebskanäle für Chai-Tee in Lateinamerika lassen sich in drei Typen unterteilen: Einzelhandel, Großhandel und Vertriebspartner.</a:t>
+            </a:r>
+            <a:r>
+              <a:rPr sz="1200"/>
+              <a:t>
+</a:t>
             </a:r>
             <a:r>
               <a:rPr lang="de-DE" sz="1200" b="0" i="0" strike="noStrike" cap="none" baseline="0">
@@ -4092,6 +4127,11 @@
                 <a:cs typeface="Aptos"/>
               </a:rPr>
               <a:t>Zu den wichtigsten Einzelhandelsunternehmen für Chai-Tee-Produkte in Lateinamerika gehören Walmart, Carrefour, Oxxo, Starbucks und Amazon.</a:t>
+            </a:r>
+            <a:r>
+              <a:rPr sz="1200"/>
+              <a:t>
+</a:t>
             </a:r>
           </a:p>
         </p:txBody>
@@ -4232,7 +4272,7 @@
                 <a:ea typeface="Aptos"/>
                 <a:cs typeface="Aptos"/>
               </a:rPr>
-              <a:t>Zu den großen Großhändlern in Lateinamerika gehören Cencosud, Grupo Pao de Acucar, La Anonima und Makro.</a:t>
+              <a:t>Zu den wichtigsten Großhandelsunternehmen von Chai-Tee-Produkten in Lateinamerika gehören Cencosud, Grupo Pão de Açúcar, La Anónima und Makro.</a:t>
             </a:r>
             <a:r>
               <a:rPr sz="1200"/>
@@ -4259,7 +4299,7 @@
                 <a:ea typeface="Aptos"/>
                 <a:cs typeface="Aptos"/>
               </a:rPr>
-              <a:t>Original Content:</a:t>
+              <a:t>Originalinhalt:</a:t>
             </a:r>
             <a:r>
               <a:rPr sz="1200"/>
@@ -4276,7 +4316,7 @@
                 <a:ea typeface="Aptos"/>
                 <a:cs typeface="Aptos"/>
               </a:rPr>
-              <a:t>Wholesalers sind die Unternehmen, die Chai-Teeprodukte in Massen von den Herstellern oder Distributoren kaufen und sie an die Einzelhändler oder andere Vermittler verkaufen.</a:t>
+              <a:t>Großhändler sind die Unternehmen, die Chai-Tee-Produkte als Massengüter von den Herstellern oder Vertriebshändlern kaufen und sie an Einzelhändler oder andere Zwischenhändler verkaufen.</a:t>
             </a:r>
             <a:r>
               <a:rPr lang="de-DE" sz="1200" b="0" i="0" strike="noStrike" cap="none" baseline="0">
@@ -4348,7 +4388,12 @@
                 <a:ea typeface="Aptos"/>
                 <a:cs typeface="Aptos"/>
               </a:rPr>
-              <a:t>Zu den wichtigsten Großhändlern von Chai-Tee-Produkten in Lateinamerika gehören Cencosud, Grupo Pão de Açúcar, La Anónima und Makro.</a:t>
+              <a:t>Zu den wichtigsten Großhandelsunternehmen von Chai-Tee-Produkten in Lateinamerika gehören Cencosud, Grupo Pão de Açúcar, La Anónima und Makro.</a:t>
+            </a:r>
+            <a:r>
+              <a:rPr sz="1200"/>
+              <a:t>
+</a:t>
             </a:r>
           </a:p>
         </p:txBody>
@@ -8606,7 +8651,7 @@
                 <a:ea typeface="Bookman Old Style"/>
                 <a:cs typeface="Bookman Old Style"/>
               </a:rPr>
-              <a:t>Vertriebskanäle: Distributoren</a:t>
+              <a:t>Vertriebskanäle: Vertriebspartner</a:t>
             </a:r>
           </a:p>
         </p:txBody>
@@ -12056,6 +12101,18 @@
                     <a:lstStyle/>
                     <a:p>
                       <a:r>
+                        <a:rPr lang="de-DE" sz="3300" b="1" i="0" strike="noStrike" cap="none" baseline="0">
+                          <a:solidFill>
+                            <a:srgbClr val="FFFFFF"/>
+                          </a:solidFill>
+                          <a:effectLst/>
+                          <a:latin typeface="Franklin Gothic Book"/>
+                          <a:ea typeface="Franklin Gothic Book"/>
+                          <a:cs typeface="Franklin Gothic Book"/>
+                        </a:rPr>
+                        <a:t>Produktbeschreibung</a:t>
+                      </a:r>
+                      <a:r>
                         <a:rPr lang="de-DE" sz="3300" b="0" i="0" strike="noStrike" cap="none" baseline="0">
                           <a:solidFill>
                             <a:srgbClr val="FFFFFF"/>
@@ -12065,7 +12122,7 @@
                           <a:ea typeface="Franklin Gothic Book"/>
                           <a:cs typeface="Franklin Gothic Book"/>
                         </a:rPr>
-                        <a:t>Produktbeschreibung</a:t>
+                        <a:t>:</a:t>
                       </a:r>
                     </a:p>
                   </a:txBody>
@@ -12474,7 +12531,7 @@
         </p:nvGraphicFramePr>
         <p:xfrm>
           <a:off x="1096963" y="2287915"/>
-          <a:ext cx="10058401" cy="3910914"/>
+          <a:ext cx="10058401" cy="4124274"/>
         </p:xfrm>
         <a:graphic>
           <a:graphicData uri="http://schemas.openxmlformats.org/drawingml/2006/table">
@@ -12539,6 +12596,18 @@
                         </a:spcAft>
                       </a:pPr>
                       <a:r>
+                        <a:rPr lang="de-DE" sz="1400" b="1" i="0" strike="noStrike" cap="none" baseline="0">
+                          <a:solidFill>
+                            <a:srgbClr val="FFFFFF"/>
+                          </a:solidFill>
+                          <a:effectLst/>
+                          <a:latin typeface="Franklin Gothic Book"/>
+                          <a:ea typeface="Franklin Gothic Book"/>
+                          <a:cs typeface="Franklin Gothic Book"/>
+                        </a:rPr>
+                        <a:t>Produktbeschreibung</a:t>
+                      </a:r>
+                      <a:r>
                         <a:rPr lang="de-DE" sz="1400" b="0" i="0" strike="noStrike" cap="none" baseline="0">
                           <a:solidFill>
                             <a:srgbClr val="FFFFFF"/>
@@ -12548,7 +12617,7 @@
                           <a:ea typeface="Franklin Gothic Book"/>
                           <a:cs typeface="Franklin Gothic Book"/>
                         </a:rPr>
-                        <a:t>Produktbeschreibung</a:t>
+                        <a:t>:</a:t>
                       </a:r>
                       <a:endParaRPr lang="en-US" sz="2300">
                         <a:effectLst/>
@@ -12738,7 +12807,7 @@
                           <a:ea typeface="Franklin Gothic Book"/>
                           <a:cs typeface="Franklin Gothic Book"/>
                         </a:rPr>
-                        <a:t>Authentic Blend: Unsere Chai ist eine harmonische Mischung aus Premium-Schwarzen Teeblättern und einer charakteristischen Auswahl an gemahlenen Gewürzen, darunter Knoblauch, Karamom, Gerinnsel, Ingwer und schwarzer Pfeffer.</a:t>
+                        <a:t>Authentischer Blend: Unser Chai ist eine harmonische Mischung aus schwarzen Teeblättern in Premiumqualität und einer charakteristischen Auswahl an gemahlenen Gewürzen, darunter Knoblauch, Karamom, Gerinnsel, Ingwer und schwarzer Pfeffer.</a:t>
                       </a:r>
                       <a:r>
                         <a:rPr lang="de-DE" sz="1400" b="0" i="0" strike="noStrike" cap="none" baseline="0">
@@ -12791,7 +12860,7 @@
                           <a:ea typeface="Franklin Gothic Book"/>
                           <a:cs typeface="Franklin Gothic Book"/>
                         </a:rPr>
-                        <a:t>Gesundheitsfördernde Inhaltsstoffe: Jeder Bestandteil von Mystisch Gewürz-Chai-Tee wird für seine natürlichen Gesundheitlichen Vorteile ausgewählt.</a:t>
+                        <a:t>Gesundheitsfördernde Inhaltsstoffe: Die Zutaten von Mystic Spice Chai Tea werden nach ihren Vorteilen für die Gesundheit ausgewählt.</a:t>
                       </a:r>
                       <a:r>
                         <a:rPr lang="de-DE" sz="1400" b="0" i="0" strike="noStrike" cap="none" baseline="0">
@@ -13229,7 +13298,7 @@
         </p:nvGraphicFramePr>
         <p:xfrm>
           <a:off x="5282335" y="1994843"/>
-          <a:ext cx="6275668" cy="4012742"/>
+          <a:ext cx="6275668" cy="4180382"/>
         </p:xfrm>
         <a:graphic>
           <a:graphicData uri="http://schemas.openxmlformats.org/drawingml/2006/table">
@@ -13294,6 +13363,18 @@
                         </a:spcAft>
                       </a:pPr>
                       <a:r>
+                        <a:rPr lang="de-DE" sz="1100" b="1" i="0" strike="noStrike" cap="none" baseline="0">
+                          <a:solidFill>
+                            <a:srgbClr val="FFFFFF"/>
+                          </a:solidFill>
+                          <a:effectLst/>
+                          <a:latin typeface="Franklin Gothic Book"/>
+                          <a:ea typeface="Franklin Gothic Book"/>
+                          <a:cs typeface="Franklin Gothic Book"/>
+                        </a:rPr>
+                        <a:t>Produktbeschreibung</a:t>
+                      </a:r>
+                      <a:r>
                         <a:rPr lang="de-DE" sz="1100" b="0" i="0" strike="noStrike" cap="none" baseline="0">
                           <a:solidFill>
                             <a:srgbClr val="FFFFFF"/>
@@ -13303,7 +13384,7 @@
                           <a:ea typeface="Franklin Gothic Book"/>
                           <a:cs typeface="Franklin Gothic Book"/>
                         </a:rPr>
-                        <a:t>Produktbeschreibung</a:t>
+                        <a:t>:</a:t>
                       </a:r>
                       <a:endParaRPr lang="en-US" sz="1700">
                         <a:effectLst/>
@@ -13339,7 +13420,7 @@
                           <a:ea typeface="Franklin Gothic Book"/>
                           <a:cs typeface="Franklin Gothic Book"/>
                         </a:rPr>
-                        <a:t>Reichhaltiges Aroma und Geschmack: Das warme, würzige Aroma und tiefe, belebende Geschmack unserer Chai machen es zum perfekten Getränk, um Ihren Tag zu beginnen oder sich am Abend zu entspannen.</a:t>
+                        <a:t>Reichhaltig an Aroma und Geschmack: Das warme, würzige Aroma und der belebende Geschmack unseres Chai machen ihn zum perfekten Getränk zum Tagesanfang oder an einem erholsamen Abend.</a:t>
                       </a:r>
                       <a:r>
                         <a:rPr lang="de-DE" sz="1100" b="0" i="0" strike="noStrike" cap="none" baseline="0">
@@ -13392,7 +13473,7 @@
                           <a:ea typeface="Franklin Gothic Book"/>
                           <a:cs typeface="Franklin Gothic Book"/>
                         </a:rPr>
-                        <a:t>Vielseitige Brauoptionen: Ob Sie Ihre Chai heiß dampfen, als erfrischender Eistee oder als cremefarbene Latte lieben, ist unsere Mischung vielseitig genug für jede Vorliebe.</a:t>
+                        <a:t>Vielseitige Zubereitungsmöglichkeiten: Genießen Sie Ihren Chai dampfend heiß, als erfrischenden Eistee oder als cremefarbenen Chai Latte, unsere vielseitige Mischung erfüllt Ihnen jeden Wunsch.</a:t>
                       </a:r>
                       <a:r>
                         <a:rPr lang="de-DE" sz="1100" b="0" i="0" strike="noStrike" cap="none" baseline="0">
@@ -13452,7 +13533,7 @@
                           <a:ea typeface="Franklin Gothic Book"/>
                           <a:cs typeface="Franklin Gothic Book"/>
                         </a:rPr>
-                        <a:t>Nachhaltig gewonnen: Wir engagieren uns für Nachhaltigkeit, wir beziehen unsere Zutaten aus kleinflächigen Farmen, die ökologische Landwirtschaft betreiben, und sorgen nicht nur für die feinste Qualität, sondern auch für das Wohlergehen unseres Planeten.</a:t>
+                        <a:t>Nachhaltig gewonnen: Wir engagieren uns für Nachhaltigkeit, wir beziehen unsere Inhaltsstoffe von kleinen Bauernhöfen, die ökologische Landwirtschaft betreiben.  Sie sorgen nicht nur für die feinste Qualität, sondern auch für das Wohlergehen unseres Planeten.</a:t>
                       </a:r>
                       <a:endParaRPr lang="en-US" sz="1700">
                         <a:effectLst/>
@@ -13481,7 +13562,7 @@
                           <a:ea typeface="Franklin Gothic Book"/>
                           <a:cs typeface="Franklin Gothic Book"/>
                         </a:rPr>
-                        <a:t>Elegante Verpackung: Mystisch Gewürz-Chai-Tee kommt in wunderschön gestalteten, umweltfreundlichen Verpackungen, sodass es ein ideales Geschenk für Teeliebhaber oder ein luxuriöser Genuss für sich selbst ist.</a:t>
+                        <a:t>Elegante Verpackung: Mit wunderschön gestalteter umweltfreundlicher Verpackung ist der Mystic Spice Chai Tea  das perfekte Geschenk für Teeliebhaber oder ein luxuriöser Genuss  für Sie selbst.</a:t>
                       </a:r>
                       <a:endParaRPr lang="en-US" sz="1700">
                         <a:effectLst/>
@@ -13517,7 +13598,7 @@
                           <a:ea typeface="Franklin Gothic Book"/>
                           <a:cs typeface="Franklin Gothic Book"/>
                         </a:rPr>
-                        <a:t>Kundenzufriedenheitsgarantie: Wir stehen hinter unserem Produkt und bieten eine Zufriedenheitsgarantie.</a:t>
+                        <a:t>Mit Kundenzufriedenheitsgarantie: Wir stehen hinter unserem Produkt und bieten Ihnen eine Zufriedenheitsgarantie.</a:t>
                       </a:r>
                       <a:r>
                         <a:rPr lang="de-DE" sz="1100" b="0" i="0" strike="noStrike" cap="none" baseline="0">
@@ -13570,7 +13651,7 @@
                           <a:ea typeface="Franklin Gothic Book"/>
                           <a:cs typeface="Franklin Gothic Book"/>
                         </a:rPr>
-                        <a:t>Ideal für: Tee-Enthusiasten, gesundheitsbewusste Einzelpersonen, Liebhaber warmer, würziger Getränke und jeder, der die reichen Aromen der traditionellen indischen Chai erkunden möchte.</a:t>
+                        <a:t>Perfekt geeignet für: Tee-Enthusiasten, gesundheitsbewusste Liebhaber warmer und würziger Getränke und jeden, der die reichen Aromen der traditionellen indischen Chai erkunden möchte.</a:t>
                       </a:r>
                       <a:endParaRPr lang="en-US" sz="1700">
                         <a:effectLst/>
@@ -14187,7 +14268,7 @@
         </p:nvGraphicFramePr>
         <p:xfrm>
           <a:off x="643192" y="1541387"/>
-          <a:ext cx="5115348" cy="3728172"/>
+          <a:ext cx="5115348" cy="4032972"/>
         </p:xfrm>
         <a:graphic>
           <a:graphicData uri="http://schemas.openxmlformats.org/drawingml/2006/table">
@@ -14263,7 +14344,7 @@
                     <a:lstStyle/>
                     <a:p>
                       <a:r>
-                        <a:rPr lang="de-DE" sz="2000" b="0" i="0" strike="noStrike" cap="all" baseline="0">
+                        <a:rPr lang="de-DE" sz="2000" b="1" i="0" strike="noStrike" cap="all" baseline="0">
                           <a:solidFill>
                             <a:srgbClr val="000000"/>
                           </a:solidFill>
@@ -14272,7 +14353,7 @@
                           <a:ea typeface="Franklin Gothic Book"/>
                           <a:cs typeface="Franklin Gothic Book"/>
                         </a:rPr>
-                        <a:t>Größe des Chai-Tee-Marktes (Mrd. USD)</a:t>
+                        <a:t>Größe des Chai-Tee-Marketes (Mrd. USD)</a:t>
                       </a:r>
                     </a:p>
                   </a:txBody>
@@ -14298,7 +14379,7 @@
                     <a:lstStyle/>
                     <a:p>
                       <a:r>
-                        <a:rPr lang="de-DE" sz="2000" b="0" i="0" strike="noStrike" cap="all" baseline="0">
+                        <a:rPr lang="de-DE" sz="2000" b="1" i="0" strike="noStrike" cap="all" baseline="0">
                           <a:solidFill>
                             <a:srgbClr val="000000"/>
                           </a:solidFill>
@@ -14307,7 +14388,7 @@
                           <a:ea typeface="Franklin Gothic Book"/>
                           <a:cs typeface="Franklin Gothic Book"/>
                         </a:rPr>
-                        <a:t>CAGR (2020–2027)</a:t>
+                        <a:t>CAGR (2020-2027)</a:t>
                       </a:r>
                     </a:p>
                   </a:txBody>
@@ -14915,7 +14996,7 @@
                 <a:ea typeface="Franklin Gothic Book"/>
                 <a:cs typeface="Franklin Gothic Book"/>
               </a:rPr>
-              <a:t>Großhändler: Verkaufen von Chai-Teeprodukten in Massen an Einzelhändler</a:t>
+              <a:t>Großhändler: Verkauf von Chai-Teeprodukten in Massen an Einzelhändler</a:t>
             </a:r>
           </a:p>
           <a:p>
@@ -14929,7 +15010,7 @@
                 <a:ea typeface="Franklin Gothic Book"/>
                 <a:cs typeface="Franklin Gothic Book"/>
               </a:rPr>
-              <a:t>Distributoren: Transport Chai Teeprodukte von Herstellern zu Einzelhändlern</a:t>
+              <a:t>Distributoren: Lieferung der Chai-Tee-Produkte von Herstellern zu Einzelhändlern</a:t>
             </a:r>
           </a:p>
         </p:txBody>
@@ -15132,7 +15213,7 @@
                 <a:ea typeface="Bookman Old Style"/>
                 <a:cs typeface="Bookman Old Style"/>
               </a:rPr>
-              <a:t>Vertriebskanäle: Großhändler</a:t>
+              <a:t>Vertriebskanäle: Großhandelsunternehmen</a:t>
             </a:r>
           </a:p>
         </p:txBody>

--- a/ResourceFiles/Mystic Spice Premium Chai Market Analysis Presentation.pptx
+++ b/ResourceFiles/Mystic Spice Premium Chai Market Analysis Presentation.pptx
@@ -10779,7 +10779,7 @@
                 <a:ea typeface="Bookman Old Style"/>
                 <a:cs typeface="Bookman Old Style"/>
               </a:rPr>
-              <a:t>Agenda</a:t>
+              <a:t>Tagesordnung</a:t>
             </a:r>
           </a:p>
         </p:txBody>
@@ -10898,7 +10898,7 @@
                 <a:ea typeface="Franklin Gothic Book"/>
                 <a:cs typeface="Franklin Gothic Book"/>
               </a:rPr>
-              <a:t>Produktbeschreibung</a:t>
+              <a:t>Produktbeschreibung:</a:t>
             </a:r>
           </a:p>
           <a:p>
@@ -11878,7 +11878,7 @@
                 <a:ea typeface="Bookman Old Style"/>
                 <a:cs typeface="Bookman Old Style"/>
               </a:rPr>
-              <a:t>Produktbeschreibung</a:t>
+              <a:t>Produktbeschreibung:</a:t>
             </a:r>
           </a:p>
         </p:txBody>
@@ -12807,7 +12807,7 @@
                           <a:ea typeface="Franklin Gothic Book"/>
                           <a:cs typeface="Franklin Gothic Book"/>
                         </a:rPr>
-                        <a:t>Authentischer Blend: Unser Chai ist eine harmonische Mischung aus schwarzen Teeblättern in Premiumqualität und einer charakteristischen Auswahl an gemahlenen Gewürzen, darunter Knoblauch, Karamom, Gerinnsel, Ingwer und schwarzer Pfeffer.</a:t>
+                        <a:t>Authentische Mischung: Unser Chai ist eine harmonische Mischung aus hochwertigen Schwarzteeblättern und einer charakteristischen Auswahl an gemahlenen Gewürzen wie Zimt, Kardamom, Nelken, Ingwer und schwarzem Pfeffer.</a:t>
                       </a:r>
                       <a:r>
                         <a:rPr lang="de-DE" sz="1400" b="0" i="0" strike="noStrike" cap="none" baseline="0">
@@ -12860,7 +12860,7 @@
                           <a:ea typeface="Franklin Gothic Book"/>
                           <a:cs typeface="Franklin Gothic Book"/>
                         </a:rPr>
-                        <a:t>Gesundheitsfördernde Inhaltsstoffe: Die Zutaten von Mystic Spice Chai Tea werden nach ihren Vorteilen für die Gesundheit ausgewählt.</a:t>
+                        <a:t>Gesundheitsfördernde Zutaten: Alle Inhaltsstoffe des Mystic Spice Chai Tea werden aufgrund ihrer natürlichen gesundheitsfördernden Eigenschaften ausgewählt.</a:t>
                       </a:r>
                       <a:r>
                         <a:rPr lang="de-DE" sz="1400" b="0" i="0" strike="noStrike" cap="none" baseline="0">
@@ -13473,7 +13473,7 @@
                           <a:ea typeface="Franklin Gothic Book"/>
                           <a:cs typeface="Franklin Gothic Book"/>
                         </a:rPr>
-                        <a:t>Vielseitige Zubereitungsmöglichkeiten: Genießen Sie Ihren Chai dampfend heiß, als erfrischenden Eistee oder als cremefarbenen Chai Latte, unsere vielseitige Mischung erfüllt Ihnen jeden Wunsch.</a:t>
+                        <a:t>Vielfältige Zubereitungsmöglichkeiten: Ob Sie Ihren Chai dampfend heiß, als erfrischenden Eistee oder als cremigen Latte mögen, unsere Mischung ist vielseitig, um allen Vorlieben gerecht zu werden.</a:t>
                       </a:r>
                       <a:r>
                         <a:rPr lang="de-DE" sz="1100" b="0" i="0" strike="noStrike" cap="none" baseline="0">
@@ -13533,7 +13533,7 @@
                           <a:ea typeface="Franklin Gothic Book"/>
                           <a:cs typeface="Franklin Gothic Book"/>
                         </a:rPr>
-                        <a:t>Nachhaltig gewonnen: Wir engagieren uns für Nachhaltigkeit, wir beziehen unsere Inhaltsstoffe von kleinen Bauernhöfen, die ökologische Landwirtschaft betreiben.  Sie sorgen nicht nur für die feinste Qualität, sondern auch für das Wohlergehen unseres Planeten.</a:t>
+                        <a:t>Nachhaltig gewonnen: Da wir uns der Nachhaltigkeit verpflichtet haben, beziehen wir unsere Zutaten von kleinen Bauernhöfen, die ökologische Landwirtschaft betreiben. So garantieren wir nicht nur beste Qualität, sondern tragen auch zum Wohlergehen unseres Planeten bei.</a:t>
                       </a:r>
                       <a:endParaRPr lang="en-US" sz="1700">
                         <a:effectLst/>
@@ -13562,7 +13562,7 @@
                           <a:ea typeface="Franklin Gothic Book"/>
                           <a:cs typeface="Franklin Gothic Book"/>
                         </a:rPr>
-                        <a:t>Elegante Verpackung: Mit wunderschön gestalteter umweltfreundlicher Verpackung ist der Mystic Spice Chai Tea  das perfekte Geschenk für Teeliebhaber oder ein luxuriöser Genuss  für Sie selbst.</a:t>
+                        <a:t>Elegante Verpackung: Mystic Spice Chai Tea wird in einer wunderschönen, umweltfreundlichen Verpackung geliefert, die ihn zu einem idealen Geschenk für Teeliebhaber oder zu einem luxuriösen Genuss für Sie selbst macht.</a:t>
                       </a:r>
                       <a:endParaRPr lang="en-US" sz="1700">
                         <a:effectLst/>
@@ -13598,7 +13598,7 @@
                           <a:ea typeface="Franklin Gothic Book"/>
                           <a:cs typeface="Franklin Gothic Book"/>
                         </a:rPr>
-                        <a:t>Mit Kundenzufriedenheitsgarantie: Wir stehen hinter unserem Produkt und bieten Ihnen eine Zufriedenheitsgarantie.</a:t>
+                        <a:t>Kundenzufriedenheitsgarantie: Wir stehen hinter unserem Produkt und bieten eine Zufriedenheitsgarantie.</a:t>
                       </a:r>
                       <a:r>
                         <a:rPr lang="de-DE" sz="1100" b="0" i="0" strike="noStrike" cap="none" baseline="0">
@@ -13651,7 +13651,7 @@
                           <a:ea typeface="Franklin Gothic Book"/>
                           <a:cs typeface="Franklin Gothic Book"/>
                         </a:rPr>
-                        <a:t>Perfekt geeignet für: Tee-Enthusiasten, gesundheitsbewusste Liebhaber warmer und würziger Getränke und jeden, der die reichen Aromen der traditionellen indischen Chai erkunden möchte.</a:t>
+                        <a:t>Ideal für: Teeliebhaber, gesundheitsbewusste Menschen, Liebhaber von warmen, würzigen Getränken und alle, die den reichen Geschmack des traditionellen indischen Chai entdecken möchten.</a:t>
                       </a:r>
                       <a:endParaRPr lang="en-US" sz="1700">
                         <a:effectLst/>

--- a/ResourceFiles/Mystic Spice Premium Chai Market Analysis Presentation.pptx
+++ b/ResourceFiles/Mystic Spice Premium Chai Market Analysis Presentation.pptx
@@ -1,34 +1,30 @@
 
 <file path=ppt/presentation.xml><?xml version="1.0" encoding="utf-8"?>
-<!--Generated by Aspose.Slides for Java 23.6.1-->
-<p:presentation xmlns:r="http://schemas.openxmlformats.org/officeDocument/2006/relationships" xmlns:a="http://schemas.openxmlformats.org/drawingml/2006/main" xmlns:p="http://schemas.openxmlformats.org/presentationml/2006/main" removePersonalInfoOnSave="1" saveSubsetFonts="1">
+<p:presentation xmlns:a="http://schemas.openxmlformats.org/drawingml/2006/main" xmlns:r="http://schemas.openxmlformats.org/officeDocument/2006/relationships" xmlns:p="http://schemas.openxmlformats.org/presentationml/2006/main" saveSubsetFonts="1">
   <p:sldMasterIdLst>
     <p:sldMasterId id="2147483660" r:id="rId1"/>
   </p:sldMasterIdLst>
   <p:notesMasterIdLst>
-    <p:notesMasterId r:id="rId2"/>
+    <p:notesMasterId r:id="rId16"/>
   </p:notesMasterIdLst>
   <p:sldIdLst>
-    <p:sldId id="256" r:id="rId3"/>
-    <p:sldId id="257" r:id="rId4"/>
-    <p:sldId id="258" r:id="rId5"/>
-    <p:sldId id="259" r:id="rId6"/>
-    <p:sldId id="260" r:id="rId7"/>
-    <p:sldId id="261" r:id="rId8"/>
-    <p:sldId id="262" r:id="rId9"/>
-    <p:sldId id="268" r:id="rId10"/>
-    <p:sldId id="269" r:id="rId11"/>
-    <p:sldId id="270" r:id="rId12"/>
-    <p:sldId id="271" r:id="rId13"/>
-    <p:sldId id="272" r:id="rId14"/>
-    <p:sldId id="273" r:id="rId15"/>
-    <p:sldId id="274" r:id="rId16"/>
+    <p:sldId id="256" r:id="rId2"/>
+    <p:sldId id="257" r:id="rId3"/>
+    <p:sldId id="258" r:id="rId4"/>
+    <p:sldId id="259" r:id="rId5"/>
+    <p:sldId id="260" r:id="rId6"/>
+    <p:sldId id="261" r:id="rId7"/>
+    <p:sldId id="262" r:id="rId8"/>
+    <p:sldId id="268" r:id="rId9"/>
+    <p:sldId id="269" r:id="rId10"/>
+    <p:sldId id="270" r:id="rId11"/>
+    <p:sldId id="271" r:id="rId12"/>
+    <p:sldId id="272" r:id="rId13"/>
+    <p:sldId id="273" r:id="rId14"/>
+    <p:sldId id="274" r:id="rId15"/>
   </p:sldIdLst>
   <p:sldSz cx="12192000" cy="6858000"/>
   <p:notesSz cx="6858000" cy="9144000"/>
-  <p:custDataLst>
-    <p:tags r:id="rId17"/>
-  </p:custDataLst>
   <p:defaultTextStyle>
     <a:defPPr>
       <a:defRPr lang="en-US"/>
@@ -133,8 +129,8 @@
 </file>
 
 <file path=ppt/notesMasters/notesMaster1.xml><?xml version="1.0" encoding="utf-8"?>
-<p:notesMaster xmlns:a="http://schemas.openxmlformats.org/drawingml/2006/main" xmlns:r="http://schemas.openxmlformats.org/officeDocument/2006/relationships" xmlns:m="http://schemas.openxmlformats.org/officeDocument/2006/math" xmlns:w="http://schemas.openxmlformats.org/wordprocessingml/2006/main" xmlns:wp="http://schemas.openxmlformats.org/drawingml/2006/wordprocessingDrawing" xmlns:a14="http://schemas.microsoft.com/office/drawing/2010/main" xmlns:mc="http://schemas.openxmlformats.org/markup-compatibility/2006" xmlns:p14="http://schemas.microsoft.com/office/powerpoint/2010/main" xmlns:p="http://schemas.openxmlformats.org/presentationml/2006/main">
-  <p:cSld name="">
+<p:notesMaster xmlns:a="http://schemas.openxmlformats.org/drawingml/2006/main" xmlns:r="http://schemas.openxmlformats.org/officeDocument/2006/relationships" xmlns:p="http://schemas.openxmlformats.org/presentationml/2006/main">
+  <p:cSld>
     <p:bg>
       <p:bgRef idx="1001">
         <a:schemeClr val="bg1"/>
@@ -150,6 +146,8 @@
         <a:xfrm>
           <a:off x="0" y="0"/>
           <a:ext cx="0" cy="0"/>
+          <a:chOff x="0" y="0"/>
+          <a:chExt cx="0" cy="0"/>
         </a:xfrm>
       </p:grpSpPr>
       <p:sp>
@@ -212,7 +210,7 @@
           <a:p>
             <a:fld id="{4B79337C-AD0D-499E-B6BA-802817985C42}" type="datetimeFigureOut">
               <a:rPr lang="en-US" smtClean="0"/>
-              <a:t>6/26/2024</a:t>
+              <a:t>6/2/2025</a:t>
             </a:fld>
             <a:endParaRPr lang="en-US"/>
           </a:p>
@@ -243,6 +241,13 @@
             </a:solidFill>
           </a:ln>
         </p:spPr>
+        <p:txBody>
+          <a:bodyPr vert="horz" lIns="91440" tIns="45720" rIns="91440" bIns="45720" rtlCol="0" anchor="ctr"/>
+          <a:lstStyle/>
+          <a:p>
+            <a:endParaRPr lang="en-US"/>
+          </a:p>
+        </p:txBody>
       </p:sp>
       <p:sp>
         <p:nvSpPr>
@@ -473,8 +478,8 @@
 </file>
 
 <file path=ppt/notesSlides/notesSlide1.xml><?xml version="1.0" encoding="utf-8"?>
-<p:notes xmlns:a="http://schemas.openxmlformats.org/drawingml/2006/main" xmlns:r="http://schemas.openxmlformats.org/officeDocument/2006/relationships" xmlns:m="http://schemas.openxmlformats.org/officeDocument/2006/math" xmlns:w="http://schemas.openxmlformats.org/wordprocessingml/2006/main" xmlns:wp="http://schemas.openxmlformats.org/drawingml/2006/wordprocessingDrawing" xmlns:a14="http://schemas.microsoft.com/office/drawing/2010/main" xmlns:mc="http://schemas.openxmlformats.org/markup-compatibility/2006" xmlns:p14="http://schemas.microsoft.com/office/powerpoint/2010/main" xmlns:p="http://schemas.openxmlformats.org/presentationml/2006/main">
-  <p:cSld name="">
+<p:notes xmlns:a="http://schemas.openxmlformats.org/drawingml/2006/main" xmlns:r="http://schemas.openxmlformats.org/officeDocument/2006/relationships" xmlns:p="http://schemas.openxmlformats.org/presentationml/2006/main">
+  <p:cSld>
     <p:spTree>
       <p:nvGrpSpPr>
         <p:cNvPr id="1" name=""/>
@@ -485,6 +490,8 @@
         <a:xfrm>
           <a:off x="0" y="0"/>
           <a:ext cx="0" cy="0"/>
+          <a:chOff x="0" y="0"/>
+          <a:chExt cx="0" cy="0"/>
         </a:xfrm>
       </p:grpSpPr>
       <p:sp>
@@ -515,60 +522,28 @@
           <a:lstStyle/>
           <a:p>
             <a:r>
-              <a:rPr lang="de-DE" sz="1200" b="0" i="0" strike="noStrike" cap="none" baseline="0">
-                <a:solidFill>
-                  <a:srgbClr val="000000"/>
-                </a:solidFill>
-                <a:effectLst/>
-                <a:latin typeface="Aptos"/>
-                <a:ea typeface="Aptos"/>
-                <a:cs typeface="Aptos"/>
-              </a:rPr>
-              <a:t>Diese Präsentation wurde automatisch von PowerPoint Copilot generiert und basiert auf Inhalten, die in diesem Dokument gefunden wurden:</a:t>
-            </a:r>
-            <a:r>
-              <a:rPr sz="1200"/>
-              <a:t>
-</a:t>
-            </a:r>
-            <a:r>
-              <a:rPr lang="de-DE" sz="1200" b="0" i="0" strike="noStrike" cap="none" baseline="0">
-                <a:solidFill>
-                  <a:srgbClr val="000000"/>
-                </a:solidFill>
-                <a:effectLst/>
-                <a:latin typeface="Aptos"/>
-                <a:ea typeface="Aptos"/>
-                <a:cs typeface="Aptos"/>
-              </a:rPr>
+              <a:rPr lang="de-DE"/>
+              <a:t>Diese Präsentation wurde automatisch von PowerPoint Copilot auf der Grundlage der in diesem Dokument gefundenen Inhalte erstellt:</a:t>
+            </a:r>
+            <a:br>
+              <a:rPr lang="de-DE"/>
+            </a:br>
+            <a:r>
+              <a:rPr lang="de-DE"/>
               <a:t>https://microsoft-my.sharepoint.com/personal/dahans_microsoft_com/Documents/MS-4005/Market%20Analysis%20Report%20for%20Mystic%20Spice%20Premium%20Chai%20Tea.docx</a:t>
             </a:r>
-            <a:r>
-              <a:rPr sz="1200"/>
-              <a:t>
-</a:t>
-            </a:r>
-            <a:r>
-              <a:rPr sz="1200"/>
-              <a:t>
-</a:t>
-            </a:r>
-            <a:r>
-              <a:rPr sz="1200"/>
-              <a:t>
-</a:t>
-            </a:r>
-            <a:r>
-              <a:rPr lang="de-DE" sz="1200" b="0" i="0" strike="noStrike" cap="none" baseline="0">
-                <a:solidFill>
-                  <a:srgbClr val="000000"/>
-                </a:solidFill>
-                <a:effectLst/>
-                <a:latin typeface="Aptos"/>
-                <a:ea typeface="Aptos"/>
-                <a:cs typeface="Aptos"/>
-              </a:rPr>
-              <a:t>VON KI generierte Inhalte sind möglicherweise nicht korrekt.</a:t>
+            <a:br>
+              <a:rPr lang="de-DE"/>
+            </a:br>
+            <a:br>
+              <a:rPr lang="de-DE"/>
+            </a:br>
+            <a:br>
+              <a:rPr lang="de-DE"/>
+            </a:br>
+            <a:r>
+              <a:rPr lang="de-DE"/>
+              <a:t>KI-generierte Inhalte können fehlerhaft sein.</a:t>
             </a:r>
           </a:p>
         </p:txBody>
@@ -610,8 +585,8 @@
 </file>
 
 <file path=ppt/notesSlides/notesSlide10.xml><?xml version="1.0" encoding="utf-8"?>
-<p:notes xmlns:a="http://schemas.openxmlformats.org/drawingml/2006/main" xmlns:r="http://schemas.openxmlformats.org/officeDocument/2006/relationships" xmlns:m="http://schemas.openxmlformats.org/officeDocument/2006/math" xmlns:w="http://schemas.openxmlformats.org/wordprocessingml/2006/main" xmlns:wp="http://schemas.openxmlformats.org/drawingml/2006/wordprocessingDrawing" xmlns:a14="http://schemas.microsoft.com/office/drawing/2010/main" xmlns:mc="http://schemas.openxmlformats.org/markup-compatibility/2006" xmlns:p14="http://schemas.microsoft.com/office/powerpoint/2010/main" xmlns:p="http://schemas.openxmlformats.org/presentationml/2006/main">
-  <p:cSld name="">
+<p:notes xmlns:a="http://schemas.openxmlformats.org/drawingml/2006/main" xmlns:r="http://schemas.openxmlformats.org/officeDocument/2006/relationships" xmlns:p="http://schemas.openxmlformats.org/presentationml/2006/main">
+  <p:cSld>
     <p:spTree>
       <p:nvGrpSpPr>
         <p:cNvPr id="1" name=""/>
@@ -622,6 +597,8 @@
         <a:xfrm>
           <a:off x="0" y="0"/>
           <a:ext cx="0" cy="0"/>
+          <a:chOff x="0" y="0"/>
+          <a:chExt cx="0" cy="0"/>
         </a:xfrm>
       </p:grpSpPr>
       <p:sp>
@@ -652,186 +629,33 @@
           <a:lstStyle/>
           <a:p>
             <a:r>
-              <a:rPr lang="de-DE" sz="1200" b="0" i="0" strike="noStrike" cap="none" baseline="0">
-                <a:solidFill>
-                  <a:srgbClr val="000000"/>
-                </a:solidFill>
-                <a:effectLst/>
-                <a:latin typeface="Aptos"/>
-                <a:ea typeface="Aptos"/>
-                <a:cs typeface="Aptos"/>
-              </a:rPr>
-              <a:t>Die Vertriebspartner vertreten und vertreiben Chai-Tee-Produkte, unterstützen ihren Vertrieb und Verkauf und bieten Marketing- und Verkaufsdienstleistungen und Serviceleistungen nach dem Verkauf an.</a:t>
-            </a:r>
-            <a:r>
-              <a:rPr lang="de-DE" sz="1200" b="0" i="0" strike="noStrike" cap="none" baseline="0">
-                <a:solidFill>
-                  <a:srgbClr val="000000"/>
-                </a:solidFill>
-                <a:effectLst/>
-                <a:latin typeface="Aptos"/>
-                <a:ea typeface="Aptos"/>
-                <a:cs typeface="Aptos"/>
-              </a:rPr>
-              <a:t> </a:t>
-            </a:r>
-            <a:r>
-              <a:rPr lang="de-DE" sz="1200" b="0" i="0" strike="noStrike" cap="none" baseline="0">
-                <a:solidFill>
-                  <a:srgbClr val="000000"/>
-                </a:solidFill>
-                <a:effectLst/>
-                <a:latin typeface="Aptos"/>
-                <a:ea typeface="Aptos"/>
-                <a:cs typeface="Aptos"/>
-              </a:rPr>
-              <a:t>Sie bauen Beziehungen zum Einzelhandel und zur Kundschaft auf und pflegen sie, und sie leisten technische und logistische Unterstützung.</a:t>
-            </a:r>
-            <a:r>
-              <a:rPr lang="de-DE" sz="1200" b="0" i="0" strike="noStrike" cap="none" baseline="0">
-                <a:solidFill>
-                  <a:srgbClr val="000000"/>
-                </a:solidFill>
-                <a:effectLst/>
-                <a:latin typeface="Aptos"/>
-                <a:ea typeface="Aptos"/>
-                <a:cs typeface="Aptos"/>
-              </a:rPr>
-              <a:t> </a:t>
-            </a:r>
-            <a:r>
-              <a:rPr lang="de-DE" sz="1200" b="0" i="0" strike="noStrike" cap="none" baseline="0">
-                <a:solidFill>
-                  <a:srgbClr val="000000"/>
-                </a:solidFill>
-                <a:effectLst/>
-                <a:latin typeface="Aptos"/>
-                <a:ea typeface="Aptos"/>
-                <a:cs typeface="Aptos"/>
-              </a:rPr>
-              <a:t>Zu den großen Vertriebspartnern in Lateinamerika gehören Unilever, Nestle, Coca-Cola und PepsiCo.</a:t>
-            </a:r>
-            <a:r>
-              <a:rPr sz="1200"/>
-              <a:t>
-</a:t>
-            </a:r>
-            <a:r>
-              <a:rPr sz="1200"/>
-              <a:t>
-</a:t>
-            </a:r>
-            <a:r>
-              <a:rPr sz="1200"/>
-              <a:t>
-</a:t>
-            </a:r>
-            <a:r>
-              <a:rPr lang="de-DE" sz="1200" b="0" i="0" strike="noStrike" cap="none" baseline="0">
-                <a:solidFill>
-                  <a:srgbClr val="000000"/>
-                </a:solidFill>
-                <a:effectLst/>
-                <a:latin typeface="Aptos"/>
-                <a:ea typeface="Aptos"/>
-                <a:cs typeface="Aptos"/>
-              </a:rPr>
-              <a:t>Originalinhalt:</a:t>
-            </a:r>
-            <a:r>
-              <a:rPr sz="1200"/>
-              <a:t>
-</a:t>
-            </a:r>
-            <a:r>
-              <a:rPr lang="de-DE" sz="1200" b="0" i="0" strike="noStrike" cap="none" baseline="0">
-                <a:solidFill>
-                  <a:srgbClr val="000000"/>
-                </a:solidFill>
-                <a:effectLst/>
-                <a:latin typeface="Aptos"/>
-                <a:ea typeface="Aptos"/>
-                <a:cs typeface="Aptos"/>
-              </a:rPr>
-              <a:t>Vertriebspartner sind die Unternehmen, die Chai-Tee-Produkte im Namen der Hersteller oder Großhändler vertreten und vertreiben.</a:t>
-            </a:r>
-            <a:r>
-              <a:rPr lang="de-DE" sz="1200" b="0" i="0" strike="noStrike" cap="none" baseline="0">
-                <a:solidFill>
-                  <a:srgbClr val="000000"/>
-                </a:solidFill>
-                <a:effectLst/>
-                <a:latin typeface="Aptos"/>
-                <a:ea typeface="Aptos"/>
-                <a:cs typeface="Aptos"/>
-              </a:rPr>
-              <a:t> </a:t>
-            </a:r>
-            <a:r>
-              <a:rPr lang="de-DE" sz="1200" b="0" i="0" strike="noStrike" cap="none" baseline="0">
-                <a:solidFill>
-                  <a:srgbClr val="000000"/>
-                </a:solidFill>
-                <a:effectLst/>
-                <a:latin typeface="Aptos"/>
-                <a:ea typeface="Aptos"/>
-                <a:cs typeface="Aptos"/>
-              </a:rPr>
-              <a:t>Vertriebspartner sind die Akteure, die den Vertrieb und den Verkauf von Chai-Tee-Produkten auf verschiedenen Märkten und in verschiedenen Regionen unterstützen, und sie können Marketing-, Verkaufs- und Kundendienstleistungen für Chai-Tee-Produkte anbieten.</a:t>
-            </a:r>
-            <a:r>
-              <a:rPr lang="de-DE" sz="1200" b="0" i="0" strike="noStrike" cap="none" baseline="0">
-                <a:solidFill>
-                  <a:srgbClr val="000000"/>
-                </a:solidFill>
-                <a:effectLst/>
-                <a:latin typeface="Aptos"/>
-                <a:ea typeface="Aptos"/>
-                <a:cs typeface="Aptos"/>
-              </a:rPr>
-              <a:t> </a:t>
-            </a:r>
-            <a:r>
-              <a:rPr lang="de-DE" sz="1200" b="0" i="0" strike="noStrike" cap="none" baseline="0">
-                <a:solidFill>
-                  <a:srgbClr val="000000"/>
-                </a:solidFill>
-                <a:effectLst/>
-                <a:latin typeface="Aptos"/>
-                <a:ea typeface="Aptos"/>
-                <a:cs typeface="Aptos"/>
-              </a:rPr>
-              <a:t>Vertriebspartner können auch Beziehungen zu Einzelhändlern und Verbraucher*innen aufbauen und pflegen sowie technische und logistische Unterstützung für Chai-Tee-Produkte leisten.</a:t>
-            </a:r>
-            <a:r>
-              <a:rPr lang="de-DE" sz="1200" b="0" i="0" strike="noStrike" cap="none" baseline="0">
-                <a:solidFill>
-                  <a:srgbClr val="000000"/>
-                </a:solidFill>
-                <a:effectLst/>
-                <a:latin typeface="Aptos"/>
-                <a:ea typeface="Aptos"/>
-                <a:cs typeface="Aptos"/>
-              </a:rPr>
-              <a:t> </a:t>
-            </a:r>
-            <a:r>
-              <a:rPr lang="de-DE" sz="1200" b="0" i="0" strike="noStrike" cap="none" baseline="0">
-                <a:solidFill>
-                  <a:srgbClr val="000000"/>
-                </a:solidFill>
-                <a:effectLst/>
-                <a:latin typeface="Aptos"/>
-                <a:ea typeface="Aptos"/>
-                <a:cs typeface="Aptos"/>
-              </a:rPr>
-              <a:t>Zu den wichtigsten Vertriebspartnern von Chai-Tee-Produkten in Lateinamerika gehören Unilever, Nestle, Coca-Cola und PepsiCo.</a:t>
-            </a:r>
-            <a:r>
-              <a:rPr sz="1200"/>
-              <a:t>
-</a:t>
-            </a:r>
+              <a:rPr lang="de-DE"/>
+              <a:t>Die Vertriebspartner vertreten und vertreiben Chai-Tee-Produkte, unterstützen ihren Vertrieb und Verkauf und bieten Marketing- und Verkaufsdienstleistungen und Serviceleistungen nach dem Verkauf an. Sie bauen Beziehungen zum Einzelhandel und zur Kundschaft auf und pflegen sie, und sie leisten technische und logistische Unterstützung. Zu den wichtigsten Vertriebspartnern in Lateinamerika gehören Unilever, Nestle, Coca-Cola und PepsiCo.</a:t>
+            </a:r>
+            <a:br>
+              <a:rPr lang="de-DE"/>
+            </a:br>
+            <a:br>
+              <a:rPr lang="de-DE"/>
+            </a:br>
+            <a:br>
+              <a:rPr lang="de-DE"/>
+            </a:br>
+            <a:r>
+              <a:rPr lang="de-DE"/>
+              <a:t>Ursprünglicher Inhalt:</a:t>
+            </a:r>
+            <a:br>
+              <a:rPr lang="de-DE"/>
+            </a:br>
+            <a:r>
+              <a:rPr lang="de-DE"/>
+              <a:t>Vertriebspartner sind die Unternehmen, die Chai-Tee-Produkte im Namen der Hersteller oder Großhändler vertreten und vertreiben. Vertriebspartner sind die Akteure, die den Vertrieb und den Verkauf von Chai-Tee-Produkten auf verschiedenen Märkten und in verschiedenen Regionen unterstützen, und sie können Marketing-, Verkaufs- und Kundendienstleistungen für Chai-Tee-Produkte anbieten. Vertriebspartner können auch Beziehungen zu Einzelhändlern und Verbraucher*innen aufbauen und pflegen sowie technische und logistische Unterstützung für Chai-Tee-Produkte leisten. Zu den wichtigsten Vertriebspartnern für Chai-Tee-Produkte in Lateinamerika gehören Unilever, Nestle, Coca-Cola und PepsiCo.</a:t>
+            </a:r>
+            <a:br>
+              <a:rPr lang="de-DE"/>
+            </a:br>
+            <a:endParaRPr lang="de-DE"/>
           </a:p>
         </p:txBody>
       </p:sp>
@@ -872,8 +696,8 @@
 </file>
 
 <file path=ppt/notesSlides/notesSlide11.xml><?xml version="1.0" encoding="utf-8"?>
-<p:notes xmlns:a="http://schemas.openxmlformats.org/drawingml/2006/main" xmlns:r="http://schemas.openxmlformats.org/officeDocument/2006/relationships" xmlns:m="http://schemas.openxmlformats.org/officeDocument/2006/math" xmlns:w="http://schemas.openxmlformats.org/wordprocessingml/2006/main" xmlns:wp="http://schemas.openxmlformats.org/drawingml/2006/wordprocessingDrawing" xmlns:a14="http://schemas.microsoft.com/office/drawing/2010/main" xmlns:mc="http://schemas.openxmlformats.org/markup-compatibility/2006" xmlns:p14="http://schemas.microsoft.com/office/powerpoint/2010/main" xmlns:p="http://schemas.openxmlformats.org/presentationml/2006/main">
-  <p:cSld name="">
+<p:notes xmlns:a="http://schemas.openxmlformats.org/drawingml/2006/main" xmlns:r="http://schemas.openxmlformats.org/officeDocument/2006/relationships" xmlns:p="http://schemas.openxmlformats.org/presentationml/2006/main">
+  <p:cSld>
     <p:spTree>
       <p:nvGrpSpPr>
         <p:cNvPr id="1" name=""/>
@@ -884,6 +708,8 @@
         <a:xfrm>
           <a:off x="0" y="0"/>
           <a:ext cx="0" cy="0"/>
+          <a:chOff x="0" y="0"/>
+          <a:chExt cx="0" cy="0"/>
         </a:xfrm>
       </p:grpSpPr>
       <p:sp>
@@ -914,359 +740,124 @@
           <a:lstStyle/>
           <a:p>
             <a:r>
-              <a:rPr lang="de-DE" sz="1200" b="0" i="0" strike="noStrike" cap="none" baseline="0">
-                <a:solidFill>
-                  <a:srgbClr val="000000"/>
-                </a:solidFill>
-                <a:effectLst/>
-                <a:latin typeface="Aptos"/>
-                <a:ea typeface="Aptos"/>
-                <a:cs typeface="Aptos"/>
-              </a:rPr>
-              <a:t>Der Absatzförderungsplan und die Strategie für Chai-Tee in Lateinamerika zielen darauf ab, den Bekanntheitsgrad zu erhöhen, ihn als Premium-Produkt zu positionieren, zum Probieren und Kaufen anzuregen und Loyalität aufzubauen.</a:t>
-            </a:r>
-            <a:r>
-              <a:rPr lang="de-DE" sz="1200" b="0" i="0" strike="noStrike" cap="none" baseline="0">
-                <a:solidFill>
-                  <a:srgbClr val="000000"/>
-                </a:solidFill>
-                <a:effectLst/>
-                <a:latin typeface="Aptos"/>
-                <a:ea typeface="Aptos"/>
-                <a:cs typeface="Aptos"/>
-              </a:rPr>
-              <a:t> </a:t>
-            </a:r>
-            <a:r>
-              <a:rPr lang="de-DE" sz="1200" b="0" i="0" strike="noStrike" cap="none" baseline="0">
-                <a:solidFill>
-                  <a:srgbClr val="000000"/>
-                </a:solidFill>
-                <a:effectLst/>
-                <a:latin typeface="Aptos"/>
-                <a:ea typeface="Aptos"/>
-                <a:cs typeface="Aptos"/>
-              </a:rPr>
-              <a:t>Zu den Maßnahmen gehören die Schaffung eines Markennamens und eines Logos, die Entwicklung einer Website und einer Präsenz in den sozialen Medien, die Durchführung einer digitalen Marketingkampagne, die Verteilung von Gratisproben, die Organisation von Veranstaltungen und die Zusammenarbeit mit lokalen Unternehmen.</a:t>
-            </a:r>
-            <a:r>
-              <a:rPr lang="de-DE" sz="1200" b="0" i="0" strike="noStrike" cap="none" baseline="0">
-                <a:solidFill>
-                  <a:srgbClr val="000000"/>
-                </a:solidFill>
-                <a:effectLst/>
-                <a:latin typeface="Aptos"/>
-                <a:ea typeface="Aptos"/>
-                <a:cs typeface="Aptos"/>
-              </a:rPr>
-              <a:t> </a:t>
-            </a:r>
-            <a:r>
-              <a:rPr lang="de-DE" sz="1200" b="0" i="0" strike="noStrike" cap="none" baseline="0">
-                <a:solidFill>
-                  <a:srgbClr val="000000"/>
-                </a:solidFill>
-                <a:effectLst/>
-                <a:latin typeface="Aptos"/>
-                <a:ea typeface="Aptos"/>
-                <a:cs typeface="Aptos"/>
-              </a:rPr>
-              <a:t>Der Plan wird über 12 Monate mit einem Budget von 100.000 US-Dollar implementiert und mithilfe von wichtigen Leistungsindikatoren ausgewertet.</a:t>
-            </a:r>
-            <a:r>
-              <a:rPr sz="1200"/>
-              <a:t>
-</a:t>
-            </a:r>
-            <a:r>
-              <a:rPr sz="1200"/>
-              <a:t>
-</a:t>
-            </a:r>
-            <a:r>
-              <a:rPr sz="1200"/>
-              <a:t>
-</a:t>
-            </a:r>
-            <a:r>
-              <a:rPr lang="de-DE" sz="1200" b="0" i="0" strike="noStrike" cap="none" baseline="0">
-                <a:solidFill>
-                  <a:srgbClr val="000000"/>
-                </a:solidFill>
-                <a:effectLst/>
-                <a:latin typeface="Aptos"/>
-                <a:ea typeface="Aptos"/>
-                <a:cs typeface="Aptos"/>
-              </a:rPr>
-              <a:t>Originalinhalt:</a:t>
-            </a:r>
-            <a:r>
-              <a:rPr sz="1200"/>
-              <a:t>
-</a:t>
-            </a:r>
-            <a:r>
-              <a:rPr lang="de-DE" sz="1200" b="0" i="0" strike="noStrike" cap="none" baseline="0">
-                <a:solidFill>
-                  <a:srgbClr val="000000"/>
-                </a:solidFill>
-                <a:effectLst/>
-                <a:latin typeface="Aptos"/>
-                <a:ea typeface="Aptos"/>
-                <a:cs typeface="Aptos"/>
-              </a:rPr>
-              <a:t>Werbeplan und -strategie</a:t>
-            </a:r>
-            <a:r>
-              <a:rPr sz="1200"/>
-              <a:t>
-</a:t>
-            </a:r>
-            <a:r>
-              <a:rPr lang="de-DE" sz="1200" b="0" i="0" strike="noStrike" cap="none" baseline="0">
-                <a:solidFill>
-                  <a:srgbClr val="000000"/>
-                </a:solidFill>
-                <a:effectLst/>
-                <a:latin typeface="Aptos"/>
-                <a:ea typeface="Aptos"/>
-                <a:cs typeface="Aptos"/>
-              </a:rPr>
-              <a:t>Der Werbeplan und die Werbestrategie für Chai-Tee in Lateinamerika zielen darauf ab, die folgenden Ziele zu erreichen:</a:t>
-            </a:r>
-            <a:r>
-              <a:rPr sz="1200"/>
-              <a:t>
-</a:t>
-            </a:r>
-            <a:r>
-              <a:rPr lang="de-DE" sz="1200" b="0" i="0" strike="noStrike" cap="none" baseline="0">
-                <a:solidFill>
-                  <a:srgbClr val="000000"/>
-                </a:solidFill>
-                <a:effectLst/>
-                <a:latin typeface="Aptos"/>
-                <a:ea typeface="Aptos"/>
-                <a:cs typeface="Aptos"/>
-              </a:rPr>
-              <a:t>· Steigerung des Bewusstseins für und des Interesses an Chai-Tee in der Zielgruppe</a:t>
-            </a:r>
-            <a:r>
-              <a:rPr sz="1200"/>
-              <a:t>
-</a:t>
-            </a:r>
-            <a:r>
-              <a:rPr lang="de-DE" sz="1200" b="0" i="0" strike="noStrike" cap="none" baseline="0">
-                <a:solidFill>
-                  <a:srgbClr val="000000"/>
-                </a:solidFill>
-                <a:effectLst/>
-                <a:latin typeface="Aptos"/>
-                <a:ea typeface="Aptos"/>
-                <a:cs typeface="Aptos"/>
-              </a:rPr>
-              <a:t>· Positionierung von Chai-Tee als natürliches und gesundes Premium-Produkt, das einen einzigartigen Genuss bietet</a:t>
-            </a:r>
-            <a:r>
-              <a:rPr sz="1200"/>
-              <a:t>
-</a:t>
-            </a:r>
-            <a:r>
-              <a:rPr lang="de-DE" sz="1200" b="0" i="0" strike="noStrike" cap="none" baseline="0">
-                <a:solidFill>
-                  <a:srgbClr val="000000"/>
-                </a:solidFill>
-                <a:effectLst/>
-                <a:latin typeface="Aptos"/>
-                <a:ea typeface="Aptos"/>
-                <a:cs typeface="Aptos"/>
-              </a:rPr>
-              <a:t>· Ermutigung zum Ausprobieren und Kaufen von Chai-Tee über verschiedene Vertriebskanäle</a:t>
-            </a:r>
-            <a:r>
-              <a:rPr sz="1200"/>
-              <a:t>
-</a:t>
-            </a:r>
-            <a:r>
-              <a:rPr lang="de-DE" sz="1200" b="0" i="0" strike="noStrike" cap="none" baseline="0">
-                <a:solidFill>
-                  <a:srgbClr val="000000"/>
-                </a:solidFill>
-                <a:effectLst/>
-                <a:latin typeface="Aptos"/>
-                <a:ea typeface="Aptos"/>
-                <a:cs typeface="Aptos"/>
-              </a:rPr>
-              <a:t>· Aufbau von Treue und Bindung der Chai-Tee-Verbrauchenden durch Engagement und Feedback</a:t>
-            </a:r>
-            <a:r>
-              <a:rPr sz="1200"/>
-              <a:t>
-</a:t>
-            </a:r>
-            <a:r>
-              <a:rPr lang="de-DE" sz="1200" b="0" i="0" strike="noStrike" cap="none" baseline="0">
-                <a:solidFill>
-                  <a:srgbClr val="000000"/>
-                </a:solidFill>
-                <a:effectLst/>
-                <a:latin typeface="Aptos"/>
-                <a:ea typeface="Aptos"/>
-                <a:cs typeface="Aptos"/>
-              </a:rPr>
-              <a:t>Werbeplan und  und -strategie für Chai-Tee in Lateinamerika werden sich einer Kombination von Taktiken bedienen, wie etwa:</a:t>
-            </a:r>
-            <a:r>
-              <a:rPr sz="1200"/>
-              <a:t>
-</a:t>
-            </a:r>
-            <a:r>
-              <a:rPr lang="de-DE" sz="1200" b="0" i="0" strike="noStrike" cap="none" baseline="0">
-                <a:solidFill>
-                  <a:srgbClr val="000000"/>
-                </a:solidFill>
-                <a:effectLst/>
-                <a:latin typeface="Aptos"/>
-                <a:ea typeface="Aptos"/>
-                <a:cs typeface="Aptos"/>
-              </a:rPr>
-              <a:t>· Erstellung eines attraktiven und unvergesslichen Markennamens und Logos für Chai-Tee</a:t>
-            </a:r>
-            <a:r>
-              <a:rPr sz="1200"/>
-              <a:t>
-</a:t>
-            </a:r>
-            <a:r>
-              <a:rPr lang="de-DE" sz="1200" b="0" i="0" strike="noStrike" cap="none" baseline="0">
-                <a:solidFill>
-                  <a:srgbClr val="000000"/>
-                </a:solidFill>
-                <a:effectLst/>
-                <a:latin typeface="Aptos"/>
-                <a:ea typeface="Aptos"/>
-                <a:cs typeface="Aptos"/>
-              </a:rPr>
-              <a:t>· Entwicklung einer Website und Präsenz in den sozialen Medien für Chai-Tee, um seine Vorteile, Eigenschaften und Geschichten zu präsentieren</a:t>
-            </a:r>
-            <a:r>
-              <a:rPr sz="1200"/>
-              <a:t>
-</a:t>
-            </a:r>
-            <a:r>
-              <a:rPr lang="de-DE" sz="1200" b="0" i="0" strike="noStrike" cap="none" baseline="0">
-                <a:solidFill>
-                  <a:srgbClr val="000000"/>
-                </a:solidFill>
-                <a:effectLst/>
-                <a:latin typeface="Aptos"/>
-                <a:ea typeface="Aptos"/>
-                <a:cs typeface="Aptos"/>
-              </a:rPr>
-              <a:t>· Einführung einer digitalen Marketingkampagne, die SEO, SEM, E-Mail-Marketing und Influencer-Marketing verwendet, um potenzielle Kundinnen und Kunden zu erreichen und zu gewinnen</a:t>
-            </a:r>
-            <a:r>
-              <a:rPr sz="1200"/>
-              <a:t>
-</a:t>
-            </a:r>
-            <a:r>
-              <a:rPr lang="de-DE" sz="1200" b="0" i="0" strike="noStrike" cap="none" baseline="0">
-                <a:solidFill>
-                  <a:srgbClr val="000000"/>
-                </a:solidFill>
-                <a:effectLst/>
-                <a:latin typeface="Aptos"/>
-                <a:ea typeface="Aptos"/>
-                <a:cs typeface="Aptos"/>
-              </a:rPr>
-              <a:t>· Verteilung kostenloser Proben und Coupons für Chai-Tee an strategischen Standorten wie Supermärkten, Cafés und Gesundheitsgeschäften</a:t>
-            </a:r>
-            <a:r>
-              <a:rPr sz="1200"/>
-              <a:t>
-</a:t>
-            </a:r>
-            <a:r>
-              <a:rPr lang="de-DE" sz="1200" b="0" i="0" strike="noStrike" cap="none" baseline="0">
-                <a:solidFill>
-                  <a:srgbClr val="000000"/>
-                </a:solidFill>
-                <a:effectLst/>
-                <a:latin typeface="Aptos"/>
-                <a:ea typeface="Aptos"/>
-                <a:cs typeface="Aptos"/>
-              </a:rPr>
-              <a:t>· Organisation von Veranstaltungen und Wettbewerben, bei denen Personen eingeladen werden, Chai-Tee mit ihren Freunden und der Familie zu probieren</a:t>
-            </a:r>
-            <a:r>
-              <a:rPr sz="1200"/>
-              <a:t>
-</a:t>
-            </a:r>
-            <a:r>
-              <a:rPr lang="de-DE" sz="1200" b="0" i="0" strike="noStrike" cap="none" baseline="0">
-                <a:solidFill>
-                  <a:srgbClr val="000000"/>
-                </a:solidFill>
-                <a:effectLst/>
-                <a:latin typeface="Aptos"/>
-                <a:ea typeface="Aptos"/>
-                <a:cs typeface="Aptos"/>
-              </a:rPr>
-              <a:t>· Zusammenarbeit mit lokalen Unternehmen und Organisationen, deren Werte und Visionen mit Chai-Tee im Einklang stehen</a:t>
-            </a:r>
-            <a:r>
-              <a:rPr sz="1200"/>
-              <a:t>
-</a:t>
-            </a:r>
-            <a:r>
-              <a:rPr lang="de-DE" sz="1200" b="0" i="0" strike="noStrike" cap="none" baseline="0">
-                <a:solidFill>
-                  <a:srgbClr val="000000"/>
-                </a:solidFill>
-                <a:effectLst/>
-                <a:latin typeface="Aptos"/>
-                <a:ea typeface="Aptos"/>
-                <a:cs typeface="Aptos"/>
-              </a:rPr>
-              <a:t>Werbeplan und -strategie für Chai-Tee in Lateinamerika werden über einen Zeitraum von 12 Monaten mit einem Budget von 100.000 US-Dollar umgesetzt.</a:t>
-            </a:r>
-            <a:r>
-              <a:rPr lang="de-DE" sz="1200" b="0" i="0" strike="noStrike" cap="none" baseline="0">
-                <a:solidFill>
-                  <a:srgbClr val="000000"/>
-                </a:solidFill>
-                <a:effectLst/>
-                <a:latin typeface="Aptos"/>
-                <a:ea typeface="Aptos"/>
-                <a:cs typeface="Aptos"/>
-              </a:rPr>
-              <a:t> </a:t>
-            </a:r>
-            <a:r>
-              <a:rPr lang="de-DE" sz="1200" b="0" i="0" strike="noStrike" cap="none" baseline="0">
-                <a:solidFill>
-                  <a:srgbClr val="000000"/>
-                </a:solidFill>
-                <a:effectLst/>
-                <a:latin typeface="Aptos"/>
-                <a:ea typeface="Aptos"/>
-                <a:cs typeface="Aptos"/>
-              </a:rPr>
-              <a:t>Der Plan wird anhand von Leistungsindikatoren wie Website-Datenverkehr, Engagement in sozialen Medien, E-Mail-Öffnungsraten, Konversionsraten, Umsatzvolumen, Kundenzufriedenheit und Kundenbindungsraten überwacht und bewertet.</a:t>
-            </a:r>
-            <a:r>
-              <a:rPr sz="1200"/>
-              <a:t>
-</a:t>
-            </a:r>
+              <a:rPr lang="de-DE"/>
+              <a:t>Der Absatzförderungsplan und die Strategie für Chai-Tee in Lateinamerika zielen darauf ab, den Bekanntheitsgrad zu erhöhen, ihn als Premium-Produkt zu positionieren, zum Probieren und Kaufen anzuregen und Loyalität aufzubauen. Zu den Maßnahmen gehören die Schaffung eines Markennamens und eines Logos, die Entwicklung einer Website und einer Präsenz in den sozialen Medien, die Durchführung einer digitalen Marketingkampagne, die Verteilung von Gratisproben, die Organisation von Veranstaltungen und die Zusammenarbeit mit lokalen Unternehmen. Der Plan wird über einen Zeitraum von 12 Monaten mit einem Budget von 100.000 USD umgesetzt und anhand von Leistungsindikatoren bewertet.</a:t>
+            </a:r>
+            <a:br>
+              <a:rPr lang="de-DE"/>
+            </a:br>
+            <a:br>
+              <a:rPr lang="de-DE"/>
+            </a:br>
+            <a:br>
+              <a:rPr lang="de-DE"/>
+            </a:br>
+            <a:r>
+              <a:rPr lang="de-DE"/>
+              <a:t>Ursprünglicher Inhalt:</a:t>
+            </a:r>
+            <a:br>
+              <a:rPr lang="de-DE"/>
+            </a:br>
+            <a:r>
+              <a:rPr lang="de-DE"/>
+              <a:t>Absatzförderungsplan und -strategie</a:t>
+            </a:r>
+            <a:br>
+              <a:rPr lang="de-DE"/>
+            </a:br>
+            <a:r>
+              <a:rPr lang="de-DE"/>
+              <a:t>Mit dem Werbeplan und der Strategie für Chai-Tee in Lateinamerika sollen die folgenden Ziele erreicht werden:</a:t>
+            </a:r>
+            <a:br>
+              <a:rPr lang="de-DE"/>
+            </a:br>
+            <a:r>
+              <a:rPr lang="de-DE"/>
+              <a:t>·         Steigerung des Bekanntheitsgrads und des Interesses an Chai-Tee bei der Zielgruppe</a:t>
+            </a:r>
+            <a:br>
+              <a:rPr lang="de-DE"/>
+            </a:br>
+            <a:r>
+              <a:rPr lang="de-DE"/>
+              <a:t>        Positionierung von Chai-Tee als hochwertiges, natürliches und gesundes Produkt, das ein einzigartiges und befriedigendes Erlebnis bietet</a:t>
+            </a:r>
+            <a:br>
+              <a:rPr lang="de-DE"/>
+            </a:br>
+            <a:r>
+              <a:rPr lang="de-DE"/>
+              <a:t>        Förderung des Probierens und Kaufs von Chai-Tee über verschiedene Kanäle und Anreize</a:t>
+            </a:r>
+            <a:br>
+              <a:rPr lang="de-DE"/>
+            </a:br>
+            <a:r>
+              <a:rPr lang="de-DE"/>
+              <a:t>        Aufbau von Loyalität und Bindung der Chai-Tee-Kundschaft durch Engagement und Feedback</a:t>
+            </a:r>
+            <a:br>
+              <a:rPr lang="de-DE"/>
+            </a:br>
+            <a:r>
+              <a:rPr lang="de-DE"/>
+              <a:t>Der Absatzförderungsplan und die Strategie für Chai-Tee in Lateinamerika werden eine Kombination von Taktiken umfassen, wie z. B.:</a:t>
+            </a:r>
+            <a:br>
+              <a:rPr lang="de-DE"/>
+            </a:br>
+            <a:r>
+              <a:rPr lang="de-DE"/>
+              <a:t>·         Entwicklung eines einprägsamen Markennamens und Logos für Chai-Tee</a:t>
+            </a:r>
+            <a:br>
+              <a:rPr lang="de-DE"/>
+            </a:br>
+            <a:r>
+              <a:rPr lang="de-DE"/>
+              <a:t>        Entwicklung einer Website und einer Social-Media-Präsenz für Chai-Tee, die die Vorteile, Eigenschaften und Geschichten des Tees hervorhebt</a:t>
+            </a:r>
+            <a:br>
+              <a:rPr lang="de-DE"/>
+            </a:br>
+            <a:r>
+              <a:rPr lang="de-DE"/>
+              <a:t>        Lancierung einer digitalen Marketingkampagne, die SEO, SEM, E-Mail-Marketing und Influencer-Marketing nutzt, um die potenzielle Kundschaft zu erreichen und zu gewinnen</a:t>
+            </a:r>
+            <a:br>
+              <a:rPr lang="de-DE"/>
+            </a:br>
+            <a:r>
+              <a:rPr lang="de-DE"/>
+              <a:t>        Verteilung von Gratisproben und Gutscheinen für Chai-Tee an strategischen Orten,</a:t>
+            </a:r>
+            <a:br>
+              <a:rPr lang="de-DE"/>
+            </a:br>
+            <a:r>
+              <a:rPr lang="de-DE"/>
+              <a:t>         Organisation von Veranstaltungen und Wettbewerben, die dazu einladen, Chai-Tee zu probieren und mit dem Bekanntenkreis und der Familie zu teilen</a:t>
+            </a:r>
+            <a:br>
+              <a:rPr lang="de-DE"/>
+            </a:br>
+            <a:r>
+              <a:rPr lang="de-DE"/>
+              <a:t>        Partnerschaft mit lokalen Unternehmen und Organisationen, die die gleichen Werte und Visionen wie Chai-Tee teilen</a:t>
+            </a:r>
+            <a:br>
+              <a:rPr lang="de-DE"/>
+            </a:br>
+            <a:r>
+              <a:rPr lang="de-DE"/>
+              <a:t>Der Absatzförderungsplan und die Strategie für Chai-Tee in Lateinamerika werden über einen Zeitraum von 12 Monaten mit einem Budget von 100.000 USD umgesetzt. Der Plan wird anhand von Leistungsindikatoren wie Website-Datenverkehr, Social-Media-Engagement, E-Mail-Öffnungsraten, Konversionsraten, Umsatzvolumen, Kundenzufriedenheit und Kundenbindungsraten überwacht und bewertet.</a:t>
+            </a:r>
+            <a:br>
+              <a:rPr lang="de-DE"/>
+            </a:br>
+            <a:endParaRPr lang="de-DE"/>
           </a:p>
         </p:txBody>
       </p:sp>
@@ -1307,8 +898,8 @@
 </file>
 
 <file path=ppt/notesSlides/notesSlide12.xml><?xml version="1.0" encoding="utf-8"?>
-<p:notes xmlns:a="http://schemas.openxmlformats.org/drawingml/2006/main" xmlns:r="http://schemas.openxmlformats.org/officeDocument/2006/relationships" xmlns:m="http://schemas.openxmlformats.org/officeDocument/2006/math" xmlns:w="http://schemas.openxmlformats.org/wordprocessingml/2006/main" xmlns:wp="http://schemas.openxmlformats.org/drawingml/2006/wordprocessingDrawing" xmlns:a14="http://schemas.microsoft.com/office/drawing/2010/main" xmlns:mc="http://schemas.openxmlformats.org/markup-compatibility/2006" xmlns:p14="http://schemas.microsoft.com/office/powerpoint/2010/main" xmlns:p="http://schemas.openxmlformats.org/presentationml/2006/main">
-  <p:cSld name="">
+<p:notes xmlns:a="http://schemas.openxmlformats.org/drawingml/2006/main" xmlns:r="http://schemas.openxmlformats.org/officeDocument/2006/relationships" xmlns:p="http://schemas.openxmlformats.org/presentationml/2006/main">
+  <p:cSld>
     <p:spTree>
       <p:nvGrpSpPr>
         <p:cNvPr id="1" name=""/>
@@ -1319,6 +910,8 @@
         <a:xfrm>
           <a:off x="0" y="0"/>
           <a:ext cx="0" cy="0"/>
+          <a:chOff x="0" y="0"/>
+          <a:chExt cx="0" cy="0"/>
         </a:xfrm>
       </p:grpSpPr>
       <p:sp>
@@ -1349,151 +942,68 @@
           <a:lstStyle/>
           <a:p>
             <a:r>
-              <a:rPr lang="de-DE" sz="1200" b="0" i="0" strike="noStrike" cap="none" baseline="0">
-                <a:solidFill>
-                  <a:srgbClr val="000000"/>
-                </a:solidFill>
-                <a:effectLst/>
-                <a:latin typeface="Aptos"/>
-                <a:ea typeface="Aptos"/>
-                <a:cs typeface="Aptos"/>
-              </a:rPr>
-              <a:t>Der Absatzförderungsplan und die Strategie für Chai-Tee in Lateinamerika werden voraussichtlich zu einem 20%igen Anstieg des Bewusstseins und des Interesses um 20 %, zum Wachstum des Marktanteils um 10 %, zur Erhöhung des Volumens und einer Umsatzsteigerung um 15 % und einer höheren Kundenzufriedenheit und Bindungsrate führen.</a:t>
-            </a:r>
-            <a:r>
-              <a:rPr sz="1200"/>
-              <a:t>
-</a:t>
-            </a:r>
-            <a:r>
-              <a:rPr sz="1200"/>
-              <a:t>
-</a:t>
-            </a:r>
-            <a:r>
-              <a:rPr sz="1200"/>
-              <a:t>
-</a:t>
-            </a:r>
-            <a:r>
-              <a:rPr lang="de-DE" sz="1200" b="0" i="0" strike="noStrike" cap="none" baseline="0">
-                <a:solidFill>
-                  <a:srgbClr val="000000"/>
-                </a:solidFill>
-                <a:effectLst/>
-                <a:latin typeface="Aptos"/>
-                <a:ea typeface="Aptos"/>
-                <a:cs typeface="Aptos"/>
-              </a:rPr>
-              <a:t>Originalinhalt:</a:t>
-            </a:r>
-            <a:r>
-              <a:rPr sz="1200"/>
-              <a:t>
-</a:t>
-            </a:r>
-            <a:r>
-              <a:rPr lang="de-DE" sz="1200" b="0" i="0" strike="noStrike" cap="none" baseline="0">
-                <a:solidFill>
-                  <a:srgbClr val="000000"/>
-                </a:solidFill>
-                <a:effectLst/>
-                <a:latin typeface="Aptos"/>
-                <a:ea typeface="Aptos"/>
-                <a:cs typeface="Aptos"/>
-              </a:rPr>
+              <a:rPr lang="de-DE"/>
+              <a:t>Es wird erwartet, dass der Absatzförderungsplan und die Strategie für Chai-Tee in Lateinamerika zu einer Steigerung des Bekanntheitsgrads und des Interesses um 20 %, zu einer Steigerung des Marktanteils um 10 %, zu einer Steigerung des Absatzvolumens und des Umsatzes um 15 % und zu einer Steigerung der Zufriedenheit der Kundschaft und der Kundschaftsbindungsraten um 25 % führen werden.</a:t>
+            </a:r>
+            <a:br>
+              <a:rPr lang="de-DE"/>
+            </a:br>
+            <a:br>
+              <a:rPr lang="de-DE"/>
+            </a:br>
+            <a:br>
+              <a:rPr lang="de-DE"/>
+            </a:br>
+            <a:r>
+              <a:rPr lang="de-DE"/>
+              <a:t>Ursprünglicher Inhalt:</a:t>
+            </a:r>
+            <a:br>
+              <a:rPr lang="de-DE"/>
+            </a:br>
+            <a:r>
+              <a:rPr lang="de-DE"/>
               <a:t>Erwartete Ergebnisse und Herausforderungen</a:t>
             </a:r>
-            <a:r>
-              <a:rPr sz="1200"/>
-              <a:t>
-</a:t>
-            </a:r>
-            <a:r>
-              <a:rPr lang="de-DE" sz="1200" b="0" i="0" strike="noStrike" cap="none" baseline="0">
-                <a:solidFill>
-                  <a:srgbClr val="000000"/>
-                </a:solidFill>
-                <a:effectLst/>
-                <a:latin typeface="Aptos"/>
-                <a:ea typeface="Aptos"/>
-                <a:cs typeface="Aptos"/>
-              </a:rPr>
-              <a:t>Die erwarteten Ergebnisse des Werbeplans und der Werbestrategie für Chai-Tee in Lateinamerika:</a:t>
-            </a:r>
-            <a:r>
-              <a:rPr sz="1200"/>
-              <a:t>
-</a:t>
-            </a:r>
-            <a:r>
-              <a:rPr lang="de-DE" sz="1200" b="0" i="0" strike="noStrike" cap="none" baseline="0">
-                <a:solidFill>
-                  <a:srgbClr val="000000"/>
-                </a:solidFill>
-                <a:effectLst/>
-                <a:latin typeface="Aptos"/>
-                <a:ea typeface="Aptos"/>
-                <a:cs typeface="Aptos"/>
-              </a:rPr>
-              <a:t>· Ein Anstieg des Bewusstseins für und des Interesses an Chai-Tee in der Zielgruppe um 20 %</a:t>
-            </a:r>
-            <a:r>
-              <a:rPr sz="1200"/>
-              <a:t>
-</a:t>
-            </a:r>
-            <a:r>
-              <a:rPr lang="de-DE" sz="1200" b="0" i="0" strike="noStrike" cap="none" baseline="0">
-                <a:solidFill>
-                  <a:srgbClr val="000000"/>
-                </a:solidFill>
-                <a:effectLst/>
-                <a:latin typeface="Aptos"/>
-                <a:ea typeface="Aptos"/>
-                <a:cs typeface="Aptos"/>
-              </a:rPr>
-              <a:t>· Ein Anstieg des Marktanteils von Chai-Tee in der Region um 10 %</a:t>
-            </a:r>
-            <a:r>
-              <a:rPr sz="1200"/>
-              <a:t>
-</a:t>
-            </a:r>
-            <a:r>
-              <a:rPr lang="de-DE" sz="1200" b="0" i="0" strike="noStrike" cap="none" baseline="0">
-                <a:solidFill>
-                  <a:srgbClr val="000000"/>
-                </a:solidFill>
-                <a:effectLst/>
-                <a:latin typeface="Aptos"/>
-                <a:ea typeface="Aptos"/>
-                <a:cs typeface="Aptos"/>
-              </a:rPr>
-              <a:t>· Eine Steigerung des Umsatzvolumens und des Umsatzerlöses von Chai-Tee in der Region um 15 %</a:t>
-            </a:r>
-            <a:r>
-              <a:rPr sz="1200"/>
-              <a:t>
-</a:t>
-            </a:r>
-            <a:r>
-              <a:rPr lang="de-DE" sz="1200" b="0" i="0" strike="noStrike" cap="none" baseline="0">
-                <a:solidFill>
-                  <a:srgbClr val="000000"/>
-                </a:solidFill>
-                <a:effectLst/>
-                <a:latin typeface="Aptos"/>
-                <a:ea typeface="Aptos"/>
-                <a:cs typeface="Aptos"/>
-              </a:rPr>
-              <a:t>· Höhere Kundenzufriedenheits- und Kundenbindungsraten für Chai-Tee in der Region</a:t>
-            </a:r>
-            <a:r>
-              <a:rPr sz="1200"/>
-              <a:t>
-</a:t>
-            </a:r>
+            <a:br>
+              <a:rPr lang="de-DE"/>
+            </a:br>
+            <a:r>
+              <a:rPr lang="de-DE"/>
+              <a:t>Die erwarteten Ergebnisse des Absatzförderungsplans und der Strategie für Chai-Tee in Lateinamerika sind:</a:t>
+            </a:r>
+            <a:br>
+              <a:rPr lang="de-DE"/>
+            </a:br>
+            <a:r>
+              <a:rPr lang="de-DE"/>
+              <a:t>·         Eine Steigerung des Bekanntheitsgrads und des Interesses an Chai-Tee bei der Zielgruppe um 20 %</a:t>
+            </a:r>
+            <a:br>
+              <a:rPr lang="de-DE"/>
+            </a:br>
+            <a:r>
+              <a:rPr lang="de-DE"/>
+              <a:t>        Eine Steigerung des Marktanteils von Chai-Tee in der Region um 10 %</a:t>
+            </a:r>
+            <a:br>
+              <a:rPr lang="de-DE"/>
+            </a:br>
+            <a:r>
+              <a:rPr lang="de-DE"/>
+              <a:t>        Eine Steigerung des Absatzes und des Umsatzes von Chai-Tee in der Region um 15 %</a:t>
+            </a:r>
+            <a:br>
+              <a:rPr lang="de-DE"/>
+            </a:br>
+            <a:r>
+              <a:rPr lang="de-DE"/>
+              <a:t>        Eine Steigerung der Zufriedenheit der Kundschaft und der Kundschaftsbindungsraten von Chai-Tee in der Region um 25 %</a:t>
+            </a:r>
+            <a:br>
+              <a:rPr lang="de-DE"/>
+            </a:br>
+            <a:endParaRPr lang="de-DE"/>
           </a:p>
         </p:txBody>
       </p:sp>
@@ -1534,8 +1044,8 @@
 </file>
 
 <file path=ppt/notesSlides/notesSlide13.xml><?xml version="1.0" encoding="utf-8"?>
-<p:notes xmlns:a="http://schemas.openxmlformats.org/drawingml/2006/main" xmlns:r="http://schemas.openxmlformats.org/officeDocument/2006/relationships" xmlns:m="http://schemas.openxmlformats.org/officeDocument/2006/math" xmlns:w="http://schemas.openxmlformats.org/wordprocessingml/2006/main" xmlns:wp="http://schemas.openxmlformats.org/drawingml/2006/wordprocessingDrawing" xmlns:a14="http://schemas.microsoft.com/office/drawing/2010/main" xmlns:mc="http://schemas.openxmlformats.org/markup-compatibility/2006" xmlns:p14="http://schemas.microsoft.com/office/powerpoint/2010/main" xmlns:p="http://schemas.openxmlformats.org/presentationml/2006/main">
-  <p:cSld name="">
+<p:notes xmlns:a="http://schemas.openxmlformats.org/drawingml/2006/main" xmlns:r="http://schemas.openxmlformats.org/officeDocument/2006/relationships" xmlns:p="http://schemas.openxmlformats.org/presentationml/2006/main">
+  <p:cSld>
     <p:spTree>
       <p:nvGrpSpPr>
         <p:cNvPr id="1" name=""/>
@@ -1546,6 +1056,8 @@
         <a:xfrm>
           <a:off x="0" y="0"/>
           <a:ext cx="0" cy="0"/>
+          <a:chOff x="0" y="0"/>
+          <a:chExt cx="0" cy="0"/>
         </a:xfrm>
       </p:grpSpPr>
       <p:sp>
@@ -1576,151 +1088,68 @@
           <a:lstStyle/>
           <a:p>
             <a:r>
-              <a:rPr lang="de-DE" sz="1200" b="0" i="0" strike="noStrike" cap="none" baseline="0">
-                <a:solidFill>
-                  <a:srgbClr val="000000"/>
-                </a:solidFill>
-                <a:effectLst/>
-                <a:latin typeface="Aptos"/>
-                <a:ea typeface="Aptos"/>
-                <a:cs typeface="Aptos"/>
-              </a:rPr>
-              <a:t>Der Absatzförderungsplan und die Strategie für Chai-Tee in Lateinamerika stehen vor mehreren Herausforderungen, darunter hoher Preis, mangelndes Bewusstsein, Wettbewerb anderer Teeprodukte, regulatorische und kulturelle Hindernissen sowie umweltpolitische und soziale Fragen, die sich auf die Versorgung und Qualität von Chai-Teezutaten auswirken.</a:t>
-            </a:r>
-            <a:r>
-              <a:rPr sz="1200"/>
-              <a:t>
-</a:t>
-            </a:r>
-            <a:r>
-              <a:rPr sz="1200"/>
-              <a:t>
-</a:t>
-            </a:r>
-            <a:r>
-              <a:rPr sz="1200"/>
-              <a:t>
-</a:t>
-            </a:r>
-            <a:r>
-              <a:rPr lang="de-DE" sz="1200" b="0" i="0" strike="noStrike" cap="none" baseline="0">
-                <a:solidFill>
-                  <a:srgbClr val="000000"/>
-                </a:solidFill>
-                <a:effectLst/>
-                <a:latin typeface="Aptos"/>
-                <a:ea typeface="Aptos"/>
-                <a:cs typeface="Aptos"/>
-              </a:rPr>
-              <a:t>Originalinhalt:</a:t>
-            </a:r>
-            <a:r>
-              <a:rPr sz="1200"/>
-              <a:t>
-</a:t>
-            </a:r>
-            <a:r>
-              <a:rPr lang="de-DE" sz="1200" b="0" i="0" strike="noStrike" cap="none" baseline="0">
-                <a:solidFill>
-                  <a:srgbClr val="000000"/>
-                </a:solidFill>
-                <a:effectLst/>
-                <a:latin typeface="Aptos"/>
-                <a:ea typeface="Aptos"/>
-                <a:cs typeface="Aptos"/>
-              </a:rPr>
-              <a:t>Die potenziellen Herausforderungen des Promotionsplans und der Strategie für Chai-Tee in Lateinamerika:</a:t>
-            </a:r>
-            <a:r>
-              <a:rPr sz="1200"/>
-              <a:t>
-</a:t>
-            </a:r>
-            <a:r>
-              <a:rPr lang="de-DE" sz="1200" b="0" i="0" strike="noStrike" cap="none" baseline="0">
-                <a:solidFill>
-                  <a:srgbClr val="000000"/>
-                </a:solidFill>
-                <a:effectLst/>
-                <a:latin typeface="Aptos"/>
-                <a:ea typeface="Aptos"/>
-                <a:cs typeface="Aptos"/>
-              </a:rPr>
-              <a:t> Der hohe und kaum erschwingliche Preis von Chai-Tee-Produkten im Vergleich zu anderen Getränken</a:t>
-            </a:r>
-            <a:r>
-              <a:rPr sz="1200"/>
-              <a:t>
-</a:t>
-            </a:r>
-            <a:r>
-              <a:rPr lang="de-DE" sz="1200" b="0" i="0" strike="noStrike" cap="none" baseline="0">
-                <a:solidFill>
-                  <a:srgbClr val="000000"/>
-                </a:solidFill>
-                <a:effectLst/>
-                <a:latin typeface="Aptos"/>
-                <a:ea typeface="Aptos"/>
-                <a:cs typeface="Aptos"/>
-              </a:rPr>
-              <a:t>·Ein Mangel an Bewusstsein und Vertrautheit mit Chai-Tee in einigen Zielgruppen der Bevölkerung</a:t>
-            </a:r>
-            <a:r>
-              <a:rPr sz="1200"/>
-              <a:t>
-</a:t>
-            </a:r>
-            <a:r>
-              <a:rPr lang="de-DE" sz="1200" b="0" i="0" strike="noStrike" cap="none" baseline="0">
-                <a:solidFill>
-                  <a:srgbClr val="000000"/>
-                </a:solidFill>
-                <a:effectLst/>
-                <a:latin typeface="Aptos"/>
-                <a:ea typeface="Aptos"/>
-                <a:cs typeface="Aptos"/>
-              </a:rPr>
-              <a:t>·Der Wettbewerb durch andere Teeprodukte wie Kräuter-, Grün- und Schwarztees</a:t>
-            </a:r>
-            <a:r>
-              <a:rPr sz="1200"/>
-              <a:t>
-</a:t>
-            </a:r>
-            <a:r>
-              <a:rPr lang="de-DE" sz="1200" b="0" i="0" strike="noStrike" cap="none" baseline="0">
-                <a:solidFill>
-                  <a:srgbClr val="000000"/>
-                </a:solidFill>
-                <a:effectLst/>
-                <a:latin typeface="Aptos"/>
-                <a:ea typeface="Aptos"/>
-                <a:cs typeface="Aptos"/>
-              </a:rPr>
-              <a:t> Regulatorische und kulturelle Hindernisse, die den Eintritt und die Expansion von Chai-Tee-Produkten in einigen Ländern einschränken</a:t>
-            </a:r>
-            <a:r>
-              <a:rPr sz="1200"/>
-              <a:t>
-</a:t>
-            </a:r>
-            <a:r>
-              <a:rPr lang="de-DE" sz="1200" b="0" i="0" strike="noStrike" cap="none" baseline="0">
-                <a:solidFill>
-                  <a:srgbClr val="000000"/>
-                </a:solidFill>
-                <a:effectLst/>
-                <a:latin typeface="Aptos"/>
-                <a:ea typeface="Aptos"/>
-                <a:cs typeface="Aptos"/>
-              </a:rPr>
-              <a:t>Umweltbelange und soziale Fragen, die sich auf die Versorgung und Qualität von Chai-Teezutaten auswirken</a:t>
-            </a:r>
-            <a:r>
-              <a:rPr sz="1200"/>
-              <a:t>
-</a:t>
-            </a:r>
+              <a:rPr lang="de-DE"/>
+              <a:t>Der Absatzförderungsplan und die Strategie für Chai-Tee in Lateinamerika stehen vor mehreren Herausforderungen, darunter hohe Preise, mangelnder Bekanntheitsgrad, Konkurrenz durch andere Teeprodukte, rechtliche und kulturelle Hindernisse sowie ökologische und soziale Fragen, die sich auf das Angebot und die Qualität der Chai-Tee-Inhaltsstoffe auswirken können.</a:t>
+            </a:r>
+            <a:br>
+              <a:rPr lang="de-DE"/>
+            </a:br>
+            <a:br>
+              <a:rPr lang="de-DE"/>
+            </a:br>
+            <a:br>
+              <a:rPr lang="de-DE"/>
+            </a:br>
+            <a:r>
+              <a:rPr lang="de-DE"/>
+              <a:t>Ursprünglicher Inhalt:</a:t>
+            </a:r>
+            <a:br>
+              <a:rPr lang="de-DE"/>
+            </a:br>
+            <a:r>
+              <a:rPr lang="de-DE"/>
+              <a:t>Die potenziellen Herausforderungen für den Werbeplan und die Strategie für Chai-Tee in Lateinamerika sind:</a:t>
+            </a:r>
+            <a:br>
+              <a:rPr lang="de-DE"/>
+            </a:br>
+            <a:r>
+              <a:rPr lang="de-DE"/>
+              <a:t>·         Der hohe Preis und die geringe Erschwinglichkeit von Chai-Tee-Produkten im Vergleich zu anderen Getränken</a:t>
+            </a:r>
+            <a:br>
+              <a:rPr lang="de-DE"/>
+            </a:br>
+            <a:r>
+              <a:rPr lang="de-DE"/>
+              <a:t>        Das fehlende Bewusstsein und die mangelnde Vertrautheit mit Chai-Tee in einigen Bevölkerungsgruppen</a:t>
+            </a:r>
+            <a:br>
+              <a:rPr lang="de-DE"/>
+            </a:br>
+            <a:r>
+              <a:rPr lang="de-DE"/>
+              <a:t>        Die Konkurrenz durch andere Teeprodukte wie Kräuter-, Grün- und Schwarztee</a:t>
+            </a:r>
+            <a:br>
+              <a:rPr lang="de-DE"/>
+            </a:br>
+            <a:r>
+              <a:rPr lang="de-DE"/>
+              <a:t>        Die regulatorischen und kulturellen Barrieren, die den Markteintritt und die Expansion von Chai-Tee-Produkten in einigen Ländern einschränken können</a:t>
+            </a:r>
+            <a:br>
+              <a:rPr lang="de-DE"/>
+            </a:br>
+            <a:r>
+              <a:rPr lang="de-DE"/>
+              <a:t>        Die ökologischen und sozialen Probleme, die das Angebot und die Qualität der Chai-Tee-Inhaltsstoffe beeinflussen können</a:t>
+            </a:r>
+            <a:br>
+              <a:rPr lang="de-DE"/>
+            </a:br>
+            <a:endParaRPr lang="de-DE"/>
           </a:p>
         </p:txBody>
       </p:sp>
@@ -1761,8 +1190,8 @@
 </file>
 
 <file path=ppt/notesSlides/notesSlide14.xml><?xml version="1.0" encoding="utf-8"?>
-<p:notes xmlns:a="http://schemas.openxmlformats.org/drawingml/2006/main" xmlns:r="http://schemas.openxmlformats.org/officeDocument/2006/relationships" xmlns:m="http://schemas.openxmlformats.org/officeDocument/2006/math" xmlns:w="http://schemas.openxmlformats.org/wordprocessingml/2006/main" xmlns:wp="http://schemas.openxmlformats.org/drawingml/2006/wordprocessingDrawing" xmlns:a14="http://schemas.microsoft.com/office/drawing/2010/main" xmlns:mc="http://schemas.openxmlformats.org/markup-compatibility/2006" xmlns:p14="http://schemas.microsoft.com/office/powerpoint/2010/main" xmlns:p="http://schemas.openxmlformats.org/presentationml/2006/main">
-  <p:cSld name="">
+<p:notes xmlns:a="http://schemas.openxmlformats.org/drawingml/2006/main" xmlns:r="http://schemas.openxmlformats.org/officeDocument/2006/relationships" xmlns:p="http://schemas.openxmlformats.org/presentationml/2006/main">
+  <p:cSld>
     <p:spTree>
       <p:nvGrpSpPr>
         <p:cNvPr id="1" name=""/>
@@ -1773,6 +1202,8 @@
         <a:xfrm>
           <a:off x="0" y="0"/>
           <a:ext cx="0" cy="0"/>
+          <a:chOff x="0" y="0"/>
+          <a:chExt cx="0" cy="0"/>
         </a:xfrm>
       </p:grpSpPr>
       <p:sp>
@@ -1803,281 +1234,82 @@
           <a:lstStyle/>
           <a:p>
             <a:r>
-              <a:rPr lang="de-DE" sz="1200" b="0" i="0" strike="noStrike" cap="none" baseline="0">
-                <a:solidFill>
-                  <a:srgbClr val="000000"/>
-                </a:solidFill>
-                <a:effectLst/>
-                <a:latin typeface="Aptos"/>
-                <a:ea typeface="Aptos"/>
-                <a:cs typeface="Aptos"/>
-              </a:rPr>
-              <a:t>Chai-Tee ist ein vielversprechendes Produkt auf dem lateinamerikanischen Markt, das eine gesunde und exotische Alternative darstellt.</a:t>
-            </a:r>
-            <a:r>
-              <a:rPr lang="de-DE" sz="1200" b="0" i="0" strike="noStrike" cap="none" baseline="0">
-                <a:solidFill>
-                  <a:srgbClr val="000000"/>
-                </a:solidFill>
-                <a:effectLst/>
-                <a:latin typeface="Aptos"/>
-                <a:ea typeface="Aptos"/>
-                <a:cs typeface="Aptos"/>
-              </a:rPr>
-              <a:t> </a:t>
-            </a:r>
-            <a:r>
-              <a:rPr lang="de-DE" sz="1200" b="0" i="0" strike="noStrike" cap="none" baseline="0">
-                <a:solidFill>
-                  <a:srgbClr val="000000"/>
-                </a:solidFill>
-                <a:effectLst/>
-                <a:latin typeface="Aptos"/>
-                <a:ea typeface="Aptos"/>
-                <a:cs typeface="Aptos"/>
-              </a:rPr>
-              <a:t>Es sollte als hochwertiges und vielseitiges Produkt positioniert werden, indem seine einzigartigen Merkmale und Vorteile zur Geltung gebracht werden.</a:t>
-            </a:r>
-            <a:r>
-              <a:rPr lang="de-DE" sz="1200" b="0" i="0" strike="noStrike" cap="none" baseline="0">
-                <a:solidFill>
-                  <a:srgbClr val="000000"/>
-                </a:solidFill>
-                <a:effectLst/>
-                <a:latin typeface="Aptos"/>
-                <a:ea typeface="Aptos"/>
-                <a:cs typeface="Aptos"/>
-              </a:rPr>
-              <a:t> </a:t>
-            </a:r>
-            <a:r>
-              <a:rPr lang="de-DE" sz="1200" b="0" i="0" strike="noStrike" cap="none" baseline="0">
-                <a:solidFill>
-                  <a:srgbClr val="000000"/>
-                </a:solidFill>
-                <a:effectLst/>
-                <a:latin typeface="Aptos"/>
-                <a:ea typeface="Aptos"/>
-                <a:cs typeface="Aptos"/>
-              </a:rPr>
-              <a:t>Es sollte eine Mischung aus Online- und Offline-Taktiken verwendet werden, um die Zielgruppe zu erreichen und die Herausforderungen zu meistern.</a:t>
-            </a:r>
-            <a:r>
-              <a:rPr sz="1200"/>
-              <a:t>
-</a:t>
-            </a:r>
-            <a:r>
-              <a:rPr sz="1200"/>
-              <a:t>
-</a:t>
-            </a:r>
-            <a:r>
-              <a:rPr sz="1200"/>
-              <a:t>
-</a:t>
-            </a:r>
-            <a:r>
-              <a:rPr lang="de-DE" sz="1200" b="0" i="0" strike="noStrike" cap="none" baseline="0">
-                <a:solidFill>
-                  <a:srgbClr val="000000"/>
-                </a:solidFill>
-                <a:effectLst/>
-                <a:latin typeface="Aptos"/>
-                <a:ea typeface="Aptos"/>
-                <a:cs typeface="Aptos"/>
-              </a:rPr>
-              <a:t>Originalinhalt:</a:t>
-            </a:r>
-            <a:r>
-              <a:rPr sz="1200"/>
-              <a:t>
-</a:t>
-            </a:r>
-            <a:r>
-              <a:rPr lang="de-DE" sz="1200" b="0" i="0" strike="noStrike" cap="none" baseline="0">
-                <a:solidFill>
-                  <a:srgbClr val="000000"/>
-                </a:solidFill>
-                <a:effectLst/>
-                <a:latin typeface="Aptos"/>
-                <a:ea typeface="Aptos"/>
-                <a:cs typeface="Aptos"/>
-              </a:rPr>
+              <a:rPr lang="de-DE"/>
+              <a:t>Chai-Tee ist ein vielversprechendes Produkt auf dem lateinamerikanischen Markt, das eine gesunde und exotische Alternative darstellt. Es sollte als hochwertiges und vielseitiges Produkt positioniert werden, indem seine einzigartigen Merkmale und Vorteile zur Geltung gebracht werden. Es sollte eine Mischung aus Online- und Offline-Taktiken angewandt werden, um die Zielgruppe zu erreichen und Herausforderungen zu bewältigen.</a:t>
+            </a:r>
+            <a:br>
+              <a:rPr lang="de-DE"/>
+            </a:br>
+            <a:br>
+              <a:rPr lang="de-DE"/>
+            </a:br>
+            <a:br>
+              <a:rPr lang="de-DE"/>
+            </a:br>
+            <a:r>
+              <a:rPr lang="de-DE"/>
+              <a:t>Ursprünglicher Inhalt:</a:t>
+            </a:r>
+            <a:br>
+              <a:rPr lang="de-DE"/>
+            </a:br>
+            <a:r>
+              <a:rPr lang="de-DE"/>
               <a:t>Empfehlungen und Schlussfolgerungen</a:t>
             </a:r>
-            <a:r>
-              <a:rPr sz="1200"/>
-              <a:t>
-</a:t>
-            </a:r>
-            <a:r>
-              <a:rPr lang="de-DE" sz="1200" b="0" i="0" strike="noStrike" cap="none" baseline="0">
-                <a:solidFill>
-                  <a:srgbClr val="000000"/>
-                </a:solidFill>
-                <a:effectLst/>
-                <a:latin typeface="Aptos"/>
-                <a:ea typeface="Aptos"/>
-                <a:cs typeface="Aptos"/>
-              </a:rPr>
-              <a:t>Basierend auf der Marktanalyse, der Wettbewerbsanalyse, den Vertriebskanälen sowie dem Werbeplan und der Werbestrategie können die folgenden Empfehlungen gegeben und Schlussfolgerungen in Bezug auf die Zukunft von Chai-Tee in Lateinamerika gezogen werden:</a:t>
-            </a:r>
-            <a:r>
-              <a:rPr sz="1200"/>
-              <a:t>
-</a:t>
-            </a:r>
-            <a:r>
-              <a:rPr lang="de-DE" sz="1200" b="0" i="0" strike="noStrike" cap="none" baseline="0">
-                <a:solidFill>
-                  <a:srgbClr val="000000"/>
-                </a:solidFill>
-                <a:effectLst/>
-                <a:latin typeface="Aptos"/>
-                <a:ea typeface="Aptos"/>
-                <a:cs typeface="Aptos"/>
-              </a:rPr>
-              <a:t>· Chai-Tee ist ein vielversprechendes Produkt, das im lateinamerikanischen Markt wachsen und erfolgreich sein kann, weil er eine gesunde, natürliche und exotische Alternative zu anderen Getränken darstellt</a:t>
-            </a:r>
-            <a:r>
-              <a:rPr sz="1200"/>
-              <a:t>
-</a:t>
-            </a:r>
-            <a:r>
-              <a:rPr lang="de-DE" sz="1200" b="0" i="0" strike="noStrike" cap="none" baseline="0">
-                <a:solidFill>
-                  <a:srgbClr val="000000"/>
-                </a:solidFill>
-                <a:effectLst/>
-                <a:latin typeface="Aptos"/>
-                <a:ea typeface="Aptos"/>
-                <a:cs typeface="Aptos"/>
-              </a:rPr>
-              <a:t>· Chai-Tee muss als authentisches und vielseitiges Premiumprodukt positioniert und vermarktet werden, das für  verschiedene Zielgruppen und Anlässe attraktiv sein kann</a:t>
-            </a:r>
-            <a:r>
-              <a:rPr sz="1200"/>
-              <a:t>
-</a:t>
-            </a:r>
-            <a:r>
-              <a:rPr lang="de-DE" sz="1200" b="0" i="0" strike="noStrike" cap="none" baseline="0">
-                <a:solidFill>
-                  <a:srgbClr val="000000"/>
-                </a:solidFill>
-                <a:effectLst/>
-                <a:latin typeface="Aptos"/>
-                <a:ea typeface="Aptos"/>
-                <a:cs typeface="Aptos"/>
-              </a:rPr>
-              <a:t>· Chai-Tee muss seine einzigartigen Merkmale und Vorteile nutzen, wie etwa sein reichhaltiges Aroma, seinen Geschmack und seine gesundheitlichen Vorteile, um sich von anderen Teeprodukten abzuheben</a:t>
-            </a:r>
-            <a:r>
-              <a:rPr sz="1200"/>
-              <a:t>
-</a:t>
-            </a:r>
-            <a:r>
-              <a:rPr lang="de-DE" sz="1200" b="0" i="0" strike="noStrike" cap="none" baseline="0">
-                <a:solidFill>
-                  <a:srgbClr val="000000"/>
-                </a:solidFill>
-                <a:effectLst/>
-                <a:latin typeface="Aptos"/>
-                <a:ea typeface="Aptos"/>
-                <a:cs typeface="Aptos"/>
-              </a:rPr>
-              <a:t>· Chai-Tee muss eine Kombination aus Online- und Offline-Taktiken verwenden, um die Zielgruppe zu erreichen, mit ihr zu interagieren und eine treue und zufriedene Kundenbasis zu schaffen</a:t>
-            </a:r>
-            <a:r>
-              <a:rPr sz="1200"/>
-              <a:t>
-</a:t>
-            </a:r>
-            <a:r>
-              <a:rPr lang="de-DE" sz="1200" b="0" i="0" strike="noStrike" cap="none" baseline="0">
-                <a:solidFill>
-                  <a:srgbClr val="000000"/>
-                </a:solidFill>
-                <a:effectLst/>
-                <a:latin typeface="Aptos"/>
-                <a:ea typeface="Aptos"/>
-                <a:cs typeface="Aptos"/>
-              </a:rPr>
-              <a:t>· Chai-Tee muss die Herausforderungen und Bedrohungen meistern, die sein Wachstum und seine Expansion in der Region behindern könnten, wie etwa Preis, Bewusstsein, Wettbewerb, Regulierung und Nachhaltigkeit</a:t>
-            </a:r>
-            <a:r>
-              <a:rPr sz="1200"/>
-              <a:t>
-</a:t>
-            </a:r>
-            <a:r>
-              <a:rPr lang="de-DE" sz="1200" b="0" i="0" strike="noStrike" cap="none" baseline="0">
-                <a:solidFill>
-                  <a:srgbClr val="000000"/>
-                </a:solidFill>
-                <a:effectLst/>
-                <a:latin typeface="Aptos"/>
-                <a:ea typeface="Aptos"/>
-                <a:cs typeface="Aptos"/>
-              </a:rPr>
-              <a:t>Abschließend ist festzustellen, dass Chai-Tee ein Produkt ist, das hohes Potenzial und große Chancen auf dem lateinamerikanischen Markt hat, aber auch mit bestimmten Herausforderungen und Risiken konfrontiert ist.</a:t>
-            </a:r>
-            <a:r>
-              <a:rPr lang="de-DE" sz="1200" b="0" i="0" strike="noStrike" cap="none" baseline="0">
-                <a:solidFill>
-                  <a:srgbClr val="000000"/>
-                </a:solidFill>
-                <a:effectLst/>
-                <a:latin typeface="Aptos"/>
-                <a:ea typeface="Aptos"/>
-                <a:cs typeface="Aptos"/>
-              </a:rPr>
-              <a:t> </a:t>
-            </a:r>
-            <a:r>
-              <a:rPr lang="de-DE" sz="1200" b="0" i="0" strike="noStrike" cap="none" baseline="0">
-                <a:solidFill>
-                  <a:srgbClr val="000000"/>
-                </a:solidFill>
-                <a:effectLst/>
-                <a:latin typeface="Aptos"/>
-                <a:ea typeface="Aptos"/>
-                <a:cs typeface="Aptos"/>
-              </a:rPr>
-              <a:t>Der in diesem Bericht dargelegte Absatzförderungsplan und die Strategie zielen darauf ab, diese Probleme anzugehen und die gewünschten Ergebnisse zu erzielen.</a:t>
-            </a:r>
-            <a:r>
-              <a:rPr lang="de-DE" sz="1200" b="0" i="0" strike="noStrike" cap="none" baseline="0">
-                <a:solidFill>
-                  <a:srgbClr val="000000"/>
-                </a:solidFill>
-                <a:effectLst/>
-                <a:latin typeface="Aptos"/>
-                <a:ea typeface="Aptos"/>
-                <a:cs typeface="Aptos"/>
-              </a:rPr>
-              <a:t> </a:t>
-            </a:r>
-            <a:r>
-              <a:rPr lang="de-DE" sz="1200" b="0" i="0" strike="noStrike" cap="none" baseline="0">
-                <a:solidFill>
-                  <a:srgbClr val="000000"/>
-                </a:solidFill>
-                <a:effectLst/>
-                <a:latin typeface="Aptos"/>
-                <a:ea typeface="Aptos"/>
-                <a:cs typeface="Aptos"/>
-              </a:rPr>
-              <a:t>Der Absatzförderungsplan und die Strategie müssen jedoch ständig überwacht, bewertet und entsprechend den sich ändernden Marktbedingungen und dem Kundenfeedback angepasst werden.</a:t>
-            </a:r>
-            <a:r>
-              <a:rPr sz="1200"/>
-              <a:t>
-</a:t>
-            </a:r>
+            <a:br>
+              <a:rPr lang="de-DE"/>
+            </a:br>
+            <a:r>
+              <a:rPr lang="de-DE"/>
+              <a:t>Auf der Grundlage der Marktanalyse, der Wettbewerbsanalyse, der Vertriebskanäle sowie des Absatzförderungsplans und der Werbestrategie können die folgenden Empfehlungen gegeben und die folgenden Schlussfolgerungen für die Zukunft des Chai-Tees in Lateinamerika gezogen werden:</a:t>
+            </a:r>
+            <a:br>
+              <a:rPr lang="de-DE"/>
+            </a:br>
+            <a:r>
+              <a:rPr lang="de-DE"/>
+              <a:t>·         Chai-Tee ist ein vielversprechendes Produkt, das das Potenzial hat, auf dem lateinamerikanischen Markt zu wachsen und erfolgreich zu sein, da es eine gesunde, natürliche und exotische Alternative zu anderen Getränken darstellt</a:t>
+            </a:r>
+            <a:br>
+              <a:rPr lang="de-DE"/>
+            </a:br>
+            <a:r>
+              <a:rPr lang="de-DE"/>
+              <a:t>        Chai-Tee muss als hochwertiges, authentisches und vielseitiges Produkt positioniert und vermarktet werden, das verschiedene Segmente und Anlässe ansprechen kann</a:t>
+            </a:r>
+            <a:br>
+              <a:rPr lang="de-DE"/>
+            </a:br>
+            <a:r>
+              <a:rPr lang="de-DE"/>
+              <a:t>        Chai-Tee muss seine einzigartigen Eigenschaften und Vorteile nutzen, wie sein reichhaltiges Aroma, seinen Geschmack und seinen gesundheitlichen Nutzen,</a:t>
+            </a:r>
+            <a:br>
+              <a:rPr lang="de-DE"/>
+            </a:br>
+            <a:r>
+              <a:rPr lang="de-DE"/>
+              <a:t>         Für Chai-Tee muss eine Mischung aus Online- und Offline-Taktiken angewandt werden, um die Zielgruppe zu erreichen und anzusprechen und eine loyale und zufriedene wiederkehrende Kundschaft zu schaffen</a:t>
+            </a:r>
+            <a:br>
+              <a:rPr lang="de-DE"/>
+            </a:br>
+            <a:r>
+              <a:rPr lang="de-DE"/>
+              <a:t>        Chai-Tee muss die Herausforderungen und Bedrohungen überwinden, die sein Wachstum und seine Expansion in der Region behindern könnten, wie z. B. Preis, Bekanntheitsgrad, Wettbewerb, Regulierung und Nachhaltigkeit</a:t>
+            </a:r>
+            <a:br>
+              <a:rPr lang="de-DE"/>
+            </a:br>
+            <a:r>
+              <a:rPr lang="de-DE"/>
+              <a:t>Zusammenfassend lässt sich sagen, dass Chai-Tee ein Produkt ist, das auf dem lateinamerikanischen Markt ein großes Potenzial und viele Möglichkeiten bietet, aber auch mit einigen Herausforderungen und Risiken konfrontiert ist. Der in diesem Bericht dargelegte Absatzförderungsplan und die Strategie zielen darauf ab, diese Probleme anzugehen und die gewünschten Ergebnisse zu erzielen. Der Absatzförderungsplan und die Strategie müssen jedoch ständig überwacht, bewertet und entsprechend den sich ändernden Marktbedingungen und dem Kundenfeedback angepasst werden.</a:t>
+            </a:r>
+            <a:br>
+              <a:rPr lang="de-DE"/>
+            </a:br>
+            <a:endParaRPr lang="de-DE"/>
           </a:p>
         </p:txBody>
       </p:sp>
@@ -2118,8 +1350,8 @@
 </file>
 
 <file path=ppt/notesSlides/notesSlide2.xml><?xml version="1.0" encoding="utf-8"?>
-<p:notes xmlns:a="http://schemas.openxmlformats.org/drawingml/2006/main" xmlns:r="http://schemas.openxmlformats.org/officeDocument/2006/relationships" xmlns:m="http://schemas.openxmlformats.org/officeDocument/2006/math" xmlns:w="http://schemas.openxmlformats.org/wordprocessingml/2006/main" xmlns:wp="http://schemas.openxmlformats.org/drawingml/2006/wordprocessingDrawing" xmlns:a14="http://schemas.microsoft.com/office/drawing/2010/main" xmlns:mc="http://schemas.openxmlformats.org/markup-compatibility/2006" xmlns:p14="http://schemas.microsoft.com/office/powerpoint/2010/main" xmlns:p="http://schemas.openxmlformats.org/presentationml/2006/main">
-  <p:cSld name="">
+<p:notes xmlns:a="http://schemas.openxmlformats.org/drawingml/2006/main" xmlns:r="http://schemas.openxmlformats.org/officeDocument/2006/relationships" xmlns:p="http://schemas.openxmlformats.org/presentationml/2006/main">
+  <p:cSld>
     <p:spTree>
       <p:nvGrpSpPr>
         <p:cNvPr id="1" name=""/>
@@ -2130,6 +1362,8 @@
         <a:xfrm>
           <a:off x="0" y="0"/>
           <a:ext cx="0" cy="0"/>
+          <a:chOff x="0" y="0"/>
+          <a:chExt cx="0" cy="0"/>
         </a:xfrm>
       </p:grpSpPr>
       <p:sp>
@@ -2160,367 +1394,156 @@
           <a:lstStyle/>
           <a:p>
             <a:r>
-              <a:rPr lang="de-DE" sz="1200" b="0" i="0" strike="noStrike" cap="none" baseline="0">
-                <a:solidFill>
-                  <a:srgbClr val="000000"/>
-                </a:solidFill>
-                <a:effectLst/>
-                <a:latin typeface="Aptos"/>
-                <a:ea typeface="Aptos"/>
-                <a:cs typeface="Aptos"/>
-              </a:rPr>
+              <a:rPr lang="de-DE"/>
               <a:t>Agenda</a:t>
             </a:r>
-            <a:r>
-              <a:rPr sz="1200"/>
-              <a:t>
-</a:t>
-            </a:r>
-            <a:r>
-              <a:rPr sz="1200"/>
-              <a:t>
-</a:t>
-            </a:r>
-            <a:r>
-              <a:rPr lang="de-DE" sz="1200" b="0" i="0" strike="noStrike" cap="none" baseline="0">
-                <a:solidFill>
-                  <a:srgbClr val="000000"/>
-                </a:solidFill>
-                <a:effectLst/>
-                <a:latin typeface="Aptos"/>
-                <a:ea typeface="Aptos"/>
-                <a:cs typeface="Aptos"/>
-              </a:rPr>
-              <a:t>* Einführung* Produktbeschreibung</a:t>
-            </a:r>
-            <a:r>
-              <a:rPr sz="1200"/>
-              <a:t>
-</a:t>
-            </a:r>
-            <a:r>
-              <a:rPr lang="de-DE" sz="1200" b="0" i="0" strike="noStrike" cap="none" baseline="0">
-                <a:solidFill>
-                  <a:srgbClr val="000000"/>
-                </a:solidFill>
-                <a:effectLst/>
-                <a:latin typeface="Aptos"/>
-                <a:ea typeface="Aptos"/>
-                <a:cs typeface="Aptos"/>
-              </a:rPr>
+            <a:br>
+              <a:rPr lang="de-DE"/>
+            </a:br>
+            <a:br>
+              <a:rPr lang="de-DE"/>
+            </a:br>
+            <a:r>
+              <a:rPr lang="de-DE"/>
+              <a:t>* Einführung</a:t>
+            </a:r>
+            <a:br>
+              <a:rPr lang="de-DE"/>
+            </a:br>
+            <a:r>
+              <a:rPr lang="de-DE"/>
               <a:t>* Produktbeschreibung</a:t>
             </a:r>
-            <a:r>
-              <a:rPr sz="1200"/>
-              <a:t>
-</a:t>
-            </a:r>
-            <a:r>
-              <a:rPr lang="de-DE" sz="1200" b="0" i="0" strike="noStrike" cap="none" baseline="0">
-                <a:solidFill>
-                  <a:srgbClr val="000000"/>
-                </a:solidFill>
-                <a:effectLst/>
-                <a:latin typeface="Aptos"/>
-                <a:ea typeface="Aptos"/>
-                <a:cs typeface="Aptos"/>
-              </a:rPr>
-              <a:t> (1/2)</a:t>
-            </a:r>
-            <a:r>
-              <a:rPr sz="1200"/>
-              <a:t>
-</a:t>
-            </a:r>
-            <a:r>
-              <a:rPr lang="de-DE" sz="1200" b="0" i="0" strike="noStrike" cap="none" baseline="0">
-                <a:solidFill>
-                  <a:srgbClr val="000000"/>
-                </a:solidFill>
-                <a:effectLst/>
-                <a:latin typeface="Aptos"/>
-                <a:ea typeface="Aptos"/>
-                <a:cs typeface="Aptos"/>
-              </a:rPr>
+            <a:br>
+              <a:rPr lang="de-DE"/>
+            </a:br>
+            <a:r>
+              <a:rPr lang="de-DE"/>
+              <a:t>* Produktbeschreibung (1/2)</a:t>
+            </a:r>
+            <a:br>
+              <a:rPr lang="de-DE"/>
+            </a:br>
+            <a:r>
+              <a:rPr lang="de-DE"/>
               <a:t>* Produktbeschreibung (2/2)</a:t>
             </a:r>
-            <a:r>
-              <a:rPr sz="1200"/>
-              <a:t>
-</a:t>
-            </a:r>
-            <a:r>
-              <a:rPr lang="de-DE" sz="1200" b="0" i="0" strike="noStrike" cap="none" baseline="0">
-                <a:solidFill>
-                  <a:srgbClr val="000000"/>
-                </a:solidFill>
-                <a:effectLst/>
-                <a:latin typeface="Aptos"/>
-                <a:ea typeface="Aptos"/>
-                <a:cs typeface="Aptos"/>
-              </a:rPr>
+            <a:br>
+              <a:rPr lang="de-DE"/>
+            </a:br>
+            <a:r>
+              <a:rPr lang="de-DE"/>
               <a:t>* Markttrend und Nachfrage</a:t>
             </a:r>
-            <a:r>
-              <a:rPr sz="1200"/>
-              <a:t>
-</a:t>
-            </a:r>
-            <a:r>
-              <a:rPr lang="de-DE" sz="1200" b="0" i="0" strike="noStrike" cap="none" baseline="0">
-                <a:solidFill>
-                  <a:srgbClr val="000000"/>
-                </a:solidFill>
-                <a:effectLst/>
-                <a:latin typeface="Aptos"/>
-                <a:ea typeface="Aptos"/>
-                <a:cs typeface="Aptos"/>
-              </a:rPr>
+            <a:br>
+              <a:rPr lang="de-DE"/>
+            </a:br>
+            <a:r>
+              <a:rPr lang="de-DE"/>
               <a:t>* Wettbewerbsanalyse</a:t>
             </a:r>
-            <a:r>
-              <a:rPr sz="1200"/>
-              <a:t>
-</a:t>
-            </a:r>
-            <a:r>
-              <a:rPr lang="de-DE" sz="1200" b="0" i="0" strike="noStrike" cap="none" baseline="0">
-                <a:solidFill>
-                  <a:srgbClr val="000000"/>
-                </a:solidFill>
-                <a:effectLst/>
-                <a:latin typeface="Aptos"/>
-                <a:ea typeface="Aptos"/>
-                <a:cs typeface="Aptos"/>
-              </a:rPr>
+            <a:br>
+              <a:rPr lang="de-DE"/>
+            </a:br>
+            <a:r>
+              <a:rPr lang="de-DE"/>
               <a:t> * Tetley</a:t>
             </a:r>
-            <a:r>
-              <a:rPr sz="1200"/>
-              <a:t>
-</a:t>
-            </a:r>
-            <a:r>
-              <a:rPr lang="de-DE" sz="1200" b="0" i="0" strike="noStrike" cap="none" baseline="0">
-                <a:solidFill>
-                  <a:srgbClr val="000000"/>
-                </a:solidFill>
-                <a:effectLst/>
-                <a:latin typeface="Aptos"/>
-                <a:ea typeface="Aptos"/>
-                <a:cs typeface="Aptos"/>
-              </a:rPr>
+            <a:br>
+              <a:rPr lang="de-DE"/>
+            </a:br>
+            <a:r>
+              <a:rPr lang="de-DE"/>
               <a:t> * Teavana</a:t>
             </a:r>
-            <a:r>
-              <a:rPr sz="1200"/>
-              <a:t>
-</a:t>
-            </a:r>
-            <a:r>
-              <a:rPr lang="de-DE" sz="1200" b="0" i="0" strike="noStrike" cap="none" baseline="0">
-                <a:solidFill>
-                  <a:srgbClr val="000000"/>
-                </a:solidFill>
-                <a:effectLst/>
-                <a:latin typeface="Aptos"/>
-                <a:ea typeface="Aptos"/>
-                <a:cs typeface="Aptos"/>
-              </a:rPr>
+            <a:br>
+              <a:rPr lang="de-DE"/>
+            </a:br>
+            <a:r>
+              <a:rPr lang="de-DE"/>
               <a:t> * David's Tea</a:t>
             </a:r>
-            <a:r>
-              <a:rPr sz="1200"/>
-              <a:t>
-</a:t>
-            </a:r>
-            <a:r>
-              <a:rPr lang="de-DE" sz="1200" b="0" i="0" strike="noStrike" cap="none" baseline="0">
-                <a:solidFill>
-                  <a:srgbClr val="000000"/>
-                </a:solidFill>
-                <a:effectLst/>
-                <a:latin typeface="Aptos"/>
-                <a:ea typeface="Aptos"/>
-                <a:cs typeface="Aptos"/>
-              </a:rPr>
+            <a:br>
+              <a:rPr lang="de-DE"/>
+            </a:br>
+            <a:r>
+              <a:rPr lang="de-DE"/>
               <a:t> * Lokale Marken</a:t>
             </a:r>
-            <a:r>
-              <a:rPr sz="1200"/>
-              <a:t>
-</a:t>
-            </a:r>
-            <a:r>
-              <a:rPr lang="de-DE" sz="1200" b="0" i="0" strike="noStrike" cap="none" baseline="0">
-                <a:solidFill>
-                  <a:srgbClr val="000000"/>
-                </a:solidFill>
-                <a:effectLst/>
-                <a:latin typeface="Aptos"/>
-                <a:ea typeface="Aptos"/>
-                <a:cs typeface="Aptos"/>
-              </a:rPr>
-              <a:t>* Marktanteil von Chai-Tee in Lateinamerika</a:t>
-            </a:r>
-            <a:r>
-              <a:rPr sz="1200"/>
-              <a:t>
-</a:t>
-            </a:r>
-            <a:r>
-              <a:rPr lang="de-DE" sz="1200" b="0" i="0" strike="noStrike" cap="none" baseline="0">
-                <a:solidFill>
-                  <a:srgbClr val="000000"/>
-                </a:solidFill>
-                <a:effectLst/>
-                <a:latin typeface="Aptos"/>
-                <a:ea typeface="Aptos"/>
-                <a:cs typeface="Aptos"/>
-              </a:rPr>
+            <a:br>
+              <a:rPr lang="de-DE"/>
+            </a:br>
+            <a:r>
+              <a:rPr lang="de-DE"/>
+              <a:t>* Marktanteil von Chai Tea in Lateinamerika</a:t>
+            </a:r>
+            <a:br>
+              <a:rPr lang="de-DE"/>
+            </a:br>
+            <a:r>
+              <a:rPr lang="de-DE"/>
               <a:t>* Vertriebskanäle</a:t>
             </a:r>
-            <a:r>
-              <a:rPr sz="1200"/>
-              <a:t>
-</a:t>
-            </a:r>
-            <a:r>
-              <a:rPr lang="de-DE" sz="1200" b="0" i="0" strike="noStrike" cap="none" baseline="0">
-                <a:solidFill>
-                  <a:srgbClr val="000000"/>
-                </a:solidFill>
-                <a:effectLst/>
-                <a:latin typeface="Aptos"/>
-                <a:ea typeface="Aptos"/>
-                <a:cs typeface="Aptos"/>
-              </a:rPr>
-              <a:t> * Einzelhändler</a:t>
-            </a:r>
-            <a:r>
-              <a:rPr sz="1200"/>
-              <a:t>
-</a:t>
-            </a:r>
-            <a:r>
-              <a:rPr lang="de-DE" sz="1200" b="0" i="0" strike="noStrike" cap="none" baseline="0">
-                <a:solidFill>
-                  <a:srgbClr val="000000"/>
-                </a:solidFill>
-                <a:effectLst/>
-                <a:latin typeface="Aptos"/>
-                <a:ea typeface="Aptos"/>
-                <a:cs typeface="Aptos"/>
-              </a:rPr>
-              <a:t> * Großhändler</a:t>
-            </a:r>
-            <a:r>
-              <a:rPr sz="1200"/>
-              <a:t>
-</a:t>
-            </a:r>
-            <a:r>
-              <a:rPr lang="de-DE" sz="1200" b="0" i="0" strike="noStrike" cap="none" baseline="0">
-                <a:solidFill>
-                  <a:srgbClr val="000000"/>
-                </a:solidFill>
-                <a:effectLst/>
-                <a:latin typeface="Aptos"/>
-                <a:ea typeface="Aptos"/>
-                <a:cs typeface="Aptos"/>
-              </a:rPr>
-              <a:t> * Vertriebskanäle </a:t>
-            </a:r>
-            <a:r>
-              <a:rPr sz="1200"/>
-              <a:t>
-</a:t>
-            </a:r>
-            <a:r>
-              <a:rPr lang="de-DE" sz="1200" b="0" i="0" strike="noStrike" cap="none" baseline="0">
-                <a:solidFill>
-                  <a:srgbClr val="000000"/>
-                </a:solidFill>
-                <a:effectLst/>
-                <a:latin typeface="Aptos"/>
-                <a:ea typeface="Aptos"/>
-                <a:cs typeface="Aptos"/>
-              </a:rPr>
-              <a:t> * Absatzförderungsplan und Strategie</a:t>
-            </a:r>
-            <a:r>
-              <a:rPr sz="1200"/>
-              <a:t>
-</a:t>
-            </a:r>
-            <a:r>
-              <a:rPr lang="de-DE" sz="1200" b="0" i="0" strike="noStrike" cap="none" baseline="0">
-                <a:solidFill>
-                  <a:srgbClr val="000000"/>
-                </a:solidFill>
-                <a:effectLst/>
-                <a:latin typeface="Aptos"/>
-                <a:ea typeface="Aptos"/>
-                <a:cs typeface="Aptos"/>
-              </a:rPr>
+            <a:br>
+              <a:rPr lang="de-DE"/>
+            </a:br>
+            <a:r>
+              <a:rPr lang="de-DE"/>
+              <a:t> * Einzelhandel</a:t>
+            </a:r>
+            <a:br>
+              <a:rPr lang="de-DE"/>
+            </a:br>
+            <a:r>
+              <a:rPr lang="de-DE"/>
+              <a:t> * Großhandel</a:t>
+            </a:r>
+            <a:br>
+              <a:rPr lang="de-DE"/>
+            </a:br>
+            <a:r>
+              <a:rPr lang="de-DE"/>
+              <a:t> * Vertriebspartner</a:t>
+            </a:r>
+            <a:br>
+              <a:rPr lang="de-DE"/>
+            </a:br>
+            <a:r>
+              <a:rPr lang="de-DE"/>
+              <a:t>* Absatzförderungsplan und -strategie</a:t>
+            </a:r>
+            <a:br>
+              <a:rPr lang="de-DE"/>
+            </a:br>
+            <a:r>
+              <a:rPr lang="de-DE"/>
               <a:t>* Erwartete Ergebnisse und Herausforderungen</a:t>
             </a:r>
-            <a:r>
-              <a:rPr sz="1200"/>
-              <a:t>
-</a:t>
-            </a:r>
-            <a:r>
-              <a:rPr lang="de-DE" sz="1200" b="0" i="0" strike="noStrike" cap="none" baseline="0">
-                <a:solidFill>
-                  <a:srgbClr val="000000"/>
-                </a:solidFill>
-                <a:effectLst/>
-                <a:latin typeface="Aptos"/>
-                <a:ea typeface="Aptos"/>
-                <a:cs typeface="Aptos"/>
-              </a:rPr>
+            <a:br>
+              <a:rPr lang="de-DE"/>
+            </a:br>
+            <a:r>
+              <a:rPr lang="de-DE"/>
               <a:t> * Erwartete Ergebnisse</a:t>
             </a:r>
-            <a:r>
-              <a:rPr sz="1200"/>
-              <a:t>
-</a:t>
-            </a:r>
-            <a:r>
-              <a:rPr lang="de-DE" sz="1200" b="0" i="0" strike="noStrike" cap="none" baseline="0">
-                <a:solidFill>
-                  <a:srgbClr val="000000"/>
-                </a:solidFill>
-                <a:effectLst/>
-                <a:latin typeface="Aptos"/>
-                <a:ea typeface="Aptos"/>
-                <a:cs typeface="Aptos"/>
-              </a:rPr>
-              <a:t> * Potenzielle Herausforderungen</a:t>
-            </a:r>
-            <a:r>
-              <a:rPr sz="1200"/>
-              <a:t>
-</a:t>
-            </a:r>
-            <a:r>
-              <a:rPr lang="de-DE" sz="1200" b="0" i="0" strike="noStrike" cap="none" baseline="0">
-                <a:solidFill>
-                  <a:srgbClr val="000000"/>
-                </a:solidFill>
-                <a:effectLst/>
-                <a:latin typeface="Aptos"/>
-                <a:ea typeface="Aptos"/>
-                <a:cs typeface="Aptos"/>
-              </a:rPr>
+            <a:br>
+              <a:rPr lang="de-DE"/>
+            </a:br>
+            <a:r>
+              <a:rPr lang="de-DE"/>
+              <a:t> * Mögliche Herausforderungen</a:t>
+            </a:r>
+            <a:br>
+              <a:rPr lang="de-DE"/>
+            </a:br>
+            <a:r>
+              <a:rPr lang="de-DE"/>
               <a:t>* Empfehlungen und Schlussfolgerungen</a:t>
             </a:r>
-            <a:r>
-              <a:rPr sz="1200"/>
-              <a:t>
-</a:t>
-            </a:r>
+            <a:br>
+              <a:rPr lang="de-DE"/>
+            </a:br>
+            <a:endParaRPr lang="de-DE"/>
           </a:p>
         </p:txBody>
       </p:sp>
@@ -2561,8 +1584,8 @@
 </file>
 
 <file path=ppt/notesSlides/notesSlide3.xml><?xml version="1.0" encoding="utf-8"?>
-<p:notes xmlns:a="http://schemas.openxmlformats.org/drawingml/2006/main" xmlns:r="http://schemas.openxmlformats.org/officeDocument/2006/relationships" xmlns:m="http://schemas.openxmlformats.org/officeDocument/2006/math" xmlns:w="http://schemas.openxmlformats.org/wordprocessingml/2006/main" xmlns:wp="http://schemas.openxmlformats.org/drawingml/2006/wordprocessingDrawing" xmlns:a14="http://schemas.microsoft.com/office/drawing/2010/main" xmlns:mc="http://schemas.openxmlformats.org/markup-compatibility/2006" xmlns:p14="http://schemas.microsoft.com/office/powerpoint/2010/main" xmlns:p="http://schemas.openxmlformats.org/presentationml/2006/main">
-  <p:cSld name="">
+<p:notes xmlns:a="http://schemas.openxmlformats.org/drawingml/2006/main" xmlns:r="http://schemas.openxmlformats.org/officeDocument/2006/relationships" xmlns:p="http://schemas.openxmlformats.org/presentationml/2006/main">
+  <p:cSld>
     <p:spTree>
       <p:nvGrpSpPr>
         <p:cNvPr id="1" name=""/>
@@ -2573,6 +1596,8 @@
         <a:xfrm>
           <a:off x="0" y="0"/>
           <a:ext cx="0" cy="0"/>
+          <a:chOff x="0" y="0"/>
+          <a:chExt cx="0" cy="0"/>
         </a:xfrm>
       </p:grpSpPr>
       <p:sp>
@@ -2603,363 +1628,96 @@
           <a:lstStyle/>
           <a:p>
             <a:r>
-              <a:rPr lang="de-DE" sz="1200" b="0" i="0" strike="noStrike" cap="none" baseline="0">
-                <a:solidFill>
-                  <a:srgbClr val="000000"/>
-                </a:solidFill>
-                <a:effectLst/>
-                <a:latin typeface="Aptos"/>
-                <a:ea typeface="Aptos"/>
-                <a:cs typeface="Aptos"/>
-              </a:rPr>
-              <a:t>Dieser Bericht liefert eine Marktanalyse für Mystic Spice Premium Chai Tea in der Region Lateinamerika.</a:t>
-            </a:r>
-            <a:r>
-              <a:rPr lang="de-DE" sz="1200" b="0" i="0" strike="noStrike" cap="none" baseline="0">
-                <a:solidFill>
-                  <a:srgbClr val="000000"/>
-                </a:solidFill>
-                <a:effectLst/>
-                <a:latin typeface="Aptos"/>
-                <a:ea typeface="Aptos"/>
-                <a:cs typeface="Aptos"/>
-              </a:rPr>
-              <a:t> </a:t>
-            </a:r>
-            <a:r>
-              <a:rPr lang="de-DE" sz="1200" b="0" i="0" strike="noStrike" cap="none" baseline="0">
-                <a:solidFill>
-                  <a:srgbClr val="000000"/>
-                </a:solidFill>
-                <a:effectLst/>
-                <a:latin typeface="Aptos"/>
-                <a:ea typeface="Aptos"/>
-                <a:cs typeface="Aptos"/>
-              </a:rPr>
-              <a:t>Sie umfasst die Produktbeschreibung, den Markttrend, die Wettbewerbsanalyse, Vertriebskanäle, den Promotionsplan, die erwarteten Ergebnisse und Empfehlungen für die Zukunft.</a:t>
-            </a:r>
-            <a:r>
-              <a:rPr sz="1200"/>
-              <a:t>
-</a:t>
-            </a:r>
-            <a:r>
-              <a:rPr sz="1200"/>
-              <a:t>
-</a:t>
-            </a:r>
-            <a:r>
-              <a:rPr sz="1200"/>
-              <a:t>
-</a:t>
-            </a:r>
-            <a:r>
-              <a:rPr lang="de-DE" sz="1200" b="0" i="0" strike="noStrike" cap="none" baseline="0">
-                <a:solidFill>
-                  <a:srgbClr val="000000"/>
-                </a:solidFill>
-                <a:effectLst/>
-                <a:latin typeface="Aptos"/>
-                <a:ea typeface="Aptos"/>
-                <a:cs typeface="Aptos"/>
-              </a:rPr>
-              <a:t>Originalinhalt:</a:t>
-            </a:r>
-            <a:r>
-              <a:rPr sz="1200"/>
-              <a:t>
-</a:t>
-            </a:r>
-            <a:r>
-              <a:rPr lang="de-DE" sz="1200" b="0" i="0" strike="noStrike" cap="none" baseline="0">
-                <a:solidFill>
-                  <a:srgbClr val="000000"/>
-                </a:solidFill>
-                <a:effectLst/>
-                <a:latin typeface="Aptos"/>
-                <a:ea typeface="Aptos"/>
-                <a:cs typeface="Aptos"/>
-              </a:rPr>
-              <a:t>Einführung</a:t>
-            </a:r>
-            <a:r>
-              <a:rPr sz="1200"/>
-              <a:t>
-</a:t>
-            </a:r>
-            <a:r>
-              <a:rPr lang="de-DE" sz="1200" b="0" i="0" strike="noStrike" cap="none" baseline="0">
-                <a:solidFill>
-                  <a:srgbClr val="000000"/>
-                </a:solidFill>
-                <a:effectLst/>
-                <a:latin typeface="Aptos"/>
-                <a:ea typeface="Aptos"/>
-                <a:cs typeface="Aptos"/>
-              </a:rPr>
-              <a:t>Mystic Spice Premium Chai Tea ist ein neues Produkt, das von Contoso Beverage auf den Markt gebracht wurde, einem Unternehmen, das sich auf die Herstellung und den Vertrieb von hochwertigen Getränken weltweit spezialisiert hat.</a:t>
-            </a:r>
-            <a:r>
-              <a:rPr lang="de-DE" sz="1200" b="0" i="0" strike="noStrike" cap="none" baseline="0">
-                <a:solidFill>
-                  <a:srgbClr val="000000"/>
-                </a:solidFill>
-                <a:effectLst/>
-                <a:latin typeface="Aptos"/>
-                <a:ea typeface="Aptos"/>
-                <a:cs typeface="Aptos"/>
-              </a:rPr>
-              <a:t> </a:t>
-            </a:r>
-            <a:r>
-              <a:rPr lang="de-DE" sz="1200" b="0" i="0" strike="noStrike" cap="none" baseline="0">
-                <a:solidFill>
-                  <a:srgbClr val="000000"/>
-                </a:solidFill>
-                <a:effectLst/>
-                <a:latin typeface="Aptos"/>
-                <a:ea typeface="Aptos"/>
-                <a:cs typeface="Aptos"/>
-              </a:rPr>
-              <a:t>Mystic Spice Premium Chai Tea ist ein Gewürztee-Getränk, das ursprünglich aus Indien stammt und inzwischen auf der ganzen Welt beliebt ist.</a:t>
-            </a:r>
-            <a:r>
-              <a:rPr lang="de-DE" sz="1200" b="0" i="0" strike="noStrike" cap="none" baseline="0">
-                <a:solidFill>
-                  <a:srgbClr val="000000"/>
-                </a:solidFill>
-                <a:effectLst/>
-                <a:latin typeface="Aptos"/>
-                <a:ea typeface="Aptos"/>
-                <a:cs typeface="Aptos"/>
-              </a:rPr>
-              <a:t> </a:t>
-            </a:r>
-            <a:r>
-              <a:rPr lang="de-DE" sz="1200" b="0" i="0" strike="noStrike" cap="none" baseline="0">
-                <a:solidFill>
-                  <a:srgbClr val="000000"/>
-                </a:solidFill>
-                <a:effectLst/>
-                <a:latin typeface="Aptos"/>
-                <a:ea typeface="Aptos"/>
-                <a:cs typeface="Aptos"/>
-              </a:rPr>
-              <a:t>Es ist ein vielseitiges Getränk, das heiß oder kalt, mit oder ohne Milch und mit verschiedenen Gewürzen und Süßungsmitteln genossen werden kann.</a:t>
-            </a:r>
-            <a:r>
-              <a:rPr lang="de-DE" sz="1200" b="0" i="0" strike="noStrike" cap="none" baseline="0">
-                <a:solidFill>
-                  <a:srgbClr val="000000"/>
-                </a:solidFill>
-                <a:effectLst/>
-                <a:latin typeface="Aptos"/>
-                <a:ea typeface="Aptos"/>
-                <a:cs typeface="Aptos"/>
-              </a:rPr>
-              <a:t> </a:t>
-            </a:r>
-            <a:r>
-              <a:rPr lang="de-DE" sz="1200" b="0" i="0" strike="noStrike" cap="none" baseline="0">
-                <a:solidFill>
-                  <a:srgbClr val="000000"/>
-                </a:solidFill>
-                <a:effectLst/>
-                <a:latin typeface="Aptos"/>
-                <a:ea typeface="Aptos"/>
-                <a:cs typeface="Aptos"/>
-              </a:rPr>
-              <a:t>Chai-Tee hat viele gesundheitliche Vorteile, z. B. stärkt er das Immunsystem, lindert Entzündungen und verbessert die Verdauung.</a:t>
-            </a:r>
-            <a:r>
-              <a:rPr lang="de-DE" sz="1200" b="0" i="0" strike="noStrike" cap="none" baseline="0">
-                <a:solidFill>
-                  <a:srgbClr val="000000"/>
-                </a:solidFill>
-                <a:effectLst/>
-                <a:latin typeface="Aptos"/>
-                <a:ea typeface="Aptos"/>
-                <a:cs typeface="Aptos"/>
-              </a:rPr>
-              <a:t> </a:t>
-            </a:r>
-            <a:r>
-              <a:rPr lang="de-DE" sz="1200" b="0" i="0" strike="noStrike" cap="none" baseline="0">
-                <a:solidFill>
-                  <a:srgbClr val="000000"/>
-                </a:solidFill>
-                <a:effectLst/>
-                <a:latin typeface="Aptos"/>
-                <a:ea typeface="Aptos"/>
-                <a:cs typeface="Aptos"/>
-              </a:rPr>
-              <a:t>Er hat auch eine reiche kulturelle und historische Bedeutung, da er oft mit Gastfreundschaft, Freundschaft und Entspannung assoziiert wird.</a:t>
-            </a:r>
-            <a:r>
-              <a:rPr sz="1200"/>
-              <a:t>
-</a:t>
-            </a:r>
-            <a:r>
-              <a:rPr lang="de-DE" sz="1200" b="0" i="0" strike="noStrike" cap="none" baseline="0">
-                <a:solidFill>
-                  <a:srgbClr val="000000"/>
-                </a:solidFill>
-                <a:effectLst/>
-                <a:latin typeface="Aptos"/>
-                <a:ea typeface="Aptos"/>
-                <a:cs typeface="Aptos"/>
-              </a:rPr>
-              <a:t>Ziel dieses Berichts ist es, eine Marktanalyse für Mystic Spice Premium Chai Tea mit Fokus auf die Region Lateinamerika zu erstellen.</a:t>
-            </a:r>
-            <a:r>
-              <a:rPr lang="de-DE" sz="1200" b="0" i="0" strike="noStrike" cap="none" baseline="0">
-                <a:solidFill>
-                  <a:srgbClr val="000000"/>
-                </a:solidFill>
-                <a:effectLst/>
-                <a:latin typeface="Aptos"/>
-                <a:ea typeface="Aptos"/>
-                <a:cs typeface="Aptos"/>
-              </a:rPr>
-              <a:t> </a:t>
-            </a:r>
-            <a:r>
-              <a:rPr lang="de-DE" sz="1200" b="0" i="0" strike="noStrike" cap="none" baseline="0">
-                <a:solidFill>
-                  <a:srgbClr val="000000"/>
-                </a:solidFill>
-                <a:effectLst/>
-                <a:latin typeface="Aptos"/>
-                <a:ea typeface="Aptos"/>
-                <a:cs typeface="Aptos"/>
-              </a:rPr>
-              <a:t>Der Bericht wird die folgenden Aspekte abdecken:</a:t>
-            </a:r>
-            <a:r>
-              <a:rPr sz="1200"/>
-              <a:t>
-</a:t>
-            </a:r>
-            <a:r>
-              <a:rPr lang="de-DE" sz="1200" b="0" i="0" strike="noStrike" cap="none" baseline="0">
-                <a:solidFill>
-                  <a:srgbClr val="000000"/>
-                </a:solidFill>
-                <a:effectLst/>
-                <a:latin typeface="Aptos"/>
-                <a:ea typeface="Aptos"/>
-                <a:cs typeface="Aptos"/>
-              </a:rPr>
-              <a:t>·         Produktbeschreibung, Merkmale und Vorteile von Mystic Spice Premium Chai Tea</a:t>
-            </a:r>
-            <a:r>
-              <a:rPr sz="1200"/>
-              <a:t>
-</a:t>
-            </a:r>
-            <a:r>
-              <a:rPr lang="de-DE" sz="1200" b="0" i="0" strike="noStrike" cap="none" baseline="0">
-                <a:solidFill>
-                  <a:srgbClr val="000000"/>
-                </a:solidFill>
-                <a:effectLst/>
-                <a:latin typeface="Aptos"/>
-                <a:ea typeface="Aptos"/>
-                <a:cs typeface="Aptos"/>
-              </a:rPr>
-              <a:t>·          Markttrend und Nachfrage nach Chai-Tee in Lateinamerika</a:t>
-            </a:r>
-            <a:r>
-              <a:rPr sz="1200"/>
-              <a:t>
-</a:t>
-            </a:r>
-            <a:r>
-              <a:rPr lang="de-DE" sz="1200" b="0" i="0" strike="noStrike" cap="none" baseline="0">
-                <a:solidFill>
-                  <a:srgbClr val="000000"/>
-                </a:solidFill>
-                <a:effectLst/>
-                <a:latin typeface="Aptos"/>
-                <a:ea typeface="Aptos"/>
-                <a:cs typeface="Aptos"/>
-              </a:rPr>
-              <a:t>··        Wettbewerbsanalyse von Chai-Tee in Lateinamerika</a:t>
-            </a:r>
-            <a:r>
-              <a:rPr sz="1200"/>
-              <a:t>
-</a:t>
-            </a:r>
-            <a:r>
-              <a:rPr lang="de-DE" sz="1200" b="0" i="0" strike="noStrike" cap="none" baseline="0">
-                <a:solidFill>
-                  <a:srgbClr val="000000"/>
-                </a:solidFill>
-                <a:effectLst/>
-                <a:latin typeface="Aptos"/>
-                <a:ea typeface="Aptos"/>
-                <a:cs typeface="Aptos"/>
-              </a:rPr>
-              <a:t>·          Vertriebskanäle von Chai-Tee in Lateinamerika</a:t>
-            </a:r>
-            <a:r>
-              <a:rPr sz="1200"/>
-              <a:t>
-</a:t>
-            </a:r>
-            <a:r>
-              <a:rPr lang="de-DE" sz="1200" b="0" i="0" strike="noStrike" cap="none" baseline="0">
-                <a:solidFill>
-                  <a:srgbClr val="000000"/>
-                </a:solidFill>
-                <a:effectLst/>
-                <a:latin typeface="Aptos"/>
-                <a:ea typeface="Aptos"/>
-                <a:cs typeface="Aptos"/>
-              </a:rPr>
-              <a:t>·         Absatzförderungsplan und die Strategie für Chai-Tee in Lateinamerika</a:t>
-            </a:r>
-            <a:r>
-              <a:rPr sz="1200"/>
-              <a:t>
-</a:t>
-            </a:r>
-            <a:r>
-              <a:rPr lang="de-DE" sz="1200" b="0" i="0" strike="noStrike" cap="none" baseline="0">
-                <a:solidFill>
-                  <a:srgbClr val="000000"/>
-                </a:solidFill>
-                <a:effectLst/>
-                <a:latin typeface="Aptos"/>
-                <a:ea typeface="Aptos"/>
-                <a:cs typeface="Aptos"/>
-              </a:rPr>
-              <a:t>··        Erwartete Ergebnisse und Herausforderungen des Absatzförderungsplans</a:t>
-            </a:r>
-            <a:r>
-              <a:rPr sz="1200"/>
-              <a:t>
-</a:t>
-            </a:r>
-            <a:r>
-              <a:rPr lang="de-DE" sz="1200" b="0" i="0" strike="noStrike" cap="none" baseline="0">
-                <a:solidFill>
-                  <a:srgbClr val="000000"/>
-                </a:solidFill>
-                <a:effectLst/>
-                <a:latin typeface="Aptos"/>
-                <a:ea typeface="Aptos"/>
-                <a:cs typeface="Aptos"/>
-              </a:rPr>
-              <a:t>·         Empfehlungen und Schlussfolgerungen für die Zukunft von Chai-Tee in Lateinamerika</a:t>
-            </a:r>
-            <a:r>
-              <a:rPr sz="1200"/>
-              <a:t>
-</a:t>
-            </a:r>
+              <a:rPr lang="de-DE"/>
+              <a:t>Dieser Bericht liefert eine Marktanalyse für Mystic Spice Premium Chai Tea in der Region Lateinamerika. Er umfasst die Produktbeschreibung, den Markttrend, die Wettbewerbsanalyse, die Vertriebskanäle, den Absatzförderungsplan, die erwarteten Ergebnisse und Empfehlungen für die Zukunft.</a:t>
+            </a:r>
+            <a:br>
+              <a:rPr lang="de-DE"/>
+            </a:br>
+            <a:br>
+              <a:rPr lang="de-DE"/>
+            </a:br>
+            <a:br>
+              <a:rPr lang="de-DE"/>
+            </a:br>
+            <a:r>
+              <a:rPr lang="de-DE"/>
+              <a:t>Ursprünglicher Inhalt:</a:t>
+            </a:r>
+            <a:br>
+              <a:rPr lang="de-DE"/>
+            </a:br>
+            <a:r>
+              <a:rPr lang="de-DE"/>
+              <a:t>Einführungen</a:t>
+            </a:r>
+            <a:br>
+              <a:rPr lang="de-DE"/>
+            </a:br>
+            <a:r>
+              <a:rPr lang="de-DE"/>
+              <a:t>Mystic Spice Premium Chai Tea ist ein neues Produkt, das von Contoso Beverage auf den Markt gebracht wurde, einem Unternehmen, das sich auf die Herstellung und den Vertrieb von hochwertigen Getränken weltweit spezialisiert hat. Mystic Spice Premium Chai Tea ist ein Gewürztee-Getränk, das ursprünglich aus Indien stammt und inzwischen auf der ganzen Welt beliebt ist. Es ist ein vielseitiges Getränk, das heiß oder kalt, mit oder ohne Milch und mit verschiedenen Gewürzen und Süßungsmitteln genossen werden kann. Chai-Tee hat viele gesundheitliche Vorteile, z. B. stärkt er das Immunsystem, lindert Entzündungen und verbessert die Verdauung. Er hat auch eine reiche kulturelle und historische Bedeutung, da er oft mit Gastfreundschaft, Freundschaft und Entspannung assoziiert wird.</a:t>
+            </a:r>
+            <a:br>
+              <a:rPr lang="de-DE"/>
+            </a:br>
+            <a:r>
+              <a:rPr lang="de-DE"/>
+              <a:t>Ziel dieses Berichts ist es, eine Marktanalyse für Mystic Spice Premium Chai Tea mit Fokus auf die Region Lateinamerika zu erstellen. Der Bericht deckt folgende Themen ab:</a:t>
+            </a:r>
+            <a:br>
+              <a:rPr lang="de-DE"/>
+            </a:br>
+            <a:r>
+              <a:rPr lang="de-DE"/>
+              <a:t>·         Produktbeschreibung, Merkmale und Vorteile von Mystic Spice Premium Chai Tea</a:t>
+            </a:r>
+            <a:br>
+              <a:rPr lang="de-DE"/>
+            </a:br>
+            <a:r>
+              <a:rPr lang="de-DE"/>
+              <a:t>        Markttrend und Nachfrage nach Chai Tea in Lateinamerika</a:t>
+            </a:r>
+            <a:br>
+              <a:rPr lang="de-DE"/>
+            </a:br>
+            <a:r>
+              <a:rPr lang="de-DE"/>
+              <a:t>         Die Wettbewerbsanalyse von Chai Tea in Lateinamerika</a:t>
+            </a:r>
+            <a:br>
+              <a:rPr lang="de-DE"/>
+            </a:br>
+            <a:r>
+              <a:rPr lang="de-DE"/>
+              <a:t>        Die Vertriebskanäle für Chai Tea in Lateinamerika</a:t>
+            </a:r>
+            <a:br>
+              <a:rPr lang="de-DE"/>
+            </a:br>
+            <a:r>
+              <a:rPr lang="de-DE"/>
+              <a:t>        Der Absatzförderungsplan und die Strategie für Chai Tea in Lateinamerika</a:t>
+            </a:r>
+            <a:br>
+              <a:rPr lang="de-DE"/>
+            </a:br>
+            <a:r>
+              <a:rPr lang="de-DE"/>
+              <a:t>        Die erwarteten Ergebnisse und Herausforderungen des Werbeplans</a:t>
+            </a:r>
+            <a:br>
+              <a:rPr lang="de-DE"/>
+            </a:br>
+            <a:r>
+              <a:rPr lang="de-DE"/>
+              <a:t>        Die Empfehlungen und Schlussfolgerungen für die Zukunft von Chai Tea in Lateinamerika</a:t>
+            </a:r>
+            <a:br>
+              <a:rPr lang="de-DE"/>
+            </a:br>
+            <a:endParaRPr lang="de-DE"/>
           </a:p>
         </p:txBody>
       </p:sp>
@@ -3000,8 +1758,8 @@
 </file>
 
 <file path=ppt/notesSlides/notesSlide4.xml><?xml version="1.0" encoding="utf-8"?>
-<p:notes xmlns:a="http://schemas.openxmlformats.org/drawingml/2006/main" xmlns:r="http://schemas.openxmlformats.org/officeDocument/2006/relationships" xmlns:m="http://schemas.openxmlformats.org/officeDocument/2006/math" xmlns:w="http://schemas.openxmlformats.org/wordprocessingml/2006/main" xmlns:wp="http://schemas.openxmlformats.org/drawingml/2006/wordprocessingDrawing" xmlns:a14="http://schemas.microsoft.com/office/drawing/2010/main" xmlns:mc="http://schemas.openxmlformats.org/markup-compatibility/2006" xmlns:p14="http://schemas.microsoft.com/office/powerpoint/2010/main" xmlns:p="http://schemas.openxmlformats.org/presentationml/2006/main">
-  <p:cSld name="">
+<p:notes xmlns:a="http://schemas.openxmlformats.org/drawingml/2006/main" xmlns:r="http://schemas.openxmlformats.org/officeDocument/2006/relationships" xmlns:p="http://schemas.openxmlformats.org/presentationml/2006/main">
+  <p:cSld>
     <p:spTree>
       <p:nvGrpSpPr>
         <p:cNvPr id="1" name=""/>
@@ -3012,6 +1770,8 @@
         <a:xfrm>
           <a:off x="0" y="0"/>
           <a:ext cx="0" cy="0"/>
+          <a:chOff x="0" y="0"/>
+          <a:chExt cx="0" cy="0"/>
         </a:xfrm>
       </p:grpSpPr>
       <p:sp>
@@ -3042,155 +1802,40 @@
           <a:lstStyle/>
           <a:p>
             <a:r>
-              <a:rPr lang="de-DE" sz="1200" b="0" i="0" strike="noStrike" cap="none" baseline="0">
-                <a:solidFill>
-                  <a:srgbClr val="000000"/>
-                </a:solidFill>
-                <a:effectLst/>
-                <a:latin typeface="Aptos"/>
-                <a:ea typeface="Aptos"/>
-                <a:cs typeface="Aptos"/>
-              </a:rPr>
-              <a:t>Mystic Spice Premium Chai Tea ist eine sorgfältig hergestellte Mischung, die die Traditionen des indischen Chai ehrt.</a:t>
-            </a:r>
-            <a:r>
-              <a:rPr lang="de-DE" sz="1200" b="0" i="0" strike="noStrike" cap="none" baseline="0">
-                <a:solidFill>
-                  <a:srgbClr val="000000"/>
-                </a:solidFill>
-                <a:effectLst/>
-                <a:latin typeface="Aptos"/>
-                <a:ea typeface="Aptos"/>
-                <a:cs typeface="Aptos"/>
-              </a:rPr>
-              <a:t> </a:t>
-            </a:r>
-            <a:r>
-              <a:rPr lang="de-DE" sz="1200" b="0" i="0" strike="noStrike" cap="none" baseline="0">
-                <a:solidFill>
-                  <a:srgbClr val="000000"/>
-                </a:solidFill>
-                <a:effectLst/>
-                <a:latin typeface="Aptos"/>
-                <a:ea typeface="Aptos"/>
-                <a:cs typeface="Aptos"/>
-              </a:rPr>
-              <a:t>Jede Tasse Chai-Tee ist wie eine bezaubernde Reise durch die pulsierenden Landschaften Indiens und  authentischer Chai-Genuss bei Ihnen zu Hause..</a:t>
-            </a:r>
-            <a:r>
-              <a:rPr sz="1200"/>
-              <a:t>
-</a:t>
-            </a:r>
-            <a:r>
-              <a:rPr sz="1200"/>
-              <a:t>
-</a:t>
-            </a:r>
-            <a:r>
-              <a:rPr sz="1200"/>
-              <a:t>
-</a:t>
-            </a:r>
-            <a:r>
-              <a:rPr lang="de-DE" sz="1200" b="0" i="0" strike="noStrike" cap="none" baseline="0">
-                <a:solidFill>
-                  <a:srgbClr val="000000"/>
-                </a:solidFill>
-                <a:effectLst/>
-                <a:latin typeface="Aptos"/>
-                <a:ea typeface="Aptos"/>
-                <a:cs typeface="Aptos"/>
-              </a:rPr>
-              <a:t>Originalinhalt::</a:t>
-            </a:r>
-            <a:r>
-              <a:rPr sz="1200"/>
-              <a:t>
-</a:t>
-            </a:r>
-            <a:r>
-              <a:rPr lang="de-DE" sz="1200" b="0" i="0" strike="noStrike" cap="none" baseline="0">
-                <a:solidFill>
-                  <a:srgbClr val="000000"/>
-                </a:solidFill>
-                <a:effectLst/>
-                <a:latin typeface="Aptos"/>
-                <a:ea typeface="Aptos"/>
-                <a:cs typeface="Aptos"/>
-              </a:rPr>
-              <a:t>Product Description</a:t>
-            </a:r>
-            <a:r>
-              <a:rPr sz="1200"/>
-              <a:t>
-</a:t>
-            </a:r>
-            <a:r>
-              <a:rPr lang="de-DE" sz="1200" b="0" i="0" strike="noStrike" cap="none" baseline="0">
-                <a:solidFill>
-                  <a:srgbClr val="000000"/>
-                </a:solidFill>
-                <a:effectLst/>
-                <a:latin typeface="Aptos"/>
-                <a:ea typeface="Aptos"/>
-                <a:cs typeface="Aptos"/>
-              </a:rPr>
-              <a:t>Mystic Spice Premium Chai Tea ist eine sorgfältig hergestellte Mischung und eine Hommage an die zeitlosen Traditionen des indischen Chai.</a:t>
-            </a:r>
-            <a:r>
-              <a:rPr lang="de-DE" sz="1200" b="0" i="0" strike="noStrike" cap="none" baseline="0">
-                <a:solidFill>
-                  <a:srgbClr val="000000"/>
-                </a:solidFill>
-                <a:effectLst/>
-                <a:latin typeface="Aptos"/>
-                <a:ea typeface="Aptos"/>
-                <a:cs typeface="Aptos"/>
-              </a:rPr>
-              <a:t> </a:t>
-            </a:r>
-            <a:r>
-              <a:rPr lang="de-DE" sz="1200" b="0" i="0" strike="noStrike" cap="none" baseline="0">
-                <a:solidFill>
-                  <a:srgbClr val="000000"/>
-                </a:solidFill>
-                <a:effectLst/>
-                <a:latin typeface="Aptos"/>
-                <a:ea typeface="Aptos"/>
-                <a:cs typeface="Aptos"/>
-              </a:rPr>
-              <a:t>Jede Tasse bietet eine bezaubernde Reise durch die pulsierenden Landschaften Indiens und ermöglicht Ihnen ein authentisches Chai-Erlebnis bei Ihnen zu Hause.</a:t>
-            </a:r>
-            <a:r>
-              <a:rPr lang="de-DE" sz="1200" b="0" i="0" strike="noStrike" cap="none" baseline="0">
-                <a:solidFill>
-                  <a:srgbClr val="000000"/>
-                </a:solidFill>
-                <a:effectLst/>
-                <a:latin typeface="Aptos"/>
-                <a:ea typeface="Aptos"/>
-                <a:cs typeface="Aptos"/>
-              </a:rPr>
-              <a:t> </a:t>
-            </a:r>
-            <a:r>
-              <a:rPr lang="de-DE" sz="1200" b="0" i="0" strike="noStrike" cap="none" baseline="0">
-                <a:solidFill>
-                  <a:srgbClr val="000000"/>
-                </a:solidFill>
-                <a:effectLst/>
-                <a:latin typeface="Aptos"/>
-                <a:ea typeface="Aptos"/>
-                <a:cs typeface="Aptos"/>
-              </a:rPr>
-              <a:t>Die Produktbeschreibung, die Merkmale und die Vorteile von Mystic Spice Premium Chai Tea sind in der folgenden Tabelle zusammengefasst:</a:t>
-            </a:r>
-            <a:r>
-              <a:rPr sz="1200"/>
-              <a:t>
-</a:t>
-            </a:r>
+              <a:rPr lang="de-DE"/>
+              <a:t>Mystic Spice Premium Chai Tea ist eine sorgfältig hergestellte Mischung, die die Traditionen des indischen Chai ehrt. Jede Tasse nimmt Sie mit auf eine Reise durch die pulsierenden Landschaften Indiens und bringt ein authentisches Chai-Erlebnis zu Ihnen nach Hause.</a:t>
+            </a:r>
+            <a:br>
+              <a:rPr lang="de-DE"/>
+            </a:br>
+            <a:br>
+              <a:rPr lang="de-DE"/>
+            </a:br>
+            <a:br>
+              <a:rPr lang="de-DE"/>
+            </a:br>
+            <a:r>
+              <a:rPr lang="de-DE"/>
+              <a:t>Ursprünglicher Inhalt:</a:t>
+            </a:r>
+            <a:br>
+              <a:rPr lang="de-DE"/>
+            </a:br>
+            <a:r>
+              <a:rPr lang="de-DE"/>
+              <a:t>Produktbeschreibung</a:t>
+            </a:r>
+            <a:br>
+              <a:rPr lang="de-DE"/>
+            </a:br>
+            <a:r>
+              <a:rPr lang="de-DE"/>
+              <a:t>Mystic Spice Premium Chai Tea ist eine sorgfältig hergestellte Mischung, die eine Hommage an die zeitlosen Traditionen des indischen Chai darstellt. Jede Tasse bietet eine bezaubernde Reise durch die pulsierenden Landschaften Indiens und ermöglicht Ihnen ein authentisches Chai-Erlebnis bei Ihnen zu Hause. Die Produktbeschreibung, die Merkmale und der Nutzen von Mystic Spice Premium Chai Tea sind in der folgenden Tabelle zusammengefasst:</a:t>
+            </a:r>
+            <a:br>
+              <a:rPr lang="de-DE"/>
+            </a:br>
+            <a:endParaRPr lang="de-DE"/>
           </a:p>
         </p:txBody>
       </p:sp>
@@ -3231,8 +1876,8 @@
 </file>
 
 <file path=ppt/notesSlides/notesSlide5.xml><?xml version="1.0" encoding="utf-8"?>
-<p:notes xmlns:a="http://schemas.openxmlformats.org/drawingml/2006/main" xmlns:r="http://schemas.openxmlformats.org/officeDocument/2006/relationships" xmlns:m="http://schemas.openxmlformats.org/officeDocument/2006/math" xmlns:w="http://schemas.openxmlformats.org/wordprocessingml/2006/main" xmlns:wp="http://schemas.openxmlformats.org/drawingml/2006/wordprocessingDrawing" xmlns:a14="http://schemas.microsoft.com/office/drawing/2010/main" xmlns:mc="http://schemas.openxmlformats.org/markup-compatibility/2006" xmlns:p14="http://schemas.microsoft.com/office/powerpoint/2010/main" xmlns:p="http://schemas.openxmlformats.org/presentationml/2006/main">
-  <p:cSld name="">
+<p:notes xmlns:a="http://schemas.openxmlformats.org/drawingml/2006/main" xmlns:r="http://schemas.openxmlformats.org/officeDocument/2006/relationships" xmlns:p="http://schemas.openxmlformats.org/presentationml/2006/main">
+  <p:cSld>
     <p:spTree>
       <p:nvGrpSpPr>
         <p:cNvPr id="1" name=""/>
@@ -3243,6 +1888,8 @@
         <a:xfrm>
           <a:off x="0" y="0"/>
           <a:ext cx="0" cy="0"/>
+          <a:chOff x="0" y="0"/>
+          <a:chExt cx="0" cy="0"/>
         </a:xfrm>
       </p:grpSpPr>
       <p:sp>
@@ -3273,15 +1920,7 @@
           <a:lstStyle/>
           <a:p>
             <a:r>
-              <a:rPr lang="de-DE" sz="1200" b="0" i="0" strike="noStrike" cap="none" baseline="0">
-                <a:solidFill>
-                  <a:srgbClr val="000000"/>
-                </a:solidFill>
-                <a:effectLst/>
-                <a:latin typeface="Aptos"/>
-                <a:ea typeface="Aptos"/>
-                <a:cs typeface="Aptos"/>
-              </a:rPr>
+              <a:rPr lang="de-DE"/>
               <a:t>nicht definiert</a:t>
             </a:r>
           </a:p>
@@ -3324,8 +1963,8 @@
 </file>
 
 <file path=ppt/notesSlides/notesSlide6.xml><?xml version="1.0" encoding="utf-8"?>
-<p:notes xmlns:a="http://schemas.openxmlformats.org/drawingml/2006/main" xmlns:r="http://schemas.openxmlformats.org/officeDocument/2006/relationships" xmlns:m="http://schemas.openxmlformats.org/officeDocument/2006/math" xmlns:w="http://schemas.openxmlformats.org/wordprocessingml/2006/main" xmlns:wp="http://schemas.openxmlformats.org/drawingml/2006/wordprocessingDrawing" xmlns:a14="http://schemas.microsoft.com/office/drawing/2010/main" xmlns:mc="http://schemas.openxmlformats.org/markup-compatibility/2006" xmlns:p14="http://schemas.microsoft.com/office/powerpoint/2010/main" xmlns:p="http://schemas.openxmlformats.org/presentationml/2006/main">
-  <p:cSld name="">
+<p:notes xmlns:a="http://schemas.openxmlformats.org/drawingml/2006/main" xmlns:r="http://schemas.openxmlformats.org/officeDocument/2006/relationships" xmlns:p="http://schemas.openxmlformats.org/presentationml/2006/main">
+  <p:cSld>
     <p:spTree>
       <p:nvGrpSpPr>
         <p:cNvPr id="1" name=""/>
@@ -3336,6 +1975,8 @@
         <a:xfrm>
           <a:off x="0" y="0"/>
           <a:ext cx="0" cy="0"/>
+          <a:chOff x="0" y="0"/>
+          <a:chExt cx="0" cy="0"/>
         </a:xfrm>
       </p:grpSpPr>
       <p:sp>
@@ -3366,15 +2007,7 @@
           <a:lstStyle/>
           <a:p>
             <a:r>
-              <a:rPr lang="de-DE" sz="1200" b="0" i="0" strike="noStrike" cap="none" baseline="0">
-                <a:solidFill>
-                  <a:srgbClr val="000000"/>
-                </a:solidFill>
-                <a:effectLst/>
-                <a:latin typeface="Aptos"/>
-                <a:ea typeface="Aptos"/>
-                <a:cs typeface="Aptos"/>
-              </a:rPr>
+              <a:rPr lang="de-DE"/>
               <a:t>nicht definiert</a:t>
             </a:r>
           </a:p>
@@ -3417,8 +2050,8 @@
 </file>
 
 <file path=ppt/notesSlides/notesSlide7.xml><?xml version="1.0" encoding="utf-8"?>
-<p:notes xmlns:a="http://schemas.openxmlformats.org/drawingml/2006/main" xmlns:r="http://schemas.openxmlformats.org/officeDocument/2006/relationships" xmlns:m="http://schemas.openxmlformats.org/officeDocument/2006/math" xmlns:w="http://schemas.openxmlformats.org/wordprocessingml/2006/main" xmlns:wp="http://schemas.openxmlformats.org/drawingml/2006/wordprocessingDrawing" xmlns:a14="http://schemas.microsoft.com/office/drawing/2010/main" xmlns:mc="http://schemas.openxmlformats.org/markup-compatibility/2006" xmlns:p14="http://schemas.microsoft.com/office/powerpoint/2010/main" xmlns:p="http://schemas.openxmlformats.org/presentationml/2006/main">
-  <p:cSld name="">
+<p:notes xmlns:a="http://schemas.openxmlformats.org/drawingml/2006/main" xmlns:r="http://schemas.openxmlformats.org/officeDocument/2006/relationships" xmlns:p="http://schemas.openxmlformats.org/presentationml/2006/main">
+  <p:cSld>
     <p:spTree>
       <p:nvGrpSpPr>
         <p:cNvPr id="1" name=""/>
@@ -3429,6 +2062,8 @@
         <a:xfrm>
           <a:off x="0" y="0"/>
           <a:ext cx="0" cy="0"/>
+          <a:chOff x="0" y="0"/>
+          <a:chExt cx="0" cy="0"/>
         </a:xfrm>
       </p:grpSpPr>
       <p:sp>
@@ -3459,353 +2094,82 @@
           <a:lstStyle/>
           <a:p>
             <a:r>
-              <a:rPr lang="de-DE" sz="1200" b="0" i="0" strike="noStrike" cap="none" baseline="0">
-                <a:solidFill>
-                  <a:srgbClr val="000000"/>
-                </a:solidFill>
-                <a:effectLst/>
-                <a:latin typeface="Aptos"/>
-                <a:ea typeface="Aptos"/>
-                <a:cs typeface="Aptos"/>
-              </a:rPr>
-              <a:t>Der lateinamerikanische Markt bietet eine große Chance für Chai-Tee mit einer wachsenden Nachfrage nach gesunden, natürlichen und exotischen Produkten.</a:t>
-            </a:r>
-            <a:r>
-              <a:rPr lang="de-DE" sz="1200" b="0" i="0" strike="noStrike" cap="none" baseline="0">
-                <a:solidFill>
-                  <a:srgbClr val="000000"/>
-                </a:solidFill>
-                <a:effectLst/>
-                <a:latin typeface="Aptos"/>
-                <a:ea typeface="Aptos"/>
-                <a:cs typeface="Aptos"/>
-              </a:rPr>
-              <a:t> </a:t>
-            </a:r>
-            <a:r>
-              <a:rPr lang="de-DE" sz="1200" b="0" i="0" strike="noStrike" cap="none" baseline="0">
-                <a:solidFill>
-                  <a:srgbClr val="000000"/>
-                </a:solidFill>
-                <a:effectLst/>
-                <a:latin typeface="Aptos"/>
-                <a:ea typeface="Aptos"/>
-                <a:cs typeface="Aptos"/>
-              </a:rPr>
-              <a:t>Die Größe des globalen Chai-Tee-Marktes wurde 2019 auf 1,9 Milliarden USD geschätzt und wird voraussichtlich von 2020 bis 2027 mit einer durchschnittlichen jährlichen Wachstumsrate (CAGR) von 5,5 % wachsen, wobei Lateinamerika eine der am schnellsten wachsenden Regionen ist.</a:t>
-            </a:r>
-            <a:r>
-              <a:rPr lang="de-DE" sz="1200" b="0" i="0" strike="noStrike" cap="none" baseline="0">
-                <a:solidFill>
-                  <a:srgbClr val="000000"/>
-                </a:solidFill>
-                <a:effectLst/>
-                <a:latin typeface="Aptos"/>
-                <a:ea typeface="Aptos"/>
-                <a:cs typeface="Aptos"/>
-              </a:rPr>
-              <a:t> </a:t>
-            </a:r>
-            <a:r>
-              <a:rPr lang="de-DE" sz="1200" b="0" i="0" strike="noStrike" cap="none" baseline="0">
-                <a:solidFill>
-                  <a:srgbClr val="000000"/>
-                </a:solidFill>
-                <a:effectLst/>
-                <a:latin typeface="Aptos"/>
-                <a:ea typeface="Aptos"/>
-                <a:cs typeface="Aptos"/>
-              </a:rPr>
-              <a:t>Zu den wichtigsten Wachstumstreibern gehören das zunehmende Bewusstsein, steigendes Einkommen und die Ausweitung des Vertriebs.</a:t>
-            </a:r>
-            <a:r>
-              <a:rPr sz="1200"/>
-              <a:t>
-</a:t>
-            </a:r>
-            <a:r>
-              <a:rPr sz="1200"/>
-              <a:t>
-</a:t>
-            </a:r>
-            <a:r>
-              <a:rPr sz="1200"/>
-              <a:t>
-</a:t>
-            </a:r>
-            <a:r>
-              <a:rPr lang="de-DE" sz="1200" b="0" i="0" strike="noStrike" cap="none" baseline="0">
-                <a:solidFill>
-                  <a:srgbClr val="000000"/>
-                </a:solidFill>
-                <a:effectLst/>
-                <a:latin typeface="Aptos"/>
-                <a:ea typeface="Aptos"/>
-                <a:cs typeface="Aptos"/>
-              </a:rPr>
-              <a:t>Originalinhalt:</a:t>
-            </a:r>
-            <a:r>
-              <a:rPr sz="1200"/>
-              <a:t>
-</a:t>
-            </a:r>
-            <a:r>
-              <a:rPr lang="de-DE" sz="1200" b="0" i="0" strike="noStrike" cap="none" baseline="0">
-                <a:solidFill>
-                  <a:srgbClr val="000000"/>
-                </a:solidFill>
-                <a:effectLst/>
-                <a:latin typeface="Aptos"/>
-                <a:ea typeface="Aptos"/>
-                <a:cs typeface="Aptos"/>
-              </a:rPr>
+              <a:rPr lang="de-DE"/>
+              <a:t>Der lateinamerikanische Markt bietet eine große Chance für Chai-Tee mit einer wachsenden Nachfrage nach gesunden, natürlichen und exotischen Produkten. Die Größe des globalen Chai-Tee-Marktes wurde 2019 auf 1,9 Milliarden USD geschätzt und wird voraussichtlich von 2020 bis 2027 mit einer durchschnittlichen jährlichen Wachstumsrate (CAGR) von 5,5 % wachsen, wobei Lateinamerika eine der am schnellsten wachsenden Regionen ist. Zu den wichtigsten Wachstumstreibern gehören das zunehmende Bewusstsein, das steigende verfügbare Einkommen und die Ausweitung des Vertriebs.</a:t>
+            </a:r>
+            <a:br>
+              <a:rPr lang="de-DE"/>
+            </a:br>
+            <a:br>
+              <a:rPr lang="de-DE"/>
+            </a:br>
+            <a:br>
+              <a:rPr lang="de-DE"/>
+            </a:br>
+            <a:r>
+              <a:rPr lang="de-DE"/>
+              <a:t>Ursprünglicher Inhalt:</a:t>
+            </a:r>
+            <a:br>
+              <a:rPr lang="de-DE"/>
+            </a:br>
+            <a:r>
+              <a:rPr lang="de-DE"/>
               <a:t>Markttrend und Nachfrage</a:t>
             </a:r>
-            <a:r>
-              <a:rPr sz="1200"/>
-              <a:t>
-</a:t>
-            </a:r>
-            <a:r>
-              <a:rPr lang="de-DE" sz="1200" b="0" i="0" strike="noStrike" cap="none" baseline="0">
-                <a:solidFill>
-                  <a:srgbClr val="000000"/>
-                </a:solidFill>
-                <a:effectLst/>
-                <a:latin typeface="Aptos"/>
-                <a:ea typeface="Aptos"/>
-                <a:cs typeface="Aptos"/>
-              </a:rPr>
-              <a:t>Der lateinamerikanische Markt bietet eine große Chance für Chai-Tee, denn die Region verzeichnet eine wachsende Nachfrage nach gesunden, natürlichen und exotischen Produkten.</a:t>
-            </a:r>
-            <a:r>
-              <a:rPr lang="de-DE" sz="1200" b="0" i="0" strike="noStrike" cap="none" baseline="0">
-                <a:solidFill>
-                  <a:srgbClr val="000000"/>
-                </a:solidFill>
-                <a:effectLst/>
-                <a:latin typeface="Aptos"/>
-                <a:ea typeface="Aptos"/>
-                <a:cs typeface="Aptos"/>
-              </a:rPr>
-              <a:t> </a:t>
-            </a:r>
-            <a:r>
-              <a:rPr lang="de-DE" sz="1200" b="0" i="0" strike="noStrike" cap="none" baseline="0">
-                <a:solidFill>
-                  <a:srgbClr val="000000"/>
-                </a:solidFill>
-                <a:effectLst/>
-                <a:latin typeface="Aptos"/>
-                <a:ea typeface="Aptos"/>
-                <a:cs typeface="Aptos"/>
-              </a:rPr>
-              <a:t>Die Region hat auch eine ausgeprägte Teekultur, insbesondere in Ländern wie Argentinien, Chile und Uruguay, wo Mate ein beliebtes Getränk ist.</a:t>
-            </a:r>
-            <a:r>
-              <a:rPr lang="de-DE" sz="1200" b="0" i="0" strike="noStrike" cap="none" baseline="0">
-                <a:solidFill>
-                  <a:srgbClr val="000000"/>
-                </a:solidFill>
-                <a:effectLst/>
-                <a:latin typeface="Aptos"/>
-                <a:ea typeface="Aptos"/>
-                <a:cs typeface="Aptos"/>
-              </a:rPr>
-              <a:t> </a:t>
-            </a:r>
-            <a:r>
-              <a:rPr lang="de-DE" sz="1200" b="0" i="0" strike="noStrike" cap="none" baseline="0">
-                <a:solidFill>
-                  <a:srgbClr val="000000"/>
-                </a:solidFill>
-                <a:effectLst/>
-                <a:latin typeface="Aptos"/>
-                <a:ea typeface="Aptos"/>
-                <a:cs typeface="Aptos"/>
-              </a:rPr>
-              <a:t>Chai-Tee ist sowohl für Teeliebhaber als auch Kaffeetrinker geeignet, da er einen ähnlichen Koffeinschub und ein komplexeres Geschmacksprofil bietet.</a:t>
-            </a:r>
-            <a:r>
-              <a:rPr lang="de-DE" sz="1200" b="0" i="0" strike="noStrike" cap="none" baseline="0">
-                <a:solidFill>
-                  <a:srgbClr val="000000"/>
-                </a:solidFill>
-                <a:effectLst/>
-                <a:latin typeface="Aptos"/>
-                <a:ea typeface="Aptos"/>
-                <a:cs typeface="Aptos"/>
-              </a:rPr>
-              <a:t> </a:t>
-            </a:r>
-            <a:r>
-              <a:rPr lang="de-DE" sz="1200" b="0" i="0" strike="noStrike" cap="none" baseline="0">
-                <a:solidFill>
-                  <a:srgbClr val="000000"/>
-                </a:solidFill>
-                <a:effectLst/>
-                <a:latin typeface="Aptos"/>
-                <a:ea typeface="Aptos"/>
-                <a:cs typeface="Aptos"/>
-              </a:rPr>
-              <a:t>Chai-Tee passt auch zum Lebensstil und zu den Vorlieben der Bevölkerung in Lateinamerika, in der geselliges Beisammensein und der Konsum süßer Leckereien nichts Ungewöhnliches sind.</a:t>
-            </a:r>
-            <a:r>
-              <a:rPr sz="1200"/>
-              <a:t>
-</a:t>
-            </a:r>
-            <a:r>
-              <a:rPr lang="de-DE" sz="1200" b="0" i="0" strike="noStrike" cap="none" baseline="0">
-                <a:solidFill>
-                  <a:srgbClr val="000000"/>
-                </a:solidFill>
-                <a:effectLst/>
-                <a:latin typeface="Aptos"/>
-                <a:ea typeface="Aptos"/>
-                <a:cs typeface="Aptos"/>
-              </a:rPr>
-              <a:t>Laut einem Bericht von Grand View Research wurde der globale Chai-Tee-Markt im Jahr 2019 auf 1,9 Mrd. USD geschätzt und wird voraussichtlich von 2020 bis 2027 mit einer durchschnittlichen jährlichen Wachstumsrate (CAGR) von 5,5 % wachsen.</a:t>
-            </a:r>
-            <a:r>
-              <a:rPr lang="de-DE" sz="1200" b="0" i="0" strike="noStrike" cap="none" baseline="0">
-                <a:solidFill>
-                  <a:srgbClr val="000000"/>
-                </a:solidFill>
-                <a:effectLst/>
-                <a:latin typeface="Aptos"/>
-                <a:ea typeface="Aptos"/>
-                <a:cs typeface="Aptos"/>
-              </a:rPr>
-              <a:t> </a:t>
-            </a:r>
-            <a:r>
-              <a:rPr lang="de-DE" sz="1200" b="0" i="0" strike="noStrike" cap="none" baseline="0">
-                <a:solidFill>
-                  <a:srgbClr val="000000"/>
-                </a:solidFill>
-                <a:effectLst/>
-                <a:latin typeface="Aptos"/>
-                <a:ea typeface="Aptos"/>
-                <a:cs typeface="Aptos"/>
-              </a:rPr>
-              <a:t>Der Bericht besagt auch, dass Lateinamerika eine der am schnellsten wachsenden Regionen für Chai-Tee ist, mit einer CAGR von 6,2 % von 2020 bis 2027.</a:t>
-            </a:r>
-            <a:r>
-              <a:rPr lang="de-DE" sz="1200" b="0" i="0" strike="noStrike" cap="none" baseline="0">
-                <a:solidFill>
-                  <a:srgbClr val="000000"/>
-                </a:solidFill>
-                <a:effectLst/>
-                <a:latin typeface="Aptos"/>
-                <a:ea typeface="Aptos"/>
-                <a:cs typeface="Aptos"/>
-              </a:rPr>
-              <a:t> </a:t>
-            </a:r>
-            <a:r>
-              <a:rPr lang="de-DE" sz="1200" b="0" i="0" strike="noStrike" cap="none" baseline="0">
-                <a:solidFill>
-                  <a:srgbClr val="000000"/>
-                </a:solidFill>
-                <a:effectLst/>
-                <a:latin typeface="Aptos"/>
-                <a:ea typeface="Aptos"/>
-                <a:cs typeface="Aptos"/>
-              </a:rPr>
-              <a:t>Die wichtigsten Faktoren für das Wachstum von Chai-Tee in Lateinamerika:</a:t>
-            </a:r>
-            <a:r>
-              <a:rPr sz="1200"/>
-              <a:t>
-</a:t>
-            </a:r>
-            <a:r>
-              <a:rPr lang="de-DE" sz="1200" b="0" i="0" strike="noStrike" cap="none" baseline="0">
-                <a:solidFill>
-                  <a:srgbClr val="000000"/>
-                </a:solidFill>
-                <a:effectLst/>
-                <a:latin typeface="Aptos"/>
-                <a:ea typeface="Aptos"/>
-                <a:cs typeface="Aptos"/>
-              </a:rPr>
-              <a:t>·Das zunehmende Bewusstsein und Interesse an den gesundheitlichen Vorteilen und kulturellen Aspekten von Chai Tea</a:t>
-            </a:r>
-            <a:r>
-              <a:rPr sz="1200"/>
-              <a:t>
-</a:t>
-            </a:r>
-            <a:r>
-              <a:rPr lang="de-DE" sz="1200" b="0" i="0" strike="noStrike" cap="none" baseline="0">
-                <a:solidFill>
-                  <a:srgbClr val="000000"/>
-                </a:solidFill>
-                <a:effectLst/>
-                <a:latin typeface="Aptos"/>
-                <a:ea typeface="Aptos"/>
-                <a:cs typeface="Aptos"/>
-              </a:rPr>
-              <a:t>·   Wachsende Einkommen und die steigende Kaufkraft der Verbraucher und der Mittelschicht</a:t>
-            </a:r>
-            <a:r>
-              <a:rPr sz="1200"/>
-              <a:t>
-</a:t>
-            </a:r>
-            <a:r>
-              <a:rPr lang="de-DE" sz="1200" b="0" i="0" strike="noStrike" cap="none" baseline="0">
-                <a:solidFill>
-                  <a:srgbClr val="000000"/>
-                </a:solidFill>
-                <a:effectLst/>
-                <a:latin typeface="Aptos"/>
-                <a:ea typeface="Aptos"/>
-                <a:cs typeface="Aptos"/>
-              </a:rPr>
-              <a:t>      Die zunehmende Beliebtheit von Spezial- und Premium-Tees unter den jüngeren und städtischen Zielgruppen</a:t>
-            </a:r>
-            <a:r>
-              <a:rPr sz="1200"/>
-              <a:t>
-</a:t>
-            </a:r>
-            <a:r>
-              <a:rPr lang="de-DE" sz="1200" b="0" i="0" strike="noStrike" cap="none" baseline="0">
-                <a:solidFill>
-                  <a:srgbClr val="000000"/>
-                </a:solidFill>
-                <a:effectLst/>
-                <a:latin typeface="Aptos"/>
-                <a:ea typeface="Aptos"/>
-                <a:cs typeface="Aptos"/>
-              </a:rPr>
-              <a:t>·     Der expandierende Vertrieb und das Angebot von Chai-Tee-Produkten über die Vertriebskanäle, wie etwa Supermärkte, Cafés und Online-Plattformen</a:t>
-            </a:r>
-            <a:r>
-              <a:rPr sz="1200"/>
-              <a:t>
-</a:t>
-            </a:r>
-            <a:r>
-              <a:rPr lang="de-DE" sz="1200" b="0" i="0" strike="noStrike" cap="none" baseline="0">
-                <a:solidFill>
-                  <a:srgbClr val="000000"/>
-                </a:solidFill>
-                <a:effectLst/>
-                <a:latin typeface="Aptos"/>
-                <a:ea typeface="Aptos"/>
-                <a:cs typeface="Aptos"/>
-              </a:rPr>
-              <a:t>·     Die Entwicklung neuer und innovativer Aromen und Formate von Chai-Tee, wie etwa Ready-to-Drink, Instant und Bio-Sorten</a:t>
-            </a:r>
-            <a:r>
-              <a:rPr sz="1200"/>
-              <a:t>
-</a:t>
-            </a:r>
+            <a:br>
+              <a:rPr lang="de-DE"/>
+            </a:br>
+            <a:r>
+              <a:rPr lang="de-DE"/>
+              <a:t>Der lateinamerikanische Markt bietet eine große Chance für Chai-Tee, da in der Region eine wachsende Nachfrage nach gesunden, natürlichen und exotischen Produkten besteht. Die Region hat auch eine ausgeprägte Teekultur, insbesondere in Ländern wie Argentinien, Chile und Uruguay, wo Mate ein beliebtes Getränk ist. Chai-Tee ist sowohl für Teeliebhaber als auch Kaffeetrinker geeignet, da er einen ähnlichen Koffeinschub und ein komplexeres Geschmacksprofil bietet. Chai-Tee passt auch zum Lebensstil und zu den Vorlieben der Bevölkerung in Lateinamerika, in der geselliges Beisammensein und der Konsum süßer Leckereien nichts Ungewöhnliches sind.</a:t>
+            </a:r>
+            <a:br>
+              <a:rPr lang="de-DE"/>
+            </a:br>
+            <a:r>
+              <a:rPr lang="de-DE"/>
+              <a:t>Laut einem Bericht von Grand View Research wurde der globale Chai-Tee-Markt im Jahr 2019 auf 1,9 Mrd. USD geschätzt und wird voraussichtlich von 2020 bis 2027 mit einer durchschnittlichen jährlichen Wachstumsrate (CAGR) von 5,5 % wachsen. Der Bericht besagt auch, dass Lateinamerika eine der am schnellsten wachsenden Regionen für Chai-Tee ist, mit einer CAGR von 6,2 % von 2020 bis 2027. Die wichtigsten Faktoren für das Wachstum von Chai-Tee in Lateinamerika sind:</a:t>
+            </a:r>
+            <a:br>
+              <a:rPr lang="de-DE"/>
+            </a:br>
+            <a:r>
+              <a:rPr lang="de-DE"/>
+              <a:t>·         Das wachsende Bewusstsein und Interesse an den gesundheitlichen Vorteilen und kulturellen Aspekten von Chai-Tee</a:t>
+            </a:r>
+            <a:br>
+              <a:rPr lang="de-DE"/>
+            </a:br>
+            <a:r>
+              <a:rPr lang="de-DE"/>
+              <a:t>        Das steigende verfügbare Einkommen und die Kaufkraft der Kundschaft aus der Mittelschicht</a:t>
+            </a:r>
+            <a:br>
+              <a:rPr lang="de-DE"/>
+            </a:br>
+            <a:r>
+              <a:rPr lang="de-DE"/>
+              <a:t>        Die wachsende Beliebtheit von Spezialitäten- und Premium-Tees bei den jüngeren und städtischen Segmenten</a:t>
+            </a:r>
+            <a:br>
+              <a:rPr lang="de-DE"/>
+            </a:br>
+            <a:r>
+              <a:rPr lang="de-DE"/>
+              <a:t>        Der zunehmende Vertrieb und die Verfügbarkeit von Chai-Tee-Produkten in verschiedenen Kanälen wie Supermärkten, Cafés und Online-Plattformen</a:t>
+            </a:r>
+            <a:br>
+              <a:rPr lang="de-DE"/>
+            </a:br>
+            <a:r>
+              <a:rPr lang="de-DE"/>
+              <a:t>        Das Aufkommen neuer und innovativer Geschmacksrichtungen und Formate von Chai-Tee, wie zum Beispiel trinkfertige, Instant- und Bio-Sorten</a:t>
+            </a:r>
+            <a:br>
+              <a:rPr lang="de-DE"/>
+            </a:br>
+            <a:endParaRPr lang="de-DE"/>
           </a:p>
         </p:txBody>
       </p:sp>
@@ -3846,8 +2210,8 @@
 </file>
 
 <file path=ppt/notesSlides/notesSlide8.xml><?xml version="1.0" encoding="utf-8"?>
-<p:notes xmlns:a="http://schemas.openxmlformats.org/drawingml/2006/main" xmlns:r="http://schemas.openxmlformats.org/officeDocument/2006/relationships" xmlns:m="http://schemas.openxmlformats.org/officeDocument/2006/math" xmlns:w="http://schemas.openxmlformats.org/wordprocessingml/2006/main" xmlns:wp="http://schemas.openxmlformats.org/drawingml/2006/wordprocessingDrawing" xmlns:a14="http://schemas.microsoft.com/office/drawing/2010/main" xmlns:mc="http://schemas.openxmlformats.org/markup-compatibility/2006" xmlns:p14="http://schemas.microsoft.com/office/powerpoint/2010/main" xmlns:p="http://schemas.openxmlformats.org/presentationml/2006/main">
-  <p:cSld name="">
+<p:notes xmlns:a="http://schemas.openxmlformats.org/drawingml/2006/main" xmlns:r="http://schemas.openxmlformats.org/officeDocument/2006/relationships" xmlns:p="http://schemas.openxmlformats.org/presentationml/2006/main">
+  <p:cSld>
     <p:spTree>
       <p:nvGrpSpPr>
         <p:cNvPr id="1" name=""/>
@@ -3858,6 +2222,8 @@
         <a:xfrm>
           <a:off x="0" y="0"/>
           <a:ext cx="0" cy="0"/>
+          <a:chOff x="0" y="0"/>
+          <a:chExt cx="0" cy="0"/>
         </a:xfrm>
       </p:grpSpPr>
       <p:sp>
@@ -3888,251 +2254,40 @@
           <a:lstStyle/>
           <a:p>
             <a:r>
-              <a:rPr lang="de-DE" sz="1200" b="0" i="0" strike="noStrike" cap="none" baseline="0">
-                <a:solidFill>
-                  <a:srgbClr val="000000"/>
-                </a:solidFill>
-                <a:effectLst/>
-                <a:latin typeface="Aptos"/>
-                <a:ea typeface="Aptos"/>
-                <a:cs typeface="Aptos"/>
-              </a:rPr>
-              <a:t>Chai-Tee wird in Lateinamerika über den Einzelhandel, den Großhandel und Vertriebspartner vertrieben.</a:t>
-            </a:r>
-            <a:r>
-              <a:rPr lang="de-DE" sz="1200" b="0" i="0" strike="noStrike" cap="none" baseline="0">
-                <a:solidFill>
-                  <a:srgbClr val="000000"/>
-                </a:solidFill>
-                <a:effectLst/>
-                <a:latin typeface="Aptos"/>
-                <a:ea typeface="Aptos"/>
-                <a:cs typeface="Aptos"/>
-              </a:rPr>
-              <a:t> </a:t>
-            </a:r>
-            <a:r>
-              <a:rPr lang="de-DE" sz="1200" b="0" i="0" strike="noStrike" cap="none" baseline="0">
-                <a:solidFill>
-                  <a:srgbClr val="000000"/>
-                </a:solidFill>
-                <a:effectLst/>
-                <a:latin typeface="Aptos"/>
-                <a:ea typeface="Aptos"/>
-                <a:cs typeface="Aptos"/>
-              </a:rPr>
-              <a:t>Akteure im Einzelhandel, wie Supermärkte und Cafés, verkaufen direkt an die Kundschaft und können deren Wahrnehmung und Kaufverhalten beeinflussen.</a:t>
-            </a:r>
-            <a:r>
-              <a:rPr lang="de-DE" sz="1200" b="0" i="0" strike="noStrike" cap="none" baseline="0">
-                <a:solidFill>
-                  <a:srgbClr val="000000"/>
-                </a:solidFill>
-                <a:effectLst/>
-                <a:latin typeface="Aptos"/>
-                <a:ea typeface="Aptos"/>
-                <a:cs typeface="Aptos"/>
-              </a:rPr>
-              <a:t> </a:t>
-            </a:r>
-            <a:r>
-              <a:rPr lang="de-DE" sz="1200" b="0" i="0" strike="noStrike" cap="none" baseline="0">
-                <a:solidFill>
-                  <a:srgbClr val="000000"/>
-                </a:solidFill>
-                <a:effectLst/>
-                <a:latin typeface="Aptos"/>
-                <a:ea typeface="Aptos"/>
-                <a:cs typeface="Aptos"/>
-              </a:rPr>
-              <a:t>Zu den großen Akteuren im Einzelhandel gehören Walmart und Starbucks.</a:t>
-            </a:r>
-            <a:r>
-              <a:rPr lang="de-DE" sz="1200" b="0" i="0" strike="noStrike" cap="none" baseline="0">
-                <a:solidFill>
-                  <a:srgbClr val="000000"/>
-                </a:solidFill>
-                <a:effectLst/>
-                <a:latin typeface="Aptos"/>
-                <a:ea typeface="Aptos"/>
-                <a:cs typeface="Aptos"/>
-              </a:rPr>
-              <a:t> </a:t>
-            </a:r>
-            <a:r>
-              <a:rPr lang="de-DE" sz="1200" b="0" i="0" strike="noStrike" cap="none" baseline="0">
-                <a:solidFill>
-                  <a:srgbClr val="000000"/>
-                </a:solidFill>
-                <a:effectLst/>
-                <a:latin typeface="Aptos"/>
-                <a:ea typeface="Aptos"/>
-                <a:cs typeface="Aptos"/>
-              </a:rPr>
-              <a:t>Großhändler verkaufen Massengüter an Einzelhändler und die Vertriebshändler liefern und befördern die Produkte von den Herstellern zu den Einzelhändlern.</a:t>
-            </a:r>
-            <a:r>
-              <a:rPr sz="1200"/>
-              <a:t>
-</a:t>
-            </a:r>
-            <a:r>
-              <a:rPr sz="1200"/>
-              <a:t>
-</a:t>
-            </a:r>
-            <a:r>
-              <a:rPr sz="1200"/>
-              <a:t>
-</a:t>
-            </a:r>
-            <a:r>
-              <a:rPr lang="de-DE" sz="1200" b="0" i="0" strike="noStrike" cap="none" baseline="0">
-                <a:solidFill>
-                  <a:srgbClr val="000000"/>
-                </a:solidFill>
-                <a:effectLst/>
-                <a:latin typeface="Aptos"/>
-                <a:ea typeface="Aptos"/>
-                <a:cs typeface="Aptos"/>
-              </a:rPr>
-              <a:t>Originalinhalt:</a:t>
-            </a:r>
-            <a:r>
-              <a:rPr sz="1200"/>
-              <a:t>
-</a:t>
-            </a:r>
-            <a:r>
-              <a:rPr lang="de-DE" sz="1200" b="0" i="0" strike="noStrike" cap="none" baseline="0">
-                <a:solidFill>
-                  <a:srgbClr val="000000"/>
-                </a:solidFill>
-                <a:effectLst/>
-                <a:latin typeface="Aptos"/>
-                <a:ea typeface="Aptos"/>
-                <a:cs typeface="Aptos"/>
-              </a:rPr>
-              <a:t>Die Vertriebskanäle von Chai-Tee in Lateinamerika sind die Mittel und Wege, über die Chai-Tee-Produkte an die Endverbraucher*innen geliefert und verkauft werden.</a:t>
-            </a:r>
-            <a:r>
-              <a:rPr lang="de-DE" sz="1200" b="0" i="0" strike="noStrike" cap="none" baseline="0">
-                <a:solidFill>
-                  <a:srgbClr val="000000"/>
-                </a:solidFill>
-                <a:effectLst/>
-                <a:latin typeface="Aptos"/>
-                <a:ea typeface="Aptos"/>
-                <a:cs typeface="Aptos"/>
-              </a:rPr>
-              <a:t> </a:t>
-            </a:r>
-            <a:r>
-              <a:rPr lang="de-DE" sz="1200" b="0" i="0" strike="noStrike" cap="none" baseline="0">
-                <a:solidFill>
-                  <a:srgbClr val="000000"/>
-                </a:solidFill>
-                <a:effectLst/>
-                <a:latin typeface="Aptos"/>
-                <a:ea typeface="Aptos"/>
-                <a:cs typeface="Aptos"/>
-              </a:rPr>
-              <a:t>Die Vertriebskanäle für Chai-Tee in Lateinamerika lassen sich in drei Typen unterteilen: Einzelhandel, Großhandel und Vertriebspartner.</a:t>
-            </a:r>
-            <a:r>
-              <a:rPr sz="1200"/>
-              <a:t>
-</a:t>
-            </a:r>
-            <a:r>
-              <a:rPr lang="de-DE" sz="1200" b="0" i="0" strike="noStrike" cap="none" baseline="0">
-                <a:solidFill>
-                  <a:srgbClr val="000000"/>
-                </a:solidFill>
-                <a:effectLst/>
-                <a:latin typeface="Aptos"/>
-                <a:ea typeface="Aptos"/>
-                <a:cs typeface="Aptos"/>
-              </a:rPr>
-              <a:t>Einzelhändler sind die Unternehmen, die Chai-Tee-Produkte direkt an Verbraucher*innen verkaufen, z. B. Supermärkte, Verbrauchermärkte, Fachgeschäfte, Cafés und Online-Plattformen.</a:t>
-            </a:r>
-            <a:r>
-              <a:rPr lang="de-DE" sz="1200" b="0" i="0" strike="noStrike" cap="none" baseline="0">
-                <a:solidFill>
-                  <a:srgbClr val="000000"/>
-                </a:solidFill>
-                <a:effectLst/>
-                <a:latin typeface="Aptos"/>
-                <a:ea typeface="Aptos"/>
-                <a:cs typeface="Aptos"/>
-              </a:rPr>
-              <a:t> </a:t>
-            </a:r>
-            <a:r>
-              <a:rPr lang="de-DE" sz="1200" b="0" i="0" strike="noStrike" cap="none" baseline="0">
-                <a:solidFill>
-                  <a:srgbClr val="000000"/>
-                </a:solidFill>
-                <a:effectLst/>
-                <a:latin typeface="Aptos"/>
-                <a:ea typeface="Aptos"/>
-                <a:cs typeface="Aptos"/>
-              </a:rPr>
-              <a:t>Der Einzelhandel ist der sichtbarste und zugänglichste Kanal für Chai-Tee-Produkte und kann die Wahrnehmung, die Vorlieben und den Kauf von Chai-Tee-Produkten durch die Verbraucher*innen beeinflussen.</a:t>
-            </a:r>
-            <a:r>
-              <a:rPr lang="de-DE" sz="1200" b="0" i="0" strike="noStrike" cap="none" baseline="0">
-                <a:solidFill>
-                  <a:srgbClr val="000000"/>
-                </a:solidFill>
-                <a:effectLst/>
-                <a:latin typeface="Aptos"/>
-                <a:ea typeface="Aptos"/>
-                <a:cs typeface="Aptos"/>
-              </a:rPr>
-              <a:t> </a:t>
-            </a:r>
-            <a:r>
-              <a:rPr lang="de-DE" sz="1200" b="0" i="0" strike="noStrike" cap="none" baseline="0">
-                <a:solidFill>
-                  <a:srgbClr val="000000"/>
-                </a:solidFill>
-                <a:effectLst/>
-                <a:latin typeface="Aptos"/>
-                <a:ea typeface="Aptos"/>
-                <a:cs typeface="Aptos"/>
-              </a:rPr>
-              <a:t>Einzelhändler können auch Werbe- und Merchandising-Unterstützung für Chai-Tee-Produkte anbieten, z. B. in Form von Displays, Beschilderung und Regalflächen.</a:t>
-            </a:r>
-            <a:r>
-              <a:rPr lang="de-DE" sz="1200" b="0" i="0" strike="noStrike" cap="none" baseline="0">
-                <a:solidFill>
-                  <a:srgbClr val="000000"/>
-                </a:solidFill>
-                <a:effectLst/>
-                <a:latin typeface="Aptos"/>
-                <a:ea typeface="Aptos"/>
-                <a:cs typeface="Aptos"/>
-              </a:rPr>
-              <a:t> </a:t>
-            </a:r>
-            <a:r>
-              <a:rPr lang="de-DE" sz="1200" b="0" i="0" strike="noStrike" cap="none" baseline="0">
-                <a:solidFill>
-                  <a:srgbClr val="000000"/>
-                </a:solidFill>
-                <a:effectLst/>
-                <a:latin typeface="Aptos"/>
-                <a:ea typeface="Aptos"/>
-                <a:cs typeface="Aptos"/>
-              </a:rPr>
-              <a:t>Zu den wichtigsten Einzelhandelsunternehmen für Chai-Tee-Produkte in Lateinamerika gehören Walmart, Carrefour, Oxxo, Starbucks und Amazon.</a:t>
-            </a:r>
-            <a:r>
-              <a:rPr sz="1200"/>
-              <a:t>
-</a:t>
-            </a:r>
+              <a:rPr lang="de-DE"/>
+              <a:t>Chai-Tee wird in Lateinamerika über den Einzelhandel, den Großhandel und Vertriebspartner vertrieben. Akteure im Einzelhandel, wie Supermärkte und Cafés, verkaufen direkt an die Kundschaft und können deren Wahrnehmung und Kaufverhalten beeinflussen. Zu den großen Akteuren im Einzelhandel gehören Walmart und Starbucks. Großhandelsunternehmen verkaufen in großen Mengen an den Einzelhandel, während Vertriebspartner Produkte von den Herstellerfirmen zum Einzelhandel transportieren.</a:t>
+            </a:r>
+            <a:br>
+              <a:rPr lang="de-DE"/>
+            </a:br>
+            <a:br>
+              <a:rPr lang="de-DE"/>
+            </a:br>
+            <a:br>
+              <a:rPr lang="de-DE"/>
+            </a:br>
+            <a:r>
+              <a:rPr lang="de-DE"/>
+              <a:t>Ursprünglicher Inhalt:</a:t>
+            </a:r>
+            <a:br>
+              <a:rPr lang="de-DE"/>
+            </a:br>
+            <a:r>
+              <a:rPr lang="de-DE"/>
+              <a:t>Die Vertriebskanäle für Chai-Tee in Lateinamerika sind die Mittel und Wege, über die Chai-Tee-Produkte an die Endverbraucher*innen geliefert und verkauft werden. Die Vertriebskanäle für Chai-Tee in Lateinamerika lassen sich in drei Typen einteilen: Einzelhandel, Großhandel und Vertriebspartner.</a:t>
+            </a:r>
+            <a:br>
+              <a:rPr lang="de-DE"/>
+            </a:br>
+            <a:r>
+              <a:rPr lang="de-DE"/>
+              <a:t>Einzelhändler sind die Unternehmen, die Chai-Tee-Produkte direkt an Verbraucher*innen verkaufen, z. B. Supermärkte, Verbrauchermärkte, Fachgeschäfte, Cafés und Online-Plattformen. Der Einzelhandel ist der sichtbarste und zugänglichste Kanal für Chai-Tee-Produkte und kann die Wahrnehmung, die Vorlieben und den Kauf von Chai-Tee-Produkten durch die Verbraucher*innen beeinflussen. Einzelhändler können auch Werbe- und Merchandising-Unterstützung für Chai-Tee-Produkte anbieten, z. B. in Form von Displays, Beschilderung und Regalflächen. Zu den wichtigsten Einzelhandelsunternehmen für Chai-Tee-Produkte in Lateinamerika gehören Walmart, Carrefour, Oxxo, Starbucks und Amazon.</a:t>
+            </a:r>
+            <a:br>
+              <a:rPr lang="de-DE"/>
+            </a:br>
+            <a:endParaRPr lang="de-DE"/>
           </a:p>
         </p:txBody>
       </p:sp>
@@ -4173,8 +2328,8 @@
 </file>
 
 <file path=ppt/notesSlides/notesSlide9.xml><?xml version="1.0" encoding="utf-8"?>
-<p:notes xmlns:a="http://schemas.openxmlformats.org/drawingml/2006/main" xmlns:r="http://schemas.openxmlformats.org/officeDocument/2006/relationships" xmlns:m="http://schemas.openxmlformats.org/officeDocument/2006/math" xmlns:w="http://schemas.openxmlformats.org/wordprocessingml/2006/main" xmlns:wp="http://schemas.openxmlformats.org/drawingml/2006/wordprocessingDrawing" xmlns:a14="http://schemas.microsoft.com/office/drawing/2010/main" xmlns:mc="http://schemas.openxmlformats.org/markup-compatibility/2006" xmlns:p14="http://schemas.microsoft.com/office/powerpoint/2010/main" xmlns:p="http://schemas.openxmlformats.org/presentationml/2006/main">
-  <p:cSld name="">
+<p:notes xmlns:a="http://schemas.openxmlformats.org/drawingml/2006/main" xmlns:r="http://schemas.openxmlformats.org/officeDocument/2006/relationships" xmlns:p="http://schemas.openxmlformats.org/presentationml/2006/main">
+  <p:cSld>
     <p:spTree>
       <p:nvGrpSpPr>
         <p:cNvPr id="1" name=""/>
@@ -4185,6 +2340,8 @@
         <a:xfrm>
           <a:off x="0" y="0"/>
           <a:ext cx="0" cy="0"/>
+          <a:chOff x="0" y="0"/>
+          <a:chExt cx="0" cy="0"/>
         </a:xfrm>
       </p:grpSpPr>
       <p:sp>
@@ -4215,186 +2372,33 @@
           <a:lstStyle/>
           <a:p>
             <a:r>
-              <a:rPr lang="de-DE" sz="1200" b="0" i="0" strike="noStrike" cap="none" baseline="0">
-                <a:solidFill>
-                  <a:srgbClr val="000000"/>
-                </a:solidFill>
-                <a:effectLst/>
-                <a:latin typeface="Aptos"/>
-                <a:ea typeface="Aptos"/>
-                <a:cs typeface="Aptos"/>
-              </a:rPr>
-              <a:t>Großhandelsunternehmen kaufen Chai-Tee-Produkte in großen Mengen und verkaufen sie an den Einzelhandel oder andere Zwischenunternehmen.</a:t>
-            </a:r>
-            <a:r>
-              <a:rPr lang="de-DE" sz="1200" b="0" i="0" strike="noStrike" cap="none" baseline="0">
-                <a:solidFill>
-                  <a:srgbClr val="000000"/>
-                </a:solidFill>
-                <a:effectLst/>
-                <a:latin typeface="Aptos"/>
-                <a:ea typeface="Aptos"/>
-                <a:cs typeface="Aptos"/>
-              </a:rPr>
-              <a:t> </a:t>
-            </a:r>
-            <a:r>
-              <a:rPr lang="de-DE" sz="1200" b="0" i="0" strike="noStrike" cap="none" baseline="0">
-                <a:solidFill>
-                  <a:srgbClr val="000000"/>
-                </a:solidFill>
-                <a:effectLst/>
-                <a:latin typeface="Aptos"/>
-                <a:ea typeface="Aptos"/>
-                <a:cs typeface="Aptos"/>
-              </a:rPr>
-              <a:t>Sie bringen Angebot und Nachfrage von Chai-Tee-Produkten zusammen und bieten verschiedene Dienste an.</a:t>
-            </a:r>
-            <a:r>
-              <a:rPr lang="de-DE" sz="1200" b="0" i="0" strike="noStrike" cap="none" baseline="0">
-                <a:solidFill>
-                  <a:srgbClr val="000000"/>
-                </a:solidFill>
-                <a:effectLst/>
-                <a:latin typeface="Aptos"/>
-                <a:ea typeface="Aptos"/>
-                <a:cs typeface="Aptos"/>
-              </a:rPr>
-              <a:t> </a:t>
-            </a:r>
-            <a:r>
-              <a:rPr lang="de-DE" sz="1200" b="0" i="0" strike="noStrike" cap="none" baseline="0">
-                <a:solidFill>
-                  <a:srgbClr val="000000"/>
-                </a:solidFill>
-                <a:effectLst/>
-                <a:latin typeface="Aptos"/>
-                <a:ea typeface="Aptos"/>
-                <a:cs typeface="Aptos"/>
-              </a:rPr>
-              <a:t>Zu den wichtigsten Großhandelsunternehmen von Chai-Tee-Produkten in Lateinamerika gehören Cencosud, Grupo Pão de Açúcar, La Anónima und Makro.</a:t>
-            </a:r>
-            <a:r>
-              <a:rPr sz="1200"/>
-              <a:t>
-</a:t>
-            </a:r>
-            <a:r>
-              <a:rPr sz="1200"/>
-              <a:t>
-</a:t>
-            </a:r>
-            <a:r>
-              <a:rPr sz="1200"/>
-              <a:t>
-</a:t>
-            </a:r>
-            <a:r>
-              <a:rPr lang="de-DE" sz="1200" b="0" i="0" strike="noStrike" cap="none" baseline="0">
-                <a:solidFill>
-                  <a:srgbClr val="000000"/>
-                </a:solidFill>
-                <a:effectLst/>
-                <a:latin typeface="Aptos"/>
-                <a:ea typeface="Aptos"/>
-                <a:cs typeface="Aptos"/>
-              </a:rPr>
-              <a:t>Originalinhalt:</a:t>
-            </a:r>
-            <a:r>
-              <a:rPr sz="1200"/>
-              <a:t>
-</a:t>
-            </a:r>
-            <a:r>
-              <a:rPr lang="de-DE" sz="1200" b="0" i="0" strike="noStrike" cap="none" baseline="0">
-                <a:solidFill>
-                  <a:srgbClr val="000000"/>
-                </a:solidFill>
-                <a:effectLst/>
-                <a:latin typeface="Aptos"/>
-                <a:ea typeface="Aptos"/>
-                <a:cs typeface="Aptos"/>
-              </a:rPr>
-              <a:t>Großhändler sind die Unternehmen, die Chai-Tee-Produkte als Massengüter von den Herstellern oder Vertriebshändlern kaufen und sie an Einzelhändler oder andere Zwischenhändler verkaufen.</a:t>
-            </a:r>
-            <a:r>
-              <a:rPr lang="de-DE" sz="1200" b="0" i="0" strike="noStrike" cap="none" baseline="0">
-                <a:solidFill>
-                  <a:srgbClr val="000000"/>
-                </a:solidFill>
-                <a:effectLst/>
-                <a:latin typeface="Aptos"/>
-                <a:ea typeface="Aptos"/>
-                <a:cs typeface="Aptos"/>
-              </a:rPr>
-              <a:t> </a:t>
-            </a:r>
-            <a:r>
-              <a:rPr lang="de-DE" sz="1200" b="0" i="0" strike="noStrike" cap="none" baseline="0">
-                <a:solidFill>
-                  <a:srgbClr val="000000"/>
-                </a:solidFill>
-                <a:effectLst/>
-                <a:latin typeface="Aptos"/>
-                <a:ea typeface="Aptos"/>
-                <a:cs typeface="Aptos"/>
-              </a:rPr>
-              <a:t>Großhändler sind das Bindeglied zwischen Angebot und Nachfrage von Chai-Tee-Produkten und können Größenvorteile sowie Lager- und Transportdienste für Chai-Tee-Produkte anbieten.</a:t>
-            </a:r>
-            <a:r>
-              <a:rPr lang="de-DE" sz="1200" b="0" i="0" strike="noStrike" cap="none" baseline="0">
-                <a:solidFill>
-                  <a:srgbClr val="000000"/>
-                </a:solidFill>
-                <a:effectLst/>
-                <a:latin typeface="Aptos"/>
-                <a:ea typeface="Aptos"/>
-                <a:cs typeface="Aptos"/>
-              </a:rPr>
-              <a:t> </a:t>
-            </a:r>
-            <a:r>
-              <a:rPr lang="de-DE" sz="1200" b="0" i="0" strike="noStrike" cap="none" baseline="0">
-                <a:solidFill>
-                  <a:srgbClr val="000000"/>
-                </a:solidFill>
-                <a:effectLst/>
-                <a:latin typeface="Aptos"/>
-                <a:ea typeface="Aptos"/>
-                <a:cs typeface="Aptos"/>
-              </a:rPr>
-              <a:t>Großhändler können auch Marktinformationen, Feedback und Kreditmöglichkeiten für Chai-Tee-Produkte bereitstellen.</a:t>
-            </a:r>
-            <a:r>
-              <a:rPr lang="de-DE" sz="1200" b="0" i="0" strike="noStrike" cap="none" baseline="0">
-                <a:solidFill>
-                  <a:srgbClr val="000000"/>
-                </a:solidFill>
-                <a:effectLst/>
-                <a:latin typeface="Aptos"/>
-                <a:ea typeface="Aptos"/>
-                <a:cs typeface="Aptos"/>
-              </a:rPr>
-              <a:t> </a:t>
-            </a:r>
-            <a:r>
-              <a:rPr lang="de-DE" sz="1200" b="0" i="0" strike="noStrike" cap="none" baseline="0">
-                <a:solidFill>
-                  <a:srgbClr val="000000"/>
-                </a:solidFill>
-                <a:effectLst/>
-                <a:latin typeface="Aptos"/>
-                <a:ea typeface="Aptos"/>
-                <a:cs typeface="Aptos"/>
-              </a:rPr>
-              <a:t>Zu den wichtigsten Großhandelsunternehmen von Chai-Tee-Produkten in Lateinamerika gehören Cencosud, Grupo Pão de Açúcar, La Anónima und Makro.</a:t>
-            </a:r>
-            <a:r>
-              <a:rPr sz="1200"/>
-              <a:t>
-</a:t>
-            </a:r>
+              <a:rPr lang="de-DE"/>
+              <a:t>Großhandelsunternehmen kaufen Chai-Tee-Produkte in großen Mengen und verkaufen sie an den Einzelhandel oder andere Zwischenunternehmen. Sie bringen Angebot und Nachfrage von Chai-Tee-Produkten zusammen und bieten verschiedene Dienste an. Zu den wichtigsten Großhandelsunternehmen in Lateinamerika gehören Cencosud, Grupo Pao de Acucar, La Anonima und Makro.</a:t>
+            </a:r>
+            <a:br>
+              <a:rPr lang="de-DE"/>
+            </a:br>
+            <a:br>
+              <a:rPr lang="de-DE"/>
+            </a:br>
+            <a:br>
+              <a:rPr lang="de-DE"/>
+            </a:br>
+            <a:r>
+              <a:rPr lang="de-DE"/>
+              <a:t>Ursprünglicher Inhalt:</a:t>
+            </a:r>
+            <a:br>
+              <a:rPr lang="de-DE"/>
+            </a:br>
+            <a:r>
+              <a:rPr lang="de-DE"/>
+              <a:t>Großhändler sind die Unternehmen, die Chai-Tee-Produkte in großen Mengen von den Herstellern oder Vertriebshändlern kaufen und sie an Einzelhändler oder andere Zwischenhändler verkaufen. Großhändler sind das Bindeglied zwischen Angebot und Nachfrage von Chai-Tee-Produkten und können Größenvorteile sowie Lager- und Transportdienste für Chai-Tee-Produkte anbieten. Großhändler können auch Marktinformationen, Feedback und Kreditmöglichkeiten für Chai-Tee-Produkte bereitstellen. Zu den wichtigsten Großhändlern von Chai-Tee-Produkten in Lateinamerika gehören Cencosud, Grupo Pão de Açúcar, La Anónima und Makro.</a:t>
+            </a:r>
+            <a:br>
+              <a:rPr lang="de-DE"/>
+            </a:br>
+            <a:endParaRPr lang="de-DE"/>
           </a:p>
         </p:txBody>
       </p:sp>
@@ -4435,7 +2439,7 @@
 </file>
 
 <file path=ppt/slideLayouts/slideLayout1.xml><?xml version="1.0" encoding="utf-8"?>
-<p:sldLayout xmlns:a="http://schemas.openxmlformats.org/drawingml/2006/main" xmlns:r="http://schemas.openxmlformats.org/officeDocument/2006/relationships" xmlns:m="http://schemas.openxmlformats.org/officeDocument/2006/math" xmlns:w="http://schemas.openxmlformats.org/wordprocessingml/2006/main" xmlns:wp="http://schemas.openxmlformats.org/drawingml/2006/wordprocessingDrawing" xmlns:a14="http://schemas.microsoft.com/office/drawing/2010/main" xmlns:mc="http://schemas.openxmlformats.org/markup-compatibility/2006" xmlns:p14="http://schemas.microsoft.com/office/powerpoint/2010/main" xmlns:p15="http://schemas.microsoft.com/office/powerpoint/2012/main" xmlns:p159="http://schemas.microsoft.com/office/powerpoint/2015/09/main" xmlns:p="http://schemas.openxmlformats.org/presentationml/2006/main" showMasterSp="0" type="title" preserve="1">
+<p:sldLayout xmlns:a="http://schemas.openxmlformats.org/drawingml/2006/main" xmlns:r="http://schemas.openxmlformats.org/officeDocument/2006/relationships" xmlns:p="http://schemas.openxmlformats.org/presentationml/2006/main" showMasterSp="0" type="title" preserve="1">
   <p:cSld name="Title Slide">
     <p:spTree>
       <p:nvGrpSpPr>
@@ -4447,6 +2451,8 @@
         <a:xfrm>
           <a:off x="0" y="0"/>
           <a:ext cx="0" cy="0"/>
+          <a:chOff x="0" y="0"/>
+          <a:chExt cx="0" cy="0"/>
         </a:xfrm>
       </p:grpSpPr>
       <p:sp>
@@ -4492,11 +2498,6 @@
             <a:schemeClr val="lt1"/>
           </a:fontRef>
         </p:style>
-        <p:txBody>
-          <a:bodyPr/>
-          <a:lstStyle/>
-          <a:p/>
-        </p:txBody>
       </p:sp>
       <p:sp>
         <p:nvSpPr>
@@ -4538,7 +2539,7 @@
               <a:rPr lang="en-US"/>
               <a:t>Click to edit Master title style</a:t>
             </a:r>
-            <a:endParaRPr lang="en-US"/>
+            <a:endParaRPr lang="en-US" dirty="0"/>
           </a:p>
         </p:txBody>
       </p:sp>
@@ -4610,7 +2611,7 @@
               <a:rPr lang="en-US"/>
               <a:t>Click to edit Master subtitle style</a:t>
             </a:r>
-            <a:endParaRPr lang="en-US"/>
+            <a:endParaRPr lang="en-US" dirty="0"/>
           </a:p>
         </p:txBody>
       </p:sp>
@@ -4681,9 +2682,9 @@
           <a:p>
             <a:fld id="{9184DA70-C731-4C70-880D-CCD4705E623C}" type="datetime1">
               <a:rPr lang="en-US" smtClean="0"/>
-              <a:t>6/26/2024</a:t>
+              <a:t>6/2/2025</a:t>
             </a:fld>
-            <a:endParaRPr lang="en-US"/>
+            <a:endParaRPr lang="en-US" dirty="0"/>
           </a:p>
         </p:txBody>
       </p:sp>
@@ -4708,7 +2709,7 @@
           <a:bodyPr/>
           <a:lstStyle/>
           <a:p>
-            <a:endParaRPr lang="en-US"/>
+            <a:endParaRPr lang="en-US" dirty="0"/>
           </a:p>
         </p:txBody>
       </p:sp>
@@ -4737,7 +2738,7 @@
               <a:rPr lang="en-US" smtClean="0"/>
               <a:t>‹#›</a:t>
             </a:fld>
-            <a:endParaRPr lang="en-US"/>
+            <a:endParaRPr lang="en-US" dirty="0"/>
           </a:p>
         </p:txBody>
       </p:sp>
@@ -4751,13 +2752,11 @@
   <p:clrMapOvr>
     <a:masterClrMapping/>
   </p:clrMapOvr>
-  <p:transition/>
-  <p:timing/>
 </p:sldLayout>
 </file>
 
 <file path=ppt/slideLayouts/slideLayout10.xml><?xml version="1.0" encoding="utf-8"?>
-<p:sldLayout xmlns:a="http://schemas.openxmlformats.org/drawingml/2006/main" xmlns:r="http://schemas.openxmlformats.org/officeDocument/2006/relationships" xmlns:m="http://schemas.openxmlformats.org/officeDocument/2006/math" xmlns:w="http://schemas.openxmlformats.org/wordprocessingml/2006/main" xmlns:wp="http://schemas.openxmlformats.org/drawingml/2006/wordprocessingDrawing" xmlns:a14="http://schemas.microsoft.com/office/drawing/2010/main" xmlns:mc="http://schemas.openxmlformats.org/markup-compatibility/2006" xmlns:p14="http://schemas.microsoft.com/office/powerpoint/2010/main" xmlns:p15="http://schemas.microsoft.com/office/powerpoint/2012/main" xmlns:p159="http://schemas.microsoft.com/office/powerpoint/2015/09/main" xmlns:p="http://schemas.openxmlformats.org/presentationml/2006/main" type="vertTx" preserve="1">
+<p:sldLayout xmlns:a="http://schemas.openxmlformats.org/drawingml/2006/main" xmlns:r="http://schemas.openxmlformats.org/officeDocument/2006/relationships" xmlns:p="http://schemas.openxmlformats.org/presentationml/2006/main" type="vertTx" preserve="1">
   <p:cSld name="Title and Vertical Text">
     <p:spTree>
       <p:nvGrpSpPr>
@@ -4769,6 +2768,8 @@
         <a:xfrm>
           <a:off x="0" y="0"/>
           <a:ext cx="0" cy="0"/>
+          <a:chOff x="0" y="0"/>
+          <a:chExt cx="0" cy="0"/>
         </a:xfrm>
       </p:grpSpPr>
       <p:sp>
@@ -4790,7 +2791,7 @@
               <a:rPr lang="en-US"/>
               <a:t>Click to edit Master title style</a:t>
             </a:r>
-            <a:endParaRPr lang="en-US"/>
+            <a:endParaRPr lang="en-US" dirty="0"/>
           </a:p>
         </p:txBody>
       </p:sp>
@@ -4842,7 +2843,7 @@
               <a:rPr lang="en-US"/>
               <a:t>Fifth level</a:t>
             </a:r>
-            <a:endParaRPr lang="en-US"/>
+            <a:endParaRPr lang="en-US" dirty="0"/>
           </a:p>
         </p:txBody>
       </p:sp>
@@ -4869,9 +2870,9 @@
           <a:p>
             <a:fld id="{B612A279-0833-481D-8C56-F67FD0AC6C50}" type="datetime1">
               <a:rPr lang="en-US" smtClean="0"/>
-              <a:t>6/26/2024</a:t>
+              <a:t>6/2/2025</a:t>
             </a:fld>
-            <a:endParaRPr lang="en-US"/>
+            <a:endParaRPr lang="en-US" dirty="0"/>
           </a:p>
         </p:txBody>
       </p:sp>
@@ -4896,7 +2897,7 @@
           <a:bodyPr/>
           <a:lstStyle/>
           <a:p>
-            <a:endParaRPr lang="en-US"/>
+            <a:endParaRPr lang="en-US" dirty="0"/>
           </a:p>
         </p:txBody>
       </p:sp>
@@ -4925,7 +2926,7 @@
               <a:rPr lang="en-US" smtClean="0"/>
               <a:t>‹#›</a:t>
             </a:fld>
-            <a:endParaRPr lang="en-US"/>
+            <a:endParaRPr lang="en-US" dirty="0"/>
           </a:p>
         </p:txBody>
       </p:sp>
@@ -4939,13 +2940,11 @@
   <p:clrMapOvr>
     <a:masterClrMapping/>
   </p:clrMapOvr>
-  <p:transition/>
-  <p:timing/>
 </p:sldLayout>
 </file>
 
 <file path=ppt/slideLayouts/slideLayout11.xml><?xml version="1.0" encoding="utf-8"?>
-<p:sldLayout xmlns:a="http://schemas.openxmlformats.org/drawingml/2006/main" xmlns:r="http://schemas.openxmlformats.org/officeDocument/2006/relationships" xmlns:m="http://schemas.openxmlformats.org/officeDocument/2006/math" xmlns:w="http://schemas.openxmlformats.org/wordprocessingml/2006/main" xmlns:wp="http://schemas.openxmlformats.org/drawingml/2006/wordprocessingDrawing" xmlns:a14="http://schemas.microsoft.com/office/drawing/2010/main" xmlns:mc="http://schemas.openxmlformats.org/markup-compatibility/2006" xmlns:p14="http://schemas.microsoft.com/office/powerpoint/2010/main" xmlns:p15="http://schemas.microsoft.com/office/powerpoint/2012/main" xmlns:p159="http://schemas.microsoft.com/office/powerpoint/2015/09/main" xmlns:p="http://schemas.openxmlformats.org/presentationml/2006/main" showMasterSp="0" type="vertTitleAndTx" preserve="1">
+<p:sldLayout xmlns:a="http://schemas.openxmlformats.org/drawingml/2006/main" xmlns:r="http://schemas.openxmlformats.org/officeDocument/2006/relationships" xmlns:p="http://schemas.openxmlformats.org/presentationml/2006/main" showMasterSp="0" type="vertTitleAndTx" preserve="1">
   <p:cSld name="Vertical Title and Text">
     <p:spTree>
       <p:nvGrpSpPr>
@@ -4957,6 +2956,8 @@
         <a:xfrm>
           <a:off x="0" y="0"/>
           <a:ext cx="0" cy="0"/>
+          <a:chOff x="0" y="0"/>
+          <a:chExt cx="0" cy="0"/>
         </a:xfrm>
       </p:grpSpPr>
       <p:sp>
@@ -5002,11 +3003,6 @@
             <a:schemeClr val="lt1"/>
           </a:fontRef>
         </p:style>
-        <p:txBody>
-          <a:bodyPr/>
-          <a:lstStyle/>
-          <a:p/>
-        </p:txBody>
       </p:sp>
       <p:sp>
         <p:nvSpPr>
@@ -5032,7 +3028,7 @@
               <a:rPr lang="en-US"/>
               <a:t>Click to edit Master title style</a:t>
             </a:r>
-            <a:endParaRPr lang="en-US"/>
+            <a:endParaRPr lang="en-US" dirty="0"/>
           </a:p>
         </p:txBody>
       </p:sp>
@@ -5089,7 +3085,7 @@
               <a:rPr lang="en-US"/>
               <a:t>Fifth level</a:t>
             </a:r>
-            <a:endParaRPr lang="en-US"/>
+            <a:endParaRPr lang="en-US" dirty="0"/>
           </a:p>
         </p:txBody>
       </p:sp>
@@ -5116,9 +3112,9 @@
           <a:p>
             <a:fld id="{6587DA83-5663-4C9C-B9AA-0B40A3DAFF81}" type="datetime1">
               <a:rPr lang="en-US" smtClean="0"/>
-              <a:t>6/26/2024</a:t>
+              <a:t>6/2/2025</a:t>
             </a:fld>
-            <a:endParaRPr lang="en-US"/>
+            <a:endParaRPr lang="en-US" dirty="0"/>
           </a:p>
         </p:txBody>
       </p:sp>
@@ -5143,7 +3139,7 @@
           <a:bodyPr/>
           <a:lstStyle/>
           <a:p>
-            <a:endParaRPr lang="en-US"/>
+            <a:endParaRPr lang="en-US" dirty="0"/>
           </a:p>
         </p:txBody>
       </p:sp>
@@ -5172,7 +3168,7 @@
               <a:rPr lang="en-US" smtClean="0"/>
               <a:t>‹#›</a:t>
             </a:fld>
-            <a:endParaRPr lang="en-US"/>
+            <a:endParaRPr lang="en-US" dirty="0"/>
           </a:p>
         </p:txBody>
       </p:sp>
@@ -5186,13 +3182,11 @@
   <p:clrMapOvr>
     <a:masterClrMapping/>
   </p:clrMapOvr>
-  <p:transition/>
-  <p:timing/>
 </p:sldLayout>
 </file>
 
 <file path=ppt/slideLayouts/slideLayout2.xml><?xml version="1.0" encoding="utf-8"?>
-<p:sldLayout xmlns:a="http://schemas.openxmlformats.org/drawingml/2006/main" xmlns:r="http://schemas.openxmlformats.org/officeDocument/2006/relationships" xmlns:m="http://schemas.openxmlformats.org/officeDocument/2006/math" xmlns:w="http://schemas.openxmlformats.org/wordprocessingml/2006/main" xmlns:wp="http://schemas.openxmlformats.org/drawingml/2006/wordprocessingDrawing" xmlns:a14="http://schemas.microsoft.com/office/drawing/2010/main" xmlns:mc="http://schemas.openxmlformats.org/markup-compatibility/2006" xmlns:p14="http://schemas.microsoft.com/office/powerpoint/2010/main" xmlns:p15="http://schemas.microsoft.com/office/powerpoint/2012/main" xmlns:p159="http://schemas.microsoft.com/office/powerpoint/2015/09/main" xmlns:p="http://schemas.openxmlformats.org/presentationml/2006/main" type="obj" preserve="1">
+<p:sldLayout xmlns:a="http://schemas.openxmlformats.org/drawingml/2006/main" xmlns:r="http://schemas.openxmlformats.org/officeDocument/2006/relationships" xmlns:p="http://schemas.openxmlformats.org/presentationml/2006/main" type="obj" preserve="1">
   <p:cSld name="Title and Content">
     <p:spTree>
       <p:nvGrpSpPr>
@@ -5204,6 +3198,8 @@
         <a:xfrm>
           <a:off x="0" y="0"/>
           <a:ext cx="0" cy="0"/>
+          <a:chOff x="0" y="0"/>
+          <a:chExt cx="0" cy="0"/>
         </a:xfrm>
       </p:grpSpPr>
       <p:sp>
@@ -5225,7 +3221,7 @@
               <a:rPr lang="en-US"/>
               <a:t>Click to edit Master title style</a:t>
             </a:r>
-            <a:endParaRPr lang="en-US"/>
+            <a:endParaRPr lang="en-US" dirty="0"/>
           </a:p>
         </p:txBody>
       </p:sp>
@@ -5277,7 +3273,7 @@
               <a:rPr lang="en-US"/>
               <a:t>Fifth level</a:t>
             </a:r>
-            <a:endParaRPr lang="en-US"/>
+            <a:endParaRPr lang="en-US" dirty="0"/>
           </a:p>
         </p:txBody>
       </p:sp>
@@ -5304,9 +3300,9 @@
           <a:p>
             <a:fld id="{4BE1D723-8F53-4F53-90B0-1982A396982E}" type="datetime1">
               <a:rPr lang="en-US" smtClean="0"/>
-              <a:t>6/26/2024</a:t>
+              <a:t>6/2/2025</a:t>
             </a:fld>
-            <a:endParaRPr lang="en-US"/>
+            <a:endParaRPr lang="en-US" dirty="0"/>
           </a:p>
         </p:txBody>
       </p:sp>
@@ -5331,7 +3327,7 @@
           <a:bodyPr/>
           <a:lstStyle/>
           <a:p>
-            <a:endParaRPr lang="en-US"/>
+            <a:endParaRPr lang="en-US" dirty="0"/>
           </a:p>
         </p:txBody>
       </p:sp>
@@ -5360,7 +3356,7 @@
               <a:rPr lang="en-US" smtClean="0"/>
               <a:t>‹#›</a:t>
             </a:fld>
-            <a:endParaRPr lang="en-US"/>
+            <a:endParaRPr lang="en-US" dirty="0"/>
           </a:p>
         </p:txBody>
       </p:sp>
@@ -5374,13 +3370,11 @@
   <p:clrMapOvr>
     <a:masterClrMapping/>
   </p:clrMapOvr>
-  <p:transition/>
-  <p:timing/>
 </p:sldLayout>
 </file>
 
 <file path=ppt/slideLayouts/slideLayout3.xml><?xml version="1.0" encoding="utf-8"?>
-<p:sldLayout xmlns:a="http://schemas.openxmlformats.org/drawingml/2006/main" xmlns:r="http://schemas.openxmlformats.org/officeDocument/2006/relationships" xmlns:m="http://schemas.openxmlformats.org/officeDocument/2006/math" xmlns:w="http://schemas.openxmlformats.org/wordprocessingml/2006/main" xmlns:wp="http://schemas.openxmlformats.org/drawingml/2006/wordprocessingDrawing" xmlns:a14="http://schemas.microsoft.com/office/drawing/2010/main" xmlns:mc="http://schemas.openxmlformats.org/markup-compatibility/2006" xmlns:p14="http://schemas.microsoft.com/office/powerpoint/2010/main" xmlns:p15="http://schemas.microsoft.com/office/powerpoint/2012/main" xmlns:p159="http://schemas.microsoft.com/office/powerpoint/2015/09/main" xmlns:p="http://schemas.openxmlformats.org/presentationml/2006/main" showMasterSp="0" type="secHead" preserve="1">
+<p:sldLayout xmlns:a="http://schemas.openxmlformats.org/drawingml/2006/main" xmlns:r="http://schemas.openxmlformats.org/officeDocument/2006/relationships" xmlns:p="http://schemas.openxmlformats.org/presentationml/2006/main" showMasterSp="0" type="secHead" preserve="1">
   <p:cSld name="Section Header">
     <p:bg>
       <p:bgPr>
@@ -5400,6 +3394,8 @@
         <a:xfrm>
           <a:off x="0" y="0"/>
           <a:ext cx="0" cy="0"/>
+          <a:chOff x="0" y="0"/>
+          <a:chExt cx="0" cy="0"/>
         </a:xfrm>
       </p:grpSpPr>
       <p:sp>
@@ -5445,11 +3441,6 @@
             <a:schemeClr val="lt1"/>
           </a:fontRef>
         </p:style>
-        <p:txBody>
-          <a:bodyPr/>
-          <a:lstStyle/>
-          <a:p/>
-        </p:txBody>
       </p:sp>
       <p:sp>
         <p:nvSpPr>
@@ -5491,7 +3482,7 @@
               <a:rPr lang="en-US"/>
               <a:t>Click to edit Master title style</a:t>
             </a:r>
-            <a:endParaRPr lang="en-US"/>
+            <a:endParaRPr lang="en-US" dirty="0"/>
           </a:p>
         </p:txBody>
       </p:sp>
@@ -5682,9 +3673,9 @@
           <a:p>
             <a:fld id="{97669AF7-7BEB-44E4-9852-375E34362B5B}" type="datetime1">
               <a:rPr lang="en-US" smtClean="0"/>
-              <a:t>6/26/2024</a:t>
+              <a:t>6/2/2025</a:t>
             </a:fld>
-            <a:endParaRPr lang="en-US"/>
+            <a:endParaRPr lang="en-US" dirty="0"/>
           </a:p>
         </p:txBody>
       </p:sp>
@@ -5709,7 +3700,7 @@
           <a:bodyPr/>
           <a:lstStyle/>
           <a:p>
-            <a:endParaRPr lang="en-US"/>
+            <a:endParaRPr lang="en-US" dirty="0"/>
           </a:p>
         </p:txBody>
       </p:sp>
@@ -5738,7 +3729,7 @@
               <a:rPr lang="en-US" smtClean="0"/>
               <a:t>‹#›</a:t>
             </a:fld>
-            <a:endParaRPr lang="en-US"/>
+            <a:endParaRPr lang="en-US" dirty="0"/>
           </a:p>
         </p:txBody>
       </p:sp>
@@ -5752,13 +3743,11 @@
   <p:clrMapOvr>
     <a:masterClrMapping/>
   </p:clrMapOvr>
-  <p:transition/>
-  <p:timing/>
 </p:sldLayout>
 </file>
 
 <file path=ppt/slideLayouts/slideLayout4.xml><?xml version="1.0" encoding="utf-8"?>
-<p:sldLayout xmlns:a="http://schemas.openxmlformats.org/drawingml/2006/main" xmlns:r="http://schemas.openxmlformats.org/officeDocument/2006/relationships" xmlns:m="http://schemas.openxmlformats.org/officeDocument/2006/math" xmlns:w="http://schemas.openxmlformats.org/wordprocessingml/2006/main" xmlns:wp="http://schemas.openxmlformats.org/drawingml/2006/wordprocessingDrawing" xmlns:a14="http://schemas.microsoft.com/office/drawing/2010/main" xmlns:mc="http://schemas.openxmlformats.org/markup-compatibility/2006" xmlns:p14="http://schemas.microsoft.com/office/powerpoint/2010/main" xmlns:p15="http://schemas.microsoft.com/office/powerpoint/2012/main" xmlns:p159="http://schemas.microsoft.com/office/powerpoint/2015/09/main" xmlns:p="http://schemas.openxmlformats.org/presentationml/2006/main" type="twoObj" preserve="1">
+<p:sldLayout xmlns:a="http://schemas.openxmlformats.org/drawingml/2006/main" xmlns:r="http://schemas.openxmlformats.org/officeDocument/2006/relationships" xmlns:p="http://schemas.openxmlformats.org/presentationml/2006/main" type="twoObj" preserve="1">
   <p:cSld name="Two Content">
     <p:spTree>
       <p:nvGrpSpPr>
@@ -5770,6 +3759,8 @@
         <a:xfrm>
           <a:off x="0" y="0"/>
           <a:ext cx="0" cy="0"/>
+          <a:chOff x="0" y="0"/>
+          <a:chExt cx="0" cy="0"/>
         </a:xfrm>
       </p:grpSpPr>
       <p:sp>
@@ -5796,7 +3787,7 @@
               <a:rPr lang="en-US"/>
               <a:t>Click to edit Master title style</a:t>
             </a:r>
-            <a:endParaRPr lang="en-US"/>
+            <a:endParaRPr lang="en-US" dirty="0"/>
           </a:p>
         </p:txBody>
       </p:sp>
@@ -5853,7 +3844,7 @@
               <a:rPr lang="en-US"/>
               <a:t>Fifth level</a:t>
             </a:r>
-            <a:endParaRPr lang="en-US"/>
+            <a:endParaRPr lang="en-US" dirty="0"/>
           </a:p>
         </p:txBody>
       </p:sp>
@@ -5910,7 +3901,7 @@
               <a:rPr lang="en-US"/>
               <a:t>Fifth level</a:t>
             </a:r>
-            <a:endParaRPr lang="en-US"/>
+            <a:endParaRPr lang="en-US" dirty="0"/>
           </a:p>
         </p:txBody>
       </p:sp>
@@ -5937,9 +3928,9 @@
           <a:p>
             <a:fld id="{BAAAC38D-0552-4C82-B593-E6124DFADBE2}" type="datetime1">
               <a:rPr lang="en-US" smtClean="0"/>
-              <a:t>6/26/2024</a:t>
+              <a:t>6/2/2025</a:t>
             </a:fld>
-            <a:endParaRPr lang="en-US"/>
+            <a:endParaRPr lang="en-US" dirty="0"/>
           </a:p>
         </p:txBody>
       </p:sp>
@@ -5964,7 +3955,7 @@
           <a:bodyPr/>
           <a:lstStyle/>
           <a:p>
-            <a:endParaRPr lang="en-US"/>
+            <a:endParaRPr lang="en-US" dirty="0"/>
           </a:p>
         </p:txBody>
       </p:sp>
@@ -5993,7 +3984,7 @@
               <a:rPr lang="en-US" smtClean="0"/>
               <a:t>‹#›</a:t>
             </a:fld>
-            <a:endParaRPr lang="en-US"/>
+            <a:endParaRPr lang="en-US" dirty="0"/>
           </a:p>
         </p:txBody>
       </p:sp>
@@ -6007,13 +3998,11 @@
   <p:clrMapOvr>
     <a:masterClrMapping/>
   </p:clrMapOvr>
-  <p:transition/>
-  <p:timing/>
 </p:sldLayout>
 </file>
 
 <file path=ppt/slideLayouts/slideLayout5.xml><?xml version="1.0" encoding="utf-8"?>
-<p:sldLayout xmlns:a="http://schemas.openxmlformats.org/drawingml/2006/main" xmlns:r="http://schemas.openxmlformats.org/officeDocument/2006/relationships" xmlns:m="http://schemas.openxmlformats.org/officeDocument/2006/math" xmlns:w="http://schemas.openxmlformats.org/wordprocessingml/2006/main" xmlns:wp="http://schemas.openxmlformats.org/drawingml/2006/wordprocessingDrawing" xmlns:a14="http://schemas.microsoft.com/office/drawing/2010/main" xmlns:mc="http://schemas.openxmlformats.org/markup-compatibility/2006" xmlns:p14="http://schemas.microsoft.com/office/powerpoint/2010/main" xmlns:p15="http://schemas.microsoft.com/office/powerpoint/2012/main" xmlns:p159="http://schemas.microsoft.com/office/powerpoint/2015/09/main" xmlns:p="http://schemas.openxmlformats.org/presentationml/2006/main" type="twoTxTwoObj" preserve="1">
+<p:sldLayout xmlns:a="http://schemas.openxmlformats.org/drawingml/2006/main" xmlns:r="http://schemas.openxmlformats.org/officeDocument/2006/relationships" xmlns:p="http://schemas.openxmlformats.org/presentationml/2006/main" type="twoTxTwoObj" preserve="1">
   <p:cSld name="Comparison">
     <p:spTree>
       <p:nvGrpSpPr>
@@ -6025,6 +4014,8 @@
         <a:xfrm>
           <a:off x="0" y="0"/>
           <a:ext cx="0" cy="0"/>
+          <a:chOff x="0" y="0"/>
+          <a:chExt cx="0" cy="0"/>
         </a:xfrm>
       </p:grpSpPr>
       <p:sp>
@@ -6051,7 +4042,7 @@
               <a:rPr lang="en-US"/>
               <a:t>Click to edit Master title style</a:t>
             </a:r>
-            <a:endParaRPr lang="en-US"/>
+            <a:endParaRPr lang="en-US" dirty="0"/>
           </a:p>
         </p:txBody>
       </p:sp>
@@ -6179,7 +4170,7 @@
               <a:rPr lang="en-US"/>
               <a:t>Fifth level</a:t>
             </a:r>
-            <a:endParaRPr lang="en-US"/>
+            <a:endParaRPr lang="en-US" dirty="0"/>
           </a:p>
         </p:txBody>
       </p:sp>
@@ -6307,7 +4298,7 @@
               <a:rPr lang="en-US"/>
               <a:t>Fifth level</a:t>
             </a:r>
-            <a:endParaRPr lang="en-US"/>
+            <a:endParaRPr lang="en-US" dirty="0"/>
           </a:p>
         </p:txBody>
       </p:sp>
@@ -6334,9 +4325,9 @@
           <a:p>
             <a:fld id="{D9DF0F1C-5577-4ACB-BB62-DF8F3C494C7E}" type="datetime1">
               <a:rPr lang="en-US" smtClean="0"/>
-              <a:t>6/26/2024</a:t>
+              <a:t>6/2/2025</a:t>
             </a:fld>
-            <a:endParaRPr lang="en-US"/>
+            <a:endParaRPr lang="en-US" dirty="0"/>
           </a:p>
         </p:txBody>
       </p:sp>
@@ -6361,7 +4352,7 @@
           <a:bodyPr/>
           <a:lstStyle/>
           <a:p>
-            <a:endParaRPr lang="en-US"/>
+            <a:endParaRPr lang="en-US" dirty="0"/>
           </a:p>
         </p:txBody>
       </p:sp>
@@ -6390,7 +4381,7 @@
               <a:rPr lang="en-US" smtClean="0"/>
               <a:t>‹#›</a:t>
             </a:fld>
-            <a:endParaRPr lang="en-US"/>
+            <a:endParaRPr lang="en-US" dirty="0"/>
           </a:p>
         </p:txBody>
       </p:sp>
@@ -6404,13 +4395,11 @@
   <p:clrMapOvr>
     <a:masterClrMapping/>
   </p:clrMapOvr>
-  <p:transition/>
-  <p:timing/>
 </p:sldLayout>
 </file>
 
 <file path=ppt/slideLayouts/slideLayout6.xml><?xml version="1.0" encoding="utf-8"?>
-<p:sldLayout xmlns:a="http://schemas.openxmlformats.org/drawingml/2006/main" xmlns:r="http://schemas.openxmlformats.org/officeDocument/2006/relationships" xmlns:m="http://schemas.openxmlformats.org/officeDocument/2006/math" xmlns:w="http://schemas.openxmlformats.org/wordprocessingml/2006/main" xmlns:wp="http://schemas.openxmlformats.org/drawingml/2006/wordprocessingDrawing" xmlns:a14="http://schemas.microsoft.com/office/drawing/2010/main" xmlns:mc="http://schemas.openxmlformats.org/markup-compatibility/2006" xmlns:p14="http://schemas.microsoft.com/office/powerpoint/2010/main" xmlns:p15="http://schemas.microsoft.com/office/powerpoint/2012/main" xmlns:p159="http://schemas.microsoft.com/office/powerpoint/2015/09/main" xmlns:p="http://schemas.openxmlformats.org/presentationml/2006/main" type="titleOnly" preserve="1">
+<p:sldLayout xmlns:a="http://schemas.openxmlformats.org/drawingml/2006/main" xmlns:r="http://schemas.openxmlformats.org/officeDocument/2006/relationships" xmlns:p="http://schemas.openxmlformats.org/presentationml/2006/main" type="titleOnly" preserve="1">
   <p:cSld name="Title Only">
     <p:spTree>
       <p:nvGrpSpPr>
@@ -6422,6 +4411,8 @@
         <a:xfrm>
           <a:off x="0" y="0"/>
           <a:ext cx="0" cy="0"/>
+          <a:chOff x="0" y="0"/>
+          <a:chExt cx="0" cy="0"/>
         </a:xfrm>
       </p:grpSpPr>
       <p:sp>
@@ -6443,7 +4434,7 @@
               <a:rPr lang="en-US"/>
               <a:t>Click to edit Master title style</a:t>
             </a:r>
-            <a:endParaRPr lang="en-US"/>
+            <a:endParaRPr lang="en-US" dirty="0"/>
           </a:p>
         </p:txBody>
       </p:sp>
@@ -6470,9 +4461,9 @@
           <a:p>
             <a:fld id="{1775B394-D9F9-4F0C-B15D-605F45CB9E9F}" type="datetime1">
               <a:rPr lang="en-US" smtClean="0"/>
-              <a:t>6/26/2024</a:t>
+              <a:t>6/2/2025</a:t>
             </a:fld>
-            <a:endParaRPr lang="en-US"/>
+            <a:endParaRPr lang="en-US" dirty="0"/>
           </a:p>
         </p:txBody>
       </p:sp>
@@ -6497,7 +4488,7 @@
           <a:bodyPr/>
           <a:lstStyle/>
           <a:p>
-            <a:endParaRPr lang="en-US"/>
+            <a:endParaRPr lang="en-US" dirty="0"/>
           </a:p>
         </p:txBody>
       </p:sp>
@@ -6526,7 +4517,7 @@
               <a:rPr lang="en-US" smtClean="0"/>
               <a:t>‹#›</a:t>
             </a:fld>
-            <a:endParaRPr lang="en-US"/>
+            <a:endParaRPr lang="en-US" dirty="0"/>
           </a:p>
         </p:txBody>
       </p:sp>
@@ -6540,13 +4531,11 @@
   <p:clrMapOvr>
     <a:masterClrMapping/>
   </p:clrMapOvr>
-  <p:transition/>
-  <p:timing/>
 </p:sldLayout>
 </file>
 
 <file path=ppt/slideLayouts/slideLayout7.xml><?xml version="1.0" encoding="utf-8"?>
-<p:sldLayout xmlns:a="http://schemas.openxmlformats.org/drawingml/2006/main" xmlns:r="http://schemas.openxmlformats.org/officeDocument/2006/relationships" xmlns:m="http://schemas.openxmlformats.org/officeDocument/2006/math" xmlns:w="http://schemas.openxmlformats.org/wordprocessingml/2006/main" xmlns:wp="http://schemas.openxmlformats.org/drawingml/2006/wordprocessingDrawing" xmlns:a14="http://schemas.microsoft.com/office/drawing/2010/main" xmlns:mc="http://schemas.openxmlformats.org/markup-compatibility/2006" xmlns:p14="http://schemas.microsoft.com/office/powerpoint/2010/main" xmlns:p15="http://schemas.microsoft.com/office/powerpoint/2012/main" xmlns:p159="http://schemas.microsoft.com/office/powerpoint/2015/09/main" xmlns:p="http://schemas.openxmlformats.org/presentationml/2006/main" showMasterSp="0" type="blank" preserve="1">
+<p:sldLayout xmlns:a="http://schemas.openxmlformats.org/drawingml/2006/main" xmlns:r="http://schemas.openxmlformats.org/officeDocument/2006/relationships" xmlns:p="http://schemas.openxmlformats.org/presentationml/2006/main" showMasterSp="0" type="blank" preserve="1">
   <p:cSld name="Blank">
     <p:spTree>
       <p:nvGrpSpPr>
@@ -6558,6 +4547,8 @@
         <a:xfrm>
           <a:off x="0" y="0"/>
           <a:ext cx="0" cy="0"/>
+          <a:chOff x="0" y="0"/>
+          <a:chExt cx="0" cy="0"/>
         </a:xfrm>
       </p:grpSpPr>
       <p:sp>
@@ -6603,11 +4594,6 @@
             <a:schemeClr val="lt1"/>
           </a:fontRef>
         </p:style>
-        <p:txBody>
-          <a:bodyPr/>
-          <a:lstStyle/>
-          <a:p/>
-        </p:txBody>
       </p:sp>
       <p:sp>
         <p:nvSpPr>
@@ -6632,9 +4618,9 @@
           <a:p>
             <a:fld id="{39667345-2558-425A-8533-9BFDBCE15005}" type="datetime1">
               <a:rPr lang="en-US" smtClean="0"/>
-              <a:t>6/26/2024</a:t>
+              <a:t>6/2/2025</a:t>
             </a:fld>
-            <a:endParaRPr lang="en-US"/>
+            <a:endParaRPr lang="en-US" dirty="0"/>
           </a:p>
         </p:txBody>
       </p:sp>
@@ -6659,7 +4645,7 @@
           <a:bodyPr/>
           <a:lstStyle/>
           <a:p>
-            <a:endParaRPr lang="en-US"/>
+            <a:endParaRPr lang="en-US" dirty="0"/>
           </a:p>
         </p:txBody>
       </p:sp>
@@ -6688,7 +4674,7 @@
               <a:rPr lang="en-US" smtClean="0"/>
               <a:t>‹#›</a:t>
             </a:fld>
-            <a:endParaRPr lang="en-US"/>
+            <a:endParaRPr lang="en-US" dirty="0"/>
           </a:p>
         </p:txBody>
       </p:sp>
@@ -6702,13 +4688,11 @@
   <p:clrMapOvr>
     <a:masterClrMapping/>
   </p:clrMapOvr>
-  <p:transition/>
-  <p:timing/>
 </p:sldLayout>
 </file>
 
 <file path=ppt/slideLayouts/slideLayout8.xml><?xml version="1.0" encoding="utf-8"?>
-<p:sldLayout xmlns:a="http://schemas.openxmlformats.org/drawingml/2006/main" xmlns:r="http://schemas.openxmlformats.org/officeDocument/2006/relationships" xmlns:m="http://schemas.openxmlformats.org/officeDocument/2006/math" xmlns:w="http://schemas.openxmlformats.org/wordprocessingml/2006/main" xmlns:wp="http://schemas.openxmlformats.org/drawingml/2006/wordprocessingDrawing" xmlns:a14="http://schemas.microsoft.com/office/drawing/2010/main" xmlns:mc="http://schemas.openxmlformats.org/markup-compatibility/2006" xmlns:p14="http://schemas.microsoft.com/office/powerpoint/2010/main" xmlns:p15="http://schemas.microsoft.com/office/powerpoint/2012/main" xmlns:p159="http://schemas.microsoft.com/office/powerpoint/2015/09/main" xmlns:p="http://schemas.openxmlformats.org/presentationml/2006/main" showMasterSp="0" type="objTx" preserve="1">
+<p:sldLayout xmlns:a="http://schemas.openxmlformats.org/drawingml/2006/main" xmlns:r="http://schemas.openxmlformats.org/officeDocument/2006/relationships" xmlns:p="http://schemas.openxmlformats.org/presentationml/2006/main" showMasterSp="0" type="objTx" preserve="1">
   <p:cSld name="Content with Caption">
     <p:spTree>
       <p:nvGrpSpPr>
@@ -6720,6 +4704,8 @@
         <a:xfrm>
           <a:off x="0" y="0"/>
           <a:ext cx="0" cy="0"/>
+          <a:chOff x="0" y="0"/>
+          <a:chExt cx="0" cy="0"/>
         </a:xfrm>
       </p:grpSpPr>
       <p:sp>
@@ -6765,11 +4751,6 @@
             <a:schemeClr val="lt1"/>
           </a:fontRef>
         </p:style>
-        <p:txBody>
-          <a:bodyPr/>
-          <a:lstStyle/>
-          <a:p/>
-        </p:txBody>
       </p:sp>
       <p:sp>
         <p:nvSpPr>
@@ -6808,7 +4789,7 @@
               <a:rPr lang="en-US"/>
               <a:t>Click to edit Master title style</a:t>
             </a:r>
-            <a:endParaRPr lang="en-US"/>
+            <a:endParaRPr lang="en-US" dirty="0"/>
           </a:p>
         </p:txBody>
       </p:sp>
@@ -6865,7 +4846,7 @@
               <a:rPr lang="en-US"/>
               <a:t>Fifth level</a:t>
             </a:r>
-            <a:endParaRPr lang="en-US"/>
+            <a:endParaRPr lang="en-US" dirty="0"/>
           </a:p>
         </p:txBody>
       </p:sp>
@@ -6966,9 +4947,9 @@
           <a:p>
             <a:fld id="{92BEA474-078D-4E9B-9B14-09A87B19DC46}" type="datetime1">
               <a:rPr lang="en-US" smtClean="0"/>
-              <a:t>6/26/2024</a:t>
+              <a:t>6/2/2025</a:t>
             </a:fld>
-            <a:endParaRPr lang="en-US"/>
+            <a:endParaRPr lang="en-US" dirty="0"/>
           </a:p>
         </p:txBody>
       </p:sp>
@@ -7000,7 +4981,7 @@
             </a:lvl1pPr>
           </a:lstStyle>
           <a:p>
-            <a:endParaRPr lang="en-US"/>
+            <a:endParaRPr lang="en-US" dirty="0"/>
           </a:p>
         </p:txBody>
       </p:sp>
@@ -7029,9 +5010,10 @@
           <a:p>
             <a:fld id="{3A98EE3D-8CD1-4C3F-BD1C-C98C9596463C}" type="slidenum">
               <a:rPr lang="en-US" smtClean="0"/>
+              <a:pPr/>
               <a:t>‹#›</a:t>
             </a:fld>
-            <a:endParaRPr lang="en-US"/>
+            <a:endParaRPr lang="en-US" dirty="0"/>
           </a:p>
         </p:txBody>
       </p:sp>
@@ -7045,13 +5027,11 @@
   <p:clrMapOvr>
     <a:masterClrMapping/>
   </p:clrMapOvr>
-  <p:transition/>
-  <p:timing/>
 </p:sldLayout>
 </file>
 
 <file path=ppt/slideLayouts/slideLayout9.xml><?xml version="1.0" encoding="utf-8"?>
-<p:sldLayout xmlns:a="http://schemas.openxmlformats.org/drawingml/2006/main" xmlns:r="http://schemas.openxmlformats.org/officeDocument/2006/relationships" xmlns:m="http://schemas.openxmlformats.org/officeDocument/2006/math" xmlns:w="http://schemas.openxmlformats.org/wordprocessingml/2006/main" xmlns:wp="http://schemas.openxmlformats.org/drawingml/2006/wordprocessingDrawing" xmlns:a14="http://schemas.microsoft.com/office/drawing/2010/main" xmlns:mc="http://schemas.openxmlformats.org/markup-compatibility/2006" xmlns:p14="http://schemas.microsoft.com/office/powerpoint/2010/main" xmlns:p15="http://schemas.microsoft.com/office/powerpoint/2012/main" xmlns:p159="http://schemas.microsoft.com/office/powerpoint/2015/09/main" xmlns:p="http://schemas.openxmlformats.org/presentationml/2006/main" showMasterSp="0" type="picTx" preserve="1">
+<p:sldLayout xmlns:a="http://schemas.openxmlformats.org/drawingml/2006/main" xmlns:r="http://schemas.openxmlformats.org/officeDocument/2006/relationships" xmlns:p="http://schemas.openxmlformats.org/presentationml/2006/main" showMasterSp="0" type="picTx" preserve="1">
   <p:cSld name="Picture with Caption">
     <p:spTree>
       <p:nvGrpSpPr>
@@ -7063,6 +5043,8 @@
         <a:xfrm>
           <a:off x="0" y="0"/>
           <a:ext cx="0" cy="0"/>
+          <a:chOff x="0" y="0"/>
+          <a:chExt cx="0" cy="0"/>
         </a:xfrm>
       </p:grpSpPr>
       <p:sp>
@@ -7108,11 +5090,6 @@
             <a:schemeClr val="lt1"/>
           </a:fontRef>
         </p:style>
-        <p:txBody>
-          <a:bodyPr/>
-          <a:lstStyle/>
-          <a:p/>
-        </p:txBody>
       </p:sp>
       <p:sp>
         <p:nvSpPr>
@@ -7180,7 +5157,7 @@
               <a:rPr lang="en-US"/>
               <a:t>Click icon to add picture</a:t>
             </a:r>
-            <a:endParaRPr lang="en-US"/>
+            <a:endParaRPr lang="en-US" dirty="0"/>
           </a:p>
         </p:txBody>
       </p:sp>
@@ -7218,7 +5195,7 @@
               <a:rPr lang="en-US"/>
               <a:t>Click to edit Master title style</a:t>
             </a:r>
-            <a:endParaRPr lang="en-US"/>
+            <a:endParaRPr lang="en-US" dirty="0"/>
           </a:p>
         </p:txBody>
       </p:sp>
@@ -7245,7 +5222,7 @@
           <a:lstStyle>
             <a:lvl1pPr marL="0" indent="0">
               <a:spcBef>
-                <a:spcPct val="0"/>
+                <a:spcPts val="0"/>
               </a:spcBef>
               <a:spcAft>
                 <a:spcPts val="600"/>
@@ -7320,9 +5297,9 @@
           <a:p>
             <a:fld id="{4907D986-8816-4272-A432-0437A28A9828}" type="datetime1">
               <a:rPr lang="en-US" smtClean="0"/>
-              <a:t>6/26/2024</a:t>
+              <a:t>6/2/2025</a:t>
             </a:fld>
-            <a:endParaRPr lang="en-US"/>
+            <a:endParaRPr lang="en-US" dirty="0"/>
           </a:p>
         </p:txBody>
       </p:sp>
@@ -7347,7 +5324,7 @@
           <a:lstStyle/>
           <a:p>
             <a:pPr algn="l"/>
-            <a:endParaRPr lang="en-US"/>
+            <a:endParaRPr lang="en-US" dirty="0"/>
           </a:p>
         </p:txBody>
       </p:sp>
@@ -7370,7 +5347,7 @@
               <a:rPr lang="en-US" smtClean="0"/>
               <a:t>‹#›</a:t>
             </a:fld>
-            <a:endParaRPr lang="en-US"/>
+            <a:endParaRPr lang="en-US" dirty="0"/>
           </a:p>
         </p:txBody>
       </p:sp>
@@ -7384,13 +5361,11 @@
   <p:clrMapOvr>
     <a:masterClrMapping/>
   </p:clrMapOvr>
-  <p:transition/>
-  <p:timing/>
 </p:sldLayout>
 </file>
 
 <file path=ppt/slideMasters/slideMaster1.xml><?xml version="1.0" encoding="utf-8"?>
-<p:sldMaster xmlns:a="http://schemas.openxmlformats.org/drawingml/2006/main" xmlns:r="http://schemas.openxmlformats.org/officeDocument/2006/relationships" xmlns:m="http://schemas.openxmlformats.org/officeDocument/2006/math" xmlns:w="http://schemas.openxmlformats.org/wordprocessingml/2006/main" xmlns:wp="http://schemas.openxmlformats.org/drawingml/2006/wordprocessingDrawing" xmlns:a14="http://schemas.microsoft.com/office/drawing/2010/main" xmlns:mc="http://schemas.openxmlformats.org/markup-compatibility/2006" xmlns:p14="http://schemas.microsoft.com/office/powerpoint/2010/main" xmlns:p15="http://schemas.microsoft.com/office/powerpoint/2012/main" xmlns:p159="http://schemas.microsoft.com/office/powerpoint/2015/09/main" xmlns:p="http://schemas.openxmlformats.org/presentationml/2006/main">
+<p:sldMaster xmlns:a="http://schemas.openxmlformats.org/drawingml/2006/main" xmlns:r="http://schemas.openxmlformats.org/officeDocument/2006/relationships" xmlns:p="http://schemas.openxmlformats.org/presentationml/2006/main">
   <p:cSld>
     <p:bg>
       <p:bgRef idx="1001">
@@ -7407,6 +5382,8 @@
         <a:xfrm>
           <a:off x="0" y="0"/>
           <a:ext cx="0" cy="0"/>
+          <a:chOff x="0" y="0"/>
+          <a:chExt cx="0" cy="0"/>
         </a:xfrm>
       </p:grpSpPr>
       <p:sp>
@@ -7452,11 +5429,6 @@
             <a:schemeClr val="lt1"/>
           </a:fontRef>
         </p:style>
-        <p:txBody>
-          <a:bodyPr/>
-          <a:lstStyle/>
-          <a:p/>
-        </p:txBody>
       </p:sp>
       <p:sp>
         <p:nvSpPr>
@@ -7487,7 +5459,7 @@
               <a:rPr lang="en-US"/>
               <a:t>Click to edit Master title style</a:t>
             </a:r>
-            <a:endParaRPr lang="en-US"/>
+            <a:endParaRPr lang="en-US" dirty="0"/>
           </a:p>
         </p:txBody>
       </p:sp>
@@ -7549,7 +5521,7 @@
               <a:rPr lang="en-US"/>
               <a:t>Fifth level</a:t>
             </a:r>
-            <a:endParaRPr lang="en-US"/>
+            <a:endParaRPr lang="en-US" dirty="0"/>
           </a:p>
         </p:txBody>
       </p:sp>
@@ -7586,9 +5558,9 @@
           <a:p>
             <a:fld id="{62D6E202-B606-4609-B914-27C9371A1F6D}" type="datetime1">
               <a:rPr lang="en-US" smtClean="0"/>
-              <a:t>6/26/2024</a:t>
+              <a:t>6/2/2025</a:t>
             </a:fld>
-            <a:endParaRPr lang="en-US"/>
+            <a:endParaRPr lang="en-US" dirty="0"/>
           </a:p>
         </p:txBody>
       </p:sp>
@@ -7623,7 +5595,7 @@
             </a:lvl1pPr>
           </a:lstStyle>
           <a:p>
-            <a:endParaRPr lang="en-US"/>
+            <a:endParaRPr lang="en-US" dirty="0"/>
           </a:p>
         </p:txBody>
       </p:sp>
@@ -7662,7 +5634,7 @@
               <a:rPr lang="en-US" smtClean="0"/>
               <a:t>‹#›</a:t>
             </a:fld>
-            <a:endParaRPr lang="en-US"/>
+            <a:endParaRPr lang="en-US" dirty="0"/>
           </a:p>
         </p:txBody>
       </p:sp>
@@ -7731,8 +5703,7 @@
     <p:sldLayoutId id="2147483670" r:id="rId10"/>
     <p:sldLayoutId id="2147483671" r:id="rId11"/>
   </p:sldLayoutIdLst>
-  <p:transition/>
-  <p:timing/>
+  <p:hf sldNum="0" hdr="0" ftr="0" dt="0"/>
   <p:txStyles>
     <p:titleStyle>
       <a:lvl1pPr algn="l" defTabSz="914400" rtl="0" eaLnBrk="1" latinLnBrk="0" hangingPunct="1">
@@ -7770,8 +5741,8 @@
         <a:buClr>
           <a:schemeClr val="accent1"/>
         </a:buClr>
-        <a:buSzTx/>
-        <a:buFont typeface="Calibri" panose="020f0502020204030204" pitchFamily="34" charset="0"/>
+        <a:buSzPct val="100000"/>
+        <a:buFont typeface="Calibri" panose="020F0502020204030204" pitchFamily="34" charset="0"/>
         <a:buChar char=" "/>
         <a:defRPr sz="1900" kern="1200">
           <a:solidFill>
@@ -7796,7 +5767,7 @@
           <a:spcPts val="400"/>
         </a:spcAft>
         <a:buClrTx/>
-        <a:buFont typeface="Calibri" panose="020f0502020204030204" pitchFamily="34" charset="0"/>
+        <a:buFont typeface="Calibri" pitchFamily="34" charset="0"/>
         <a:buChar char="◦"/>
         <a:defRPr sz="1700" kern="1200">
           <a:solidFill>
@@ -7821,7 +5792,7 @@
           <a:spcPts val="400"/>
         </a:spcAft>
         <a:buClrTx/>
-        <a:buFont typeface="Calibri" panose="020f0502020204030204" pitchFamily="34" charset="0"/>
+        <a:buFont typeface="Calibri" pitchFamily="34" charset="0"/>
         <a:buChar char="◦"/>
         <a:defRPr sz="1300" kern="1200">
           <a:solidFill>
@@ -7846,7 +5817,7 @@
           <a:spcPts val="400"/>
         </a:spcAft>
         <a:buClrTx/>
-        <a:buFont typeface="Calibri" panose="020f0502020204030204" pitchFamily="34" charset="0"/>
+        <a:buFont typeface="Calibri" pitchFamily="34" charset="0"/>
         <a:buChar char="◦"/>
         <a:defRPr sz="1300" kern="1200">
           <a:solidFill>
@@ -7871,7 +5842,7 @@
           <a:spcPts val="400"/>
         </a:spcAft>
         <a:buClrTx/>
-        <a:buFont typeface="Calibri" panose="020f0502020204030204" pitchFamily="34" charset="0"/>
+        <a:buFont typeface="Calibri" pitchFamily="34" charset="0"/>
         <a:buChar char="◦"/>
         <a:defRPr sz="1300" kern="1200">
           <a:solidFill>
@@ -7898,7 +5869,7 @@
         <a:buClr>
           <a:schemeClr val="accent1"/>
         </a:buClr>
-        <a:buFont typeface="Calibri" panose="020f0502020204030204" pitchFamily="34" charset="0"/>
+        <a:buFont typeface="Calibri" pitchFamily="34" charset="0"/>
         <a:buChar char="◦"/>
         <a:defRPr sz="1400" kern="1200">
           <a:solidFill>
@@ -7925,7 +5896,7 @@
         <a:buClr>
           <a:schemeClr val="accent1"/>
         </a:buClr>
-        <a:buFont typeface="Calibri" panose="020f0502020204030204" pitchFamily="34" charset="0"/>
+        <a:buFont typeface="Calibri" pitchFamily="34" charset="0"/>
         <a:buChar char="◦"/>
         <a:defRPr sz="1400" kern="1200">
           <a:solidFill>
@@ -7952,7 +5923,7 @@
         <a:buClr>
           <a:schemeClr val="accent1"/>
         </a:buClr>
-        <a:buFont typeface="Calibri" panose="020f0502020204030204" pitchFamily="34" charset="0"/>
+        <a:buFont typeface="Calibri" pitchFamily="34" charset="0"/>
         <a:buChar char="◦"/>
         <a:defRPr sz="1400" kern="1200">
           <a:solidFill>
@@ -7979,7 +5950,7 @@
         <a:buClr>
           <a:schemeClr val="accent1"/>
         </a:buClr>
-        <a:buFont typeface="Calibri" panose="020f0502020204030204" pitchFamily="34" charset="0"/>
+        <a:buFont typeface="Calibri" pitchFamily="34" charset="0"/>
         <a:buChar char="◦"/>
         <a:defRPr sz="1400" kern="1200">
           <a:solidFill>
@@ -8094,8 +6065,8 @@
 </file>
 
 <file path=ppt/slides/slide1.xml><?xml version="1.0" encoding="utf-8"?>
-<p:sld xmlns:a="http://schemas.openxmlformats.org/drawingml/2006/main" xmlns:r="http://schemas.openxmlformats.org/officeDocument/2006/relationships" xmlns:m="http://schemas.openxmlformats.org/officeDocument/2006/math" xmlns:w="http://schemas.openxmlformats.org/wordprocessingml/2006/main" xmlns:wp="http://schemas.openxmlformats.org/drawingml/2006/wordprocessingDrawing" xmlns:a14="http://schemas.microsoft.com/office/drawing/2010/main" xmlns:mc="http://schemas.openxmlformats.org/markup-compatibility/2006" xmlns:p14="http://schemas.microsoft.com/office/powerpoint/2010/main" xmlns:p15="http://schemas.microsoft.com/office/powerpoint/2012/main" xmlns:p159="http://schemas.microsoft.com/office/powerpoint/2015/09/main" xmlns:p="http://schemas.openxmlformats.org/presentationml/2006/main">
-  <p:cSld name="">
+<p:sld xmlns:a="http://schemas.openxmlformats.org/drawingml/2006/main" xmlns:r="http://schemas.openxmlformats.org/officeDocument/2006/relationships" xmlns:p="http://schemas.openxmlformats.org/presentationml/2006/main">
+  <p:cSld>
     <p:bg>
       <p:bgPr>
         <a:solidFill>
@@ -8114,6 +6085,8 @@
         <a:xfrm>
           <a:off x="0" y="0"/>
           <a:ext cx="0" cy="0"/>
+          <a:chOff x="0" y="0"/>
+          <a:chExt cx="0" cy="0"/>
         </a:xfrm>
       </p:grpSpPr>
       <p:sp useBgFill="1">
@@ -8194,8 +6167,8 @@
         </p:nvSpPr>
         <p:spPr>
           <a:xfrm>
-            <a:off x="648929" y="639097"/>
-            <a:ext cx="6253317" cy="3686015"/>
+            <a:off x="648929" y="1974273"/>
+            <a:ext cx="6382253" cy="2350839"/>
           </a:xfrm>
         </p:spPr>
         <p:txBody>
@@ -8205,15 +6178,7 @@
           <a:lstStyle/>
           <a:p>
             <a:r>
-              <a:rPr lang="de-DE" sz="5600" b="0" i="0" strike="noStrike" cap="none" baseline="0">
-                <a:solidFill>
-                  <a:srgbClr val="262626"/>
-                </a:solidFill>
-                <a:effectLst/>
-                <a:latin typeface="Bookman Old Style"/>
-                <a:ea typeface="Bookman Old Style"/>
-                <a:cs typeface="Bookman Old Style"/>
-              </a:rPr>
+              <a:rPr lang="de-DE" sz="4800" dirty="0"/>
               <a:t>Marktanalysebericht für Mystic Spice Premium Chai Tea</a:t>
             </a:r>
           </a:p>
@@ -8276,7 +6241,7 @@
       </p:cxnSp>
       <p:pic>
         <p:nvPicPr>
-          <p:cNvPr id="13" name="Picture 12" descr="Tea and dessert">
+          <p:cNvPr id="13" name="Picture 12" descr="Tee und Dessert">
             <a:extLst>
               <a:ext uri="{FF2B5EF4-FFF2-40B4-BE49-F238E27FC236}">
                 <a16:creationId xmlns:a16="http://schemas.microsoft.com/office/drawing/2014/main" id="{F0E27F3C-2BEE-7255-556D-FFC137811956}"/>
@@ -8288,12 +6253,10 @@
           </p:cNvPicPr>
           <p:nvPr/>
         </p:nvPicPr>
-        <p:blipFill>
+        <p:blipFill rotWithShape="1">
           <a:blip r:embed="rId3"/>
           <a:srcRect l="13082" r="18651" b="-1"/>
-          <a:stretch>
-            <a:fillRect/>
-          </a:stretch>
+          <a:stretch/>
         </p:blipFill>
         <p:spPr>
           <a:xfrm>
@@ -8315,7 +6278,6 @@
   <p:clrMapOvr>
     <a:masterClrMapping/>
   </p:clrMapOvr>
-  <p:transition/>
   <p:timing>
     <p:tnLst>
       <p:par>
@@ -8325,7 +6287,7 @@
               <p:cTn id="2" dur="indefinite" nodeType="mainSeq">
                 <p:childTnLst>
                   <p:par>
-                    <p:cTn id="3" fill="hold" nodeType="clickPar">
+                    <p:cTn id="3" fill="hold">
                       <p:stCondLst>
                         <p:cond delay="indefinite"/>
                         <p:cond evt="onBegin" delay="0">
@@ -8412,8 +6374,8 @@
 </file>
 
 <file path=ppt/slides/slide10.xml><?xml version="1.0" encoding="utf-8"?>
-<p:sld xmlns:a="http://schemas.openxmlformats.org/drawingml/2006/main" xmlns:r="http://schemas.openxmlformats.org/officeDocument/2006/relationships" xmlns:m="http://schemas.openxmlformats.org/officeDocument/2006/math" xmlns:w="http://schemas.openxmlformats.org/wordprocessingml/2006/main" xmlns:wp="http://schemas.openxmlformats.org/drawingml/2006/wordprocessingDrawing" xmlns:a14="http://schemas.microsoft.com/office/drawing/2010/main" xmlns:mc="http://schemas.openxmlformats.org/markup-compatibility/2006" xmlns:p14="http://schemas.microsoft.com/office/powerpoint/2010/main" xmlns:p15="http://schemas.microsoft.com/office/powerpoint/2012/main" xmlns:p159="http://schemas.microsoft.com/office/powerpoint/2015/09/main" xmlns:p="http://schemas.openxmlformats.org/presentationml/2006/main">
-  <p:cSld name="">
+<p:sld xmlns:a="http://schemas.openxmlformats.org/drawingml/2006/main" xmlns:r="http://schemas.openxmlformats.org/officeDocument/2006/relationships" xmlns:p="http://schemas.openxmlformats.org/presentationml/2006/main">
+  <p:cSld>
     <p:bg>
       <p:bgPr>
         <a:solidFill>
@@ -8432,6 +6394,8 @@
         <a:xfrm>
           <a:off x="0" y="0"/>
           <a:ext cx="0" cy="0"/>
+          <a:chOff x="0" y="0"/>
+          <a:chExt cx="0" cy="0"/>
         </a:xfrm>
       </p:grpSpPr>
       <p:sp>
@@ -8642,14 +6606,10 @@
           <a:lstStyle/>
           <a:p>
             <a:r>
-              <a:rPr lang="de-DE" sz="4000" b="0" i="0" strike="noStrike" cap="none" baseline="0">
+              <a:rPr lang="de-DE" sz="4000">
                 <a:solidFill>
                   <a:srgbClr val="FFFFFF"/>
                 </a:solidFill>
-                <a:effectLst/>
-                <a:latin typeface="Bookman Old Style"/>
-                <a:ea typeface="Bookman Old Style"/>
-                <a:cs typeface="Bookman Old Style"/>
               </a:rPr>
               <a:t>Vertriebskanäle: Vertriebspartner</a:t>
             </a:r>
@@ -8727,7 +6687,7 @@
         <p:spPr>
           <a:xfrm>
             <a:off x="1097279" y="2546224"/>
-            <a:ext cx="5977938" cy="3342747"/>
+            <a:ext cx="5977936" cy="3342747"/>
           </a:xfrm>
         </p:spPr>
         <p:txBody>
@@ -8742,14 +6702,10 @@
               </a:lnSpc>
             </a:pPr>
             <a:r>
-              <a:rPr lang="de-DE" sz="1300" b="0" i="0" strike="noStrike" cap="none" baseline="0">
+              <a:rPr lang="de-DE" sz="1300" dirty="0">
                 <a:solidFill>
                   <a:srgbClr val="FFFFFF"/>
                 </a:solidFill>
-                <a:effectLst/>
-                <a:latin typeface="Franklin Gothic Book"/>
-                <a:ea typeface="Franklin Gothic Book"/>
-                <a:cs typeface="Franklin Gothic Book"/>
               </a:rPr>
               <a:t>Die Rolle der Vertriebspartner</a:t>
             </a:r>
@@ -8761,14 +6717,10 @@
               </a:lnSpc>
             </a:pPr>
             <a:r>
-              <a:rPr lang="de-DE" sz="1300" b="0" i="0" strike="noStrike" cap="none" baseline="0">
+              <a:rPr lang="de-DE" sz="1300" dirty="0">
                 <a:solidFill>
                   <a:srgbClr val="FFFFFF"/>
                 </a:solidFill>
-                <a:effectLst/>
-                <a:latin typeface="Franklin Gothic Book"/>
-                <a:ea typeface="Franklin Gothic Book"/>
-                <a:cs typeface="Franklin Gothic Book"/>
               </a:rPr>
               <a:t>Vertretung und Vertrieb von Chai-Tee-Produkten</a:t>
             </a:r>
@@ -8780,14 +6732,10 @@
               </a:lnSpc>
             </a:pPr>
             <a:r>
-              <a:rPr lang="de-DE" sz="1300" b="0" i="0" strike="noStrike" cap="none" baseline="0">
+              <a:rPr lang="de-DE" sz="1300" dirty="0">
                 <a:solidFill>
                   <a:srgbClr val="FFFFFF"/>
                 </a:solidFill>
-                <a:effectLst/>
-                <a:latin typeface="Franklin Gothic Book"/>
-                <a:ea typeface="Franklin Gothic Book"/>
-                <a:cs typeface="Franklin Gothic Book"/>
               </a:rPr>
               <a:t>Unterstützung des Vertriebs und des Verkaufs auf verschiedenen Märkten</a:t>
             </a:r>
@@ -8799,14 +6747,10 @@
               </a:lnSpc>
             </a:pPr>
             <a:r>
-              <a:rPr lang="de-DE" sz="1300" b="0" i="0" strike="noStrike" cap="none" baseline="0">
+              <a:rPr lang="de-DE" sz="1300" dirty="0">
                 <a:solidFill>
                   <a:srgbClr val="FFFFFF"/>
                 </a:solidFill>
-                <a:effectLst/>
-                <a:latin typeface="Franklin Gothic Book"/>
-                <a:ea typeface="Franklin Gothic Book"/>
-                <a:cs typeface="Franklin Gothic Book"/>
               </a:rPr>
               <a:t>Angebot von Marketing-, Verkaufs- und Kundendienstleistungen</a:t>
             </a:r>
@@ -8818,14 +6762,10 @@
               </a:lnSpc>
             </a:pPr>
             <a:r>
-              <a:rPr lang="de-DE" sz="1300" b="0" i="0" strike="noStrike" cap="none" baseline="0">
+              <a:rPr lang="de-DE" sz="1300" dirty="0">
                 <a:solidFill>
                   <a:srgbClr val="FFFFFF"/>
                 </a:solidFill>
-                <a:effectLst/>
-                <a:latin typeface="Franklin Gothic Book"/>
-                <a:ea typeface="Franklin Gothic Book"/>
-                <a:cs typeface="Franklin Gothic Book"/>
               </a:rPr>
               <a:t>Beziehungen</a:t>
             </a:r>
@@ -8837,14 +6777,10 @@
               </a:lnSpc>
             </a:pPr>
             <a:r>
-              <a:rPr lang="de-DE" sz="1300" b="0" i="0" strike="noStrike" cap="none" baseline="0">
+              <a:rPr lang="de-DE" sz="1300" dirty="0">
                 <a:solidFill>
                   <a:srgbClr val="FFFFFF"/>
                 </a:solidFill>
-                <a:effectLst/>
-                <a:latin typeface="Franklin Gothic Book"/>
-                <a:ea typeface="Franklin Gothic Book"/>
-                <a:cs typeface="Franklin Gothic Book"/>
               </a:rPr>
               <a:t>Aufbau und Pflege von Beziehungen zum Einzelhandel und zur Kundschaft</a:t>
             </a:r>
@@ -8856,14 +6792,10 @@
               </a:lnSpc>
             </a:pPr>
             <a:r>
-              <a:rPr lang="de-DE" sz="1300" b="0" i="0" strike="noStrike" cap="none" baseline="0">
+              <a:rPr lang="de-DE" sz="1300" dirty="0">
                 <a:solidFill>
                   <a:srgbClr val="FFFFFF"/>
                 </a:solidFill>
-                <a:effectLst/>
-                <a:latin typeface="Franklin Gothic Book"/>
-                <a:ea typeface="Franklin Gothic Book"/>
-                <a:cs typeface="Franklin Gothic Book"/>
               </a:rPr>
               <a:t>Bereitstellung von technischer und logistischer Unterstützung</a:t>
             </a:r>
@@ -8875,14 +6807,10 @@
               </a:lnSpc>
             </a:pPr>
             <a:r>
-              <a:rPr lang="de-DE" sz="1300" b="0" i="0" strike="noStrike" cap="none" baseline="0">
+              <a:rPr lang="de-DE" sz="1300" dirty="0">
                 <a:solidFill>
                   <a:srgbClr val="FFFFFF"/>
                 </a:solidFill>
-                <a:effectLst/>
-                <a:latin typeface="Franklin Gothic Book"/>
-                <a:ea typeface="Franklin Gothic Book"/>
-                <a:cs typeface="Franklin Gothic Book"/>
               </a:rPr>
               <a:t>Wichtige Vertriebspartner in Lateinamerika</a:t>
             </a:r>
@@ -8894,14 +6822,10 @@
               </a:lnSpc>
             </a:pPr>
             <a:r>
-              <a:rPr lang="de-DE" sz="1300" b="0" i="0" strike="noStrike" cap="none" baseline="0">
+              <a:rPr lang="de-DE" sz="1300" dirty="0">
                 <a:solidFill>
                   <a:srgbClr val="FFFFFF"/>
                 </a:solidFill>
-                <a:effectLst/>
-                <a:latin typeface="Franklin Gothic Book"/>
-                <a:ea typeface="Franklin Gothic Book"/>
-                <a:cs typeface="Franklin Gothic Book"/>
               </a:rPr>
               <a:t>Tailwind Traders</a:t>
             </a:r>
@@ -8913,14 +6837,10 @@
               </a:lnSpc>
             </a:pPr>
             <a:r>
-              <a:rPr lang="de-DE" sz="1300" b="0" i="0" strike="noStrike" cap="none" baseline="0">
+              <a:rPr lang="de-DE" sz="1300" dirty="0">
                 <a:solidFill>
                   <a:srgbClr val="FFFFFF"/>
                 </a:solidFill>
-                <a:effectLst/>
-                <a:latin typeface="Franklin Gothic Book"/>
-                <a:ea typeface="Franklin Gothic Book"/>
-                <a:cs typeface="Franklin Gothic Book"/>
               </a:rPr>
               <a:t>WoodGrove Groceries</a:t>
             </a:r>
@@ -8929,7 +6849,7 @@
       </p:sp>
       <p:pic>
         <p:nvPicPr>
-          <p:cNvPr id="5" name="Content Placeholder 4" descr="Medicine bottles on shelf">
+          <p:cNvPr id="5" name="Content Placeholder 4" descr="Medizinflaschen in einem Regal">
             <a:extLst>
               <a:ext uri="{FF2B5EF4-FFF2-40B4-BE49-F238E27FC236}">
                 <a16:creationId xmlns:a16="http://schemas.microsoft.com/office/drawing/2014/main" id="{17A78705-6D93-4728-8C80-3B6DDBB09F32}"/>
@@ -8943,12 +6863,10 @@
             <p:ph sz="half" idx="1"/>
           </p:nvPr>
         </p:nvPicPr>
-        <p:blipFill>
+        <p:blipFill rotWithShape="1">
           <a:blip r:embed="rId3"/>
           <a:srcRect l="29134" r="26287" b="-1"/>
-          <a:stretch>
-            <a:fillRect/>
-          </a:stretch>
+          <a:stretch/>
         </p:blipFill>
         <p:spPr>
           <a:xfrm>
@@ -8970,14 +6888,12 @@
   <p:clrMapOvr>
     <a:overrideClrMapping bg1="dk1" tx1="lt1" bg2="dk2" tx2="lt2" accent1="accent1" accent2="accent2" accent3="accent3" accent4="accent4" accent5="accent5" accent6="accent6" hlink="hlink" folHlink="folHlink"/>
   </p:clrMapOvr>
-  <p:transition/>
-  <p:timing/>
 </p:sld>
 </file>
 
 <file path=ppt/slides/slide11.xml><?xml version="1.0" encoding="utf-8"?>
-<p:sld xmlns:a="http://schemas.openxmlformats.org/drawingml/2006/main" xmlns:r="http://schemas.openxmlformats.org/officeDocument/2006/relationships" xmlns:m="http://schemas.openxmlformats.org/officeDocument/2006/math" xmlns:w="http://schemas.openxmlformats.org/wordprocessingml/2006/main" xmlns:wp="http://schemas.openxmlformats.org/drawingml/2006/wordprocessingDrawing" xmlns:a14="http://schemas.microsoft.com/office/drawing/2010/main" xmlns:mc="http://schemas.openxmlformats.org/markup-compatibility/2006" xmlns:p14="http://schemas.microsoft.com/office/powerpoint/2010/main" xmlns:p15="http://schemas.microsoft.com/office/powerpoint/2012/main" xmlns:p159="http://schemas.microsoft.com/office/powerpoint/2015/09/main" xmlns:p="http://schemas.openxmlformats.org/presentationml/2006/main">
-  <p:cSld name="">
+<p:sld xmlns:a="http://schemas.openxmlformats.org/drawingml/2006/main" xmlns:r="http://schemas.openxmlformats.org/officeDocument/2006/relationships" xmlns:p="http://schemas.openxmlformats.org/presentationml/2006/main">
+  <p:cSld>
     <p:bg>
       <p:bgPr>
         <a:solidFill>
@@ -8996,6 +6912,8 @@
         <a:xfrm>
           <a:off x="0" y="0"/>
           <a:ext cx="0" cy="0"/>
+          <a:chOff x="0" y="0"/>
+          <a:chExt cx="0" cy="0"/>
         </a:xfrm>
       </p:grpSpPr>
       <p:sp useBgFill="1">
@@ -9039,7 +6957,7 @@
               <a:shade val="50000"/>
             </a:schemeClr>
           </a:lnRef>
-          <a:fillRef idx="4294967295">
+          <a:fillRef idx="1001">
             <a:schemeClr val="lt1"/>
           </a:fillRef>
           <a:effectRef idx="0">
@@ -9139,7 +7057,7 @@
         <p:spPr>
           <a:xfrm>
             <a:off x="492369" y="605896"/>
-            <a:ext cx="3642309" cy="5646208"/>
+            <a:ext cx="4033911" cy="5646208"/>
           </a:xfrm>
         </p:spPr>
         <p:txBody>
@@ -9149,14 +7067,10 @@
           <a:lstStyle/>
           <a:p>
             <a:r>
-              <a:rPr lang="de-DE" sz="4400" b="0" i="0" strike="noStrike" cap="none" baseline="0">
+              <a:rPr lang="de-DE" sz="4400" dirty="0">
                 <a:solidFill>
                   <a:srgbClr val="FFFFFF"/>
                 </a:solidFill>
-                <a:effectLst/>
-                <a:latin typeface="Bookman Old Style"/>
-                <a:ea typeface="Bookman Old Style"/>
-                <a:cs typeface="Bookman Old Style"/>
               </a:rPr>
               <a:t>Werbeplan und -strategie</a:t>
             </a:r>
@@ -9182,12 +7096,12 @@
         <p:spPr>
           <a:xfrm>
             <a:off x="5231958" y="605896"/>
-            <a:ext cx="5923721" cy="5646208"/>
+            <a:ext cx="6007542" cy="5646208"/>
           </a:xfrm>
         </p:spPr>
         <p:txBody>
           <a:bodyPr anchor="ctr">
-            <a:normAutofit fontScale="95000" lnSpcReduction="20000"/>
+            <a:normAutofit lnSpcReduction="10000"/>
           </a:bodyPr>
           <a:lstStyle/>
           <a:p>
@@ -9197,15 +7111,7 @@
               </a:lnSpc>
             </a:pPr>
             <a:r>
-              <a:rPr lang="de-DE" sz="1700" b="0" i="0" strike="noStrike" cap="none" baseline="0">
-                <a:solidFill>
-                  <a:srgbClr val="404040"/>
-                </a:solidFill>
-                <a:effectLst/>
-                <a:latin typeface="Franklin Gothic Book"/>
-                <a:ea typeface="Franklin Gothic Book"/>
-                <a:cs typeface="Franklin Gothic Book"/>
-              </a:rPr>
+              <a:rPr lang="de-DE" sz="1700" dirty="0"/>
               <a:t>Ziele des Absatzförderungsplan und der Strategie</a:t>
             </a:r>
           </a:p>
@@ -9216,15 +7122,7 @@
               </a:lnSpc>
             </a:pPr>
             <a:r>
-              <a:rPr lang="de-DE" sz="1700" b="0" i="0" strike="noStrike" cap="none" baseline="0">
-                <a:solidFill>
-                  <a:srgbClr val="404040"/>
-                </a:solidFill>
-                <a:effectLst/>
-                <a:latin typeface="Franklin Gothic Book"/>
-                <a:ea typeface="Franklin Gothic Book"/>
-                <a:cs typeface="Franklin Gothic Book"/>
-              </a:rPr>
+              <a:rPr lang="de-DE" sz="1700" dirty="0"/>
               <a:t>Steigerung des Bekanntheitsgrads und des Interesses an Chai-Tee bei der Zielgruppe</a:t>
             </a:r>
           </a:p>
@@ -9235,15 +7133,7 @@
               </a:lnSpc>
             </a:pPr>
             <a:r>
-              <a:rPr lang="de-DE" sz="1700" b="0" i="0" strike="noStrike" cap="none" baseline="0">
-                <a:solidFill>
-                  <a:srgbClr val="404040"/>
-                </a:solidFill>
-                <a:effectLst/>
-                <a:latin typeface="Franklin Gothic Book"/>
-                <a:ea typeface="Franklin Gothic Book"/>
-                <a:cs typeface="Franklin Gothic Book"/>
-              </a:rPr>
+              <a:rPr lang="de-DE" sz="1700" dirty="0"/>
               <a:t>Positionierung von Chai-Tee als hochwertiges, natürliches und gesundes Produkt</a:t>
             </a:r>
           </a:p>
@@ -9254,15 +7144,7 @@
               </a:lnSpc>
             </a:pPr>
             <a:r>
-              <a:rPr lang="de-DE" sz="1700" b="0" i="0" strike="noStrike" cap="none" baseline="0">
-                <a:solidFill>
-                  <a:srgbClr val="404040"/>
-                </a:solidFill>
-                <a:effectLst/>
-                <a:latin typeface="Franklin Gothic Book"/>
-                <a:ea typeface="Franklin Gothic Book"/>
-                <a:cs typeface="Franklin Gothic Book"/>
-              </a:rPr>
+              <a:rPr lang="de-DE" sz="1700" dirty="0"/>
               <a:t>Ermutigung zum Probieren und Kaufen von Chai-Tee über verschiedene Kanäle und Anreize</a:t>
             </a:r>
           </a:p>
@@ -9273,15 +7155,7 @@
               </a:lnSpc>
             </a:pPr>
             <a:r>
-              <a:rPr lang="de-DE" sz="1700" b="0" i="0" strike="noStrike" cap="none" baseline="0">
-                <a:solidFill>
-                  <a:srgbClr val="404040"/>
-                </a:solidFill>
-                <a:effectLst/>
-                <a:latin typeface="Franklin Gothic Book"/>
-                <a:ea typeface="Franklin Gothic Book"/>
-                <a:cs typeface="Franklin Gothic Book"/>
-              </a:rPr>
+              <a:rPr lang="de-DE" sz="1700" dirty="0"/>
               <a:t>Aufbau von Loyalität und Bindung der Chai-Tee-Kundschaft</a:t>
             </a:r>
           </a:p>
@@ -9292,15 +7166,7 @@
               </a:lnSpc>
             </a:pPr>
             <a:r>
-              <a:rPr lang="de-DE" sz="1700" b="0" i="0" strike="noStrike" cap="none" baseline="0">
-                <a:solidFill>
-                  <a:srgbClr val="404040"/>
-                </a:solidFill>
-                <a:effectLst/>
-                <a:latin typeface="Franklin Gothic Book"/>
-                <a:ea typeface="Franklin Gothic Book"/>
-                <a:cs typeface="Franklin Gothic Book"/>
-              </a:rPr>
+              <a:rPr lang="de-DE" sz="1700" dirty="0"/>
               <a:t>Taktiken, die im Rahmen des Absatzförderungsplans und der Strategie eingesetzt werden</a:t>
             </a:r>
           </a:p>
@@ -9311,15 +7177,7 @@
               </a:lnSpc>
             </a:pPr>
             <a:r>
-              <a:rPr lang="de-DE" sz="1700" b="0" i="0" strike="noStrike" cap="none" baseline="0">
-                <a:solidFill>
-                  <a:srgbClr val="404040"/>
-                </a:solidFill>
-                <a:effectLst/>
-                <a:latin typeface="Franklin Gothic Book"/>
-                <a:ea typeface="Franklin Gothic Book"/>
-                <a:cs typeface="Franklin Gothic Book"/>
-              </a:rPr>
+              <a:rPr lang="de-DE" sz="1700" dirty="0"/>
               <a:t>Entwicklung eines einprägsamen Markennamens und Logos für Chai-Tee</a:t>
             </a:r>
           </a:p>
@@ -9330,15 +7188,7 @@
               </a:lnSpc>
             </a:pPr>
             <a:r>
-              <a:rPr lang="de-DE" sz="1700" b="0" i="0" strike="noStrike" cap="none" baseline="0">
-                <a:solidFill>
-                  <a:srgbClr val="404040"/>
-                </a:solidFill>
-                <a:effectLst/>
-                <a:latin typeface="Franklin Gothic Book"/>
-                <a:ea typeface="Franklin Gothic Book"/>
-                <a:cs typeface="Franklin Gothic Book"/>
-              </a:rPr>
+              <a:rPr lang="de-DE" sz="1700" dirty="0"/>
               <a:t>Entwicklung einer Website und einer Präsenz in den sozialen Medien für Chai-Tee</a:t>
             </a:r>
           </a:p>
@@ -9349,15 +7199,7 @@
               </a:lnSpc>
             </a:pPr>
             <a:r>
-              <a:rPr lang="de-DE" sz="1700" b="0" i="0" strike="noStrike" cap="none" baseline="0">
-                <a:solidFill>
-                  <a:srgbClr val="404040"/>
-                </a:solidFill>
-                <a:effectLst/>
-                <a:latin typeface="Franklin Gothic Book"/>
-                <a:ea typeface="Franklin Gothic Book"/>
-                <a:cs typeface="Franklin Gothic Book"/>
-              </a:rPr>
+              <a:rPr lang="de-DE" sz="1700" dirty="0"/>
               <a:t>Lancierung einer digitalen Marketingkampagne</a:t>
             </a:r>
           </a:p>
@@ -9368,15 +7210,7 @@
               </a:lnSpc>
             </a:pPr>
             <a:r>
-              <a:rPr lang="de-DE" sz="1700" b="0" i="0" strike="noStrike" cap="none" baseline="0">
-                <a:solidFill>
-                  <a:srgbClr val="404040"/>
-                </a:solidFill>
-                <a:effectLst/>
-                <a:latin typeface="Franklin Gothic Book"/>
-                <a:ea typeface="Franklin Gothic Book"/>
-                <a:cs typeface="Franklin Gothic Book"/>
-              </a:rPr>
+              <a:rPr lang="de-DE" sz="1700" dirty="0"/>
               <a:t>Verteilung von Gratisproben und Gutscheinen für Chai-Tee</a:t>
             </a:r>
           </a:p>
@@ -9387,15 +7221,7 @@
               </a:lnSpc>
             </a:pPr>
             <a:r>
-              <a:rPr lang="de-DE" sz="1700" b="0" i="0" strike="noStrike" cap="none" baseline="0">
-                <a:solidFill>
-                  <a:srgbClr val="404040"/>
-                </a:solidFill>
-                <a:effectLst/>
-                <a:latin typeface="Franklin Gothic Book"/>
-                <a:ea typeface="Franklin Gothic Book"/>
-                <a:cs typeface="Franklin Gothic Book"/>
-              </a:rPr>
+              <a:rPr lang="de-DE" sz="1700" dirty="0"/>
               <a:t>Organisation von Veranstaltungen und Wettbewerben</a:t>
             </a:r>
           </a:p>
@@ -9406,15 +7232,7 @@
               </a:lnSpc>
             </a:pPr>
             <a:r>
-              <a:rPr lang="de-DE" sz="1700" b="0" i="0" strike="noStrike" cap="none" baseline="0">
-                <a:solidFill>
-                  <a:srgbClr val="404040"/>
-                </a:solidFill>
-                <a:effectLst/>
-                <a:latin typeface="Franklin Gothic Book"/>
-                <a:ea typeface="Franklin Gothic Book"/>
-                <a:cs typeface="Franklin Gothic Book"/>
-              </a:rPr>
+              <a:rPr lang="de-DE" sz="1700" dirty="0"/>
               <a:t>Durchführung und Bewertung des Absatzförderungsplans und der Strategie</a:t>
             </a:r>
           </a:p>
@@ -9430,14 +7248,12 @@
   <p:clrMapOvr>
     <a:masterClrMapping/>
   </p:clrMapOvr>
-  <p:transition/>
-  <p:timing/>
 </p:sld>
 </file>
 
 <file path=ppt/slides/slide12.xml><?xml version="1.0" encoding="utf-8"?>
-<p:sld xmlns:a="http://schemas.openxmlformats.org/drawingml/2006/main" xmlns:r="http://schemas.openxmlformats.org/officeDocument/2006/relationships" xmlns:m="http://schemas.openxmlformats.org/officeDocument/2006/math" xmlns:w="http://schemas.openxmlformats.org/wordprocessingml/2006/main" xmlns:wp="http://schemas.openxmlformats.org/drawingml/2006/wordprocessingDrawing" xmlns:a14="http://schemas.microsoft.com/office/drawing/2010/main" xmlns:mc="http://schemas.openxmlformats.org/markup-compatibility/2006" xmlns:p14="http://schemas.microsoft.com/office/powerpoint/2010/main" xmlns:p15="http://schemas.microsoft.com/office/powerpoint/2012/main" xmlns:p159="http://schemas.microsoft.com/office/powerpoint/2015/09/main" xmlns:p="http://schemas.openxmlformats.org/presentationml/2006/main">
-  <p:cSld name="">
+<p:sld xmlns:a="http://schemas.openxmlformats.org/drawingml/2006/main" xmlns:r="http://schemas.openxmlformats.org/officeDocument/2006/relationships" xmlns:p="http://schemas.openxmlformats.org/presentationml/2006/main">
+  <p:cSld>
     <p:bg>
       <p:bgPr>
         <a:solidFill>
@@ -9456,6 +7272,8 @@
         <a:xfrm>
           <a:off x="0" y="0"/>
           <a:ext cx="0" cy="0"/>
+          <a:chOff x="0" y="0"/>
+          <a:chExt cx="0" cy="0"/>
         </a:xfrm>
       </p:grpSpPr>
       <p:sp>
@@ -9659,20 +7477,12 @@
         </p:spPr>
         <p:txBody>
           <a:bodyPr vert="horz" lIns="91440" tIns="45720" rIns="91440" bIns="45720" rtlCol="0" anchor="b">
-            <a:normAutofit/>
+            <a:normAutofit fontScale="90000"/>
           </a:bodyPr>
           <a:lstStyle/>
           <a:p>
             <a:r>
-              <a:rPr lang="de-DE" sz="3100" b="0" i="0" strike="noStrike" cap="none" baseline="0">
-                <a:solidFill>
-                  <a:srgbClr val="404040"/>
-                </a:solidFill>
-                <a:effectLst/>
-                <a:latin typeface="Bookman Old Style"/>
-                <a:ea typeface="Bookman Old Style"/>
-                <a:cs typeface="Bookman Old Style"/>
-              </a:rPr>
+              <a:rPr lang="de-DE" sz="3400"/>
               <a:t>Erwartete Ergebnisse und Herausforderungen: Erwartete Ergebnisse</a:t>
             </a:r>
           </a:p>
@@ -9680,7 +7490,7 @@
       </p:sp>
       <p:pic>
         <p:nvPicPr>
-          <p:cNvPr id="5" name="Content Placeholder 4" descr="Tea being poured into a mug with a ceramic pot - black background">
+          <p:cNvPr id="5" name="Content Placeholder 4" descr="Tee wird mit einer Keramikkanne in eine Tasse gegossen – schwarzer Hintergrund">
             <a:extLst>
               <a:ext uri="{FF2B5EF4-FFF2-40B4-BE49-F238E27FC236}">
                 <a16:creationId xmlns:a16="http://schemas.microsoft.com/office/drawing/2014/main" id="{FD4F758D-569A-4658-9C5B-1CC2B977D553}"/>
@@ -9694,12 +7504,10 @@
             <p:ph sz="half" idx="1"/>
           </p:nvPr>
         </p:nvPicPr>
-        <p:blipFill>
+        <p:blipFill rotWithShape="1">
           <a:blip r:embed="rId3"/>
           <a:srcRect l="20033" r="11470"/>
-          <a:stretch>
-            <a:fillRect/>
-          </a:stretch>
+          <a:stretch/>
         </p:blipFill>
         <p:spPr>
           <a:xfrm>
@@ -9785,67 +7593,35 @@
         <p:spPr>
           <a:xfrm>
             <a:off x="5172074" y="2108201"/>
-            <a:ext cx="5983606" cy="3760891"/>
+            <a:ext cx="6661786" cy="3760891"/>
           </a:xfrm>
         </p:spPr>
         <p:txBody>
           <a:bodyPr vert="horz" lIns="0" tIns="45720" rIns="0" bIns="45720" rtlCol="0">
-            <a:normAutofit lnSpcReduction="10000"/>
+            <a:normAutofit/>
           </a:bodyPr>
           <a:lstStyle/>
           <a:p>
             <a:r>
-              <a:rPr lang="de-DE" sz="1900" b="0" i="0" strike="noStrike" cap="none" baseline="0">
-                <a:solidFill>
-                  <a:srgbClr val="404040"/>
-                </a:solidFill>
-                <a:effectLst/>
-                <a:latin typeface="Franklin Gothic Book"/>
-                <a:ea typeface="Franklin Gothic Book"/>
-                <a:cs typeface="Franklin Gothic Book"/>
-              </a:rPr>
+              <a:rPr lang="de-DE" dirty="0"/>
               <a:t>Steigerung des Bekanntheitsgrads und des Interesses an Chai-Tee bei der Zielgruppe um 20 %</a:t>
             </a:r>
           </a:p>
           <a:p>
             <a:r>
-              <a:rPr lang="de-DE" sz="1900" b="0" i="0" strike="noStrike" cap="none" baseline="0">
-                <a:solidFill>
-                  <a:srgbClr val="404040"/>
-                </a:solidFill>
-                <a:effectLst/>
-                <a:latin typeface="Franklin Gothic Book"/>
-                <a:ea typeface="Franklin Gothic Book"/>
-                <a:cs typeface="Franklin Gothic Book"/>
-              </a:rPr>
+              <a:rPr lang="de-DE" dirty="0"/>
               <a:t>Steigerung des Marktanteils von Chai-Tee um 10 % in der Region</a:t>
             </a:r>
           </a:p>
           <a:p>
             <a:r>
-              <a:rPr lang="de-DE" sz="1900" b="0" i="0" strike="noStrike" cap="none" baseline="0">
-                <a:solidFill>
-                  <a:srgbClr val="404040"/>
-                </a:solidFill>
-                <a:effectLst/>
-                <a:latin typeface="Franklin Gothic Book"/>
-                <a:ea typeface="Franklin Gothic Book"/>
-                <a:cs typeface="Franklin Gothic Book"/>
-              </a:rPr>
+              <a:rPr lang="de-DE" dirty="0"/>
               <a:t>Steigerung des Absatzes und des Umsatzes von Chai-Tee um 15 % in der Region</a:t>
             </a:r>
           </a:p>
           <a:p>
             <a:r>
-              <a:rPr lang="de-DE" sz="1900" b="0" i="0" strike="noStrike" cap="none" baseline="0">
-                <a:solidFill>
-                  <a:srgbClr val="404040"/>
-                </a:solidFill>
-                <a:effectLst/>
-                <a:latin typeface="Franklin Gothic Book"/>
-                <a:ea typeface="Franklin Gothic Book"/>
-                <a:cs typeface="Franklin Gothic Book"/>
-              </a:rPr>
+              <a:rPr lang="de-DE" dirty="0"/>
               <a:t>Steigerung der Zufriedenheit der Kundschaft und Kundschaftsbindungsraten für Chai-Tee in der Region um 25 %</a:t>
             </a:r>
           </a:p>
@@ -9861,14 +7637,12 @@
   <p:clrMapOvr>
     <a:masterClrMapping/>
   </p:clrMapOvr>
-  <p:transition/>
-  <p:timing/>
 </p:sld>
 </file>
 
 <file path=ppt/slides/slide13.xml><?xml version="1.0" encoding="utf-8"?>
-<p:sld xmlns:a="http://schemas.openxmlformats.org/drawingml/2006/main" xmlns:r="http://schemas.openxmlformats.org/officeDocument/2006/relationships" xmlns:m="http://schemas.openxmlformats.org/officeDocument/2006/math" xmlns:w="http://schemas.openxmlformats.org/wordprocessingml/2006/main" xmlns:wp="http://schemas.openxmlformats.org/drawingml/2006/wordprocessingDrawing" xmlns:a14="http://schemas.microsoft.com/office/drawing/2010/main" xmlns:mc="http://schemas.openxmlformats.org/markup-compatibility/2006" xmlns:p14="http://schemas.microsoft.com/office/powerpoint/2010/main" xmlns:p15="http://schemas.microsoft.com/office/powerpoint/2012/main" xmlns:p159="http://schemas.microsoft.com/office/powerpoint/2015/09/main" xmlns:p="http://schemas.openxmlformats.org/presentationml/2006/main">
-  <p:cSld name="">
+<p:sld xmlns:a="http://schemas.openxmlformats.org/drawingml/2006/main" xmlns:r="http://schemas.openxmlformats.org/officeDocument/2006/relationships" xmlns:p="http://schemas.openxmlformats.org/presentationml/2006/main">
+  <p:cSld>
     <p:bg>
       <p:bgPr>
         <a:solidFill>
@@ -9887,6 +7661,8 @@
         <a:xfrm>
           <a:off x="0" y="0"/>
           <a:ext cx="0" cy="0"/>
+          <a:chOff x="0" y="0"/>
+          <a:chExt cx="0" cy="0"/>
         </a:xfrm>
       </p:grpSpPr>
       <p:sp useBgFill="1">
@@ -9930,7 +7706,7 @@
               <a:shade val="50000"/>
             </a:schemeClr>
           </a:lnRef>
-          <a:fillRef idx="4294967295">
+          <a:fillRef idx="1001">
             <a:schemeClr val="lt1"/>
           </a:fillRef>
           <a:effectRef idx="0">
@@ -10030,7 +7806,7 @@
         <p:spPr>
           <a:xfrm>
             <a:off x="492369" y="605896"/>
-            <a:ext cx="3642309" cy="5646208"/>
+            <a:ext cx="3858651" cy="5646208"/>
           </a:xfrm>
         </p:spPr>
         <p:txBody>
@@ -10040,16 +7816,12 @@
           <a:lstStyle/>
           <a:p>
             <a:r>
-              <a:rPr lang="de-DE" sz="4400" b="0" i="0" strike="noStrike" cap="none" baseline="0">
+              <a:rPr lang="de-DE" sz="4400" dirty="0">
                 <a:solidFill>
                   <a:srgbClr val="FFFFFF"/>
                 </a:solidFill>
-                <a:effectLst/>
-                <a:latin typeface="Bookman Old Style"/>
-                <a:ea typeface="Bookman Old Style"/>
-                <a:cs typeface="Bookman Old Style"/>
               </a:rPr>
-              <a:t>Erwartete Ergebnisse und Herausforderungen: Potenzielle Herausforderungen</a:t>
+              <a:t>Erwartete Ergebnisse und Herausforderungen: Mögliche Herausforderungen</a:t>
             </a:r>
           </a:p>
         </p:txBody>
@@ -10073,81 +7845,41 @@
         <p:spPr>
           <a:xfrm>
             <a:off x="5231958" y="605896"/>
-            <a:ext cx="5923721" cy="5646208"/>
+            <a:ext cx="6236142" cy="5646208"/>
           </a:xfrm>
         </p:spPr>
         <p:txBody>
           <a:bodyPr anchor="ctr">
-            <a:normAutofit fontScale="90000" lnSpcReduction="20000"/>
+            <a:normAutofit fontScale="92500" lnSpcReduction="10000"/>
           </a:bodyPr>
           <a:lstStyle/>
           <a:p>
             <a:r>
-              <a:rPr lang="de-DE" sz="2400" b="0" i="0" strike="noStrike" cap="none" baseline="0">
-                <a:solidFill>
-                  <a:srgbClr val="404040"/>
-                </a:solidFill>
-                <a:effectLst/>
-                <a:latin typeface="Franklin Gothic Book"/>
-                <a:ea typeface="Franklin Gothic Book"/>
-                <a:cs typeface="Franklin Gothic Book"/>
-              </a:rPr>
+              <a:rPr lang="de-DE" sz="2400" dirty="0"/>
               <a:t>Hoher Preis und geringe Erschwinglichkeit von Chai-Tee-Produkten im Vergleich zu anderen Getränken</a:t>
             </a:r>
           </a:p>
           <a:p>
             <a:r>
-              <a:rPr lang="de-DE" sz="2400" b="0" i="0" strike="noStrike" cap="none" baseline="0">
-                <a:solidFill>
-                  <a:srgbClr val="404040"/>
-                </a:solidFill>
-                <a:effectLst/>
-                <a:latin typeface="Franklin Gothic Book"/>
-                <a:ea typeface="Franklin Gothic Book"/>
-                <a:cs typeface="Franklin Gothic Book"/>
-              </a:rPr>
+              <a:rPr lang="de-DE" sz="2400" dirty="0"/>
               <a:t>Mangelndes Bewusstsein und mangelnde Vertrautheit mit Chai-Tee in einigen Teilen der Bevölkerung</a:t>
             </a:r>
           </a:p>
           <a:p>
             <a:r>
-              <a:rPr lang="de-DE" sz="2400" b="0" i="0" strike="noStrike" cap="none" baseline="0">
-                <a:solidFill>
-                  <a:srgbClr val="404040"/>
-                </a:solidFill>
-                <a:effectLst/>
-                <a:latin typeface="Franklin Gothic Book"/>
-                <a:ea typeface="Franklin Gothic Book"/>
-                <a:cs typeface="Franklin Gothic Book"/>
-              </a:rPr>
+              <a:rPr lang="de-DE" sz="2400" dirty="0"/>
               <a:t>Konkurrierende Unternehmen, die andere Teeprodukte wie Kräuter-, Grün- und Schwarztee anbieten</a:t>
             </a:r>
           </a:p>
           <a:p>
             <a:r>
-              <a:rPr lang="de-DE" sz="2400" b="0" i="0" strike="noStrike" cap="none" baseline="0">
-                <a:solidFill>
-                  <a:srgbClr val="404040"/>
-                </a:solidFill>
-                <a:effectLst/>
-                <a:latin typeface="Franklin Gothic Book"/>
-                <a:ea typeface="Franklin Gothic Book"/>
-                <a:cs typeface="Franklin Gothic Book"/>
-              </a:rPr>
+              <a:rPr lang="de-DE" sz="2400" dirty="0"/>
               <a:t>Regulatorische und kulturelle Barrieren, die den Markteintritt und die Verbreitung von Chai-Tee-Produkten in einigen Ländern einschränken können</a:t>
             </a:r>
           </a:p>
           <a:p>
             <a:r>
-              <a:rPr lang="de-DE" sz="2400" b="0" i="0" strike="noStrike" cap="none" baseline="0">
-                <a:solidFill>
-                  <a:srgbClr val="404040"/>
-                </a:solidFill>
-                <a:effectLst/>
-                <a:latin typeface="Franklin Gothic Book"/>
-                <a:ea typeface="Franklin Gothic Book"/>
-                <a:cs typeface="Franklin Gothic Book"/>
-              </a:rPr>
+              <a:rPr lang="de-DE" sz="2400" dirty="0"/>
               <a:t>Ökologische und soziale Aspekte, die sich auf das Angebot und die Qualität von Chai-Tee-Zutaten auswirken können</a:t>
             </a:r>
           </a:p>
@@ -10163,14 +7895,12 @@
   <p:clrMapOvr>
     <a:masterClrMapping/>
   </p:clrMapOvr>
-  <p:transition/>
-  <p:timing/>
 </p:sld>
 </file>
 
 <file path=ppt/slides/slide14.xml><?xml version="1.0" encoding="utf-8"?>
-<p:sld xmlns:a="http://schemas.openxmlformats.org/drawingml/2006/main" xmlns:r="http://schemas.openxmlformats.org/officeDocument/2006/relationships" xmlns:m="http://schemas.openxmlformats.org/officeDocument/2006/math" xmlns:w="http://schemas.openxmlformats.org/wordprocessingml/2006/main" xmlns:wp="http://schemas.openxmlformats.org/drawingml/2006/wordprocessingDrawing" xmlns:a14="http://schemas.microsoft.com/office/drawing/2010/main" xmlns:mc="http://schemas.openxmlformats.org/markup-compatibility/2006" xmlns:p14="http://schemas.microsoft.com/office/powerpoint/2010/main" xmlns:p15="http://schemas.microsoft.com/office/powerpoint/2012/main" xmlns:p159="http://schemas.microsoft.com/office/powerpoint/2015/09/main" xmlns:p="http://schemas.openxmlformats.org/presentationml/2006/main">
-  <p:cSld name="">
+<p:sld xmlns:a="http://schemas.openxmlformats.org/drawingml/2006/main" xmlns:r="http://schemas.openxmlformats.org/officeDocument/2006/relationships" xmlns:p="http://schemas.openxmlformats.org/presentationml/2006/main">
+  <p:cSld>
     <p:bg>
       <p:bgPr>
         <a:solidFill>
@@ -10189,6 +7919,8 @@
         <a:xfrm>
           <a:off x="0" y="0"/>
           <a:ext cx="0" cy="0"/>
+          <a:chOff x="0" y="0"/>
+          <a:chExt cx="0" cy="0"/>
         </a:xfrm>
       </p:grpSpPr>
       <p:sp useBgFill="1">
@@ -10232,7 +7964,7 @@
               <a:shade val="50000"/>
             </a:schemeClr>
           </a:lnRef>
-          <a:fillRef idx="4294967295">
+          <a:fillRef idx="1001">
             <a:schemeClr val="lt1"/>
           </a:fillRef>
           <a:effectRef idx="0">
@@ -10331,8 +8063,8 @@
         </p:nvSpPr>
         <p:spPr>
           <a:xfrm>
-            <a:off x="492369" y="605896"/>
-            <a:ext cx="3642309" cy="5646208"/>
+            <a:off x="42789" y="605896"/>
+            <a:ext cx="4818771" cy="5646208"/>
           </a:xfrm>
         </p:spPr>
         <p:txBody>
@@ -10342,14 +8074,10 @@
           <a:lstStyle/>
           <a:p>
             <a:r>
-              <a:rPr lang="de-DE" sz="3700" b="0" i="0" strike="noStrike" cap="none" baseline="0">
+              <a:rPr lang="de-DE" sz="3700" dirty="0">
                 <a:solidFill>
                   <a:srgbClr val="FFFFFF"/>
                 </a:solidFill>
-                <a:effectLst/>
-                <a:latin typeface="Bookman Old Style"/>
-                <a:ea typeface="Bookman Old Style"/>
-                <a:cs typeface="Bookman Old Style"/>
               </a:rPr>
               <a:t>Empfehlungen und Schlussfolgerungen</a:t>
             </a:r>
@@ -10374,13 +8102,13 @@
         </p:nvSpPr>
         <p:spPr>
           <a:xfrm>
-            <a:off x="5231958" y="605896"/>
-            <a:ext cx="5923721" cy="5646208"/>
+            <a:off x="5231958" y="362056"/>
+            <a:ext cx="5923721" cy="5962544"/>
           </a:xfrm>
         </p:spPr>
         <p:txBody>
           <a:bodyPr anchor="ctr">
-            <a:normAutofit fontScale="90000" lnSpcReduction="20000"/>
+            <a:normAutofit fontScale="92500"/>
           </a:bodyPr>
           <a:lstStyle/>
           <a:p>
@@ -10390,15 +8118,7 @@
               </a:lnSpc>
             </a:pPr>
             <a:r>
-              <a:rPr lang="de-DE" sz="1900" b="0" i="0" strike="noStrike" cap="none" baseline="0">
-                <a:solidFill>
-                  <a:srgbClr val="404040"/>
-                </a:solidFill>
-                <a:effectLst/>
-                <a:latin typeface="Franklin Gothic Book"/>
-                <a:ea typeface="Franklin Gothic Book"/>
-                <a:cs typeface="Franklin Gothic Book"/>
-              </a:rPr>
+              <a:rPr lang="de-DE" sz="1900" dirty="0"/>
               <a:t>Chai-Tee ist ein vielversprechendes Produkt mit Wachstumspotenzial auf dem lateinamerikanischen Markt</a:t>
             </a:r>
           </a:p>
@@ -10409,15 +8129,7 @@
               </a:lnSpc>
             </a:pPr>
             <a:r>
-              <a:rPr lang="de-DE" sz="1900" b="0" i="0" strike="noStrike" cap="none" baseline="0">
-                <a:solidFill>
-                  <a:srgbClr val="404040"/>
-                </a:solidFill>
-                <a:effectLst/>
-                <a:latin typeface="Franklin Gothic Book"/>
-                <a:ea typeface="Franklin Gothic Book"/>
-                <a:cs typeface="Franklin Gothic Book"/>
-              </a:rPr>
+              <a:rPr lang="de-DE" sz="1900" dirty="0"/>
               <a:t>Bietet eine gesunde, natürliche und exotische Alternative zu anderen Getränken</a:t>
             </a:r>
           </a:p>
@@ -10428,15 +8140,7 @@
               </a:lnSpc>
             </a:pPr>
             <a:r>
-              <a:rPr lang="de-DE" sz="1900" b="0" i="0" strike="noStrike" cap="none" baseline="0">
-                <a:solidFill>
-                  <a:srgbClr val="404040"/>
-                </a:solidFill>
-                <a:effectLst/>
-                <a:latin typeface="Franklin Gothic Book"/>
-                <a:ea typeface="Franklin Gothic Book"/>
-                <a:cs typeface="Franklin Gothic Book"/>
-              </a:rPr>
+              <a:rPr lang="de-DE" sz="1900" dirty="0"/>
               <a:t>Positionierung und Vermarktung von Chai-Tee als hochwertiges, authentisches und vielseitiges Produkt</a:t>
             </a:r>
           </a:p>
@@ -10447,15 +8151,7 @@
               </a:lnSpc>
             </a:pPr>
             <a:r>
-              <a:rPr lang="de-DE" sz="1900" b="0" i="0" strike="noStrike" cap="none" baseline="0">
-                <a:solidFill>
-                  <a:srgbClr val="404040"/>
-                </a:solidFill>
-                <a:effectLst/>
-                <a:latin typeface="Franklin Gothic Book"/>
-                <a:ea typeface="Franklin Gothic Book"/>
-                <a:cs typeface="Franklin Gothic Book"/>
-              </a:rPr>
+              <a:rPr lang="de-DE" sz="1900" dirty="0"/>
               <a:t>Spricht verschiedene Segmente und Anlässe an</a:t>
             </a:r>
           </a:p>
@@ -10466,15 +8162,7 @@
               </a:lnSpc>
             </a:pPr>
             <a:r>
-              <a:rPr lang="de-DE" sz="1900" b="0" i="0" strike="noStrike" cap="none" baseline="0">
-                <a:solidFill>
-                  <a:srgbClr val="404040"/>
-                </a:solidFill>
-                <a:effectLst/>
-                <a:latin typeface="Franklin Gothic Book"/>
-                <a:ea typeface="Franklin Gothic Book"/>
-                <a:cs typeface="Franklin Gothic Book"/>
-              </a:rPr>
+              <a:rPr lang="de-DE" sz="1900" dirty="0"/>
               <a:t>Nutzt einzigartige Merkmale und Vorteile, wie reichhaltiges Aroma, Geschmack und gesundheitlichen Nutzen</a:t>
             </a:r>
           </a:p>
@@ -10485,15 +8173,7 @@
               </a:lnSpc>
             </a:pPr>
             <a:r>
-              <a:rPr lang="de-DE" sz="1900" b="0" i="0" strike="noStrike" cap="none" baseline="0">
-                <a:solidFill>
-                  <a:srgbClr val="404040"/>
-                </a:solidFill>
-                <a:effectLst/>
-                <a:latin typeface="Franklin Gothic Book"/>
-                <a:ea typeface="Franklin Gothic Book"/>
-                <a:cs typeface="Franklin Gothic Book"/>
-              </a:rPr>
+              <a:rPr lang="de-DE" sz="1900" dirty="0"/>
               <a:t>Unterscheidet sich von anderen Teeprodukten</a:t>
             </a:r>
           </a:p>
@@ -10504,15 +8184,7 @@
               </a:lnSpc>
             </a:pPr>
             <a:r>
-              <a:rPr lang="de-DE" sz="1900" b="0" i="0" strike="noStrike" cap="none" baseline="0">
-                <a:solidFill>
-                  <a:srgbClr val="404040"/>
-                </a:solidFill>
-                <a:effectLst/>
-                <a:latin typeface="Franklin Gothic Book"/>
-                <a:ea typeface="Franklin Gothic Book"/>
-                <a:cs typeface="Franklin Gothic Book"/>
-              </a:rPr>
+              <a:rPr lang="de-DE" sz="1900" dirty="0"/>
               <a:t>Anwendung einer Mischung aus Online- und Offline-Taktiken, um Ihre Zielgruppe zu erreichen und zu binden</a:t>
             </a:r>
           </a:p>
@@ -10523,15 +8195,7 @@
               </a:lnSpc>
             </a:pPr>
             <a:r>
-              <a:rPr lang="de-DE" sz="1900" b="0" i="0" strike="noStrike" cap="none" baseline="0">
-                <a:solidFill>
-                  <a:srgbClr val="404040"/>
-                </a:solidFill>
-                <a:effectLst/>
-                <a:latin typeface="Franklin Gothic Book"/>
-                <a:ea typeface="Franklin Gothic Book"/>
-                <a:cs typeface="Franklin Gothic Book"/>
-              </a:rPr>
+              <a:rPr lang="de-DE" sz="1900" dirty="0"/>
               <a:t>Schaffung einer loyalen und zufriedenen wiederkehrenden Kundschaft</a:t>
             </a:r>
           </a:p>
@@ -10542,15 +8206,7 @@
               </a:lnSpc>
             </a:pPr>
             <a:r>
-              <a:rPr lang="de-DE" sz="1900" b="0" i="0" strike="noStrike" cap="none" baseline="0">
-                <a:solidFill>
-                  <a:srgbClr val="404040"/>
-                </a:solidFill>
-                <a:effectLst/>
-                <a:latin typeface="Franklin Gothic Book"/>
-                <a:ea typeface="Franklin Gothic Book"/>
-                <a:cs typeface="Franklin Gothic Book"/>
-              </a:rPr>
+              <a:rPr lang="de-DE" sz="1900" dirty="0"/>
               <a:t>Bewältigung von Herausforderungen und Bedrohungen, wie Preis, Bekanntheitsgrad, Wettbewerb, Regulierung und Nachhaltigkeit</a:t>
             </a:r>
           </a:p>
@@ -10561,15 +8217,7 @@
               </a:lnSpc>
             </a:pPr>
             <a:r>
-              <a:rPr lang="de-DE" sz="1900" b="0" i="0" strike="noStrike" cap="none" baseline="0">
-                <a:solidFill>
-                  <a:srgbClr val="404040"/>
-                </a:solidFill>
-                <a:effectLst/>
-                <a:latin typeface="Franklin Gothic Book"/>
-                <a:ea typeface="Franklin Gothic Book"/>
-                <a:cs typeface="Franklin Gothic Book"/>
-              </a:rPr>
+              <a:rPr lang="de-DE" sz="1900" dirty="0"/>
               <a:t>Ständige Überwachung, Bewertung und Anpassung des Absatzförderungsplans und der Strategie</a:t>
             </a:r>
           </a:p>
@@ -10585,14 +8233,12 @@
   <p:clrMapOvr>
     <a:masterClrMapping/>
   </p:clrMapOvr>
-  <p:transition/>
-  <p:timing/>
 </p:sld>
 </file>
 
 <file path=ppt/slides/slide2.xml><?xml version="1.0" encoding="utf-8"?>
-<p:sld xmlns:a="http://schemas.openxmlformats.org/drawingml/2006/main" xmlns:r="http://schemas.openxmlformats.org/officeDocument/2006/relationships" xmlns:m="http://schemas.openxmlformats.org/officeDocument/2006/math" xmlns:w="http://schemas.openxmlformats.org/wordprocessingml/2006/main" xmlns:wp="http://schemas.openxmlformats.org/drawingml/2006/wordprocessingDrawing" xmlns:a14="http://schemas.microsoft.com/office/drawing/2010/main" xmlns:mc="http://schemas.openxmlformats.org/markup-compatibility/2006" xmlns:p14="http://schemas.microsoft.com/office/powerpoint/2010/main" xmlns:p15="http://schemas.microsoft.com/office/powerpoint/2012/main" xmlns:p159="http://schemas.microsoft.com/office/powerpoint/2015/09/main" xmlns:p="http://schemas.openxmlformats.org/presentationml/2006/main">
-  <p:cSld name="">
+<p:sld xmlns:a="http://schemas.openxmlformats.org/drawingml/2006/main" xmlns:r="http://schemas.openxmlformats.org/officeDocument/2006/relationships" xmlns:p="http://schemas.openxmlformats.org/presentationml/2006/main">
+  <p:cSld>
     <p:bg>
       <p:bgPr>
         <a:solidFill>
@@ -10615,6 +8261,8 @@
         <a:xfrm>
           <a:off x="0" y="0"/>
           <a:ext cx="0" cy="0"/>
+          <a:chOff x="0" y="0"/>
+          <a:chExt cx="0" cy="0"/>
         </a:xfrm>
       </p:grpSpPr>
       <p:sp>
@@ -10770,16 +8418,8 @@
           <a:p>
             <a:pPr algn="r"/>
             <a:r>
-              <a:rPr lang="de-DE" sz="4700" b="0" i="0" strike="noStrike" cap="none" baseline="0">
-                <a:solidFill>
-                  <a:srgbClr val="404040"/>
-                </a:solidFill>
-                <a:effectLst/>
-                <a:latin typeface="Bookman Old Style"/>
-                <a:ea typeface="Bookman Old Style"/>
-                <a:cs typeface="Bookman Old Style"/>
-              </a:rPr>
-              <a:t>Tagesordnung</a:t>
+              <a:rPr lang="de-DE"/>
+              <a:t>Agenda</a:t>
             </a:r>
           </a:p>
         </p:txBody>
@@ -10808,7 +8448,7 @@
           </p:nvPr>
         </p:nvCxnSpPr>
         <p:spPr>
-          <a:xfrm flipH="1">
+          <a:xfrm>
             <a:off x="4971974" y="2057399"/>
             <a:ext cx="0" cy="2743200"/>
           </a:xfrm>
@@ -10854,8 +8494,8 @@
         </p:nvSpPr>
         <p:spPr>
           <a:xfrm>
-            <a:off x="5301798" y="963507"/>
-            <a:ext cx="5968181" cy="4938851"/>
+            <a:off x="5301799" y="963507"/>
+            <a:ext cx="5617662" cy="4938851"/>
           </a:xfrm>
         </p:spPr>
         <p:txBody>
@@ -10870,15 +8510,7 @@
               </a:lnSpc>
             </a:pPr>
             <a:r>
-              <a:rPr lang="de-DE" sz="1800" b="0" i="0" strike="noStrike" cap="none" baseline="0">
-                <a:solidFill>
-                  <a:srgbClr val="404040"/>
-                </a:solidFill>
-                <a:effectLst/>
-                <a:latin typeface="Franklin Gothic Book"/>
-                <a:ea typeface="Franklin Gothic Book"/>
-                <a:cs typeface="Franklin Gothic Book"/>
-              </a:rPr>
+              <a:rPr lang="de-DE" sz="1800" dirty="0"/>
               <a:t>Einführung</a:t>
             </a:r>
           </a:p>
@@ -10889,16 +8521,8 @@
               </a:lnSpc>
             </a:pPr>
             <a:r>
-              <a:rPr lang="de-DE" sz="1800" b="0" i="0" strike="noStrike" cap="none" baseline="0">
-                <a:solidFill>
-                  <a:srgbClr val="404040"/>
-                </a:solidFill>
-                <a:effectLst/>
-                <a:latin typeface="Franklin Gothic Book"/>
-                <a:ea typeface="Franklin Gothic Book"/>
-                <a:cs typeface="Franklin Gothic Book"/>
-              </a:rPr>
-              <a:t>Produktbeschreibung:</a:t>
+              <a:rPr lang="de-DE" sz="1800" dirty="0"/>
+              <a:t>Produktbeschreibung</a:t>
             </a:r>
           </a:p>
           <a:p>
@@ -10908,15 +8532,7 @@
               </a:lnSpc>
             </a:pPr>
             <a:r>
-              <a:rPr lang="de-DE" sz="1800" b="0" i="0" strike="noStrike" cap="none" baseline="0">
-                <a:solidFill>
-                  <a:srgbClr val="404040"/>
-                </a:solidFill>
-                <a:effectLst/>
-                <a:latin typeface="Franklin Gothic Book"/>
-                <a:ea typeface="Franklin Gothic Book"/>
-                <a:cs typeface="Franklin Gothic Book"/>
-              </a:rPr>
+              <a:rPr lang="de-DE" sz="1800" dirty="0"/>
               <a:t>Produktbeschreibung (1/2)</a:t>
             </a:r>
           </a:p>
@@ -10927,15 +8543,7 @@
               </a:lnSpc>
             </a:pPr>
             <a:r>
-              <a:rPr lang="de-DE" sz="1800" b="0" i="0" strike="noStrike" cap="none" baseline="0">
-                <a:solidFill>
-                  <a:srgbClr val="404040"/>
-                </a:solidFill>
-                <a:effectLst/>
-                <a:latin typeface="Franklin Gothic Book"/>
-                <a:ea typeface="Franklin Gothic Book"/>
-                <a:cs typeface="Franklin Gothic Book"/>
-              </a:rPr>
+              <a:rPr lang="de-DE" sz="1800" dirty="0"/>
               <a:t>Produktbeschreibung (2/2)</a:t>
             </a:r>
           </a:p>
@@ -10946,15 +8554,7 @@
               </a:lnSpc>
             </a:pPr>
             <a:r>
-              <a:rPr lang="de-DE" sz="1800" b="0" i="0" strike="noStrike" cap="none" baseline="0">
-                <a:solidFill>
-                  <a:srgbClr val="404040"/>
-                </a:solidFill>
-                <a:effectLst/>
-                <a:latin typeface="Franklin Gothic Book"/>
-                <a:ea typeface="Franklin Gothic Book"/>
-                <a:cs typeface="Franklin Gothic Book"/>
-              </a:rPr>
+              <a:rPr lang="de-DE" sz="1800" dirty="0"/>
               <a:t>Markttrend und Nachfrage</a:t>
             </a:r>
           </a:p>
@@ -10965,15 +8565,7 @@
               </a:lnSpc>
             </a:pPr>
             <a:r>
-              <a:rPr lang="de-DE" sz="1800" b="0" i="0" strike="noStrike" cap="none" baseline="0">
-                <a:solidFill>
-                  <a:srgbClr val="404040"/>
-                </a:solidFill>
-                <a:effectLst/>
-                <a:latin typeface="Franklin Gothic Book"/>
-                <a:ea typeface="Franklin Gothic Book"/>
-                <a:cs typeface="Franklin Gothic Book"/>
-              </a:rPr>
+              <a:rPr lang="de-DE" sz="1800" dirty="0"/>
               <a:t>Marktanteil von Chai Tea in Lateinamerika</a:t>
             </a:r>
           </a:p>
@@ -10984,15 +8576,7 @@
               </a:lnSpc>
             </a:pPr>
             <a:r>
-              <a:rPr lang="de-DE" sz="1800" b="0" i="0" strike="noStrike" cap="none" baseline="0">
-                <a:solidFill>
-                  <a:srgbClr val="404040"/>
-                </a:solidFill>
-                <a:effectLst/>
-                <a:latin typeface="Franklin Gothic Book"/>
-                <a:ea typeface="Franklin Gothic Book"/>
-                <a:cs typeface="Franklin Gothic Book"/>
-              </a:rPr>
+              <a:rPr lang="de-DE" sz="1800" dirty="0"/>
               <a:t>Vertriebskanäle</a:t>
             </a:r>
           </a:p>
@@ -11003,15 +8587,7 @@
               </a:lnSpc>
             </a:pPr>
             <a:r>
-              <a:rPr lang="de-DE" sz="1800" b="0" i="0" strike="noStrike" cap="none" baseline="0">
-                <a:solidFill>
-                  <a:srgbClr val="404040"/>
-                </a:solidFill>
-                <a:effectLst/>
-                <a:latin typeface="Franklin Gothic Book"/>
-                <a:ea typeface="Franklin Gothic Book"/>
-                <a:cs typeface="Franklin Gothic Book"/>
-              </a:rPr>
+              <a:rPr lang="de-DE" sz="1800" dirty="0"/>
               <a:t>Werbeplan und -strategie</a:t>
             </a:r>
           </a:p>
@@ -11022,15 +8598,7 @@
               </a:lnSpc>
             </a:pPr>
             <a:r>
-              <a:rPr lang="de-DE" sz="1800" b="0" i="0" strike="noStrike" cap="none" baseline="0">
-                <a:solidFill>
-                  <a:srgbClr val="404040"/>
-                </a:solidFill>
-                <a:effectLst/>
-                <a:latin typeface="Franklin Gothic Book"/>
-                <a:ea typeface="Franklin Gothic Book"/>
-                <a:cs typeface="Franklin Gothic Book"/>
-              </a:rPr>
+              <a:rPr lang="de-DE" sz="1800" dirty="0"/>
               <a:t>Erwartete Ergebnisse und Herausforderungen</a:t>
             </a:r>
           </a:p>
@@ -11041,15 +8609,7 @@
               </a:lnSpc>
             </a:pPr>
             <a:r>
-              <a:rPr lang="de-DE" sz="1800" b="0" i="0" strike="noStrike" cap="none" baseline="0">
-                <a:solidFill>
-                  <a:srgbClr val="404040"/>
-                </a:solidFill>
-                <a:effectLst/>
-                <a:latin typeface="Franklin Gothic Book"/>
-                <a:ea typeface="Franklin Gothic Book"/>
-                <a:cs typeface="Franklin Gothic Book"/>
-              </a:rPr>
+              <a:rPr lang="de-DE" sz="1800" dirty="0"/>
               <a:t>Empfehlungen und Schlussfolgerungen</a:t>
             </a:r>
           </a:p>
@@ -11065,14 +8625,12 @@
   <p:clrMapOvr>
     <a:masterClrMapping/>
   </p:clrMapOvr>
-  <p:transition/>
-  <p:timing/>
 </p:sld>
 </file>
 
 <file path=ppt/slides/slide3.xml><?xml version="1.0" encoding="utf-8"?>
-<p:sld xmlns:a="http://schemas.openxmlformats.org/drawingml/2006/main" xmlns:r="http://schemas.openxmlformats.org/officeDocument/2006/relationships" xmlns:m="http://schemas.openxmlformats.org/officeDocument/2006/math" xmlns:w="http://schemas.openxmlformats.org/wordprocessingml/2006/main" xmlns:wp="http://schemas.openxmlformats.org/drawingml/2006/wordprocessingDrawing" xmlns:a14="http://schemas.microsoft.com/office/drawing/2010/main" xmlns:mc="http://schemas.openxmlformats.org/markup-compatibility/2006" xmlns:p14="http://schemas.microsoft.com/office/powerpoint/2010/main" xmlns:p15="http://schemas.microsoft.com/office/powerpoint/2012/main" xmlns:p159="http://schemas.microsoft.com/office/powerpoint/2015/09/main" xmlns:p="http://schemas.openxmlformats.org/presentationml/2006/main">
-  <p:cSld name="">
+<p:sld xmlns:a="http://schemas.openxmlformats.org/drawingml/2006/main" xmlns:r="http://schemas.openxmlformats.org/officeDocument/2006/relationships" xmlns:p="http://schemas.openxmlformats.org/presentationml/2006/main">
+  <p:cSld>
     <p:bg>
       <p:bgPr>
         <a:solidFill>
@@ -11091,6 +8649,8 @@
         <a:xfrm>
           <a:off x="0" y="0"/>
           <a:ext cx="0" cy="0"/>
+          <a:chOff x="0" y="0"/>
+          <a:chExt cx="0" cy="0"/>
         </a:xfrm>
       </p:grpSpPr>
       <p:sp>
@@ -11301,14 +8861,10 @@
           <a:lstStyle/>
           <a:p>
             <a:r>
-              <a:rPr lang="de-DE" sz="4000" b="0" i="0" strike="noStrike" cap="none" baseline="0">
+              <a:rPr lang="de-DE" sz="4000">
                 <a:solidFill>
                   <a:srgbClr val="FFFFFF"/>
                 </a:solidFill>
-                <a:effectLst/>
-                <a:latin typeface="Bookman Old Style"/>
-                <a:ea typeface="Bookman Old Style"/>
-                <a:cs typeface="Bookman Old Style"/>
               </a:rPr>
               <a:t>Einführung</a:t>
             </a:r>
@@ -11386,12 +8942,12 @@
         <p:spPr>
           <a:xfrm>
             <a:off x="643467" y="2546224"/>
-            <a:ext cx="3448259" cy="3342747"/>
+            <a:ext cx="3760893" cy="3342747"/>
           </a:xfrm>
         </p:spPr>
         <p:txBody>
           <a:bodyPr vert="horz" lIns="0" tIns="45720" rIns="0" bIns="45720" rtlCol="0">
-            <a:normAutofit fontScale="95000" lnSpcReduction="20000"/>
+            <a:normAutofit/>
           </a:bodyPr>
           <a:lstStyle/>
           <a:p>
@@ -11401,14 +8957,10 @@
               </a:lnSpc>
             </a:pPr>
             <a:r>
-              <a:rPr lang="de-DE" sz="1500" b="0" i="0" strike="noStrike" cap="none" baseline="0">
+              <a:rPr lang="de-DE" sz="1500" dirty="0">
                 <a:solidFill>
                   <a:srgbClr val="FFFFFF"/>
                 </a:solidFill>
-                <a:effectLst/>
-                <a:latin typeface="Franklin Gothic Book"/>
-                <a:ea typeface="Franklin Gothic Book"/>
-                <a:cs typeface="Franklin Gothic Book"/>
               </a:rPr>
               <a:t>Produktbeschreibung, Merkmale und Nutzen</a:t>
             </a:r>
@@ -11420,14 +8972,10 @@
               </a:lnSpc>
             </a:pPr>
             <a:r>
-              <a:rPr lang="de-DE" sz="1500" b="0" i="0" strike="noStrike" cap="none" baseline="0">
+              <a:rPr lang="de-DE" sz="1500" dirty="0">
                 <a:solidFill>
                   <a:srgbClr val="FFFFFF"/>
                 </a:solidFill>
-                <a:effectLst/>
-                <a:latin typeface="Franklin Gothic Book"/>
-                <a:ea typeface="Franklin Gothic Book"/>
-                <a:cs typeface="Franklin Gothic Book"/>
               </a:rPr>
               <a:t>Markttrend und Nachfrage in Lateinamerika</a:t>
             </a:r>
@@ -11439,14 +8987,10 @@
               </a:lnSpc>
             </a:pPr>
             <a:r>
-              <a:rPr lang="de-DE" sz="1500" b="0" i="0" strike="noStrike" cap="none" baseline="0">
+              <a:rPr lang="de-DE" sz="1500" dirty="0">
                 <a:solidFill>
                   <a:srgbClr val="FFFFFF"/>
                 </a:solidFill>
-                <a:effectLst/>
-                <a:latin typeface="Franklin Gothic Book"/>
-                <a:ea typeface="Franklin Gothic Book"/>
-                <a:cs typeface="Franklin Gothic Book"/>
               </a:rPr>
               <a:t>Wettbewerbsanalyse in Lateinamerika</a:t>
             </a:r>
@@ -11458,14 +9002,10 @@
               </a:lnSpc>
             </a:pPr>
             <a:r>
-              <a:rPr lang="de-DE" sz="1500" b="0" i="0" strike="noStrike" cap="none" baseline="0">
+              <a:rPr lang="de-DE" sz="1500" dirty="0">
                 <a:solidFill>
                   <a:srgbClr val="FFFFFF"/>
                 </a:solidFill>
-                <a:effectLst/>
-                <a:latin typeface="Franklin Gothic Book"/>
-                <a:ea typeface="Franklin Gothic Book"/>
-                <a:cs typeface="Franklin Gothic Book"/>
               </a:rPr>
               <a:t>Vertriebskanäle in Lateinamerika</a:t>
             </a:r>
@@ -11477,14 +9017,10 @@
               </a:lnSpc>
             </a:pPr>
             <a:r>
-              <a:rPr lang="de-DE" sz="1500" b="0" i="0" strike="noStrike" cap="none" baseline="0">
+              <a:rPr lang="de-DE" sz="1500" dirty="0">
                 <a:solidFill>
                   <a:srgbClr val="FFFFFF"/>
                 </a:solidFill>
-                <a:effectLst/>
-                <a:latin typeface="Franklin Gothic Book"/>
-                <a:ea typeface="Franklin Gothic Book"/>
-                <a:cs typeface="Franklin Gothic Book"/>
               </a:rPr>
               <a:t>Absatzförderungsplan und -strategie in Lateinamerika</a:t>
             </a:r>
@@ -11496,14 +9032,10 @@
               </a:lnSpc>
             </a:pPr>
             <a:r>
-              <a:rPr lang="de-DE" sz="1500" b="0" i="0" strike="noStrike" cap="none" baseline="0">
+              <a:rPr lang="de-DE" sz="1500" dirty="0">
                 <a:solidFill>
                   <a:srgbClr val="FFFFFF"/>
                 </a:solidFill>
-                <a:effectLst/>
-                <a:latin typeface="Franklin Gothic Book"/>
-                <a:ea typeface="Franklin Gothic Book"/>
-                <a:cs typeface="Franklin Gothic Book"/>
               </a:rPr>
               <a:t>Erwartete Ergebnisse und Herausforderungen</a:t>
             </a:r>
@@ -11515,14 +9047,10 @@
               </a:lnSpc>
             </a:pPr>
             <a:r>
-              <a:rPr lang="de-DE" sz="1500" b="0" i="0" strike="noStrike" cap="none" baseline="0">
+              <a:rPr lang="de-DE" sz="1500" dirty="0">
                 <a:solidFill>
                   <a:srgbClr val="FFFFFF"/>
                 </a:solidFill>
-                <a:effectLst/>
-                <a:latin typeface="Franklin Gothic Book"/>
-                <a:ea typeface="Franklin Gothic Book"/>
-                <a:cs typeface="Franklin Gothic Book"/>
               </a:rPr>
               <a:t>Empfehlungen und Schlussfolgerungen</a:t>
             </a:r>
@@ -11531,7 +9059,7 @@
       </p:sp>
       <p:pic>
         <p:nvPicPr>
-          <p:cNvPr id="5" name="Content Placeholder 4" descr="Indian masala chai tea. Spiced tea with milk on the rustic wooden table.">
+          <p:cNvPr id="5" name="Content Placeholder 4" descr="Indischer Masala Chai Tee. Gewürztee mit Milch auf einem rustikalen Holztisch.">
             <a:extLst>
               <a:ext uri="{FF2B5EF4-FFF2-40B4-BE49-F238E27FC236}">
                 <a16:creationId xmlns:a16="http://schemas.microsoft.com/office/drawing/2014/main" id="{9A3808EA-8867-40A0-A0EF-17D43ED8A5E3}"/>
@@ -11545,12 +9073,10 @@
             <p:ph sz="half" idx="1"/>
           </p:nvPr>
         </p:nvPicPr>
-        <p:blipFill>
+        <p:blipFill rotWithShape="1">
           <a:blip r:embed="rId3"/>
           <a:srcRect l="18097" r="8537" b="-1"/>
-          <a:stretch>
-            <a:fillRect/>
-          </a:stretch>
+          <a:stretch/>
         </p:blipFill>
         <p:spPr>
           <a:xfrm>
@@ -11572,14 +9098,12 @@
   <p:clrMapOvr>
     <a:overrideClrMapping bg1="dk1" tx1="lt1" bg2="dk2" tx2="lt2" accent1="accent1" accent2="accent2" accent3="accent3" accent4="accent4" accent5="accent5" accent6="accent6" hlink="hlink" folHlink="folHlink"/>
   </p:clrMapOvr>
-  <p:transition/>
-  <p:timing/>
 </p:sld>
 </file>
 
 <file path=ppt/slides/slide4.xml><?xml version="1.0" encoding="utf-8"?>
-<p:sld xmlns:a="http://schemas.openxmlformats.org/drawingml/2006/main" xmlns:r="http://schemas.openxmlformats.org/officeDocument/2006/relationships" xmlns:m="http://schemas.openxmlformats.org/officeDocument/2006/math" xmlns:w="http://schemas.openxmlformats.org/wordprocessingml/2006/main" xmlns:wp="http://schemas.openxmlformats.org/drawingml/2006/wordprocessingDrawing" xmlns:a14="http://schemas.microsoft.com/office/drawing/2010/main" xmlns:mc="http://schemas.openxmlformats.org/markup-compatibility/2006" xmlns:p14="http://schemas.microsoft.com/office/powerpoint/2010/main" xmlns:p15="http://schemas.microsoft.com/office/powerpoint/2012/main" xmlns:p159="http://schemas.microsoft.com/office/powerpoint/2015/09/main" xmlns:p="http://schemas.openxmlformats.org/presentationml/2006/main">
-  <p:cSld name="">
+<p:sld xmlns:a="http://schemas.openxmlformats.org/drawingml/2006/main" xmlns:r="http://schemas.openxmlformats.org/officeDocument/2006/relationships" xmlns:p="http://schemas.openxmlformats.org/presentationml/2006/main">
+  <p:cSld>
     <p:bg>
       <p:bgPr>
         <a:solidFill>
@@ -11598,6 +9122,8 @@
         <a:xfrm>
           <a:off x="0" y="0"/>
           <a:ext cx="0" cy="0"/>
+          <a:chOff x="0" y="0"/>
+          <a:chExt cx="0" cy="0"/>
         </a:xfrm>
       </p:grpSpPr>
       <p:sp>
@@ -11857,8 +9383,8 @@
         </p:nvSpPr>
         <p:spPr>
           <a:xfrm>
-            <a:off x="633998" y="4905301"/>
-            <a:ext cx="4988879" cy="1554485"/>
+            <a:off x="129180" y="4905301"/>
+            <a:ext cx="5493698" cy="1554485"/>
           </a:xfrm>
         </p:spPr>
         <p:txBody>
@@ -11869,16 +9395,12 @@
           <a:p>
             <a:pPr algn="r"/>
             <a:r>
-              <a:rPr lang="de-DE" sz="4000" b="0" i="0" strike="noStrike" cap="none" baseline="0">
+              <a:rPr lang="de-DE" sz="4000" dirty="0">
                 <a:solidFill>
                   <a:srgbClr val="FFFFFF"/>
                 </a:solidFill>
-                <a:effectLst/>
-                <a:latin typeface="Bookman Old Style"/>
-                <a:ea typeface="Bookman Old Style"/>
-                <a:cs typeface="Bookman Old Style"/>
               </a:rPr>
-              <a:t>Produktbeschreibung:</a:t>
+              <a:t>Produktbeschreibung</a:t>
             </a:r>
           </a:p>
         </p:txBody>
@@ -11907,7 +9429,7 @@
           </p:nvPr>
         </p:nvCxnSpPr>
         <p:spPr>
-          <a:xfrm flipH="1">
+          <a:xfrm>
             <a:off x="5820770" y="5247564"/>
             <a:ext cx="0" cy="873457"/>
           </a:xfrm>
@@ -11954,12 +9476,12 @@
         <p:spPr>
           <a:xfrm>
             <a:off x="6064301" y="4905300"/>
-            <a:ext cx="5493699" cy="1554485"/>
+            <a:ext cx="5640017" cy="1554485"/>
           </a:xfrm>
         </p:spPr>
         <p:txBody>
           <a:bodyPr vert="horz" lIns="0" tIns="45720" rIns="0" bIns="45720" rtlCol="0" anchor="ctr">
-            <a:normAutofit fontScale="95000" lnSpcReduction="20000"/>
+            <a:normAutofit/>
           </a:bodyPr>
           <a:lstStyle/>
           <a:p>
@@ -11969,14 +9491,10 @@
               </a:lnSpc>
             </a:pPr>
             <a:r>
-              <a:rPr lang="de-DE" sz="1500" b="0" i="0" strike="noStrike" cap="none" baseline="0">
+              <a:rPr lang="de-DE" sz="1500" dirty="0">
                 <a:solidFill>
                   <a:srgbClr val="FFFFFF"/>
                 </a:solidFill>
-                <a:effectLst/>
-                <a:latin typeface="Franklin Gothic Book"/>
-                <a:ea typeface="Franklin Gothic Book"/>
-                <a:cs typeface="Franklin Gothic Book"/>
               </a:rPr>
               <a:t>Sorgfältig hergestellte Mischung</a:t>
             </a:r>
@@ -11988,14 +9506,10 @@
               </a:lnSpc>
             </a:pPr>
             <a:r>
-              <a:rPr lang="de-DE" sz="1500" b="0" i="0" strike="noStrike" cap="none" baseline="0">
+              <a:rPr lang="de-DE" sz="1500" dirty="0">
                 <a:solidFill>
                   <a:srgbClr val="FFFFFF"/>
                 </a:solidFill>
-                <a:effectLst/>
-                <a:latin typeface="Franklin Gothic Book"/>
-                <a:ea typeface="Franklin Gothic Book"/>
-                <a:cs typeface="Franklin Gothic Book"/>
               </a:rPr>
               <a:t>Eine Hommage an die zeitlosen Traditionen des indischen Chai</a:t>
             </a:r>
@@ -12007,14 +9521,10 @@
               </a:lnSpc>
             </a:pPr>
             <a:r>
-              <a:rPr lang="de-DE" sz="1500" b="0" i="0" strike="noStrike" cap="none" baseline="0">
+              <a:rPr lang="de-DE" sz="1500" dirty="0">
                 <a:solidFill>
                   <a:srgbClr val="FFFFFF"/>
                 </a:solidFill>
-                <a:effectLst/>
-                <a:latin typeface="Franklin Gothic Book"/>
-                <a:ea typeface="Franklin Gothic Book"/>
-                <a:cs typeface="Franklin Gothic Book"/>
               </a:rPr>
               <a:t>Bezaubernde Reise durch die pulsierenden Landschaften Indiens</a:t>
             </a:r>
@@ -12026,14 +9536,10 @@
               </a:lnSpc>
             </a:pPr>
             <a:r>
-              <a:rPr lang="de-DE" sz="1500" b="0" i="0" strike="noStrike" cap="none" baseline="0">
+              <a:rPr lang="de-DE" sz="1500" dirty="0">
                 <a:solidFill>
                   <a:srgbClr val="FFFFFF"/>
                 </a:solidFill>
-                <a:effectLst/>
-                <a:latin typeface="Franklin Gothic Book"/>
-                <a:ea typeface="Franklin Gothic Book"/>
-                <a:cs typeface="Franklin Gothic Book"/>
               </a:rPr>
               <a:t>Ermöglicht Ihnen ein authentisches Chai-Erlebnis direkt Zuhause</a:t>
             </a:r>
@@ -12056,7 +9562,7 @@
             <p:ph sz="half" idx="1"/>
             <p:extLst>
               <p:ext uri="{D42A27DB-BD31-4B8C-83A1-F6EECF244321}">
-                <p14:modId xmlns:p14="http://schemas.microsoft.com/office/powerpoint/2010/main" val="3445590745"/>
+                <p14:modId xmlns:p14="http://schemas.microsoft.com/office/powerpoint/2010/main" val="2812730010"/>
               </p:ext>
             </p:extLst>
           </p:nvPr>
@@ -12097,32 +9603,12 @@
               <a:tr h="1240536">
                 <a:tc>
                   <a:txBody>
-                    <a:bodyPr vert="horz" wrap="square"/>
+                    <a:bodyPr/>
                     <a:lstStyle/>
                     <a:p>
                       <a:r>
-                        <a:rPr lang="de-DE" sz="3300" b="1" i="0" strike="noStrike" cap="none" baseline="0">
-                          <a:solidFill>
-                            <a:srgbClr val="FFFFFF"/>
-                          </a:solidFill>
-                          <a:effectLst/>
-                          <a:latin typeface="Franklin Gothic Book"/>
-                          <a:ea typeface="Franklin Gothic Book"/>
-                          <a:cs typeface="Franklin Gothic Book"/>
-                        </a:rPr>
-                        <a:t>Produktbeschreibung</a:t>
-                      </a:r>
-                      <a:r>
-                        <a:rPr lang="de-DE" sz="3300" b="0" i="0" strike="noStrike" cap="none" baseline="0">
-                          <a:solidFill>
-                            <a:srgbClr val="FFFFFF"/>
-                          </a:solidFill>
-                          <a:effectLst/>
-                          <a:latin typeface="Franklin Gothic Book"/>
-                          <a:ea typeface="Franklin Gothic Book"/>
-                          <a:cs typeface="Franklin Gothic Book"/>
-                        </a:rPr>
-                        <a:t>:</a:t>
+                        <a:rPr lang="de-DE" sz="3200" dirty="0"/>
+                        <a:t>Produktbesch-reibung</a:t>
                       </a:r>
                     </a:p>
                   </a:txBody>
@@ -12130,20 +9616,12 @@
                 </a:tc>
                 <a:tc>
                   <a:txBody>
-                    <a:bodyPr vert="horz" wrap="square"/>
+                    <a:bodyPr/>
                     <a:lstStyle/>
                     <a:p>
                       <a:r>
-                        <a:rPr lang="de-DE" sz="3300" b="1" i="0" strike="noStrike" cap="none" baseline="0">
-                          <a:solidFill>
-                            <a:srgbClr val="FFFFFF"/>
-                          </a:solidFill>
-                          <a:effectLst/>
-                          <a:latin typeface="Franklin Gothic Book"/>
-                          <a:ea typeface="Franklin Gothic Book"/>
-                          <a:cs typeface="Franklin Gothic Book"/>
-                        </a:rPr>
-                        <a:t>Funktionen</a:t>
+                        <a:rPr lang="de-DE" sz="3200"/>
+                        <a:t>Merkmale</a:t>
                       </a:r>
                     </a:p>
                   </a:txBody>
@@ -12151,20 +9629,12 @@
                 </a:tc>
                 <a:tc>
                   <a:txBody>
-                    <a:bodyPr vert="horz" wrap="square"/>
+                    <a:bodyPr/>
                     <a:lstStyle/>
                     <a:p>
                       <a:r>
-                        <a:rPr lang="de-DE" sz="3300" b="1" i="0" strike="noStrike" cap="none" baseline="0">
-                          <a:solidFill>
-                            <a:srgbClr val="FFFFFF"/>
-                          </a:solidFill>
-                          <a:effectLst/>
-                          <a:latin typeface="Franklin Gothic Book"/>
-                          <a:ea typeface="Franklin Gothic Book"/>
-                          <a:cs typeface="Franklin Gothic Book"/>
-                        </a:rPr>
-                        <a:t>Vorteile</a:t>
+                        <a:rPr lang="de-DE" sz="3200"/>
+                        <a:t>Nutzen</a:t>
                       </a:r>
                     </a:p>
                   </a:txBody>
@@ -12179,19 +9649,11 @@
               <a:tr h="1743456">
                 <a:tc>
                   <a:txBody>
-                    <a:bodyPr vert="horz" wrap="square"/>
+                    <a:bodyPr/>
                     <a:lstStyle/>
                     <a:p>
                       <a:r>
-                        <a:rPr lang="de-DE" sz="3300" b="0" i="0" strike="noStrike" cap="none" baseline="0">
-                          <a:solidFill>
-                            <a:srgbClr val="000000"/>
-                          </a:solidFill>
-                          <a:effectLst/>
-                          <a:latin typeface="Franklin Gothic Book"/>
-                          <a:ea typeface="Franklin Gothic Book"/>
-                          <a:cs typeface="Franklin Gothic Book"/>
-                        </a:rPr>
+                        <a:rPr lang="de-DE" sz="3200"/>
                         <a:t>Mystic Spice Premium Chai Tea</a:t>
                       </a:r>
                     </a:p>
@@ -12200,19 +9662,11 @@
                 </a:tc>
                 <a:tc>
                   <a:txBody>
-                    <a:bodyPr vert="horz" wrap="square"/>
+                    <a:bodyPr/>
                     <a:lstStyle/>
                     <a:p>
                       <a:r>
-                        <a:rPr lang="de-DE" sz="3300" b="0" i="0" strike="noStrike" cap="none" baseline="0">
-                          <a:solidFill>
-                            <a:srgbClr val="000000"/>
-                          </a:solidFill>
-                          <a:effectLst/>
-                          <a:latin typeface="Franklin Gothic Book"/>
-                          <a:ea typeface="Franklin Gothic Book"/>
-                          <a:cs typeface="Franklin Gothic Book"/>
-                        </a:rPr>
+                        <a:rPr lang="de-DE" sz="3200" dirty="0"/>
                         <a:t>Sorgfältig hergestellte Mischung</a:t>
                       </a:r>
                     </a:p>
@@ -12221,19 +9675,11 @@
                 </a:tc>
                 <a:tc>
                   <a:txBody>
-                    <a:bodyPr vert="horz" wrap="square"/>
+                    <a:bodyPr/>
                     <a:lstStyle/>
                     <a:p>
                       <a:r>
-                        <a:rPr lang="de-DE" sz="3300" b="0" i="0" strike="noStrike" cap="none" baseline="0">
-                          <a:solidFill>
-                            <a:srgbClr val="000000"/>
-                          </a:solidFill>
-                          <a:effectLst/>
-                          <a:latin typeface="Franklin Gothic Book"/>
-                          <a:ea typeface="Franklin Gothic Book"/>
-                          <a:cs typeface="Franklin Gothic Book"/>
-                        </a:rPr>
+                        <a:rPr lang="de-DE" sz="3200" dirty="0"/>
                         <a:t>Authentisches Chai-Erlebnis</a:t>
                       </a:r>
                     </a:p>
@@ -12260,14 +9706,12 @@
   <p:clrMapOvr>
     <a:masterClrMapping/>
   </p:clrMapOvr>
-  <p:transition/>
-  <p:timing/>
 </p:sld>
 </file>
 
 <file path=ppt/slides/slide5.xml><?xml version="1.0" encoding="utf-8"?>
-<p:sld xmlns:a="http://schemas.openxmlformats.org/drawingml/2006/main" xmlns:r="http://schemas.openxmlformats.org/officeDocument/2006/relationships" xmlns:m="http://schemas.openxmlformats.org/officeDocument/2006/math" xmlns:w="http://schemas.openxmlformats.org/wordprocessingml/2006/main" xmlns:wp="http://schemas.openxmlformats.org/drawingml/2006/wordprocessingDrawing" xmlns:a14="http://schemas.microsoft.com/office/drawing/2010/main" xmlns:mc="http://schemas.openxmlformats.org/markup-compatibility/2006" xmlns:p14="http://schemas.microsoft.com/office/powerpoint/2010/main" xmlns:p15="http://schemas.microsoft.com/office/powerpoint/2012/main" xmlns:p159="http://schemas.microsoft.com/office/powerpoint/2015/09/main" xmlns:p="http://schemas.openxmlformats.org/presentationml/2006/main">
-  <p:cSld name="">
+<p:sld xmlns:a="http://schemas.openxmlformats.org/drawingml/2006/main" xmlns:r="http://schemas.openxmlformats.org/officeDocument/2006/relationships" xmlns:p="http://schemas.openxmlformats.org/presentationml/2006/main">
+  <p:cSld>
     <p:bg>
       <p:bgPr>
         <a:solidFill>
@@ -12286,6 +9730,8 @@
         <a:xfrm>
           <a:off x="0" y="0"/>
           <a:ext cx="0" cy="0"/>
+          <a:chOff x="0" y="0"/>
+          <a:chExt cx="0" cy="0"/>
         </a:xfrm>
       </p:grpSpPr>
       <p:sp useBgFill="1">
@@ -12377,15 +9823,7 @@
           <a:lstStyle/>
           <a:p>
             <a:r>
-              <a:rPr lang="de-DE" sz="4700" b="0" i="0" strike="noStrike" cap="none" baseline="0">
-                <a:solidFill>
-                  <a:srgbClr val="404040"/>
-                </a:solidFill>
-                <a:effectLst/>
-                <a:latin typeface="Bookman Old Style"/>
-                <a:ea typeface="Bookman Old Style"/>
-                <a:cs typeface="Bookman Old Style"/>
-              </a:rPr>
+              <a:rPr lang="de-DE"/>
               <a:t>Produktbeschreibung (1/2)</a:t>
             </a:r>
           </a:p>
@@ -12531,7 +9969,7 @@
         </p:nvGraphicFramePr>
         <p:xfrm>
           <a:off x="1096963" y="2287915"/>
-          <a:ext cx="10058401" cy="4124274"/>
+          <a:ext cx="10058401" cy="3554312"/>
         </p:xfrm>
         <a:graphic>
           <a:graphicData uri="http://schemas.openxmlformats.org/drawingml/2006/table">
@@ -12558,70 +9996,40 @@
               <a:tr h="363233">
                 <a:tc>
                   <a:txBody>
-                    <a:bodyPr vert="horz" wrap="square"/>
+                    <a:bodyPr/>
                     <a:lstStyle/>
                     <a:p>
                       <a:pPr>
                         <a:spcAft>
-                          <a:spcPct val="0"/>
+                          <a:spcPts val="0"/>
                         </a:spcAft>
                       </a:pPr>
                       <a:r>
-                        <a:rPr lang="de-DE" sz="1400" b="1" i="0" strike="noStrike" cap="none" baseline="0">
-                          <a:solidFill>
-                            <a:srgbClr val="FFFFFF"/>
-                          </a:solidFill>
+                        <a:rPr lang="de-DE" sz="1400">
                           <a:effectLst/>
-                          <a:latin typeface="Franklin Gothic Book"/>
-                          <a:ea typeface="Franklin Gothic Book"/>
-                          <a:cs typeface="Franklin Gothic Book"/>
                         </a:rPr>
                         <a:t>Produktname</a:t>
                       </a:r>
-                      <a:endParaRPr lang="en-US" sz="2300">
-                        <a:effectLst/>
-                      </a:endParaRPr>
                     </a:p>
                   </a:txBody>
                   <a:tcPr marL="49352" marR="49352" marT="49352" marB="49352"/>
                 </a:tc>
                 <a:tc>
                   <a:txBody>
-                    <a:bodyPr vert="horz" wrap="square"/>
+                    <a:bodyPr/>
                     <a:lstStyle/>
                     <a:p>
                       <a:pPr>
                         <a:spcAft>
-                          <a:spcPct val="0"/>
+                          <a:spcPts val="0"/>
                         </a:spcAft>
                       </a:pPr>
                       <a:r>
-                        <a:rPr lang="de-DE" sz="1400" b="1" i="0" strike="noStrike" cap="none" baseline="0">
-                          <a:solidFill>
-                            <a:srgbClr val="FFFFFF"/>
-                          </a:solidFill>
+                        <a:rPr lang="de-DE" sz="1400">
                           <a:effectLst/>
-                          <a:latin typeface="Franklin Gothic Book"/>
-                          <a:ea typeface="Franklin Gothic Book"/>
-                          <a:cs typeface="Franklin Gothic Book"/>
                         </a:rPr>
                         <a:t>Produktbeschreibung</a:t>
                       </a:r>
-                      <a:r>
-                        <a:rPr lang="de-DE" sz="1400" b="0" i="0" strike="noStrike" cap="none" baseline="0">
-                          <a:solidFill>
-                            <a:srgbClr val="FFFFFF"/>
-                          </a:solidFill>
-                          <a:effectLst/>
-                          <a:latin typeface="Franklin Gothic Book"/>
-                          <a:ea typeface="Franklin Gothic Book"/>
-                          <a:cs typeface="Franklin Gothic Book"/>
-                        </a:rPr>
-                        <a:t>:</a:t>
-                      </a:r>
-                      <a:endParaRPr lang="en-US" sz="2300">
-                        <a:effectLst/>
-                      </a:endParaRPr>
                     </a:p>
                   </a:txBody>
                   <a:tcPr marL="49352" marR="49352" marT="49352" marB="49352"/>
@@ -12635,82 +10043,40 @@
               <a:tr h="1448982">
                 <a:tc>
                   <a:txBody>
-                    <a:bodyPr vert="horz" wrap="square"/>
+                    <a:bodyPr/>
                     <a:lstStyle/>
                     <a:p>
                       <a:pPr>
                         <a:spcAft>
-                          <a:spcPct val="0"/>
+                          <a:spcPts val="0"/>
                         </a:spcAft>
                       </a:pPr>
                       <a:r>
-                        <a:rPr lang="de-DE" sz="1400" b="0" i="0" strike="noStrike" cap="none" baseline="0">
-                          <a:solidFill>
-                            <a:srgbClr val="000000"/>
-                          </a:solidFill>
+                        <a:rPr lang="de-DE" sz="1400">
                           <a:effectLst/>
-                          <a:latin typeface="Franklin Gothic Book"/>
-                          <a:ea typeface="Franklin Gothic Book"/>
-                          <a:cs typeface="Franklin Gothic Book"/>
                         </a:rPr>
                         <a:t>Mystic Spice Premium Chai Tea</a:t>
                       </a:r>
-                      <a:endParaRPr lang="en-US" sz="2300">
-                        <a:effectLst/>
-                      </a:endParaRPr>
                     </a:p>
                   </a:txBody>
                   <a:tcPr marL="49352" marR="49352" marT="49352" marB="49352"/>
                 </a:tc>
                 <a:tc>
                   <a:txBody>
-                    <a:bodyPr vert="horz" wrap="square"/>
+                    <a:bodyPr/>
                     <a:lstStyle/>
                     <a:p>
                       <a:pPr>
                         <a:spcAft>
-                          <a:spcPct val="0"/>
+                          <a:spcPts val="0"/>
                         </a:spcAft>
                       </a:pPr>
                       <a:r>
-                        <a:rPr lang="de-DE" sz="1400" b="0" i="0" strike="noStrike" cap="none" baseline="0">
-                          <a:solidFill>
-                            <a:srgbClr val="000000"/>
-                          </a:solidFill>
+                        <a:rPr lang="de-DE" sz="1400">
                           <a:effectLst/>
-                          <a:latin typeface="Franklin Gothic Book"/>
-                          <a:ea typeface="Franklin Gothic Book"/>
-                          <a:cs typeface="Franklin Gothic Book"/>
                         </a:rPr>
-                        <a:t>Genießen Sie die reichhaltige und aromatische Umarmung des Mystic Spice Premium Chai Tea, einer sorgfältig hergestellten Mischung, die die zeitlosen Traditionen des indischen Chai ehrt.</a:t>
+                        <a:t>Genießen Sie die reichhaltige und aromatische Umarmung des Mystic Spice Premium Chai Tea, einer sorgfältig hergestellten Mischung, die die zeitlosen Traditionen des indischen Chai ehrt. Jede Tasse bietet eine bezaubernde Reise durch die pulsierenden Landschaften Indiens und ermöglicht Ihnen ein authentisches Chai-Erlebnis bei Ihnen zu Hause.</a:t>
                       </a:r>
-                      <a:r>
-                        <a:rPr lang="de-DE" sz="1400" b="0" i="0" strike="noStrike" cap="none" baseline="0">
-                          <a:solidFill>
-                            <a:srgbClr val="000000"/>
-                          </a:solidFill>
-                          <a:effectLst/>
-                          <a:latin typeface="Franklin Gothic Book"/>
-                          <a:ea typeface="Franklin Gothic Book"/>
-                          <a:cs typeface="Franklin Gothic Book"/>
-                        </a:rPr>
-                        <a:t> </a:t>
-                      </a:r>
-                      <a:r>
-                        <a:rPr lang="de-DE" sz="1400" b="0" i="0" strike="noStrike" cap="none" baseline="0">
-                          <a:solidFill>
-                            <a:srgbClr val="000000"/>
-                          </a:solidFill>
-                          <a:effectLst/>
-                          <a:latin typeface="Franklin Gothic Book"/>
-                          <a:ea typeface="Franklin Gothic Book"/>
-                          <a:cs typeface="Franklin Gothic Book"/>
-                        </a:rPr>
-                        <a:t>Jede Tasse bietet eine bezaubernde Reise durch die pulsierenden Landschaften Indiens und ermöglicht Ihnen ein authentisches Chai-Erlebnis bei Ihnen zu Hause.</a:t>
-                      </a:r>
-                      <a:endParaRPr lang="en-US" sz="2300">
-                        <a:effectLst/>
-                      </a:endParaRPr>
                     </a:p>
                   </a:txBody>
                   <a:tcPr marL="49352" marR="49352" marT="49352" marB="49352"/>
@@ -12724,58 +10090,40 @@
               <a:tr h="363233">
                 <a:tc>
                   <a:txBody>
-                    <a:bodyPr vert="horz" wrap="square"/>
+                    <a:bodyPr/>
                     <a:lstStyle/>
                     <a:p>
                       <a:pPr>
                         <a:spcAft>
-                          <a:spcPct val="0"/>
+                          <a:spcPts val="0"/>
                         </a:spcAft>
                       </a:pPr>
                       <a:r>
-                        <a:rPr lang="de-DE" sz="1400" b="0" i="0" strike="noStrike" cap="none" baseline="0">
-                          <a:solidFill>
-                            <a:srgbClr val="000000"/>
-                          </a:solidFill>
+                        <a:rPr lang="de-DE" sz="1400">
                           <a:effectLst/>
-                          <a:latin typeface="Franklin Gothic Book"/>
-                          <a:ea typeface="Franklin Gothic Book"/>
-                          <a:cs typeface="Franklin Gothic Book"/>
                         </a:rPr>
-                        <a:t>Wichtige Funktionen</a:t>
+                        <a:t>Wichtige Features</a:t>
                       </a:r>
-                      <a:endParaRPr lang="en-US" sz="2300">
-                        <a:effectLst/>
-                      </a:endParaRPr>
                     </a:p>
                   </a:txBody>
                   <a:tcPr marL="49352" marR="49352" marT="49352" marB="49352"/>
                 </a:tc>
                 <a:tc>
                   <a:txBody>
-                    <a:bodyPr vert="horz" wrap="square"/>
+                    <a:bodyPr/>
                     <a:lstStyle/>
                     <a:p>
                       <a:pPr>
                         <a:spcAft>
-                          <a:spcPct val="0"/>
+                          <a:spcPts val="0"/>
                         </a:spcAft>
                       </a:pPr>
                       <a:r>
-                        <a:rPr lang="de-DE" sz="1400" b="0" i="0" strike="noStrike" cap="none" baseline="0">
-                          <a:solidFill>
-                            <a:srgbClr val="000000"/>
-                          </a:solidFill>
+                        <a:rPr lang="de-DE" sz="1400">
                           <a:effectLst/>
-                          <a:latin typeface="Franklin Gothic Book"/>
-                          <a:ea typeface="Franklin Gothic Book"/>
-                          <a:cs typeface="Franklin Gothic Book"/>
                         </a:rPr>
                         <a:t>Hauptvorteile</a:t>
                       </a:r>
-                      <a:endParaRPr lang="en-US" sz="2300">
-                        <a:effectLst/>
-                      </a:endParaRPr>
                     </a:p>
                   </a:txBody>
                   <a:tcPr marL="49352" marR="49352" marT="49352" marB="49352"/>
@@ -12789,106 +10137,40 @@
               <a:tr h="1231833">
                 <a:tc>
                   <a:txBody>
-                    <a:bodyPr vert="horz" wrap="square"/>
+                    <a:bodyPr/>
                     <a:lstStyle/>
                     <a:p>
                       <a:pPr>
                         <a:spcAft>
-                          <a:spcPct val="0"/>
+                          <a:spcPts val="0"/>
                         </a:spcAft>
                       </a:pPr>
                       <a:r>
-                        <a:rPr lang="de-DE" sz="1400" b="0" i="0" strike="noStrike" cap="none" baseline="0">
-                          <a:solidFill>
-                            <a:srgbClr val="000000"/>
-                          </a:solidFill>
+                        <a:rPr lang="de-DE" sz="1400">
                           <a:effectLst/>
-                          <a:latin typeface="Franklin Gothic Book"/>
-                          <a:ea typeface="Franklin Gothic Book"/>
-                          <a:cs typeface="Franklin Gothic Book"/>
                         </a:rPr>
-                        <a:t>Authentische Mischung: Unser Chai ist eine harmonische Mischung aus hochwertigen Schwarzteeblättern und einer charakteristischen Auswahl an gemahlenen Gewürzen wie Zimt, Kardamom, Nelken, Ingwer und schwarzem Pfeffer.</a:t>
+                        <a:t>Authentische Mischung: Unser Chai ist eine harmonische Mischung aus erstklassigen Schwarzteeblättern und einer charakteristischen Auswahl an gemahlenen Gewürzen, darunter Zimt, Kardamom, Nelken, Ingwer und schwarzer Pfeffer. Diese jahrhundertealte Rezeptur verspricht einen authentischen und kräftigen Geschmack bei jedem Schluck.</a:t>
                       </a:r>
-                      <a:r>
-                        <a:rPr lang="de-DE" sz="1400" b="0" i="0" strike="noStrike" cap="none" baseline="0">
-                          <a:solidFill>
-                            <a:srgbClr val="000000"/>
-                          </a:solidFill>
-                          <a:effectLst/>
-                          <a:latin typeface="Franklin Gothic Book"/>
-                          <a:ea typeface="Franklin Gothic Book"/>
-                          <a:cs typeface="Franklin Gothic Book"/>
-                        </a:rPr>
-                        <a:t> </a:t>
-                      </a:r>
-                      <a:r>
-                        <a:rPr lang="de-DE" sz="1400" b="0" i="0" strike="noStrike" cap="none" baseline="0">
-                          <a:solidFill>
-                            <a:srgbClr val="000000"/>
-                          </a:solidFill>
-                          <a:effectLst/>
-                          <a:latin typeface="Franklin Gothic Book"/>
-                          <a:ea typeface="Franklin Gothic Book"/>
-                          <a:cs typeface="Franklin Gothic Book"/>
-                        </a:rPr>
-                        <a:t>Diese jahrhundertealte Rezeptur verspricht einen authentischen und kräftigen Geschmack bei jedem Schluck.</a:t>
-                      </a:r>
-                      <a:endParaRPr lang="en-US" sz="2300">
-                        <a:effectLst/>
-                      </a:endParaRPr>
                     </a:p>
                   </a:txBody>
                   <a:tcPr marL="49352" marR="49352" marT="49352" marB="49352"/>
                 </a:tc>
                 <a:tc>
                   <a:txBody>
-                    <a:bodyPr vert="horz" wrap="square"/>
+                    <a:bodyPr/>
                     <a:lstStyle/>
                     <a:p>
                       <a:pPr>
                         <a:spcAft>
-                          <a:spcPct val="0"/>
+                          <a:spcPts val="0"/>
                         </a:spcAft>
                       </a:pPr>
                       <a:r>
-                        <a:rPr lang="de-DE" sz="1400" b="0" i="0" strike="noStrike" cap="none" baseline="0">
-                          <a:solidFill>
-                            <a:srgbClr val="000000"/>
-                          </a:solidFill>
+                        <a:rPr lang="de-DE" sz="1400">
                           <a:effectLst/>
-                          <a:latin typeface="Franklin Gothic Book"/>
-                          <a:ea typeface="Franklin Gothic Book"/>
-                          <a:cs typeface="Franklin Gothic Book"/>
                         </a:rPr>
-                        <a:t>Gesundheitsfördernde Zutaten: Alle Inhaltsstoffe des Mystic Spice Chai Tea werden aufgrund ihrer natürlichen gesundheitsfördernden Eigenschaften ausgewählt.</a:t>
+                        <a:t>Gesundheitsfördernde Inhaltsstoffe: Jede Zutat im Mystic Spice Chai Tea wird aufgrund ihrer natürlichen gesundheitlichen Vorteile ausgewählt. Ingwer und Kardamom fördern die Verdauung, Zimt hilft bei der Regulierung des Blutzuckerspiegels, und Nelken sorgen für einen Schub an Antioxidantien.</a:t>
                       </a:r>
-                      <a:r>
-                        <a:rPr lang="de-DE" sz="1400" b="0" i="0" strike="noStrike" cap="none" baseline="0">
-                          <a:solidFill>
-                            <a:srgbClr val="000000"/>
-                          </a:solidFill>
-                          <a:effectLst/>
-                          <a:latin typeface="Franklin Gothic Book"/>
-                          <a:ea typeface="Franklin Gothic Book"/>
-                          <a:cs typeface="Franklin Gothic Book"/>
-                        </a:rPr>
-                        <a:t> </a:t>
-                      </a:r>
-                      <a:r>
-                        <a:rPr lang="de-DE" sz="1400" b="0" i="0" strike="noStrike" cap="none" baseline="0">
-                          <a:solidFill>
-                            <a:srgbClr val="000000"/>
-                          </a:solidFill>
-                          <a:effectLst/>
-                          <a:latin typeface="Franklin Gothic Book"/>
-                          <a:ea typeface="Franklin Gothic Book"/>
-                          <a:cs typeface="Franklin Gothic Book"/>
-                        </a:rPr>
-                        <a:t>Ingwer und Kardamom fördern die Verdauung, Zimt hilft bei der Regulierung des Blutzuckerspiegels, und Nelken sorgen für einen Schub an Antioxidantien.</a:t>
-                      </a:r>
-                      <a:endParaRPr lang="en-US" sz="2300">
-                        <a:effectLst/>
-                      </a:endParaRPr>
                     </a:p>
                   </a:txBody>
                   <a:tcPr marL="49352" marR="49352" marT="49352" marB="49352"/>
@@ -12913,14 +10195,12 @@
   <p:clrMapOvr>
     <a:masterClrMapping/>
   </p:clrMapOvr>
-  <p:transition/>
-  <p:timing/>
 </p:sld>
 </file>
 
 <file path=ppt/slides/slide6.xml><?xml version="1.0" encoding="utf-8"?>
-<p:sld xmlns:a="http://schemas.openxmlformats.org/drawingml/2006/main" xmlns:r="http://schemas.openxmlformats.org/officeDocument/2006/relationships" xmlns:m="http://schemas.openxmlformats.org/officeDocument/2006/math" xmlns:w="http://schemas.openxmlformats.org/wordprocessingml/2006/main" xmlns:wp="http://schemas.openxmlformats.org/drawingml/2006/wordprocessingDrawing" xmlns:a14="http://schemas.microsoft.com/office/drawing/2010/main" xmlns:mc="http://schemas.openxmlformats.org/markup-compatibility/2006" xmlns:p14="http://schemas.microsoft.com/office/powerpoint/2010/main" xmlns:p15="http://schemas.microsoft.com/office/powerpoint/2012/main" xmlns:p159="http://schemas.microsoft.com/office/powerpoint/2015/09/main" xmlns:p="http://schemas.openxmlformats.org/presentationml/2006/main">
-  <p:cSld name="">
+<p:sld xmlns:a="http://schemas.openxmlformats.org/drawingml/2006/main" xmlns:r="http://schemas.openxmlformats.org/officeDocument/2006/relationships" xmlns:p="http://schemas.openxmlformats.org/presentationml/2006/main">
+  <p:cSld>
     <p:bg>
       <p:bgPr>
         <a:solidFill>
@@ -12939,6 +10219,8 @@
         <a:xfrm>
           <a:off x="0" y="0"/>
           <a:ext cx="0" cy="0"/>
+          <a:chOff x="0" y="0"/>
+          <a:chExt cx="0" cy="0"/>
         </a:xfrm>
       </p:grpSpPr>
       <p:sp>
@@ -13099,7 +10381,7 @@
               <a:shade val="50000"/>
             </a:schemeClr>
           </a:lnRef>
-          <a:fillRef idx="4294967295">
+          <a:fillRef idx="1001">
             <a:schemeClr val="lt1"/>
           </a:fillRef>
           <a:effectRef idx="0">
@@ -13209,16 +10491,12 @@
           <a:lstStyle/>
           <a:p>
             <a:r>
-              <a:rPr lang="de-DE" sz="4400" b="0" i="0" strike="noStrike" cap="none" baseline="0">
+              <a:rPr lang="de-DE" sz="4400" dirty="0">
                 <a:solidFill>
                   <a:srgbClr val="FFFFFF"/>
                 </a:solidFill>
-                <a:effectLst/>
-                <a:latin typeface="Bookman Old Style"/>
-                <a:ea typeface="Bookman Old Style"/>
-                <a:cs typeface="Bookman Old Style"/>
               </a:rPr>
-              <a:t>Produktbeschreibung (2/2)</a:t>
+              <a:t>Produktbes-chreibung (2/2)</a:t>
             </a:r>
           </a:p>
         </p:txBody>
@@ -13298,7 +10576,7 @@
         </p:nvGraphicFramePr>
         <p:xfrm>
           <a:off x="5282335" y="1994843"/>
-          <a:ext cx="6275668" cy="4180382"/>
+          <a:ext cx="6275668" cy="3845102"/>
         </p:xfrm>
         <a:graphic>
           <a:graphicData uri="http://schemas.openxmlformats.org/drawingml/2006/table">
@@ -13325,70 +10603,40 @@
               <a:tr h="271208">
                 <a:tc>
                   <a:txBody>
-                    <a:bodyPr vert="horz" wrap="square"/>
+                    <a:bodyPr/>
                     <a:lstStyle/>
                     <a:p>
                       <a:pPr>
                         <a:spcAft>
-                          <a:spcPct val="0"/>
+                          <a:spcPts val="0"/>
                         </a:spcAft>
                       </a:pPr>
                       <a:r>
-                        <a:rPr lang="de-DE" sz="1100" b="1" i="0" strike="noStrike" cap="none" baseline="0">
-                          <a:solidFill>
-                            <a:srgbClr val="FFFFFF"/>
-                          </a:solidFill>
+                        <a:rPr lang="de-DE" sz="1100">
                           <a:effectLst/>
-                          <a:latin typeface="Franklin Gothic Book"/>
-                          <a:ea typeface="Franklin Gothic Book"/>
-                          <a:cs typeface="Franklin Gothic Book"/>
                         </a:rPr>
                         <a:t>Produktname</a:t>
                       </a:r>
-                      <a:endParaRPr lang="en-US" sz="1700">
-                        <a:effectLst/>
-                      </a:endParaRPr>
                     </a:p>
                   </a:txBody>
                   <a:tcPr marL="36849" marR="36849" marT="36849" marB="36849"/>
                 </a:tc>
                 <a:tc>
                   <a:txBody>
-                    <a:bodyPr vert="horz" wrap="square"/>
+                    <a:bodyPr/>
                     <a:lstStyle/>
                     <a:p>
                       <a:pPr>
                         <a:spcAft>
-                          <a:spcPct val="0"/>
+                          <a:spcPts val="0"/>
                         </a:spcAft>
                       </a:pPr>
                       <a:r>
-                        <a:rPr lang="de-DE" sz="1100" b="1" i="0" strike="noStrike" cap="none" baseline="0">
-                          <a:solidFill>
-                            <a:srgbClr val="FFFFFF"/>
-                          </a:solidFill>
+                        <a:rPr lang="de-DE" sz="1100">
                           <a:effectLst/>
-                          <a:latin typeface="Franklin Gothic Book"/>
-                          <a:ea typeface="Franklin Gothic Book"/>
-                          <a:cs typeface="Franklin Gothic Book"/>
                         </a:rPr>
                         <a:t>Produktbeschreibung</a:t>
                       </a:r>
-                      <a:r>
-                        <a:rPr lang="de-DE" sz="1100" b="0" i="0" strike="noStrike" cap="none" baseline="0">
-                          <a:solidFill>
-                            <a:srgbClr val="FFFFFF"/>
-                          </a:solidFill>
-                          <a:effectLst/>
-                          <a:latin typeface="Franklin Gothic Book"/>
-                          <a:ea typeface="Franklin Gothic Book"/>
-                          <a:cs typeface="Franklin Gothic Book"/>
-                        </a:rPr>
-                        <a:t>:</a:t>
-                      </a:r>
-                      <a:endParaRPr lang="en-US" sz="1700">
-                        <a:effectLst/>
-                      </a:endParaRPr>
                     </a:p>
                   </a:txBody>
                   <a:tcPr marL="36849" marR="36849" marT="36849" marB="36849"/>
@@ -13402,106 +10650,40 @@
               <a:tr h="1081883">
                 <a:tc>
                   <a:txBody>
-                    <a:bodyPr vert="horz" wrap="square"/>
+                    <a:bodyPr/>
                     <a:lstStyle/>
                     <a:p>
                       <a:pPr>
                         <a:spcAft>
-                          <a:spcPct val="0"/>
+                          <a:spcPts val="0"/>
                         </a:spcAft>
                       </a:pPr>
                       <a:r>
-                        <a:rPr lang="de-DE" sz="1100" b="0" i="0" strike="noStrike" cap="none" baseline="0">
-                          <a:solidFill>
-                            <a:srgbClr val="000000"/>
-                          </a:solidFill>
+                        <a:rPr lang="de-DE" sz="1100">
                           <a:effectLst/>
-                          <a:latin typeface="Franklin Gothic Book"/>
-                          <a:ea typeface="Franklin Gothic Book"/>
-                          <a:cs typeface="Franklin Gothic Book"/>
                         </a:rPr>
-                        <a:t>Reichhaltig an Aroma und Geschmack: Das warme, würzige Aroma und der belebende Geschmack unseres Chai machen ihn zum perfekten Getränk zum Tagesanfang oder an einem erholsamen Abend.</a:t>
+                        <a:t>Reiches Aroma und Geschmack: Das warme, würzige Aroma und der intensive, belebende Geschmack unseres Chai machen ihn zum perfekten Getränk für den Start in den Tag oder zum Entspannen am Abend. Die Aromen sind intensiv, aber dennoch ausgewogen und sorgen für ein beruhigendes und entspannendes Erlebnis.</a:t>
                       </a:r>
-                      <a:r>
-                        <a:rPr lang="de-DE" sz="1100" b="0" i="0" strike="noStrike" cap="none" baseline="0">
-                          <a:solidFill>
-                            <a:srgbClr val="000000"/>
-                          </a:solidFill>
-                          <a:effectLst/>
-                          <a:latin typeface="Franklin Gothic Book"/>
-                          <a:ea typeface="Franklin Gothic Book"/>
-                          <a:cs typeface="Franklin Gothic Book"/>
-                        </a:rPr>
-                        <a:t> </a:t>
-                      </a:r>
-                      <a:r>
-                        <a:rPr lang="de-DE" sz="1100" b="0" i="0" strike="noStrike" cap="none" baseline="0">
-                          <a:solidFill>
-                            <a:srgbClr val="000000"/>
-                          </a:solidFill>
-                          <a:effectLst/>
-                          <a:latin typeface="Franklin Gothic Book"/>
-                          <a:ea typeface="Franklin Gothic Book"/>
-                          <a:cs typeface="Franklin Gothic Book"/>
-                        </a:rPr>
-                        <a:t>Die Aromen sind intensiv, aber dennoch ausgewogen und sorgen für ein beruhigendes und entspannendes Erlebnis.</a:t>
-                      </a:r>
-                      <a:endParaRPr lang="en-US" sz="1700">
-                        <a:effectLst/>
-                      </a:endParaRPr>
                     </a:p>
                   </a:txBody>
                   <a:tcPr marL="36849" marR="36849" marT="36849" marB="36849"/>
                 </a:tc>
                 <a:tc>
                   <a:txBody>
-                    <a:bodyPr vert="horz" wrap="square"/>
+                    <a:bodyPr/>
                     <a:lstStyle/>
                     <a:p>
                       <a:pPr>
                         <a:spcAft>
-                          <a:spcPct val="0"/>
+                          <a:spcPts val="0"/>
                         </a:spcAft>
                       </a:pPr>
                       <a:r>
-                        <a:rPr lang="de-DE" sz="1100" b="0" i="0" strike="noStrike" cap="none" baseline="0">
-                          <a:solidFill>
-                            <a:srgbClr val="000000"/>
-                          </a:solidFill>
+                        <a:rPr lang="de-DE" sz="1100">
                           <a:effectLst/>
-                          <a:latin typeface="Franklin Gothic Book"/>
-                          <a:ea typeface="Franklin Gothic Book"/>
-                          <a:cs typeface="Franklin Gothic Book"/>
                         </a:rPr>
-                        <a:t>Vielfältige Zubereitungsmöglichkeiten: Ob Sie Ihren Chai dampfend heiß, als erfrischenden Eistee oder als cremigen Latte mögen, unsere Mischung ist vielseitig, um allen Vorlieben gerecht zu werden.</a:t>
+                        <a:t>Vielseitige Brühoptionen: Ob Sie Ihren Chai dampfend heiß, als erfrischenden Eistee oder als cremiges Milchgetränk mögen: Unsere Mischung ist vielseitig genug, um allen Vorlieben gerecht zu werden. Eine einfache Zubereitungsanleitung liegt bei, damit Sie Ihren Chai genau so genießen können, wie Sie ihn mögen.</a:t>
                       </a:r>
-                      <a:r>
-                        <a:rPr lang="de-DE" sz="1100" b="0" i="0" strike="noStrike" cap="none" baseline="0">
-                          <a:solidFill>
-                            <a:srgbClr val="000000"/>
-                          </a:solidFill>
-                          <a:effectLst/>
-                          <a:latin typeface="Franklin Gothic Book"/>
-                          <a:ea typeface="Franklin Gothic Book"/>
-                          <a:cs typeface="Franklin Gothic Book"/>
-                        </a:rPr>
-                        <a:t> </a:t>
-                      </a:r>
-                      <a:r>
-                        <a:rPr lang="de-DE" sz="1100" b="0" i="0" strike="noStrike" cap="none" baseline="0">
-                          <a:solidFill>
-                            <a:srgbClr val="000000"/>
-                          </a:solidFill>
-                          <a:effectLst/>
-                          <a:latin typeface="Franklin Gothic Book"/>
-                          <a:ea typeface="Franklin Gothic Book"/>
-                          <a:cs typeface="Franklin Gothic Book"/>
-                        </a:rPr>
-                        <a:t>Eine einfache Zubereitungsanleitung liegt bei, damit Sie Ihren Chai genau so genießen können, wie Sie ihn mögen.</a:t>
-                      </a:r>
-                      <a:endParaRPr lang="en-US" sz="1700">
-                        <a:effectLst/>
-                      </a:endParaRPr>
                     </a:p>
                   </a:txBody>
                   <a:tcPr marL="36849" marR="36849" marT="36849" marB="36849"/>
@@ -13515,58 +10697,40 @@
               <a:tr h="757613">
                 <a:tc>
                   <a:txBody>
-                    <a:bodyPr vert="horz" wrap="square"/>
+                    <a:bodyPr/>
                     <a:lstStyle/>
                     <a:p>
                       <a:pPr>
                         <a:spcAft>
-                          <a:spcPct val="0"/>
+                          <a:spcPts val="0"/>
                         </a:spcAft>
                       </a:pPr>
                       <a:r>
-                        <a:rPr lang="de-DE" sz="1100" b="0" i="0" strike="noStrike" cap="none" baseline="0">
-                          <a:solidFill>
-                            <a:srgbClr val="000000"/>
-                          </a:solidFill>
+                        <a:rPr lang="de-DE" sz="1100">
                           <a:effectLst/>
-                          <a:latin typeface="Franklin Gothic Book"/>
-                          <a:ea typeface="Franklin Gothic Book"/>
-                          <a:cs typeface="Franklin Gothic Book"/>
                         </a:rPr>
-                        <a:t>Nachhaltig gewonnen: Da wir uns der Nachhaltigkeit verpflichtet haben, beziehen wir unsere Zutaten von kleinen Bauernhöfen, die ökologische Landwirtschaft betreiben. So garantieren wir nicht nur beste Qualität, sondern tragen auch zum Wohlergehen unseres Planeten bei.</a:t>
+                        <a:t>Nachhaltig bezogen: Da wir uns der Nachhaltigkeit verpflichtet haben, beziehen wir unsere Zutaten von kleinen landwirtschaftlichen Betrieben, die biologischen Anbau betreiben. So gewährleisten wir nicht nur die beste Qualität, sondern auch das Wohlergehen unseres Planeten.</a:t>
                       </a:r>
-                      <a:endParaRPr lang="en-US" sz="1700">
-                        <a:effectLst/>
-                      </a:endParaRPr>
                     </a:p>
                   </a:txBody>
                   <a:tcPr marL="36849" marR="36849" marT="36849" marB="36849"/>
                 </a:tc>
                 <a:tc>
                   <a:txBody>
-                    <a:bodyPr vert="horz" wrap="square"/>
+                    <a:bodyPr/>
                     <a:lstStyle/>
                     <a:p>
                       <a:pPr>
                         <a:spcAft>
-                          <a:spcPct val="0"/>
+                          <a:spcPts val="0"/>
                         </a:spcAft>
                       </a:pPr>
                       <a:r>
-                        <a:rPr lang="de-DE" sz="1100" b="0" i="0" strike="noStrike" cap="none" baseline="0">
-                          <a:solidFill>
-                            <a:srgbClr val="000000"/>
-                          </a:solidFill>
+                        <a:rPr lang="de-DE" sz="1100">
                           <a:effectLst/>
-                          <a:latin typeface="Franklin Gothic Book"/>
-                          <a:ea typeface="Franklin Gothic Book"/>
-                          <a:cs typeface="Franklin Gothic Book"/>
                         </a:rPr>
-                        <a:t>Elegante Verpackung: Mystic Spice Chai Tea wird in einer wunderschönen, umweltfreundlichen Verpackung geliefert, die ihn zu einem idealen Geschenk für Teeliebhaber oder zu einem luxuriösen Genuss für Sie selbst macht.</a:t>
+                        <a:t>Edle Verpackung: Mystic Spice Chai Tea wird in einer wunderschön gestalteten, umweltfreundlichen Verpackung geliefert und ist damit ein ideales Geschenk für all diejenigen, die gerne Tee trinken, oder ein luxuriöser Genuss für Sie selbst.</a:t>
                       </a:r>
-                      <a:endParaRPr lang="en-US" sz="1700">
-                        <a:effectLst/>
-                      </a:endParaRPr>
                     </a:p>
                   </a:txBody>
                   <a:tcPr marL="36849" marR="36849" marT="36849" marB="36849"/>
@@ -13580,82 +10744,40 @@
               <a:tr h="757613">
                 <a:tc>
                   <a:txBody>
-                    <a:bodyPr vert="horz" wrap="square"/>
+                    <a:bodyPr/>
                     <a:lstStyle/>
                     <a:p>
                       <a:pPr>
                         <a:spcAft>
-                          <a:spcPct val="0"/>
+                          <a:spcPts val="0"/>
                         </a:spcAft>
                       </a:pPr>
                       <a:r>
-                        <a:rPr lang="de-DE" sz="1100" b="0" i="0" strike="noStrike" cap="none" baseline="0">
-                          <a:solidFill>
-                            <a:srgbClr val="000000"/>
-                          </a:solidFill>
+                        <a:rPr lang="de-DE" sz="1100">
                           <a:effectLst/>
-                          <a:latin typeface="Franklin Gothic Book"/>
-                          <a:ea typeface="Franklin Gothic Book"/>
-                          <a:cs typeface="Franklin Gothic Book"/>
                         </a:rPr>
-                        <a:t>Kundenzufriedenheitsgarantie: Wir stehen hinter unserem Produkt und bieten eine Zufriedenheitsgarantie.</a:t>
+                        <a:t>Kundenzufriedenheitsgarantie: Wir stehen hinter unserem Produkt und bieten eine Zufriedenheitsgarantie. Sollte der Mystic Spice Chai Tea Ihre Erwartungen nicht erfüllen, verpflichten wir uns dazu, uns zu verbessern.</a:t>
                       </a:r>
-                      <a:r>
-                        <a:rPr lang="de-DE" sz="1100" b="0" i="0" strike="noStrike" cap="none" baseline="0">
-                          <a:solidFill>
-                            <a:srgbClr val="000000"/>
-                          </a:solidFill>
-                          <a:effectLst/>
-                          <a:latin typeface="Franklin Gothic Book"/>
-                          <a:ea typeface="Franklin Gothic Book"/>
-                          <a:cs typeface="Franklin Gothic Book"/>
-                        </a:rPr>
-                        <a:t> </a:t>
-                      </a:r>
-                      <a:r>
-                        <a:rPr lang="de-DE" sz="1100" b="0" i="0" strike="noStrike" cap="none" baseline="0">
-                          <a:solidFill>
-                            <a:srgbClr val="000000"/>
-                          </a:solidFill>
-                          <a:effectLst/>
-                          <a:latin typeface="Franklin Gothic Book"/>
-                          <a:ea typeface="Franklin Gothic Book"/>
-                          <a:cs typeface="Franklin Gothic Book"/>
-                        </a:rPr>
-                        <a:t>Sollte der Mystic Spice Chai Tea Ihre Erwartungen nicht erfüllen, verpflichten wir uns dazu, uns zu verbessern.</a:t>
-                      </a:r>
-                      <a:endParaRPr lang="en-US" sz="1700">
-                        <a:effectLst/>
-                      </a:endParaRPr>
                     </a:p>
                   </a:txBody>
                   <a:tcPr marL="36849" marR="36849" marT="36849" marB="36849"/>
                 </a:tc>
                 <a:tc>
                   <a:txBody>
-                    <a:bodyPr vert="horz" wrap="square"/>
+                    <a:bodyPr/>
                     <a:lstStyle/>
                     <a:p>
                       <a:pPr>
                         <a:spcAft>
-                          <a:spcPct val="0"/>
+                          <a:spcPts val="0"/>
                         </a:spcAft>
                       </a:pPr>
                       <a:r>
-                        <a:rPr lang="de-DE" sz="1100" b="0" i="0" strike="noStrike" cap="none" baseline="0">
-                          <a:solidFill>
-                            <a:srgbClr val="000000"/>
-                          </a:solidFill>
+                        <a:rPr lang="de-DE" sz="1100">
                           <a:effectLst/>
-                          <a:latin typeface="Franklin Gothic Book"/>
-                          <a:ea typeface="Franklin Gothic Book"/>
-                          <a:cs typeface="Franklin Gothic Book"/>
                         </a:rPr>
-                        <a:t>Ideal für: Teeliebhaber, gesundheitsbewusste Menschen, Liebhaber von warmen, würzigen Getränken und alle, die den reichen Geschmack des traditionellen indischen Chai entdecken möchten.</a:t>
+                        <a:t>Ideal für: Personen, die gerne Tee trinken, gesundheitsbewusste Menschen, Menschen, die warme, würzige Getränke mögen, und alle, die den reichhaltigen Geschmack des traditionellen indischen Chai kennenlernen möchten.</a:t>
                       </a:r>
-                      <a:endParaRPr lang="en-US" sz="1700">
-                        <a:effectLst/>
-                      </a:endParaRPr>
                     </a:p>
                   </a:txBody>
                   <a:tcPr marL="36849" marR="36849" marT="36849" marB="36849"/>
@@ -13680,14 +10802,12 @@
   <p:clrMapOvr>
     <a:masterClrMapping/>
   </p:clrMapOvr>
-  <p:transition/>
-  <p:timing/>
 </p:sld>
 </file>
 
 <file path=ppt/slides/slide7.xml><?xml version="1.0" encoding="utf-8"?>
-<p:sld xmlns:a="http://schemas.openxmlformats.org/drawingml/2006/main" xmlns:r="http://schemas.openxmlformats.org/officeDocument/2006/relationships" xmlns:m="http://schemas.openxmlformats.org/officeDocument/2006/math" xmlns:w="http://schemas.openxmlformats.org/wordprocessingml/2006/main" xmlns:wp="http://schemas.openxmlformats.org/drawingml/2006/wordprocessingDrawing" xmlns:a14="http://schemas.microsoft.com/office/drawing/2010/main" xmlns:mc="http://schemas.openxmlformats.org/markup-compatibility/2006" xmlns:p14="http://schemas.microsoft.com/office/powerpoint/2010/main" xmlns:p15="http://schemas.microsoft.com/office/powerpoint/2012/main" xmlns:p159="http://schemas.microsoft.com/office/powerpoint/2015/09/main" xmlns:p="http://schemas.openxmlformats.org/presentationml/2006/main">
-  <p:cSld name="">
+<p:sld xmlns:a="http://schemas.openxmlformats.org/drawingml/2006/main" xmlns:r="http://schemas.openxmlformats.org/officeDocument/2006/relationships" xmlns:p="http://schemas.openxmlformats.org/presentationml/2006/main">
+  <p:cSld>
     <p:bg>
       <p:bgPr>
         <a:solidFill>
@@ -13706,6 +10826,8 @@
         <a:xfrm>
           <a:off x="0" y="0"/>
           <a:ext cx="0" cy="0"/>
+          <a:chOff x="0" y="0"/>
+          <a:chExt cx="0" cy="0"/>
         </a:xfrm>
       </p:grpSpPr>
       <p:sp>
@@ -13914,15 +11036,7 @@
           <a:lstStyle/>
           <a:p>
             <a:r>
-              <a:rPr lang="de-DE" sz="4700" b="0" i="0" strike="noStrike" cap="none" baseline="0">
-                <a:solidFill>
-                  <a:srgbClr val="404040"/>
-                </a:solidFill>
-                <a:effectLst/>
-                <a:latin typeface="Bookman Old Style"/>
-                <a:ea typeface="Bookman Old Style"/>
-                <a:cs typeface="Bookman Old Style"/>
-              </a:rPr>
+              <a:rPr lang="de-DE"/>
               <a:t>Markttrend und Nachfrage</a:t>
             </a:r>
           </a:p>
@@ -14001,13 +11115,13 @@
         </p:nvSpPr>
         <p:spPr>
           <a:xfrm>
-            <a:off x="6411684" y="2407436"/>
-            <a:ext cx="5127172" cy="3461658"/>
+            <a:off x="6411684" y="2407435"/>
+            <a:ext cx="5414556" cy="3644171"/>
           </a:xfrm>
         </p:spPr>
         <p:txBody>
           <a:bodyPr vert="horz" lIns="0" tIns="45720" rIns="0" bIns="45720" rtlCol="0">
-            <a:normAutofit fontScale="95000" lnSpcReduction="20000"/>
+            <a:normAutofit lnSpcReduction="10000"/>
           </a:bodyPr>
           <a:lstStyle/>
           <a:p>
@@ -14017,15 +11131,7 @@
               </a:lnSpc>
             </a:pPr>
             <a:r>
-              <a:rPr lang="de-DE" sz="1400" b="0" i="0" strike="noStrike" cap="none" baseline="0">
-                <a:solidFill>
-                  <a:srgbClr val="404040"/>
-                </a:solidFill>
-                <a:effectLst/>
-                <a:latin typeface="Franklin Gothic Book"/>
-                <a:ea typeface="Franklin Gothic Book"/>
-                <a:cs typeface="Franklin Gothic Book"/>
-              </a:rPr>
+              <a:rPr lang="de-DE" sz="1400" dirty="0"/>
               <a:t>Lateinamerika bietet eine große Chance für Chai-Tee</a:t>
             </a:r>
           </a:p>
@@ -14036,15 +11142,7 @@
               </a:lnSpc>
             </a:pPr>
             <a:r>
-              <a:rPr lang="de-DE" sz="1400" b="0" i="0" strike="noStrike" cap="none" baseline="0">
-                <a:solidFill>
-                  <a:srgbClr val="404040"/>
-                </a:solidFill>
-                <a:effectLst/>
-                <a:latin typeface="Franklin Gothic Book"/>
-                <a:ea typeface="Franklin Gothic Book"/>
-                <a:cs typeface="Franklin Gothic Book"/>
-              </a:rPr>
+              <a:rPr lang="de-DE" sz="1400" dirty="0"/>
               <a:t>Wachsende Nachfrage nach gesunden, natürlichen und exotischen Produkten</a:t>
             </a:r>
           </a:p>
@@ -14055,15 +11153,7 @@
               </a:lnSpc>
             </a:pPr>
             <a:r>
-              <a:rPr lang="de-DE" sz="1400" b="0" i="0" strike="noStrike" cap="none" baseline="0">
-                <a:solidFill>
-                  <a:srgbClr val="404040"/>
-                </a:solidFill>
-                <a:effectLst/>
-                <a:latin typeface="Franklin Gothic Book"/>
-                <a:ea typeface="Franklin Gothic Book"/>
-                <a:cs typeface="Franklin Gothic Book"/>
-              </a:rPr>
+              <a:rPr lang="de-DE" sz="1400" dirty="0"/>
               <a:t>Starke Teekultur in Ländern wie Argentinien, Chile und Uruguay</a:t>
             </a:r>
           </a:p>
@@ -14074,15 +11164,7 @@
               </a:lnSpc>
             </a:pPr>
             <a:r>
-              <a:rPr lang="de-DE" sz="1400" b="0" i="0" strike="noStrike" cap="none" baseline="0">
-                <a:solidFill>
-                  <a:srgbClr val="404040"/>
-                </a:solidFill>
-                <a:effectLst/>
-                <a:latin typeface="Franklin Gothic Book"/>
-                <a:ea typeface="Franklin Gothic Book"/>
-                <a:cs typeface="Franklin Gothic Book"/>
-              </a:rPr>
+              <a:rPr lang="de-DE" sz="1400" dirty="0"/>
               <a:t>Chai-Tee ist sowohl für Tee- als auch für Kaffeebegeisterte geeignet</a:t>
             </a:r>
           </a:p>
@@ -14093,15 +11175,7 @@
               </a:lnSpc>
             </a:pPr>
             <a:r>
-              <a:rPr lang="de-DE" sz="1400" b="0" i="0" strike="noStrike" cap="none" baseline="0">
-                <a:solidFill>
-                  <a:srgbClr val="404040"/>
-                </a:solidFill>
-                <a:effectLst/>
-                <a:latin typeface="Franklin Gothic Book"/>
-                <a:ea typeface="Franklin Gothic Book"/>
-                <a:cs typeface="Franklin Gothic Book"/>
-              </a:rPr>
+              <a:rPr lang="de-DE" sz="1400" dirty="0"/>
               <a:t>Chai-Tee passt zum Lebensstil und zu den Vorlieben der lateinamerikanischen konsumierenden Zielgruppe</a:t>
             </a:r>
           </a:p>
@@ -14112,15 +11186,7 @@
               </a:lnSpc>
             </a:pPr>
             <a:r>
-              <a:rPr lang="de-DE" sz="1400" b="0" i="0" strike="noStrike" cap="none" baseline="0">
-                <a:solidFill>
-                  <a:srgbClr val="404040"/>
-                </a:solidFill>
-                <a:effectLst/>
-                <a:latin typeface="Franklin Gothic Book"/>
-                <a:ea typeface="Franklin Gothic Book"/>
-                <a:cs typeface="Franklin Gothic Book"/>
-              </a:rPr>
+              <a:rPr lang="de-DE" sz="1400" dirty="0"/>
               <a:t>Die Größe des globalen Chai-Tee-Marktes wurde 2019 auf 1,9 Milliarden USD geschätzt</a:t>
             </a:r>
           </a:p>
@@ -14131,15 +11197,7 @@
               </a:lnSpc>
             </a:pPr>
             <a:r>
-              <a:rPr lang="de-DE" sz="1400" b="0" i="0" strike="noStrike" cap="none" baseline="0">
-                <a:solidFill>
-                  <a:srgbClr val="404040"/>
-                </a:solidFill>
-                <a:effectLst/>
-                <a:latin typeface="Franklin Gothic Book"/>
-                <a:ea typeface="Franklin Gothic Book"/>
-                <a:cs typeface="Franklin Gothic Book"/>
-              </a:rPr>
+              <a:rPr lang="de-DE" sz="1400" dirty="0"/>
               <a:t>Erwartetes Wachstum mit einer durchschnittlichen jährlichen Wachstumsrate von 5,5 % von 2020 bis 2027</a:t>
             </a:r>
           </a:p>
@@ -14150,15 +11208,7 @@
               </a:lnSpc>
             </a:pPr>
             <a:r>
-              <a:rPr lang="de-DE" sz="1400" b="0" i="0" strike="noStrike" cap="none" baseline="0">
-                <a:solidFill>
-                  <a:srgbClr val="404040"/>
-                </a:solidFill>
-                <a:effectLst/>
-                <a:latin typeface="Franklin Gothic Book"/>
-                <a:ea typeface="Franklin Gothic Book"/>
-                <a:cs typeface="Franklin Gothic Book"/>
-              </a:rPr>
+              <a:rPr lang="de-DE" sz="1400" dirty="0"/>
               <a:t>Lateinamerika ist eine der wachstumsstärksten Regionen für Chai-Tee</a:t>
             </a:r>
           </a:p>
@@ -14169,15 +11219,7 @@
               </a:lnSpc>
             </a:pPr>
             <a:r>
-              <a:rPr lang="de-DE" sz="1400" b="0" i="0" strike="noStrike" cap="none" baseline="0">
-                <a:solidFill>
-                  <a:srgbClr val="404040"/>
-                </a:solidFill>
-                <a:effectLst/>
-                <a:latin typeface="Franklin Gothic Book"/>
-                <a:ea typeface="Franklin Gothic Book"/>
-                <a:cs typeface="Franklin Gothic Book"/>
-              </a:rPr>
+              <a:rPr lang="de-DE" sz="1400" dirty="0"/>
               <a:t>Zu den wichtigsten Wachstumstreibern gehören das zunehmende Bewusstsein, das steigende verfügbare Einkommen und die Ausweitung des Vertriebs</a:t>
             </a:r>
           </a:p>
@@ -14261,14 +11303,14 @@
             <p:ph sz="half" idx="1"/>
             <p:extLst>
               <p:ext uri="{D42A27DB-BD31-4B8C-83A1-F6EECF244321}">
-                <p14:modId xmlns:p14="http://schemas.microsoft.com/office/powerpoint/2010/main" val="3887441503"/>
+                <p14:modId xmlns:p14="http://schemas.microsoft.com/office/powerpoint/2010/main" val="2069546475"/>
               </p:ext>
             </p:extLst>
           </p:nvPr>
         </p:nvGraphicFramePr>
         <p:xfrm>
           <a:off x="643192" y="1541387"/>
-          <a:ext cx="5115348" cy="4032972"/>
+          <a:ext cx="5115348" cy="3455187"/>
         </p:xfrm>
         <a:graphic>
           <a:graphicData uri="http://schemas.openxmlformats.org/drawingml/2006/table">
@@ -14305,18 +11347,14 @@
               <a:tr h="1697807">
                 <a:tc>
                   <a:txBody>
-                    <a:bodyPr vert="horz" wrap="square"/>
+                    <a:bodyPr/>
                     <a:lstStyle/>
                     <a:p>
                       <a:r>
-                        <a:rPr lang="de-DE" sz="2000" b="1" i="0" strike="noStrike" cap="all" baseline="0">
+                        <a:rPr lang="de-DE" sz="2000" b="1" cap="all">
                           <a:solidFill>
-                            <a:srgbClr val="000000"/>
+                            <a:schemeClr val="tx1"/>
                           </a:solidFill>
-                          <a:effectLst/>
-                          <a:latin typeface="Franklin Gothic Book"/>
-                          <a:ea typeface="Franklin Gothic Book"/>
-                          <a:cs typeface="Franklin Gothic Book"/>
                         </a:rPr>
                         <a:t>Region</a:t>
                       </a:r>
@@ -14340,20 +11378,16 @@
                 </a:tc>
                 <a:tc>
                   <a:txBody>
-                    <a:bodyPr vert="horz" wrap="square"/>
+                    <a:bodyPr/>
                     <a:lstStyle/>
                     <a:p>
                       <a:r>
-                        <a:rPr lang="de-DE" sz="2000" b="1" i="0" strike="noStrike" cap="all" baseline="0">
+                        <a:rPr lang="de-DE" sz="2000" b="1" cap="all">
                           <a:solidFill>
-                            <a:srgbClr val="000000"/>
+                            <a:schemeClr val="tx1"/>
                           </a:solidFill>
-                          <a:effectLst/>
-                          <a:latin typeface="Franklin Gothic Book"/>
-                          <a:ea typeface="Franklin Gothic Book"/>
-                          <a:cs typeface="Franklin Gothic Book"/>
                         </a:rPr>
-                        <a:t>Größe des Chai-Tee-Marketes (Mrd. USD)</a:t>
+                        <a:t>Größe des Chai-Tee-Marktes (Mrd. USD)</a:t>
                       </a:r>
                     </a:p>
                   </a:txBody>
@@ -14375,20 +11409,16 @@
                 </a:tc>
                 <a:tc>
                   <a:txBody>
-                    <a:bodyPr vert="horz" wrap="square"/>
+                    <a:bodyPr/>
                     <a:lstStyle/>
                     <a:p>
                       <a:r>
-                        <a:rPr lang="de-DE" sz="2000" b="1" i="0" strike="noStrike" cap="all" baseline="0">
+                        <a:rPr lang="de-DE" sz="2000" b="1" cap="all">
                           <a:solidFill>
-                            <a:srgbClr val="000000"/>
+                            <a:schemeClr val="tx1"/>
                           </a:solidFill>
-                          <a:effectLst/>
-                          <a:latin typeface="Franklin Gothic Book"/>
-                          <a:ea typeface="Franklin Gothic Book"/>
-                          <a:cs typeface="Franklin Gothic Book"/>
                         </a:rPr>
-                        <a:t>CAGR (2020-2027)</a:t>
+                        <a:t>CAGR (2020–2027)</a:t>
                       </a:r>
                     </a:p>
                   </a:txBody>
@@ -14417,18 +11447,14 @@
               <a:tr h="680116">
                 <a:tc>
                   <a:txBody>
-                    <a:bodyPr vert="horz" wrap="square"/>
+                    <a:bodyPr/>
                     <a:lstStyle/>
                     <a:p>
                       <a:r>
-                        <a:rPr lang="de-DE" sz="2600" b="0" i="0" strike="noStrike" cap="none" baseline="0">
+                        <a:rPr lang="de-DE" sz="2600" cap="none">
                           <a:solidFill>
-                            <a:srgbClr val="000000"/>
+                            <a:schemeClr val="tx1"/>
                           </a:solidFill>
-                          <a:effectLst/>
-                          <a:latin typeface="Franklin Gothic Book"/>
-                          <a:ea typeface="Franklin Gothic Book"/>
-                          <a:cs typeface="Franklin Gothic Book"/>
                         </a:rPr>
                         <a:t>Global</a:t>
                       </a:r>
@@ -14457,20 +11483,16 @@
                 </a:tc>
                 <a:tc>
                   <a:txBody>
-                    <a:bodyPr vert="horz" wrap="square"/>
+                    <a:bodyPr/>
                     <a:lstStyle/>
                     <a:p>
                       <a:r>
-                        <a:rPr lang="de-DE" sz="2600" b="0" i="0" strike="noStrike" cap="none" baseline="0">
+                        <a:rPr lang="de-DE" sz="2600" cap="none">
                           <a:solidFill>
-                            <a:srgbClr val="000000"/>
+                            <a:schemeClr val="tx1"/>
                           </a:solidFill>
-                          <a:effectLst/>
-                          <a:latin typeface="Franklin Gothic Book"/>
-                          <a:ea typeface="Franklin Gothic Book"/>
-                          <a:cs typeface="Franklin Gothic Book"/>
                         </a:rPr>
-                        <a:t>1.9</a:t>
+                        <a:t>1,9</a:t>
                       </a:r>
                     </a:p>
                   </a:txBody>
@@ -14497,18 +11519,14 @@
                 </a:tc>
                 <a:tc>
                   <a:txBody>
-                    <a:bodyPr vert="horz" wrap="square"/>
+                    <a:bodyPr/>
                     <a:lstStyle/>
                     <a:p>
                       <a:r>
-                        <a:rPr lang="de-DE" sz="2600" b="0" i="0" strike="noStrike" cap="none" baseline="0">
+                        <a:rPr lang="de-DE" sz="2600" cap="none">
                           <a:solidFill>
-                            <a:srgbClr val="000000"/>
+                            <a:schemeClr val="tx1"/>
                           </a:solidFill>
-                          <a:effectLst/>
-                          <a:latin typeface="Franklin Gothic Book"/>
-                          <a:ea typeface="Franklin Gothic Book"/>
-                          <a:cs typeface="Franklin Gothic Book"/>
                         </a:rPr>
                         <a:t>5,5 %</a:t>
                       </a:r>
@@ -14544,20 +11562,16 @@
               <a:tr h="1077264">
                 <a:tc>
                   <a:txBody>
-                    <a:bodyPr vert="horz" wrap="square"/>
+                    <a:bodyPr/>
                     <a:lstStyle/>
                     <a:p>
                       <a:r>
-                        <a:rPr lang="de-DE" sz="2600" b="0" i="0" strike="noStrike" cap="none" baseline="0">
+                        <a:rPr lang="de-DE" sz="2600" cap="none" dirty="0">
                           <a:solidFill>
-                            <a:srgbClr val="000000"/>
+                            <a:schemeClr val="tx1"/>
                           </a:solidFill>
-                          <a:effectLst/>
-                          <a:latin typeface="Franklin Gothic Book"/>
-                          <a:ea typeface="Franklin Gothic Book"/>
-                          <a:cs typeface="Franklin Gothic Book"/>
                         </a:rPr>
-                        <a:t>Lateinamerika</a:t>
+                        <a:t>Lateina-merika</a:t>
                       </a:r>
                     </a:p>
                   </a:txBody>
@@ -14587,20 +11601,16 @@
                 </a:tc>
                 <a:tc>
                   <a:txBody>
-                    <a:bodyPr vert="horz" wrap="square"/>
+                    <a:bodyPr/>
                     <a:lstStyle/>
                     <a:p>
                       <a:r>
-                        <a:rPr lang="de-DE" sz="2600" b="0" i="0" strike="noStrike" cap="none" baseline="0">
+                        <a:rPr lang="de-DE" sz="2600" cap="none">
                           <a:solidFill>
-                            <a:srgbClr val="000000"/>
+                            <a:schemeClr val="tx1"/>
                           </a:solidFill>
-                          <a:effectLst/>
-                          <a:latin typeface="Franklin Gothic Book"/>
-                          <a:ea typeface="Franklin Gothic Book"/>
-                          <a:cs typeface="Franklin Gothic Book"/>
                         </a:rPr>
-                        <a:t>N/V</a:t>
+                        <a:t>n/v</a:t>
                       </a:r>
                     </a:p>
                   </a:txBody>
@@ -14630,18 +11640,14 @@
                 </a:tc>
                 <a:tc>
                   <a:txBody>
-                    <a:bodyPr vert="horz" wrap="square"/>
+                    <a:bodyPr/>
                     <a:lstStyle/>
                     <a:p>
                       <a:r>
-                        <a:rPr lang="de-DE" sz="2600" b="0" i="0" strike="noStrike" cap="none" baseline="0">
+                        <a:rPr lang="de-DE" sz="2600" cap="none" dirty="0">
                           <a:solidFill>
-                            <a:srgbClr val="000000"/>
+                            <a:schemeClr val="tx1"/>
                           </a:solidFill>
-                          <a:effectLst/>
-                          <a:latin typeface="Franklin Gothic Book"/>
-                          <a:ea typeface="Franklin Gothic Book"/>
-                          <a:cs typeface="Franklin Gothic Book"/>
                         </a:rPr>
                         <a:t>6,2 %</a:t>
                       </a:r>
@@ -14691,14 +11697,12 @@
   <p:clrMapOvr>
     <a:masterClrMapping/>
   </p:clrMapOvr>
-  <p:transition/>
-  <p:timing/>
 </p:sld>
 </file>
 
 <file path=ppt/slides/slide8.xml><?xml version="1.0" encoding="utf-8"?>
-<p:sld xmlns:a="http://schemas.openxmlformats.org/drawingml/2006/main" xmlns:r="http://schemas.openxmlformats.org/officeDocument/2006/relationships" xmlns:m="http://schemas.openxmlformats.org/officeDocument/2006/math" xmlns:w="http://schemas.openxmlformats.org/wordprocessingml/2006/main" xmlns:wp="http://schemas.openxmlformats.org/drawingml/2006/wordprocessingDrawing" xmlns:a14="http://schemas.microsoft.com/office/drawing/2010/main" xmlns:mc="http://schemas.openxmlformats.org/markup-compatibility/2006" xmlns:p14="http://schemas.microsoft.com/office/powerpoint/2010/main" xmlns:p15="http://schemas.microsoft.com/office/powerpoint/2012/main" xmlns:p159="http://schemas.microsoft.com/office/powerpoint/2015/09/main" xmlns:p="http://schemas.openxmlformats.org/presentationml/2006/main">
-  <p:cSld name="">
+<p:sld xmlns:a="http://schemas.openxmlformats.org/drawingml/2006/main" xmlns:r="http://schemas.openxmlformats.org/officeDocument/2006/relationships" xmlns:p="http://schemas.openxmlformats.org/presentationml/2006/main">
+  <p:cSld>
     <p:bg>
       <p:bgPr>
         <a:solidFill>
@@ -14717,6 +11721,8 @@
         <a:xfrm>
           <a:off x="0" y="0"/>
           <a:ext cx="0" cy="0"/>
+          <a:chOff x="0" y="0"/>
+          <a:chExt cx="0" cy="0"/>
         </a:xfrm>
       </p:grpSpPr>
       <p:sp useBgFill="1">
@@ -14760,7 +11766,7 @@
               <a:shade val="50000"/>
             </a:schemeClr>
           </a:lnRef>
-          <a:fillRef idx="4294967295">
+          <a:fillRef idx="1001">
             <a:schemeClr val="lt1"/>
           </a:fillRef>
           <a:effectRef idx="0">
@@ -14859,8 +11865,8 @@
         </p:nvSpPr>
         <p:spPr>
           <a:xfrm>
-            <a:off x="492369" y="605896"/>
-            <a:ext cx="3642309" cy="5646208"/>
+            <a:off x="27549" y="605896"/>
+            <a:ext cx="4648593" cy="5646208"/>
           </a:xfrm>
         </p:spPr>
         <p:txBody>
@@ -14870,16 +11876,12 @@
           <a:lstStyle/>
           <a:p>
             <a:r>
-              <a:rPr lang="de-DE" sz="4400" b="0" i="0" strike="noStrike" cap="none" baseline="0">
+              <a:rPr lang="de-DE" sz="4400" dirty="0">
                 <a:solidFill>
                   <a:srgbClr val="FFFFFF"/>
                 </a:solidFill>
-                <a:effectLst/>
-                <a:latin typeface="Bookman Old Style"/>
-                <a:ea typeface="Bookman Old Style"/>
-                <a:cs typeface="Bookman Old Style"/>
               </a:rPr>
-              <a:t>Vertriebskanäle: Einzelhändler</a:t>
+              <a:t>Vertriebskanäle: Einzelhandel</a:t>
             </a:r>
           </a:p>
         </p:txBody>
@@ -14908,109 +11910,53 @@
         </p:spPr>
         <p:txBody>
           <a:bodyPr anchor="ctr">
-            <a:normAutofit fontScale="97500" lnSpcReduction="20000"/>
+            <a:normAutofit/>
           </a:bodyPr>
           <a:lstStyle/>
           <a:p>
             <a:r>
-              <a:rPr lang="de-DE" sz="2200" b="0" i="0" strike="noStrike" cap="none" baseline="0">
-                <a:solidFill>
-                  <a:srgbClr val="404040"/>
-                </a:solidFill>
-                <a:effectLst/>
-                <a:latin typeface="Franklin Gothic Book"/>
-                <a:ea typeface="Franklin Gothic Book"/>
-                <a:cs typeface="Franklin Gothic Book"/>
-              </a:rPr>
-              <a:t>Einzelhändler: Verkaufen Sie Chai-Teeprodukte direkt an die Verbraucher</a:t>
+              <a:rPr lang="de-DE" sz="2200"/>
+              <a:t>Einzelhandel: Verkauf von Chai-Tee-Produkten direkt an die Kundschaft</a:t>
             </a:r>
           </a:p>
           <a:p>
             <a:pPr lvl="1"/>
             <a:r>
-              <a:rPr lang="de-DE" sz="2200" b="0" i="0" strike="noStrike" cap="none" baseline="0">
-                <a:solidFill>
-                  <a:srgbClr val="404040"/>
-                </a:solidFill>
-                <a:effectLst/>
-                <a:latin typeface="Franklin Gothic Book"/>
-                <a:ea typeface="Franklin Gothic Book"/>
-                <a:cs typeface="Franklin Gothic Book"/>
-              </a:rPr>
+              <a:rPr lang="de-DE" sz="2200"/>
               <a:t>Supermärkte, Lebensmittelgeschäfte, Fachgeschäfte, Cafés und Online-Plattformen</a:t>
             </a:r>
           </a:p>
           <a:p>
             <a:pPr lvl="1"/>
             <a:r>
-              <a:rPr lang="de-DE" sz="2200" b="0" i="0" strike="noStrike" cap="none" baseline="0">
-                <a:solidFill>
-                  <a:srgbClr val="404040"/>
-                </a:solidFill>
-                <a:effectLst/>
-                <a:latin typeface="Franklin Gothic Book"/>
-                <a:ea typeface="Franklin Gothic Book"/>
-                <a:cs typeface="Franklin Gothic Book"/>
-              </a:rPr>
+              <a:rPr lang="de-DE" sz="2200"/>
               <a:t>Beeinflussung von Wahrnehmung, Vorlieben und Kaufverhalten der Kundschaft</a:t>
             </a:r>
           </a:p>
           <a:p>
             <a:pPr lvl="1"/>
             <a:r>
-              <a:rPr lang="de-DE" sz="2200" b="0" i="0" strike="noStrike" cap="none" baseline="0">
-                <a:solidFill>
-                  <a:srgbClr val="404040"/>
-                </a:solidFill>
-                <a:effectLst/>
-                <a:latin typeface="Franklin Gothic Book"/>
-                <a:ea typeface="Franklin Gothic Book"/>
-                <a:cs typeface="Franklin Gothic Book"/>
-              </a:rPr>
+              <a:rPr lang="de-DE" sz="2200"/>
               <a:t>Unterstützung bei Werbung und Merchandising</a:t>
             </a:r>
           </a:p>
           <a:p>
             <a:pPr lvl="1"/>
             <a:r>
-              <a:rPr lang="de-DE" sz="2200" b="0" i="0" strike="noStrike" cap="none" baseline="0">
-                <a:solidFill>
-                  <a:srgbClr val="404040"/>
-                </a:solidFill>
-                <a:effectLst/>
-                <a:latin typeface="Franklin Gothic Book"/>
-                <a:ea typeface="Franklin Gothic Book"/>
-                <a:cs typeface="Franklin Gothic Book"/>
-              </a:rPr>
+              <a:rPr lang="de-DE" sz="2200"/>
               <a:t>Die wichtigsten Akteure im Großhandel</a:t>
             </a:r>
           </a:p>
           <a:p>
             <a:r>
-              <a:rPr lang="de-DE" sz="2200" b="0" i="0" strike="noStrike" cap="none" baseline="0">
-                <a:solidFill>
-                  <a:srgbClr val="404040"/>
-                </a:solidFill>
-                <a:effectLst/>
-                <a:latin typeface="Franklin Gothic Book"/>
-                <a:ea typeface="Franklin Gothic Book"/>
-                <a:cs typeface="Franklin Gothic Book"/>
-              </a:rPr>
-              <a:t>Großhändler: Verkauf von Chai-Teeprodukten in Massen an Einzelhändler</a:t>
-            </a:r>
-          </a:p>
-          <a:p>
-            <a:r>
-              <a:rPr lang="de-DE" sz="2200" b="0" i="0" strike="noStrike" cap="none" baseline="0">
-                <a:solidFill>
-                  <a:srgbClr val="404040"/>
-                </a:solidFill>
-                <a:effectLst/>
-                <a:latin typeface="Franklin Gothic Book"/>
-                <a:ea typeface="Franklin Gothic Book"/>
-                <a:cs typeface="Franklin Gothic Book"/>
-              </a:rPr>
-              <a:t>Distributoren: Lieferung der Chai-Tee-Produkte von Herstellern zu Einzelhändlern</a:t>
+              <a:rPr lang="de-DE" sz="2200"/>
+              <a:t>Großhandel: Verkauf von Chai-Tee-Produkten in großen Mengen an den Einzelhandel</a:t>
+            </a:r>
+          </a:p>
+          <a:p>
+            <a:r>
+              <a:rPr lang="de-DE" sz="2200"/>
+              <a:t>Vertriebspartner: Transport von Chai-Tee-Produkten von den Herstellern zum Einzelhandel</a:t>
             </a:r>
           </a:p>
         </p:txBody>
@@ -15025,14 +11971,12 @@
   <p:clrMapOvr>
     <a:masterClrMapping/>
   </p:clrMapOvr>
-  <p:transition/>
-  <p:timing/>
 </p:sld>
 </file>
 
 <file path=ppt/slides/slide9.xml><?xml version="1.0" encoding="utf-8"?>
-<p:sld xmlns:a="http://schemas.openxmlformats.org/drawingml/2006/main" xmlns:r="http://schemas.openxmlformats.org/officeDocument/2006/relationships" xmlns:m="http://schemas.openxmlformats.org/officeDocument/2006/math" xmlns:w="http://schemas.openxmlformats.org/wordprocessingml/2006/main" xmlns:wp="http://schemas.openxmlformats.org/drawingml/2006/wordprocessingDrawing" xmlns:a14="http://schemas.microsoft.com/office/drawing/2010/main" xmlns:mc="http://schemas.openxmlformats.org/markup-compatibility/2006" xmlns:p14="http://schemas.microsoft.com/office/powerpoint/2010/main" xmlns:p15="http://schemas.microsoft.com/office/powerpoint/2012/main" xmlns:p159="http://schemas.microsoft.com/office/powerpoint/2015/09/main" xmlns:p="http://schemas.openxmlformats.org/presentationml/2006/main">
-  <p:cSld name="">
+<p:sld xmlns:a="http://schemas.openxmlformats.org/drawingml/2006/main" xmlns:r="http://schemas.openxmlformats.org/officeDocument/2006/relationships" xmlns:p="http://schemas.openxmlformats.org/presentationml/2006/main">
+  <p:cSld>
     <p:bg>
       <p:bgPr>
         <a:solidFill>
@@ -15051,6 +11995,8 @@
         <a:xfrm>
           <a:off x="0" y="0"/>
           <a:ext cx="0" cy="0"/>
+          <a:chOff x="0" y="0"/>
+          <a:chExt cx="0" cy="0"/>
         </a:xfrm>
       </p:grpSpPr>
       <p:sp useBgFill="1">
@@ -15094,7 +12040,7 @@
               <a:shade val="50000"/>
             </a:schemeClr>
           </a:lnRef>
-          <a:fillRef idx="4294967295">
+          <a:fillRef idx="1001">
             <a:schemeClr val="lt1"/>
           </a:fillRef>
           <a:effectRef idx="0">
@@ -15193,8 +12139,8 @@
         </p:nvSpPr>
         <p:spPr>
           <a:xfrm>
-            <a:off x="492369" y="605896"/>
-            <a:ext cx="3642309" cy="5646208"/>
+            <a:off x="68581" y="605896"/>
+            <a:ext cx="4580028" cy="5646208"/>
           </a:xfrm>
         </p:spPr>
         <p:txBody>
@@ -15204,16 +12150,12 @@
           <a:lstStyle/>
           <a:p>
             <a:r>
-              <a:rPr lang="de-DE" sz="4400" b="0" i="0" strike="noStrike" cap="none" baseline="0">
+              <a:rPr lang="de-DE" sz="4400" dirty="0">
                 <a:solidFill>
                   <a:srgbClr val="FFFFFF"/>
                 </a:solidFill>
-                <a:effectLst/>
-                <a:latin typeface="Bookman Old Style"/>
-                <a:ea typeface="Bookman Old Style"/>
-                <a:cs typeface="Bookman Old Style"/>
               </a:rPr>
-              <a:t>Vertriebskanäle: Großhandelsunternehmen</a:t>
+              <a:t>Vertriebskanäle: Großhandel</a:t>
             </a:r>
           </a:p>
         </p:txBody>
@@ -15236,84 +12178,44 @@
         </p:nvSpPr>
         <p:spPr>
           <a:xfrm>
-            <a:off x="5231958" y="605896"/>
-            <a:ext cx="5923721" cy="5646208"/>
+            <a:off x="5231958" y="438256"/>
+            <a:ext cx="6319962" cy="5909204"/>
           </a:xfrm>
         </p:spPr>
         <p:txBody>
           <a:bodyPr anchor="ctr">
-            <a:normAutofit lnSpcReduction="20000"/>
+            <a:normAutofit/>
           </a:bodyPr>
           <a:lstStyle/>
           <a:p>
             <a:r>
-              <a:rPr lang="de-DE" sz="2400" b="0" i="0" strike="noStrike" cap="none" baseline="0">
-                <a:solidFill>
-                  <a:srgbClr val="404040"/>
-                </a:solidFill>
-                <a:effectLst/>
-                <a:latin typeface="Franklin Gothic Book"/>
-                <a:ea typeface="Franklin Gothic Book"/>
-                <a:cs typeface="Franklin Gothic Book"/>
-              </a:rPr>
+              <a:rPr lang="de-DE" sz="2400" dirty="0"/>
               <a:t>Großhandelsunternehmen kaufen Chai-Tee-Produkte in großen Mengen von Herstellerfirmen oder Vertriebspartnern</a:t>
             </a:r>
           </a:p>
           <a:p>
             <a:pPr lvl="1"/>
             <a:r>
-              <a:rPr lang="de-DE" sz="2400" b="0" i="0" strike="noStrike" cap="none" baseline="0">
-                <a:solidFill>
-                  <a:srgbClr val="404040"/>
-                </a:solidFill>
-                <a:effectLst/>
-                <a:latin typeface="Franklin Gothic Book"/>
-                <a:ea typeface="Franklin Gothic Book"/>
-                <a:cs typeface="Franklin Gothic Book"/>
-              </a:rPr>
+              <a:rPr lang="de-DE" sz="2400" dirty="0"/>
               <a:t>Sie verkaufen an den Einzelhandel oder andere Zwischenunternehmen</a:t>
             </a:r>
           </a:p>
           <a:p>
             <a:r>
-              <a:rPr lang="de-DE" sz="2400" b="0" i="0" strike="noStrike" cap="none" baseline="0">
-                <a:solidFill>
-                  <a:srgbClr val="404040"/>
-                </a:solidFill>
-                <a:effectLst/>
-                <a:latin typeface="Franklin Gothic Book"/>
-                <a:ea typeface="Franklin Gothic Book"/>
-                <a:cs typeface="Franklin Gothic Book"/>
-              </a:rPr>
+              <a:rPr lang="de-DE" sz="2400" dirty="0"/>
               <a:t>Die Großhandelsunternehmen bringen Angebot und Nachfrage von Chai-Tee-Produkten zusammen</a:t>
             </a:r>
           </a:p>
           <a:p>
             <a:pPr lvl="1"/>
             <a:r>
-              <a:rPr lang="de-DE" sz="2400" b="0" i="0" strike="noStrike" cap="none" baseline="0">
-                <a:solidFill>
-                  <a:srgbClr val="404040"/>
-                </a:solidFill>
-                <a:effectLst/>
-                <a:latin typeface="Franklin Gothic Book"/>
-                <a:ea typeface="Franklin Gothic Book"/>
-                <a:cs typeface="Franklin Gothic Book"/>
-              </a:rPr>
+              <a:rPr lang="de-DE" sz="2400" dirty="0"/>
               <a:t>Sie bieten Größenvorteile, Lager- und Transportdienste</a:t>
             </a:r>
           </a:p>
           <a:p>
             <a:r>
-              <a:rPr lang="de-DE" sz="2400" b="0" i="0" strike="noStrike" cap="none" baseline="0">
-                <a:solidFill>
-                  <a:srgbClr val="404040"/>
-                </a:solidFill>
-                <a:effectLst/>
-                <a:latin typeface="Franklin Gothic Book"/>
-                <a:ea typeface="Franklin Gothic Book"/>
-                <a:cs typeface="Franklin Gothic Book"/>
-              </a:rPr>
+              <a:rPr lang="de-DE" sz="2400" dirty="0"/>
               <a:t>Großhandelsunternehmen stellen Marktinformationen, Feedback und Kreditmöglichkeiten bereit</a:t>
             </a:r>
           </a:p>
@@ -15329,22 +12231,11 @@
   <p:clrMapOvr>
     <a:masterClrMapping/>
   </p:clrMapOvr>
-  <p:transition/>
-  <p:timing/>
 </p:sld>
 </file>
 
-<file path=ppt/tags/tag1.xml><?xml version="1.0" encoding="utf-8"?>
-<p:tagLst xmlns:p="http://schemas.openxmlformats.org/presentationml/2006/main">
-  <p:tag name="AS_OS" val="Unix 3.10.0.1160"/>
-  <p:tag name="AS_RELEASE_DATE" val="2023.06.30"/>
-  <p:tag name="AS_TITLE" val="Aspose.Slides for Java"/>
-  <p:tag name="AS_VERSION" val="23.6.1"/>
-</p:tagLst>
-</file>
-
 <file path=ppt/theme/theme1.xml><?xml version="1.0" encoding="utf-8"?>
-<a:theme xmlns:r="http://schemas.openxmlformats.org/officeDocument/2006/relationships" xmlns:a="http://schemas.openxmlformats.org/drawingml/2006/main" name="RetrospectVTI">
+<a:theme xmlns:a="http://schemas.openxmlformats.org/drawingml/2006/main" name="RetrospectVTI">
   <a:themeElements>
     <a:clrScheme name="Office">
       <a:dk1>
@@ -15386,9 +12277,9 @@
     </a:clrScheme>
     <a:fontScheme name="Retrospect">
       <a:majorFont>
-        <a:latin typeface="Bookman Old Style" panose="020f0302020204030204"/>
-        <a:ea typeface="Bookman Old Style" panose="020f0302020204030204"/>
-        <a:cs typeface="Arial"/>
+        <a:latin typeface="Bookman Old Style" panose="020F0302020204030204"/>
+        <a:ea typeface=""/>
+        <a:cs typeface=""/>
         <a:font script="Jpan" typeface="ＭＳ Ｐゴシック"/>
         <a:font script="Hang" typeface="맑은 고딕"/>
         <a:font script="Hans" typeface="宋体"/>
@@ -15421,9 +12312,9 @@
         <a:font script="Geor" typeface="Sylfaen"/>
       </a:majorFont>
       <a:minorFont>
-        <a:latin typeface="Franklin Gothic Book" panose="020f0502020204030204"/>
-        <a:ea typeface="Franklin Gothic Book" panose="020f0502020204030204"/>
-        <a:cs typeface="Arial"/>
+        <a:latin typeface="Franklin Gothic Book" panose="020F0502020204030204"/>
+        <a:ea typeface=""/>
+        <a:cs typeface=""/>
         <a:font script="Jpan" typeface="ＭＳ Ｐゴシック"/>
         <a:font script="Hang" typeface="맑은 고딕"/>
         <a:font script="Hans" typeface="宋体"/>
@@ -15617,6 +12508,7 @@
     </a:fmtScheme>
   </a:themeElements>
   <a:objectDefaults/>
+  <a:extraClrSchemeLst/>
   <a:extLst>
     <a:ext uri="{05A4C25C-085E-4340-85A3-A5531E510DB2}">
       <thm15:themeFamily xmlns:thm15="http://schemas.microsoft.com/office/thememl/2012/main" name="RetrospectVTI" id="{ABE3C30C-0FC0-4450-828E-52DE70F1BCCB}" vid="{A6E2497D-935A-4CFD-B9FD-6DCB15FA68BF}"/>
@@ -15626,7 +12518,7 @@
 </file>
 
 <file path=ppt/theme/theme2.xml><?xml version="1.0" encoding="utf-8"?>
-<a:theme xmlns:r="http://schemas.openxmlformats.org/officeDocument/2006/relationships" xmlns:a="http://schemas.openxmlformats.org/drawingml/2006/main" name="Office Theme">
+<a:theme xmlns:a="http://schemas.openxmlformats.org/drawingml/2006/main" name="Office Theme">
   <a:themeElements>
     <a:clrScheme name="Office">
       <a:dk1>
@@ -15669,8 +12561,8 @@
     <a:fontScheme name="Office">
       <a:majorFont>
         <a:latin typeface="Aptos Display" panose="02110004020202020204"/>
-        <a:ea typeface="Aptos Display" panose="02110004020202020204"/>
-        <a:cs typeface="Arial"/>
+        <a:ea typeface=""/>
+        <a:cs typeface=""/>
         <a:font script="Jpan" typeface="游ゴシック Light"/>
         <a:font script="Hang" typeface="맑은 고딕"/>
         <a:font script="Hans" typeface="等线 Light"/>
@@ -15721,8 +12613,8 @@
       </a:majorFont>
       <a:minorFont>
         <a:latin typeface="Aptos" panose="02110004020202020204"/>
-        <a:ea typeface="Aptos" panose="02110004020202020204"/>
-        <a:cs typeface="Arial"/>
+        <a:ea typeface=""/>
+        <a:cs typeface=""/>
         <a:font script="Jpan" typeface="游ゴシック"/>
         <a:font script="Hang" typeface="맑은 고딕"/>
         <a:font script="Hans" typeface="等线"/>
@@ -15931,6 +12823,7 @@
       </a:style>
     </a:lnDef>
   </a:objectDefaults>
+  <a:extraClrSchemeLst/>
   <a:extLst>
     <a:ext uri="{05A4C25C-085E-4340-85A3-A5531E510DB2}">
       <thm15:themeFamily xmlns:thm15="http://schemas.microsoft.com/office/thememl/2012/main" name="Office Theme" id="{2E142A2C-CD16-42D6-873A-C26D2A0506FA}" vid="{1BDDFF52-6CD6-40A5-AB3C-68EB2F1E4D0A}"/>
